--- a/mikrostoritve decentralizacija.pptx
+++ b/mikrostoritve decentralizacija.pptx
@@ -1,14 +1,14 @@
 
 <file path=ppt/presentation.xml><?xml version="1.0" encoding="utf-8"?>
-<p:presentation xmlns:a="http://schemas.openxmlformats.org/drawingml/2006/main" xmlns:r="http://schemas.openxmlformats.org/officeDocument/2006/relationships" xmlns:p="http://schemas.openxmlformats.org/presentationml/2006/main" saveSubsetFonts="1">
+<p:presentation xmlns:a="http://schemas.openxmlformats.org/drawingml/2006/main" xmlns:r="http://schemas.openxmlformats.org/officeDocument/2006/relationships" xmlns:p="http://schemas.openxmlformats.org/presentationml/2006/main" showSpecialPlsOnTitleSld="0" saveSubsetFonts="1">
   <p:sldMasterIdLst>
     <p:sldMasterId id="2147483660" r:id="rId4"/>
   </p:sldMasterIdLst>
   <p:notesMasterIdLst>
-    <p:notesMasterId r:id="rId18"/>
+    <p:notesMasterId r:id="rId20"/>
   </p:notesMasterIdLst>
   <p:handoutMasterIdLst>
-    <p:handoutMasterId r:id="rId19"/>
+    <p:handoutMasterId r:id="rId21"/>
   </p:handoutMasterIdLst>
   <p:sldIdLst>
     <p:sldId id="257" r:id="rId5"/>
@@ -17,13 +17,15 @@
     <p:sldId id="278" r:id="rId8"/>
     <p:sldId id="279" r:id="rId9"/>
     <p:sldId id="271" r:id="rId10"/>
-    <p:sldId id="272" r:id="rId11"/>
-    <p:sldId id="273" r:id="rId12"/>
-    <p:sldId id="280" r:id="rId13"/>
-    <p:sldId id="274" r:id="rId14"/>
-    <p:sldId id="275" r:id="rId15"/>
-    <p:sldId id="276" r:id="rId16"/>
-    <p:sldId id="277" r:id="rId17"/>
+    <p:sldId id="281" r:id="rId11"/>
+    <p:sldId id="272" r:id="rId12"/>
+    <p:sldId id="273" r:id="rId13"/>
+    <p:sldId id="280" r:id="rId14"/>
+    <p:sldId id="274" r:id="rId15"/>
+    <p:sldId id="275" r:id="rId16"/>
+    <p:sldId id="276" r:id="rId17"/>
+    <p:sldId id="282" r:id="rId18"/>
+    <p:sldId id="277" r:id="rId19"/>
   </p:sldIdLst>
   <p:sldSz cx="12188825" cy="6858000"/>
   <p:notesSz cx="6858000" cy="9144000"/>
@@ -239,7 +241,7 @@
             <a:pPr algn="r" rtl="0"/>
             <a:fld id="{1864BFF7-A2A5-4E36-9B3A-1F332E0500D8}" type="datetime1">
               <a:rPr lang="sl-SI" smtClean="0"/>
-              <a:t>30. 05. 2018</a:t>
+              <a:t>15. 09. 2018</a:t>
             </a:fld>
             <a:endParaRPr lang="sl-SI" dirty="0"/>
           </a:p>
@@ -409,7 +411,7 @@
             <a:fld id="{25E42A8C-B230-4562-B1A8-9ACF6844465B}" type="datetime1">
               <a:rPr lang="sl-SI" smtClean="0"/>
               <a:pPr/>
-              <a:t>30. 05. 2018</a:t>
+              <a:t>15. 09. 2018</a:t>
             </a:fld>
             <a:endParaRPr lang="sl-SI" dirty="0"/>
           </a:p>
@@ -929,6 +931,357 @@
     <p:extLst>
       <p:ext uri="{BB962C8B-B14F-4D97-AF65-F5344CB8AC3E}">
         <p14:creationId xmlns:p14="http://schemas.microsoft.com/office/powerpoint/2010/main" val="2511634237"/>
+      </p:ext>
+    </p:extLst>
+  </p:cSld>
+  <p:clrMapOvr>
+    <a:masterClrMapping/>
+  </p:clrMapOvr>
+</p:notes>
+</file>
+
+<file path=ppt/notesSlides/notesSlide4.xml><?xml version="1.0" encoding="utf-8"?>
+<p:notes xmlns:a="http://schemas.openxmlformats.org/drawingml/2006/main" xmlns:r="http://schemas.openxmlformats.org/officeDocument/2006/relationships" xmlns:p="http://schemas.openxmlformats.org/presentationml/2006/main">
+  <p:cSld>
+    <p:spTree>
+      <p:nvGrpSpPr>
+        <p:cNvPr id="1" name=""/>
+        <p:cNvGrpSpPr/>
+        <p:nvPr/>
+      </p:nvGrpSpPr>
+      <p:grpSpPr>
+        <a:xfrm>
+          <a:off x="0" y="0"/>
+          <a:ext cx="0" cy="0"/>
+          <a:chOff x="0" y="0"/>
+          <a:chExt cx="0" cy="0"/>
+        </a:xfrm>
+      </p:grpSpPr>
+      <p:sp>
+        <p:nvSpPr>
+          <p:cNvPr id="2" name="Označba mesta stranske slike 1"/>
+          <p:cNvSpPr>
+            <a:spLocks noGrp="1" noRot="1" noChangeAspect="1"/>
+          </p:cNvSpPr>
+          <p:nvPr>
+            <p:ph type="sldImg"/>
+          </p:nvPr>
+        </p:nvSpPr>
+        <p:spPr/>
+      </p:sp>
+      <p:sp>
+        <p:nvSpPr>
+          <p:cNvPr id="3" name="Označba mesta opomb 2"/>
+          <p:cNvSpPr>
+            <a:spLocks noGrp="1"/>
+          </p:cNvSpPr>
+          <p:nvPr>
+            <p:ph type="body" idx="1"/>
+          </p:nvPr>
+        </p:nvSpPr>
+        <p:spPr/>
+        <p:txBody>
+          <a:bodyPr/>
+          <a:lstStyle/>
+          <a:p>
+            <a:r>
+              <a:rPr lang="en-US" dirty="0" err="1"/>
+              <a:t>Povej</a:t>
+            </a:r>
+            <a:r>
+              <a:rPr lang="en-US" dirty="0"/>
+              <a:t>, </a:t>
+            </a:r>
+            <a:r>
+              <a:rPr lang="en-US" dirty="0" err="1"/>
+              <a:t>kaj</a:t>
+            </a:r>
+            <a:r>
+              <a:rPr lang="en-US" dirty="0"/>
+              <a:t> je </a:t>
+            </a:r>
+            <a:r>
+              <a:rPr lang="en-US" dirty="0" err="1"/>
+              <a:t>na</a:t>
+            </a:r>
+            <a:r>
+              <a:rPr lang="en-US" dirty="0"/>
+              <a:t> </a:t>
+            </a:r>
+            <a:r>
+              <a:rPr lang="en-US" dirty="0" err="1"/>
+              <a:t>sliki</a:t>
+            </a:r>
+            <a:endParaRPr lang="en-US" dirty="0"/>
+          </a:p>
+          <a:p>
+            <a:r>
+              <a:rPr lang="en-US" dirty="0" err="1"/>
+              <a:t>Problemi</a:t>
+            </a:r>
+            <a:r>
+              <a:rPr lang="en-US" dirty="0"/>
+              <a:t>: </a:t>
+            </a:r>
+            <a:r>
+              <a:rPr lang="en-US" dirty="0" err="1"/>
+              <a:t>neuspešno</a:t>
+            </a:r>
+            <a:r>
+              <a:rPr lang="en-US" dirty="0"/>
+              <a:t> </a:t>
+            </a:r>
+            <a:r>
+              <a:rPr lang="en-US" dirty="0" err="1"/>
+              <a:t>odkrivanje</a:t>
+            </a:r>
+            <a:r>
+              <a:rPr lang="en-US" dirty="0"/>
+              <a:t>, </a:t>
+            </a:r>
+            <a:r>
+              <a:rPr lang="en-US" dirty="0" err="1"/>
+              <a:t>neuspešen</a:t>
+            </a:r>
+            <a:r>
+              <a:rPr lang="en-US" dirty="0"/>
+              <a:t> </a:t>
+            </a:r>
+            <a:r>
+              <a:rPr lang="en-US" dirty="0" err="1"/>
+              <a:t>zagon</a:t>
+            </a:r>
+            <a:r>
+              <a:rPr lang="en-US" dirty="0"/>
+              <a:t> docker </a:t>
+            </a:r>
+            <a:r>
+              <a:rPr lang="en-US" dirty="0" err="1"/>
+              <a:t>slike</a:t>
+            </a:r>
+            <a:r>
+              <a:rPr lang="en-US" dirty="0"/>
+              <a:t>, </a:t>
+            </a:r>
+            <a:r>
+              <a:rPr lang="en-US" dirty="0" err="1"/>
+              <a:t>neuspešno</a:t>
+            </a:r>
+            <a:r>
+              <a:rPr lang="en-US" dirty="0"/>
+              <a:t> </a:t>
+            </a:r>
+            <a:r>
+              <a:rPr lang="en-US" dirty="0" err="1"/>
+              <a:t>brisanje</a:t>
+            </a:r>
+            <a:r>
+              <a:rPr lang="en-US" dirty="0"/>
+              <a:t> </a:t>
+            </a:r>
+            <a:r>
+              <a:rPr lang="en-US" dirty="0" err="1"/>
+              <a:t>pri</a:t>
+            </a:r>
+            <a:r>
+              <a:rPr lang="en-US" dirty="0"/>
+              <a:t> </a:t>
+            </a:r>
+            <a:r>
+              <a:rPr lang="en-US" dirty="0" err="1"/>
+              <a:t>velikem</a:t>
+            </a:r>
+            <a:r>
+              <a:rPr lang="en-US" dirty="0"/>
+              <a:t> </a:t>
+            </a:r>
+            <a:r>
+              <a:rPr lang="en-US" dirty="0" err="1"/>
+              <a:t>številu</a:t>
+            </a:r>
+            <a:r>
+              <a:rPr lang="en-US" dirty="0"/>
+              <a:t> </a:t>
+            </a:r>
+            <a:r>
+              <a:rPr lang="en-US" dirty="0" err="1"/>
+              <a:t>podatkov</a:t>
+            </a:r>
+            <a:endParaRPr lang="en-US" dirty="0"/>
+          </a:p>
+        </p:txBody>
+      </p:sp>
+      <p:sp>
+        <p:nvSpPr>
+          <p:cNvPr id="4" name="Označba mesta številke diapozitiva 3"/>
+          <p:cNvSpPr>
+            <a:spLocks noGrp="1"/>
+          </p:cNvSpPr>
+          <p:nvPr>
+            <p:ph type="sldNum" sz="quarter" idx="5"/>
+          </p:nvPr>
+        </p:nvSpPr>
+        <p:spPr/>
+        <p:txBody>
+          <a:bodyPr/>
+          <a:lstStyle/>
+          <a:p>
+            <a:pPr algn="r"/>
+            <a:fld id="{3EBA5BD7-F043-4D1B-AA17-CD412FC534DE}" type="slidenum">
+              <a:rPr lang="sl-SI" smtClean="0"/>
+              <a:pPr algn="r"/>
+              <a:t>14</a:t>
+            </a:fld>
+            <a:endParaRPr lang="sl-SI" dirty="0"/>
+          </a:p>
+        </p:txBody>
+      </p:sp>
+    </p:spTree>
+    <p:extLst>
+      <p:ext uri="{BB962C8B-B14F-4D97-AF65-F5344CB8AC3E}">
+        <p14:creationId xmlns:p14="http://schemas.microsoft.com/office/powerpoint/2010/main" val="344014947"/>
+      </p:ext>
+    </p:extLst>
+  </p:cSld>
+  <p:clrMapOvr>
+    <a:masterClrMapping/>
+  </p:clrMapOvr>
+</p:notes>
+</file>
+
+<file path=ppt/notesSlides/notesSlide5.xml><?xml version="1.0" encoding="utf-8"?>
+<p:notes xmlns:a="http://schemas.openxmlformats.org/drawingml/2006/main" xmlns:r="http://schemas.openxmlformats.org/officeDocument/2006/relationships" xmlns:p="http://schemas.openxmlformats.org/presentationml/2006/main">
+  <p:cSld>
+    <p:spTree>
+      <p:nvGrpSpPr>
+        <p:cNvPr id="1" name=""/>
+        <p:cNvGrpSpPr/>
+        <p:nvPr/>
+      </p:nvGrpSpPr>
+      <p:grpSpPr>
+        <a:xfrm>
+          <a:off x="0" y="0"/>
+          <a:ext cx="0" cy="0"/>
+          <a:chOff x="0" y="0"/>
+          <a:chExt cx="0" cy="0"/>
+        </a:xfrm>
+      </p:grpSpPr>
+      <p:sp>
+        <p:nvSpPr>
+          <p:cNvPr id="2" name="Označba mesta stranske slike 1"/>
+          <p:cNvSpPr>
+            <a:spLocks noGrp="1" noRot="1" noChangeAspect="1"/>
+          </p:cNvSpPr>
+          <p:nvPr>
+            <p:ph type="sldImg"/>
+          </p:nvPr>
+        </p:nvSpPr>
+        <p:spPr/>
+      </p:sp>
+      <p:sp>
+        <p:nvSpPr>
+          <p:cNvPr id="3" name="Označba mesta opomb 2"/>
+          <p:cNvSpPr>
+            <a:spLocks noGrp="1"/>
+          </p:cNvSpPr>
+          <p:nvPr>
+            <p:ph type="body" idx="1"/>
+          </p:nvPr>
+        </p:nvSpPr>
+        <p:spPr/>
+        <p:txBody>
+          <a:bodyPr/>
+          <a:lstStyle/>
+          <a:p>
+            <a:r>
+              <a:rPr lang="en-US" dirty="0"/>
+              <a:t>Za </a:t>
+            </a:r>
+            <a:r>
+              <a:rPr lang="en-US" dirty="0" err="1"/>
+              <a:t>konec</a:t>
+            </a:r>
+            <a:r>
+              <a:rPr lang="en-US" dirty="0"/>
+              <a:t>: </a:t>
+            </a:r>
+            <a:r>
+              <a:rPr lang="en-US" dirty="0" err="1"/>
+              <a:t>visoka</a:t>
+            </a:r>
+            <a:r>
+              <a:rPr lang="en-US" dirty="0"/>
+              <a:t> </a:t>
+            </a:r>
+            <a:r>
+              <a:rPr lang="en-US" dirty="0" err="1"/>
+              <a:t>razpoložljivost</a:t>
+            </a:r>
+            <a:r>
+              <a:rPr lang="en-US" dirty="0"/>
+              <a:t>, </a:t>
+            </a:r>
+            <a:r>
+              <a:rPr lang="en-US" dirty="0" err="1"/>
+              <a:t>nezmožost</a:t>
+            </a:r>
+            <a:r>
+              <a:rPr lang="en-US" dirty="0"/>
+              <a:t> </a:t>
+            </a:r>
+            <a:r>
+              <a:rPr lang="en-US" dirty="0" err="1"/>
+              <a:t>zavračanja</a:t>
+            </a:r>
+            <a:r>
+              <a:rPr lang="en-US" dirty="0"/>
+              <a:t> </a:t>
+            </a:r>
+            <a:r>
+              <a:rPr lang="en-US" dirty="0" err="1"/>
+              <a:t>delovanja</a:t>
+            </a:r>
+            <a:r>
+              <a:rPr lang="en-US" dirty="0"/>
+              <a:t> </a:t>
+            </a:r>
+            <a:r>
+              <a:rPr lang="en-US" dirty="0" err="1"/>
+              <a:t>storitev</a:t>
+            </a:r>
+            <a:endParaRPr lang="sl-SI" dirty="0"/>
+          </a:p>
+        </p:txBody>
+      </p:sp>
+      <p:sp>
+        <p:nvSpPr>
+          <p:cNvPr id="4" name="Označba mesta številke diapozitiva 3"/>
+          <p:cNvSpPr>
+            <a:spLocks noGrp="1"/>
+          </p:cNvSpPr>
+          <p:nvPr>
+            <p:ph type="sldNum" sz="quarter" idx="5"/>
+          </p:nvPr>
+        </p:nvSpPr>
+        <p:spPr/>
+        <p:txBody>
+          <a:bodyPr/>
+          <a:lstStyle/>
+          <a:p>
+            <a:pPr algn="r"/>
+            <a:fld id="{3EBA5BD7-F043-4D1B-AA17-CD412FC534DE}" type="slidenum">
+              <a:rPr lang="sl-SI" smtClean="0"/>
+              <a:pPr algn="r"/>
+              <a:t>15</a:t>
+            </a:fld>
+            <a:endParaRPr lang="sl-SI" dirty="0"/>
+          </a:p>
+        </p:txBody>
+      </p:sp>
+    </p:spTree>
+    <p:extLst>
+      <p:ext uri="{BB962C8B-B14F-4D97-AF65-F5344CB8AC3E}">
+        <p14:creationId xmlns:p14="http://schemas.microsoft.com/office/powerpoint/2010/main" val="3483187436"/>
       </p:ext>
     </p:extLst>
   </p:cSld>
@@ -1698,10 +2051,9 @@
             </a:lvl1pPr>
           </a:lstStyle>
           <a:p>
-            <a:fld id="{25B709D5-7843-440C-9EB9-B3B9D1306EC0}" type="datetime1">
+            <a:fld id="{78C2ACB5-1EFD-4003-AC05-30A40E699CFF}" type="datetime1">
               <a:rPr lang="sl-SI" smtClean="0"/>
-              <a:pPr/>
-              <a:t>30. 05. 2018</a:t>
+              <a:t>15. 09. 2018</a:t>
             </a:fld>
             <a:endParaRPr lang="sl-SI" dirty="0"/>
           </a:p>
@@ -1908,10 +2260,9 @@
             </a:lvl1pPr>
           </a:lstStyle>
           <a:p>
-            <a:fld id="{B3C718AC-8A8F-4D0C-BCA3-5DC0D428998C}" type="datetime1">
+            <a:fld id="{7BF8162F-5356-49AD-8480-EAE4EB880B85}" type="datetime1">
               <a:rPr lang="sl-SI" smtClean="0"/>
-              <a:pPr/>
-              <a:t>30. 05. 2018</a:t>
+              <a:t>15. 09. 2018</a:t>
             </a:fld>
             <a:endParaRPr lang="sl-SI" dirty="0"/>
           </a:p>
@@ -2128,10 +2479,9 @@
             </a:lvl1pPr>
           </a:lstStyle>
           <a:p>
-            <a:fld id="{60463C59-31DA-434F-83DE-BC550366D120}" type="datetime1">
+            <a:fld id="{67D2FCF5-91A4-4EE3-AC60-5B8B3C764247}" type="datetime1">
               <a:rPr lang="sl-SI" smtClean="0"/>
-              <a:pPr/>
-              <a:t>30. 05. 2018</a:t>
+              <a:t>15. 09. 2018</a:t>
             </a:fld>
             <a:endParaRPr lang="sl-SI" dirty="0"/>
           </a:p>
@@ -2335,10 +2685,9 @@
             </a:lvl1pPr>
           </a:lstStyle>
           <a:p>
-            <a:fld id="{0D5C1E48-B901-4EF4-84BC-6620F55DEA93}" type="datetime1">
+            <a:fld id="{129960F1-83AE-49EB-A506-FF67823A3F11}" type="datetime1">
               <a:rPr lang="sl-SI" smtClean="0"/>
-              <a:pPr/>
-              <a:t>30. 05. 2018</a:t>
+              <a:t>15. 09. 2018</a:t>
             </a:fld>
             <a:endParaRPr lang="sl-SI" dirty="0"/>
           </a:p>
@@ -2776,10 +3125,9 @@
             </a:lvl1pPr>
           </a:lstStyle>
           <a:p>
-            <a:fld id="{CE7B3C61-7D19-43AA-A450-AF9A8F0970CD}" type="datetime1">
+            <a:fld id="{00F36705-CE14-4D15-AE2B-34CE1D18B314}" type="datetime1">
               <a:rPr lang="sl-SI" smtClean="0"/>
-              <a:pPr/>
-              <a:t>30. 05. 2018</a:t>
+              <a:t>15. 09. 2018</a:t>
             </a:fld>
             <a:endParaRPr lang="sl-SI" dirty="0"/>
           </a:p>
@@ -3092,10 +3440,9 @@
             </a:lvl1pPr>
           </a:lstStyle>
           <a:p>
-            <a:fld id="{7974DCDB-C118-4AF0-BAE9-B06CE25B9AEE}" type="datetime1">
+            <a:fld id="{6D12B4D5-A3CA-40B3-BF72-D7B74F8F4549}" type="datetime1">
               <a:rPr lang="sl-SI" smtClean="0"/>
-              <a:pPr/>
-              <a:t>30. 05. 2018</a:t>
+              <a:t>15. 09. 2018</a:t>
             </a:fld>
             <a:endParaRPr lang="sl-SI" dirty="0"/>
           </a:p>
@@ -3556,10 +3903,9 @@
             </a:lvl1pPr>
           </a:lstStyle>
           <a:p>
-            <a:fld id="{6BF9A7BB-9723-4E59-931D-FBF5BC38D95A}" type="datetime1">
+            <a:fld id="{1F4A2070-3457-428B-9123-3C91EE97C865}" type="datetime1">
               <a:rPr lang="sl-SI" smtClean="0"/>
-              <a:pPr/>
-              <a:t>30. 05. 2018</a:t>
+              <a:t>15. 09. 2018</a:t>
             </a:fld>
             <a:endParaRPr lang="sl-SI" dirty="0"/>
           </a:p>
@@ -3698,10 +4044,9 @@
             </a:lvl1pPr>
           </a:lstStyle>
           <a:p>
-            <a:fld id="{C27EE2F0-463A-4794-855E-33D9BF744761}" type="datetime1">
+            <a:fld id="{4B8815E1-AFF9-4A17-B197-283E7AB7AF99}" type="datetime1">
               <a:rPr lang="sl-SI" smtClean="0"/>
-              <a:pPr/>
-              <a:t>30. 05. 2018</a:t>
+              <a:t>15. 09. 2018</a:t>
             </a:fld>
             <a:endParaRPr lang="sl-SI" dirty="0"/>
           </a:p>
@@ -3813,10 +4158,9 @@
             </a:lvl1pPr>
           </a:lstStyle>
           <a:p>
-            <a:fld id="{A7C3378D-DF56-48FB-9B7E-2542DC434CC6}" type="datetime1">
+            <a:fld id="{FC95C15C-5A50-4AAD-8551-3AEE5BD71FDC}" type="datetime1">
               <a:rPr lang="sl-SI" smtClean="0"/>
-              <a:pPr/>
-              <a:t>30. 05. 2018</a:t>
+              <a:t>15. 09. 2018</a:t>
             </a:fld>
             <a:endParaRPr lang="sl-SI" dirty="0"/>
           </a:p>
@@ -4120,10 +4464,9 @@
             </a:lvl1pPr>
           </a:lstStyle>
           <a:p>
-            <a:fld id="{95B9A097-AE0B-45D0-A9B8-9B174EF5E484}" type="datetime1">
+            <a:fld id="{2249BD4C-A292-4F3A-B930-02A7E7D9FC6B}" type="datetime1">
               <a:rPr lang="sl-SI" smtClean="0"/>
-              <a:pPr/>
-              <a:t>30. 05. 2018</a:t>
+              <a:t>15. 09. 2018</a:t>
             </a:fld>
             <a:endParaRPr lang="sl-SI" dirty="0"/>
           </a:p>
@@ -4420,10 +4763,9 @@
             </a:lvl1pPr>
           </a:lstStyle>
           <a:p>
-            <a:fld id="{45C5713E-EDAB-4B34-A4C1-ACEDC8F7412E}" type="datetime1">
+            <a:fld id="{67E59420-975E-4F35-B682-51288E715554}" type="datetime1">
               <a:rPr lang="sl-SI" smtClean="0"/>
-              <a:pPr/>
-              <a:t>30. 05. 2018</a:t>
+              <a:t>15. 09. 2018</a:t>
             </a:fld>
             <a:endParaRPr lang="sl-SI" dirty="0"/>
           </a:p>
@@ -5045,10 +5387,9 @@
             </a:lvl1pPr>
           </a:lstStyle>
           <a:p>
-            <a:fld id="{A1A934DD-4FC0-4068-9A4C-00B9C25B0F16}" type="datetime1">
+            <a:fld id="{AF9D4125-0FFB-43D4-B87A-BEE53F0188B8}" type="datetime1">
               <a:rPr lang="sl-SI" smtClean="0"/>
-              <a:pPr/>
-              <a:t>30. 05. 2018</a:t>
+              <a:t>15. 09. 2018</a:t>
             </a:fld>
             <a:endParaRPr lang="sl-SI" dirty="0"/>
           </a:p>
@@ -5168,6 +5509,7 @@
       </p:transition>
     </mc:Fallback>
   </mc:AlternateContent>
+  <p:hf sldNum="0" hdr="0" ftr="0"/>
   <p:txStyles>
     <p:titleStyle>
       <a:lvl1pPr algn="l" defTabSz="1218987" rtl="0" eaLnBrk="1" latinLnBrk="0" hangingPunct="1">
@@ -5606,7 +5948,7 @@
         </p:nvSpPr>
         <p:spPr>
           <a:xfrm>
-            <a:off x="1625176" y="5733256"/>
+            <a:off x="1629916" y="5471883"/>
             <a:ext cx="2736304" cy="400110"/>
           </a:xfrm>
           <a:prstGeom prst="rect">
@@ -5624,7 +5966,98 @@
               <a:rPr lang="en-US" sz="2000" dirty="0"/>
               <a:t>Primož Hrovat</a:t>
             </a:r>
-            <a:endParaRPr lang="sl-SI" sz="2000" dirty="0"/>
+          </a:p>
+        </p:txBody>
+      </p:sp>
+      <p:sp>
+        <p:nvSpPr>
+          <p:cNvPr id="6" name="PoljeZBesedilom 5">
+            <a:extLst>
+              <a:ext uri="{FF2B5EF4-FFF2-40B4-BE49-F238E27FC236}">
+                <a16:creationId xmlns:a16="http://schemas.microsoft.com/office/drawing/2014/main" id="{92976312-B9B5-401E-ABEA-2BEF585AD375}"/>
+              </a:ext>
+            </a:extLst>
+          </p:cNvPr>
+          <p:cNvSpPr txBox="1"/>
+          <p:nvPr/>
+        </p:nvSpPr>
+        <p:spPr>
+          <a:xfrm>
+            <a:off x="1623842" y="5085184"/>
+            <a:ext cx="4037189" cy="400110"/>
+          </a:xfrm>
+          <a:prstGeom prst="rect">
+            <a:avLst/>
+          </a:prstGeom>
+          <a:noFill/>
+        </p:spPr>
+        <p:txBody>
+          <a:bodyPr wrap="square" rtlCol="0">
+            <a:spAutoFit/>
+          </a:bodyPr>
+          <a:lstStyle/>
+          <a:p>
+            <a:r>
+              <a:rPr lang="en-US" sz="2000" dirty="0"/>
+              <a:t>Mentor: prof. dr. </a:t>
+            </a:r>
+            <a:r>
+              <a:rPr lang="en-US" sz="2000" dirty="0" err="1"/>
+              <a:t>Matjaž</a:t>
+            </a:r>
+            <a:r>
+              <a:rPr lang="en-US" sz="2000" dirty="0"/>
+              <a:t> </a:t>
+            </a:r>
+            <a:r>
+              <a:rPr lang="en-US" sz="2000" dirty="0" err="1"/>
+              <a:t>Branko</a:t>
+            </a:r>
+            <a:r>
+              <a:rPr lang="en-US" sz="2000" dirty="0"/>
+              <a:t> </a:t>
+            </a:r>
+            <a:r>
+              <a:rPr lang="en-US" sz="2000" dirty="0" err="1"/>
+              <a:t>Jurič</a:t>
+            </a:r>
+            <a:endParaRPr lang="en-US" sz="2000" dirty="0"/>
+          </a:p>
+        </p:txBody>
+      </p:sp>
+      <p:sp>
+        <p:nvSpPr>
+          <p:cNvPr id="7" name="PoljeZBesedilom 6">
+            <a:extLst>
+              <a:ext uri="{FF2B5EF4-FFF2-40B4-BE49-F238E27FC236}">
+                <a16:creationId xmlns:a16="http://schemas.microsoft.com/office/drawing/2014/main" id="{F5E62D2E-056D-4C82-9470-7C97EB632257}"/>
+              </a:ext>
+            </a:extLst>
+          </p:cNvPr>
+          <p:cNvSpPr txBox="1"/>
+          <p:nvPr/>
+        </p:nvSpPr>
+        <p:spPr>
+          <a:xfrm>
+            <a:off x="4984726" y="6381328"/>
+            <a:ext cx="2016224" cy="338554"/>
+          </a:xfrm>
+          <a:prstGeom prst="rect">
+            <a:avLst/>
+          </a:prstGeom>
+          <a:noFill/>
+        </p:spPr>
+        <p:txBody>
+          <a:bodyPr wrap="square" rtlCol="0">
+            <a:spAutoFit/>
+          </a:bodyPr>
+          <a:lstStyle/>
+          <a:p>
+            <a:pPr algn="ctr"/>
+            <a:r>
+              <a:rPr lang="en-US" sz="1600" dirty="0"/>
+              <a:t>Ljubljana, 18. 9. 2018</a:t>
+            </a:r>
           </a:p>
         </p:txBody>
       </p:sp>
@@ -5672,10 +6105,10 @@
       </p:grpSpPr>
       <p:sp>
         <p:nvSpPr>
-          <p:cNvPr id="2" name="Naslov 1">
+          <p:cNvPr id="4" name="Naslov 3">
             <a:extLst>
               <a:ext uri="{FF2B5EF4-FFF2-40B4-BE49-F238E27FC236}">
-                <a16:creationId xmlns:a16="http://schemas.microsoft.com/office/drawing/2014/main" id="{8008B854-0356-43B1-A8F1-9F1503DD3DD0}"/>
+                <a16:creationId xmlns:a16="http://schemas.microsoft.com/office/drawing/2014/main" id="{34A2FD42-FFEF-4DE0-AAEA-45EE8C9A1E4A}"/>
               </a:ext>
             </a:extLst>
           </p:cNvPr>
@@ -5693,47 +6126,15 @@
           <a:p>
             <a:r>
               <a:rPr lang="en-US" dirty="0" err="1"/>
-              <a:t>Koncepti</a:t>
-            </a:r>
-            <a:r>
-              <a:rPr lang="en-US" dirty="0"/>
-              <a:t> </a:t>
-            </a:r>
-            <a:r>
-              <a:rPr lang="en-US" dirty="0" err="1"/>
-              <a:t>registracije</a:t>
-            </a:r>
-            <a:r>
-              <a:rPr lang="en-US" dirty="0"/>
-              <a:t> in </a:t>
-            </a:r>
-            <a:r>
-              <a:rPr lang="en-US" dirty="0" err="1"/>
-              <a:t>odkrivanja</a:t>
-            </a:r>
-            <a:r>
-              <a:rPr lang="en-US" dirty="0"/>
-              <a:t> </a:t>
-            </a:r>
-            <a:r>
-              <a:rPr lang="en-US" dirty="0" err="1"/>
-              <a:t>storitev</a:t>
-            </a:r>
-            <a:r>
-              <a:rPr lang="en-US" dirty="0"/>
-              <a:t> v </a:t>
-            </a:r>
-            <a:r>
-              <a:rPr lang="en-US" dirty="0" err="1"/>
-              <a:t>decentraliziranem</a:t>
-            </a:r>
-            <a:r>
-              <a:rPr lang="en-US" dirty="0"/>
-              <a:t> </a:t>
-            </a:r>
-            <a:r>
-              <a:rPr lang="en-US" dirty="0" err="1"/>
-              <a:t>okolju</a:t>
+              <a:t>Decentralizirano</a:t>
+            </a:r>
+            <a:r>
+              <a:rPr lang="en-US" dirty="0"/>
+              <a:t> </a:t>
+            </a:r>
+            <a:r>
+              <a:rPr lang="en-US" dirty="0" err="1"/>
+              <a:t>izvajanje</a:t>
             </a:r>
             <a:endParaRPr lang="sl-SI" dirty="0"/>
           </a:p>
@@ -5741,10 +6142,10 @@
       </p:sp>
       <p:sp>
         <p:nvSpPr>
-          <p:cNvPr id="3" name="Označba mesta vsebine 2">
+          <p:cNvPr id="5" name="Označba mesta besedila 4">
             <a:extLst>
               <a:ext uri="{FF2B5EF4-FFF2-40B4-BE49-F238E27FC236}">
-                <a16:creationId xmlns:a16="http://schemas.microsoft.com/office/drawing/2014/main" id="{94FE31C1-DCEE-4430-B57E-E049173E99A9}"/>
+                <a16:creationId xmlns:a16="http://schemas.microsoft.com/office/drawing/2014/main" id="{AFC1A1A6-A48C-4CC7-BB95-F05DE2F7BD27}"/>
               </a:ext>
             </a:extLst>
           </p:cNvPr>
@@ -5752,7 +6153,7 @@
             <a:spLocks noGrp="1"/>
           </p:cNvSpPr>
           <p:nvPr>
-            <p:ph idx="1"/>
+            <p:ph type="body" idx="1"/>
           </p:nvPr>
         </p:nvSpPr>
         <p:spPr/>
@@ -5760,104 +6161,35 @@
           <a:bodyPr/>
           <a:lstStyle/>
           <a:p>
-            <a:r>
-              <a:rPr lang="en-US" dirty="0" err="1"/>
-              <a:t>Kako</a:t>
-            </a:r>
-            <a:r>
-              <a:rPr lang="en-US" dirty="0"/>
-              <a:t> novo </a:t>
-            </a:r>
-            <a:r>
-              <a:rPr lang="en-US" dirty="0" err="1"/>
-              <a:t>storitev</a:t>
-            </a:r>
-            <a:r>
-              <a:rPr lang="en-US" dirty="0"/>
-              <a:t> </a:t>
-            </a:r>
-            <a:r>
-              <a:rPr lang="en-US" dirty="0" err="1"/>
-              <a:t>registrirati</a:t>
-            </a:r>
-            <a:r>
-              <a:rPr lang="en-US" dirty="0"/>
-              <a:t> v </a:t>
-            </a:r>
-            <a:r>
-              <a:rPr lang="en-US" dirty="0" err="1"/>
-              <a:t>decentralizirano</a:t>
-            </a:r>
-            <a:r>
-              <a:rPr lang="en-US" dirty="0"/>
-              <a:t> </a:t>
-            </a:r>
-            <a:r>
-              <a:rPr lang="en-US" dirty="0" err="1"/>
-              <a:t>omrežje</a:t>
-            </a:r>
-            <a:r>
-              <a:rPr lang="en-US" dirty="0"/>
-              <a:t> in jo </a:t>
-            </a:r>
-            <a:r>
-              <a:rPr lang="en-US" dirty="0" err="1"/>
-              <a:t>kasneje</a:t>
-            </a:r>
-            <a:r>
-              <a:rPr lang="en-US" dirty="0"/>
-              <a:t> </a:t>
-            </a:r>
-            <a:r>
-              <a:rPr lang="en-US" dirty="0" err="1"/>
-              <a:t>odkriti</a:t>
-            </a:r>
-            <a:r>
-              <a:rPr lang="en-US" dirty="0"/>
-              <a:t>?</a:t>
-            </a:r>
-          </a:p>
-          <a:p>
-            <a:r>
-              <a:rPr lang="en-US" dirty="0"/>
-              <a:t>TODO: </a:t>
-            </a:r>
-            <a:r>
-              <a:rPr lang="en-US" dirty="0" err="1"/>
-              <a:t>podrobnejši</a:t>
-            </a:r>
-            <a:r>
-              <a:rPr lang="en-US" dirty="0"/>
-              <a:t> </a:t>
-            </a:r>
-            <a:r>
-              <a:rPr lang="en-US" dirty="0" err="1"/>
-              <a:t>opis</a:t>
-            </a:r>
-            <a:r>
-              <a:rPr lang="en-US" dirty="0"/>
-              <a:t> </a:t>
-            </a:r>
-            <a:r>
-              <a:rPr lang="en-US" dirty="0" err="1"/>
-              <a:t>problemov</a:t>
-            </a:r>
-            <a:r>
-              <a:rPr lang="en-US" dirty="0"/>
-              <a:t> </a:t>
-            </a:r>
-            <a:r>
-              <a:rPr lang="en-US" dirty="0" err="1"/>
-              <a:t>registracije</a:t>
-            </a:r>
-            <a:r>
-              <a:rPr lang="en-US" dirty="0"/>
-              <a:t> in </a:t>
-            </a:r>
-            <a:r>
-              <a:rPr lang="en-US" dirty="0" err="1"/>
-              <a:t>odkrivanja</a:t>
-            </a:r>
+            <a:endParaRPr lang="sl-SI"/>
+          </a:p>
+        </p:txBody>
+      </p:sp>
+      <p:sp>
+        <p:nvSpPr>
+          <p:cNvPr id="2" name="Označba mesta datuma 1">
+            <a:extLst>
+              <a:ext uri="{FF2B5EF4-FFF2-40B4-BE49-F238E27FC236}">
+                <a16:creationId xmlns:a16="http://schemas.microsoft.com/office/drawing/2014/main" id="{B8CA5C4B-1BB6-412E-993A-7BCF13FE3B07}"/>
+              </a:ext>
+            </a:extLst>
+          </p:cNvPr>
+          <p:cNvSpPr>
+            <a:spLocks noGrp="1"/>
+          </p:cNvSpPr>
+          <p:nvPr>
+            <p:ph type="dt" sz="half" idx="10"/>
+          </p:nvPr>
+        </p:nvSpPr>
+        <p:spPr/>
+        <p:txBody>
+          <a:bodyPr/>
+          <a:lstStyle/>
+          <a:p>
+            <a:fld id="{8D8838C7-69B9-42B6-B728-B5FA655029C7}" type="datetime1">
+              <a:rPr lang="sl-SI" smtClean="0"/>
+              <a:t>15. 09. 2018</a:t>
+            </a:fld>
             <a:endParaRPr lang="sl-SI" dirty="0"/>
           </a:p>
         </p:txBody>
@@ -5865,7 +6197,7 @@
     </p:spTree>
     <p:extLst>
       <p:ext uri="{BB962C8B-B14F-4D97-AF65-F5344CB8AC3E}">
-        <p14:creationId xmlns:p14="http://schemas.microsoft.com/office/powerpoint/2010/main" val="2305868304"/>
+        <p14:creationId xmlns:p14="http://schemas.microsoft.com/office/powerpoint/2010/main" val="1895209528"/>
       </p:ext>
     </p:extLst>
   </p:cSld>
@@ -5909,7 +6241,7 @@
           <p:cNvPr id="2" name="Naslov 1">
             <a:extLst>
               <a:ext uri="{FF2B5EF4-FFF2-40B4-BE49-F238E27FC236}">
-                <a16:creationId xmlns:a16="http://schemas.microsoft.com/office/drawing/2014/main" id="{DA25F6B7-DDF0-431C-B8F3-38F19781C06C}"/>
+                <a16:creationId xmlns:a16="http://schemas.microsoft.com/office/drawing/2014/main" id="{8008B854-0356-43B1-A8F1-9F1503DD3DD0}"/>
               </a:ext>
             </a:extLst>
           </p:cNvPr>
@@ -5927,15 +6259,7 @@
           <a:p>
             <a:r>
               <a:rPr lang="en-US" dirty="0" err="1"/>
-              <a:t>Predlagana</a:t>
-            </a:r>
-            <a:r>
-              <a:rPr lang="en-US" dirty="0"/>
-              <a:t> </a:t>
-            </a:r>
-            <a:r>
-              <a:rPr lang="en-US" dirty="0" err="1"/>
-              <a:t>rešitev</a:t>
+              <a:t>Decentralizacija</a:t>
             </a:r>
             <a:endParaRPr lang="sl-SI" dirty="0"/>
           </a:p>
@@ -5946,7 +6270,7 @@
           <p:cNvPr id="3" name="Označba mesta vsebine 2">
             <a:extLst>
               <a:ext uri="{FF2B5EF4-FFF2-40B4-BE49-F238E27FC236}">
-                <a16:creationId xmlns:a16="http://schemas.microsoft.com/office/drawing/2014/main" id="{B387F1E8-E3A5-4CCD-A5FF-AA25C4542950}"/>
+                <a16:creationId xmlns:a16="http://schemas.microsoft.com/office/drawing/2014/main" id="{94FE31C1-DCEE-4430-B57E-E049173E99A9}"/>
               </a:ext>
             </a:extLst>
           </p:cNvPr>
@@ -5963,37 +6287,155 @@
           <a:lstStyle/>
           <a:p>
             <a:r>
-              <a:rPr lang="en-US" dirty="0"/>
-              <a:t>TODO: </a:t>
-            </a:r>
-            <a:r>
-              <a:rPr lang="en-US" dirty="0" err="1"/>
-              <a:t>glavne</a:t>
-            </a:r>
-            <a:r>
-              <a:rPr lang="en-US" dirty="0"/>
-              <a:t> </a:t>
-            </a:r>
-            <a:r>
-              <a:rPr lang="en-US" dirty="0" err="1"/>
-              <a:t>komponente</a:t>
-            </a:r>
-            <a:r>
-              <a:rPr lang="en-US" dirty="0"/>
-              <a:t> </a:t>
-            </a:r>
-            <a:r>
-              <a:rPr lang="en-US" dirty="0" err="1"/>
-              <a:t>predlagane</a:t>
-            </a:r>
-            <a:r>
-              <a:rPr lang="en-US" dirty="0"/>
-              <a:t> </a:t>
-            </a:r>
-            <a:r>
-              <a:rPr lang="en-US" dirty="0" err="1"/>
-              <a:t>rešitve</a:t>
-            </a:r>
+              <a:rPr lang="en-US" dirty="0" err="1"/>
+              <a:t>Decentralizacija</a:t>
+            </a:r>
+            <a:r>
+              <a:rPr lang="en-US" dirty="0"/>
+              <a:t>: </a:t>
+            </a:r>
+            <a:r>
+              <a:rPr lang="en-US" dirty="0" err="1"/>
+              <a:t>sodelujoče</a:t>
+            </a:r>
+            <a:r>
+              <a:rPr lang="en-US" dirty="0"/>
+              <a:t> </a:t>
+            </a:r>
+            <a:r>
+              <a:rPr lang="en-US" dirty="0" err="1"/>
+              <a:t>entitete</a:t>
+            </a:r>
+            <a:r>
+              <a:rPr lang="en-US" dirty="0"/>
+              <a:t> so med </a:t>
+            </a:r>
+            <a:r>
+              <a:rPr lang="en-US" dirty="0" err="1"/>
+              <a:t>sabo</a:t>
+            </a:r>
+            <a:r>
+              <a:rPr lang="en-US" dirty="0"/>
+              <a:t> </a:t>
+            </a:r>
+            <a:r>
+              <a:rPr lang="en-US" dirty="0" err="1"/>
+              <a:t>enakovredne</a:t>
+            </a:r>
+            <a:endParaRPr lang="en-US" dirty="0"/>
+          </a:p>
+          <a:p>
+            <a:r>
+              <a:rPr lang="en-US" dirty="0" err="1"/>
+              <a:t>Vsakdo</a:t>
+            </a:r>
+            <a:r>
+              <a:rPr lang="en-US" dirty="0"/>
+              <a:t> </a:t>
+            </a:r>
+            <a:r>
+              <a:rPr lang="en-US" dirty="0" err="1"/>
+              <a:t>lahko</a:t>
+            </a:r>
+            <a:r>
+              <a:rPr lang="en-US" dirty="0"/>
+              <a:t> </a:t>
+            </a:r>
+            <a:r>
+              <a:rPr lang="en-US" dirty="0" err="1"/>
+              <a:t>sodeluje</a:t>
+            </a:r>
+            <a:r>
+              <a:rPr lang="en-US" dirty="0"/>
+              <a:t> in </a:t>
+            </a:r>
+            <a:r>
+              <a:rPr lang="en-US" dirty="0" err="1"/>
+              <a:t>izvaja</a:t>
+            </a:r>
+            <a:r>
+              <a:rPr lang="en-US" dirty="0"/>
+              <a:t> </a:t>
+            </a:r>
+            <a:r>
+              <a:rPr lang="en-US" dirty="0" err="1"/>
+              <a:t>storitev</a:t>
+            </a:r>
+            <a:endParaRPr lang="en-US" dirty="0"/>
+          </a:p>
+          <a:p>
+            <a:r>
+              <a:rPr lang="en-US" dirty="0" err="1"/>
+              <a:t>dApi</a:t>
+            </a:r>
+            <a:endParaRPr lang="en-US" dirty="0"/>
+          </a:p>
+          <a:p>
+            <a:r>
+              <a:rPr lang="en-US" dirty="0" err="1"/>
+              <a:t>Centraliziran</a:t>
+            </a:r>
+            <a:r>
+              <a:rPr lang="en-US" dirty="0"/>
+              <a:t> register </a:t>
+            </a:r>
+            <a:r>
+              <a:rPr lang="en-US" dirty="0" err="1"/>
+              <a:t>storitev</a:t>
+            </a:r>
+            <a:r>
+              <a:rPr lang="en-US" dirty="0"/>
+              <a:t> </a:t>
+            </a:r>
+            <a:r>
+              <a:rPr lang="en-US" dirty="0" err="1"/>
+              <a:t>nadomestimo</a:t>
+            </a:r>
+            <a:r>
+              <a:rPr lang="en-US" dirty="0"/>
+              <a:t> s </a:t>
+            </a:r>
+            <a:r>
+              <a:rPr lang="en-US" dirty="0" err="1"/>
+              <a:t>podatkovno</a:t>
+            </a:r>
+            <a:r>
+              <a:rPr lang="en-US" dirty="0"/>
+              <a:t> </a:t>
+            </a:r>
+            <a:r>
+              <a:rPr lang="en-US" dirty="0" err="1"/>
+              <a:t>verigo</a:t>
+            </a:r>
+            <a:endParaRPr lang="en-US" dirty="0"/>
+          </a:p>
+        </p:txBody>
+      </p:sp>
+      <p:sp>
+        <p:nvSpPr>
+          <p:cNvPr id="4" name="Označba mesta datuma 3">
+            <a:extLst>
+              <a:ext uri="{FF2B5EF4-FFF2-40B4-BE49-F238E27FC236}">
+                <a16:creationId xmlns:a16="http://schemas.microsoft.com/office/drawing/2014/main" id="{DC3CD77E-C72E-4FEF-AF77-2AFEFB931ECC}"/>
+              </a:ext>
+            </a:extLst>
+          </p:cNvPr>
+          <p:cNvSpPr>
+            <a:spLocks noGrp="1"/>
+          </p:cNvSpPr>
+          <p:nvPr>
+            <p:ph type="dt" sz="half" idx="10"/>
+          </p:nvPr>
+        </p:nvSpPr>
+        <p:spPr/>
+        <p:txBody>
+          <a:bodyPr/>
+          <a:lstStyle/>
+          <a:p>
+            <a:fld id="{CE8EBAF5-C71A-44A4-A7F3-D89792ACE036}" type="datetime1">
+              <a:rPr lang="sl-SI" smtClean="0"/>
+              <a:t>15. 09. 2018</a:t>
+            </a:fld>
             <a:endParaRPr lang="sl-SI" dirty="0"/>
           </a:p>
         </p:txBody>
@@ -6001,7 +6443,7 @@
     </p:spTree>
     <p:extLst>
       <p:ext uri="{BB962C8B-B14F-4D97-AF65-F5344CB8AC3E}">
-        <p14:creationId xmlns:p14="http://schemas.microsoft.com/office/powerpoint/2010/main" val="3946537882"/>
+        <p14:creationId xmlns:p14="http://schemas.microsoft.com/office/powerpoint/2010/main" val="2305868304"/>
       </p:ext>
     </p:extLst>
   </p:cSld>
@@ -6045,7 +6487,7 @@
           <p:cNvPr id="2" name="Naslov 1">
             <a:extLst>
               <a:ext uri="{FF2B5EF4-FFF2-40B4-BE49-F238E27FC236}">
-                <a16:creationId xmlns:a16="http://schemas.microsoft.com/office/drawing/2014/main" id="{8FE3D714-C59A-48F0-B70B-D8C3AB6EBEDE}"/>
+                <a16:creationId xmlns:a16="http://schemas.microsoft.com/office/drawing/2014/main" id="{DA25F6B7-DDF0-431C-B8F3-38F19781C06C}"/>
               </a:ext>
             </a:extLst>
           </p:cNvPr>
@@ -6063,15 +6505,15 @@
           <a:p>
             <a:r>
               <a:rPr lang="en-US" dirty="0" err="1"/>
-              <a:t>Implementacija</a:t>
-            </a:r>
-            <a:r>
-              <a:rPr lang="en-US" dirty="0"/>
-              <a:t> in </a:t>
-            </a:r>
-            <a:r>
-              <a:rPr lang="en-US" dirty="0" err="1"/>
-              <a:t>validacija</a:t>
+              <a:t>Konceptualna</a:t>
+            </a:r>
+            <a:r>
+              <a:rPr lang="en-US" dirty="0"/>
+              <a:t> </a:t>
+            </a:r>
+            <a:r>
+              <a:rPr lang="en-US" dirty="0" err="1"/>
+              <a:t>rešitev</a:t>
             </a:r>
             <a:endParaRPr lang="sl-SI" dirty="0"/>
           </a:p>
@@ -6082,7 +6524,7 @@
           <p:cNvPr id="3" name="Označba mesta vsebine 2">
             <a:extLst>
               <a:ext uri="{FF2B5EF4-FFF2-40B4-BE49-F238E27FC236}">
-                <a16:creationId xmlns:a16="http://schemas.microsoft.com/office/drawing/2014/main" id="{4FABF92D-81C1-45EB-884C-73150C365100}"/>
+                <a16:creationId xmlns:a16="http://schemas.microsoft.com/office/drawing/2014/main" id="{B387F1E8-E3A5-4CCD-A5FF-AA25C4542950}"/>
               </a:ext>
             </a:extLst>
           </p:cNvPr>
@@ -6099,26 +6541,59 @@
           <a:lstStyle/>
           <a:p>
             <a:r>
-              <a:rPr lang="en-US" dirty="0"/>
-              <a:t>Proof of Concept</a:t>
-            </a:r>
-          </a:p>
-          <a:p>
-            <a:r>
-              <a:rPr lang="en-US" dirty="0"/>
-              <a:t>TODO: </a:t>
-            </a:r>
-            <a:r>
-              <a:rPr lang="en-US" dirty="0" err="1"/>
-              <a:t>predstavitev</a:t>
-            </a:r>
-            <a:r>
-              <a:rPr lang="en-US" dirty="0"/>
-              <a:t> </a:t>
-            </a:r>
-            <a:r>
-              <a:rPr lang="en-US" dirty="0" err="1"/>
-              <a:t>implementacije</a:t>
+              <a:rPr lang="en-US" dirty="0" err="1"/>
+              <a:t>Osnovne</a:t>
+            </a:r>
+            <a:r>
+              <a:rPr lang="en-US" dirty="0"/>
+              <a:t> faze:</a:t>
+            </a:r>
+          </a:p>
+          <a:p>
+            <a:pPr lvl="1"/>
+            <a:r>
+              <a:rPr lang="en-US" dirty="0" err="1"/>
+              <a:t>Registracija</a:t>
+            </a:r>
+            <a:r>
+              <a:rPr lang="en-US" dirty="0"/>
+              <a:t> </a:t>
+            </a:r>
+            <a:r>
+              <a:rPr lang="en-US" dirty="0" err="1"/>
+              <a:t>aplikacije</a:t>
+            </a:r>
+            <a:endParaRPr lang="en-US" dirty="0"/>
+          </a:p>
+          <a:p>
+            <a:pPr lvl="2"/>
+            <a:r>
+              <a:rPr lang="en-US" dirty="0" err="1"/>
+              <a:t>Prenos</a:t>
+            </a:r>
+            <a:r>
+              <a:rPr lang="en-US" dirty="0"/>
+              <a:t> </a:t>
+            </a:r>
+            <a:r>
+              <a:rPr lang="en-US" dirty="0" err="1"/>
+              <a:t>aplikacije</a:t>
+            </a:r>
+            <a:r>
+              <a:rPr lang="en-US" dirty="0"/>
+              <a:t> v </a:t>
+            </a:r>
+            <a:r>
+              <a:rPr lang="en-US" dirty="0" err="1"/>
+              <a:t>decentralizirano</a:t>
+            </a:r>
+            <a:r>
+              <a:rPr lang="en-US" dirty="0"/>
+              <a:t> </a:t>
+            </a:r>
+            <a:r>
+              <a:rPr lang="en-US" dirty="0" err="1"/>
+              <a:t>shrambo</a:t>
             </a:r>
             <a:r>
               <a:rPr lang="en-US" dirty="0"/>
@@ -6126,19 +6601,264 @@
             </a:r>
             <a:r>
               <a:rPr lang="en-US" dirty="0" err="1"/>
-              <a:t>načina</a:t>
-            </a:r>
-            <a:r>
-              <a:rPr lang="en-US" dirty="0"/>
-              <a:t> </a:t>
-            </a:r>
-            <a:r>
-              <a:rPr lang="en-US" dirty="0" err="1"/>
-              <a:t>uporabe</a:t>
+              <a:t>zapis</a:t>
+            </a:r>
+            <a:r>
+              <a:rPr lang="en-US" dirty="0"/>
+              <a:t> o </a:t>
+            </a:r>
+            <a:r>
+              <a:rPr lang="en-US" dirty="0" err="1"/>
+              <a:t>njeni</a:t>
+            </a:r>
+            <a:r>
+              <a:rPr lang="en-US" dirty="0"/>
+              <a:t> </a:t>
+            </a:r>
+            <a:r>
+              <a:rPr lang="en-US" dirty="0" err="1"/>
+              <a:t>lokaciji</a:t>
             </a:r>
             <a:endParaRPr lang="en-US" dirty="0"/>
           </a:p>
           <a:p>
+            <a:pPr lvl="1"/>
+            <a:r>
+              <a:rPr lang="en-US" dirty="0" err="1"/>
+              <a:t>Registracija</a:t>
+            </a:r>
+            <a:r>
+              <a:rPr lang="en-US" dirty="0"/>
+              <a:t> </a:t>
+            </a:r>
+            <a:r>
+              <a:rPr lang="en-US" dirty="0" err="1"/>
+              <a:t>izvajalcev</a:t>
+            </a:r>
+            <a:endParaRPr lang="en-US" dirty="0"/>
+          </a:p>
+          <a:p>
+            <a:pPr lvl="2"/>
+            <a:r>
+              <a:rPr lang="en-US" dirty="0" err="1"/>
+              <a:t>Registracija</a:t>
+            </a:r>
+            <a:r>
+              <a:rPr lang="en-US" dirty="0"/>
+              <a:t> </a:t>
+            </a:r>
+            <a:r>
+              <a:rPr lang="en-US" dirty="0" err="1"/>
+              <a:t>vsake</a:t>
+            </a:r>
+            <a:r>
+              <a:rPr lang="en-US" dirty="0"/>
+              <a:t> </a:t>
+            </a:r>
+            <a:r>
+              <a:rPr lang="en-US" dirty="0" err="1"/>
+              <a:t>posamezne</a:t>
+            </a:r>
+            <a:r>
+              <a:rPr lang="en-US" dirty="0"/>
+              <a:t> </a:t>
+            </a:r>
+            <a:r>
+              <a:rPr lang="en-US" dirty="0" err="1"/>
+              <a:t>izvajalne</a:t>
+            </a:r>
+            <a:r>
+              <a:rPr lang="en-US" dirty="0"/>
+              <a:t> </a:t>
+            </a:r>
+            <a:r>
+              <a:rPr lang="en-US" dirty="0" err="1"/>
+              <a:t>enote</a:t>
+            </a:r>
+            <a:endParaRPr lang="en-US" dirty="0"/>
+          </a:p>
+          <a:p>
+            <a:pPr lvl="1"/>
+            <a:r>
+              <a:rPr lang="en-US" dirty="0" err="1"/>
+              <a:t>Registracija</a:t>
+            </a:r>
+            <a:r>
+              <a:rPr lang="en-US" dirty="0"/>
+              <a:t> </a:t>
+            </a:r>
+            <a:r>
+              <a:rPr lang="en-US" dirty="0" err="1"/>
+              <a:t>dApija</a:t>
+            </a:r>
+            <a:endParaRPr lang="en-US" dirty="0"/>
+          </a:p>
+          <a:p>
+            <a:pPr lvl="2"/>
+            <a:r>
+              <a:rPr lang="en-US" dirty="0" err="1"/>
+              <a:t>Zagon</a:t>
+            </a:r>
+            <a:r>
+              <a:rPr lang="en-US" dirty="0"/>
+              <a:t> </a:t>
+            </a:r>
+            <a:r>
+              <a:rPr lang="en-US" dirty="0" err="1"/>
+              <a:t>storitve</a:t>
+            </a:r>
+            <a:r>
+              <a:rPr lang="en-US" dirty="0"/>
+              <a:t> in </a:t>
+            </a:r>
+            <a:r>
+              <a:rPr lang="en-US" dirty="0" err="1"/>
+              <a:t>zapis</a:t>
+            </a:r>
+            <a:r>
+              <a:rPr lang="en-US" dirty="0"/>
+              <a:t> </a:t>
+            </a:r>
+            <a:r>
+              <a:rPr lang="en-US" dirty="0" err="1"/>
+              <a:t>podatkov</a:t>
+            </a:r>
+            <a:r>
+              <a:rPr lang="en-US" dirty="0"/>
+              <a:t> o </a:t>
+            </a:r>
+            <a:r>
+              <a:rPr lang="en-US" dirty="0" err="1"/>
+              <a:t>naslovu</a:t>
+            </a:r>
+            <a:r>
+              <a:rPr lang="en-US" dirty="0"/>
+              <a:t>, </a:t>
+            </a:r>
+            <a:r>
+              <a:rPr lang="en-US" dirty="0" err="1"/>
+              <a:t>načinu</a:t>
+            </a:r>
+            <a:r>
+              <a:rPr lang="en-US" dirty="0"/>
+              <a:t> </a:t>
+            </a:r>
+            <a:r>
+              <a:rPr lang="en-US" dirty="0" err="1"/>
+              <a:t>komunikacije</a:t>
+            </a:r>
+            <a:r>
+              <a:rPr lang="en-US" dirty="0"/>
+              <a:t>…</a:t>
+            </a:r>
+          </a:p>
+          <a:p>
+            <a:pPr lvl="1"/>
+            <a:r>
+              <a:rPr lang="en-US" dirty="0" err="1"/>
+              <a:t>Odkrivanje</a:t>
+            </a:r>
+            <a:r>
+              <a:rPr lang="en-US" dirty="0"/>
+              <a:t> </a:t>
+            </a:r>
+            <a:r>
+              <a:rPr lang="en-US" dirty="0" err="1"/>
+              <a:t>storitev</a:t>
+            </a:r>
+            <a:endParaRPr lang="en-US" dirty="0"/>
+          </a:p>
+          <a:p>
+            <a:pPr lvl="2"/>
+            <a:r>
+              <a:rPr lang="en-US" dirty="0" err="1"/>
+              <a:t>Iskanje</a:t>
+            </a:r>
+            <a:r>
+              <a:rPr lang="en-US" dirty="0"/>
+              <a:t> </a:t>
+            </a:r>
+            <a:r>
+              <a:rPr lang="en-US" dirty="0" err="1"/>
+              <a:t>registrirane</a:t>
+            </a:r>
+            <a:r>
+              <a:rPr lang="en-US" dirty="0"/>
+              <a:t> </a:t>
+            </a:r>
+            <a:r>
+              <a:rPr lang="en-US" dirty="0" err="1"/>
+              <a:t>storitve</a:t>
+            </a:r>
+            <a:r>
+              <a:rPr lang="en-US" dirty="0"/>
+              <a:t> v </a:t>
+            </a:r>
+            <a:r>
+              <a:rPr lang="en-US" dirty="0" err="1"/>
+              <a:t>omrežju</a:t>
+            </a:r>
+            <a:r>
+              <a:rPr lang="en-US" dirty="0"/>
+              <a:t> in </a:t>
+            </a:r>
+            <a:r>
+              <a:rPr lang="en-US" dirty="0" err="1"/>
+              <a:t>pridobivanje</a:t>
+            </a:r>
+            <a:r>
+              <a:rPr lang="en-US" dirty="0"/>
+              <a:t> </a:t>
+            </a:r>
+            <a:r>
+              <a:rPr lang="en-US" dirty="0" err="1"/>
+              <a:t>podatkov</a:t>
+            </a:r>
+            <a:r>
+              <a:rPr lang="en-US" dirty="0"/>
+              <a:t> o </a:t>
+            </a:r>
+            <a:r>
+              <a:rPr lang="en-US" dirty="0" err="1"/>
+              <a:t>njenem</a:t>
+            </a:r>
+            <a:r>
+              <a:rPr lang="en-US" dirty="0"/>
+              <a:t> </a:t>
+            </a:r>
+            <a:r>
+              <a:rPr lang="en-US" dirty="0" err="1"/>
+              <a:t>izvajanju</a:t>
+            </a:r>
+            <a:endParaRPr lang="sl-SI" dirty="0"/>
+          </a:p>
+        </p:txBody>
+      </p:sp>
+      <p:sp>
+        <p:nvSpPr>
+          <p:cNvPr id="4" name="Označba mesta datuma 3">
+            <a:extLst>
+              <a:ext uri="{FF2B5EF4-FFF2-40B4-BE49-F238E27FC236}">
+                <a16:creationId xmlns:a16="http://schemas.microsoft.com/office/drawing/2014/main" id="{4C25A599-AED3-42BB-BE68-D1C0701A4C37}"/>
+              </a:ext>
+            </a:extLst>
+          </p:cNvPr>
+          <p:cNvSpPr>
+            <a:spLocks noGrp="1"/>
+          </p:cNvSpPr>
+          <p:nvPr>
+            <p:ph type="dt" sz="half" idx="10"/>
+          </p:nvPr>
+        </p:nvSpPr>
+        <p:spPr/>
+        <p:txBody>
+          <a:bodyPr/>
+          <a:lstStyle/>
+          <a:p>
+            <a:fld id="{AA23F3F9-EC48-4AA1-B442-BC6CAAB0AF82}" type="datetime1">
+              <a:rPr lang="sl-SI" smtClean="0"/>
+              <a:t>15. 09. 2018</a:t>
+            </a:fld>
             <a:endParaRPr lang="sl-SI" dirty="0"/>
           </a:p>
         </p:txBody>
@@ -6146,7 +6866,7 @@
     </p:spTree>
     <p:extLst>
       <p:ext uri="{BB962C8B-B14F-4D97-AF65-F5344CB8AC3E}">
-        <p14:creationId xmlns:p14="http://schemas.microsoft.com/office/powerpoint/2010/main" val="1250255264"/>
+        <p14:creationId xmlns:p14="http://schemas.microsoft.com/office/powerpoint/2010/main" val="3946537882"/>
       </p:ext>
     </p:extLst>
   </p:cSld>
@@ -6190,6 +6910,539 @@
           <p:cNvPr id="2" name="Naslov 1">
             <a:extLst>
               <a:ext uri="{FF2B5EF4-FFF2-40B4-BE49-F238E27FC236}">
+                <a16:creationId xmlns:a16="http://schemas.microsoft.com/office/drawing/2014/main" id="{8FE3D714-C59A-48F0-B70B-D8C3AB6EBEDE}"/>
+              </a:ext>
+            </a:extLst>
+          </p:cNvPr>
+          <p:cNvSpPr>
+            <a:spLocks noGrp="1"/>
+          </p:cNvSpPr>
+          <p:nvPr>
+            <p:ph type="title"/>
+          </p:nvPr>
+        </p:nvSpPr>
+        <p:spPr/>
+        <p:txBody>
+          <a:bodyPr/>
+          <a:lstStyle/>
+          <a:p>
+            <a:r>
+              <a:rPr lang="en-US" dirty="0" err="1"/>
+              <a:t>Implementacija</a:t>
+            </a:r>
+            <a:endParaRPr lang="sl-SI" dirty="0"/>
+          </a:p>
+        </p:txBody>
+      </p:sp>
+      <p:sp>
+        <p:nvSpPr>
+          <p:cNvPr id="3" name="Označba mesta vsebine 2">
+            <a:extLst>
+              <a:ext uri="{FF2B5EF4-FFF2-40B4-BE49-F238E27FC236}">
+                <a16:creationId xmlns:a16="http://schemas.microsoft.com/office/drawing/2014/main" id="{4FABF92D-81C1-45EB-884C-73150C365100}"/>
+              </a:ext>
+            </a:extLst>
+          </p:cNvPr>
+          <p:cNvSpPr>
+            <a:spLocks noGrp="1"/>
+          </p:cNvSpPr>
+          <p:nvPr>
+            <p:ph idx="1"/>
+          </p:nvPr>
+        </p:nvSpPr>
+        <p:spPr/>
+        <p:txBody>
+          <a:bodyPr>
+            <a:normAutofit lnSpcReduction="10000"/>
+          </a:bodyPr>
+          <a:lstStyle/>
+          <a:p>
+            <a:r>
+              <a:rPr lang="en-US" dirty="0"/>
+              <a:t>Ethereum, IPFS, Docker, </a:t>
+            </a:r>
+            <a:r>
+              <a:rPr lang="en-US" dirty="0" err="1"/>
+              <a:t>KumuluzEE</a:t>
+            </a:r>
+            <a:endParaRPr lang="en-US" dirty="0"/>
+          </a:p>
+          <a:p>
+            <a:r>
+              <a:rPr lang="en-US" dirty="0" err="1"/>
+              <a:t>Nadzorni</a:t>
+            </a:r>
+            <a:r>
+              <a:rPr lang="en-US" dirty="0"/>
+              <a:t> </a:t>
+            </a:r>
+            <a:r>
+              <a:rPr lang="en-US" dirty="0" err="1"/>
+              <a:t>proces</a:t>
+            </a:r>
+            <a:r>
+              <a:rPr lang="en-US" dirty="0"/>
+              <a:t>:</a:t>
+            </a:r>
+          </a:p>
+          <a:p>
+            <a:pPr lvl="1"/>
+            <a:r>
+              <a:rPr lang="en-US" dirty="0" err="1"/>
+              <a:t>Prenos</a:t>
+            </a:r>
+            <a:r>
+              <a:rPr lang="en-US" dirty="0"/>
+              <a:t> </a:t>
+            </a:r>
+            <a:r>
+              <a:rPr lang="en-US" dirty="0" err="1"/>
+              <a:t>izvršljivih</a:t>
+            </a:r>
+            <a:r>
+              <a:rPr lang="en-US" dirty="0"/>
+              <a:t> </a:t>
+            </a:r>
+            <a:r>
+              <a:rPr lang="en-US" dirty="0" err="1"/>
+              <a:t>datotek</a:t>
+            </a:r>
+            <a:endParaRPr lang="en-US" dirty="0"/>
+          </a:p>
+          <a:p>
+            <a:pPr lvl="1"/>
+            <a:r>
+              <a:rPr lang="en-US" dirty="0" err="1"/>
+              <a:t>Zagon</a:t>
+            </a:r>
+            <a:r>
+              <a:rPr lang="en-US" dirty="0"/>
+              <a:t> in </a:t>
+            </a:r>
+            <a:r>
+              <a:rPr lang="en-US" dirty="0" err="1"/>
+              <a:t>zaustavitev</a:t>
+            </a:r>
+            <a:r>
+              <a:rPr lang="en-US" dirty="0"/>
+              <a:t> </a:t>
+            </a:r>
+            <a:r>
+              <a:rPr lang="en-US" dirty="0" err="1"/>
+              <a:t>dApijev</a:t>
+            </a:r>
+            <a:endParaRPr lang="en-US" dirty="0"/>
+          </a:p>
+          <a:p>
+            <a:pPr lvl="1"/>
+            <a:endParaRPr lang="en-US" dirty="0"/>
+          </a:p>
+          <a:p>
+            <a:r>
+              <a:rPr lang="en-US" dirty="0" err="1"/>
+              <a:t>Razširitev</a:t>
+            </a:r>
+            <a:r>
+              <a:rPr lang="en-US" dirty="0"/>
+              <a:t> </a:t>
+            </a:r>
+            <a:r>
+              <a:rPr lang="en-US" dirty="0" err="1"/>
+              <a:t>obstoječe</a:t>
+            </a:r>
+            <a:r>
+              <a:rPr lang="en-US" dirty="0"/>
+              <a:t> </a:t>
+            </a:r>
+            <a:r>
+              <a:rPr lang="en-US" dirty="0" err="1"/>
+              <a:t>KumuluzEE</a:t>
+            </a:r>
+            <a:r>
+              <a:rPr lang="en-US" dirty="0"/>
+              <a:t> </a:t>
+            </a:r>
+            <a:r>
+              <a:rPr lang="en-US" dirty="0" err="1"/>
+              <a:t>aplikacije</a:t>
+            </a:r>
+            <a:r>
+              <a:rPr lang="en-US" dirty="0"/>
+              <a:t>:</a:t>
+            </a:r>
+          </a:p>
+          <a:p>
+            <a:pPr lvl="1"/>
+            <a:r>
+              <a:rPr lang="en-US" dirty="0" err="1"/>
+              <a:t>dApi</a:t>
+            </a:r>
+            <a:r>
+              <a:rPr lang="en-US" dirty="0"/>
+              <a:t> </a:t>
+            </a:r>
+            <a:r>
+              <a:rPr lang="en-US" dirty="0" err="1"/>
+              <a:t>preko</a:t>
+            </a:r>
+            <a:r>
+              <a:rPr lang="en-US" dirty="0"/>
+              <a:t> </a:t>
+            </a:r>
+            <a:r>
+              <a:rPr lang="en-US" dirty="0" err="1"/>
+              <a:t>mehanizma</a:t>
+            </a:r>
+            <a:r>
+              <a:rPr lang="en-US" dirty="0"/>
+              <a:t> </a:t>
+            </a:r>
+            <a:r>
+              <a:rPr lang="en-US" dirty="0" err="1"/>
+              <a:t>anotacij</a:t>
+            </a:r>
+            <a:r>
+              <a:rPr lang="en-US" dirty="0"/>
+              <a:t> </a:t>
+            </a:r>
+            <a:r>
+              <a:rPr lang="en-US" dirty="0" err="1"/>
+              <a:t>ob</a:t>
+            </a:r>
+            <a:r>
+              <a:rPr lang="en-US" dirty="0"/>
+              <a:t> </a:t>
+            </a:r>
+            <a:r>
+              <a:rPr lang="en-US" dirty="0" err="1"/>
+              <a:t>zagonu</a:t>
+            </a:r>
+            <a:r>
+              <a:rPr lang="en-US" dirty="0"/>
+              <a:t> </a:t>
+            </a:r>
+            <a:r>
+              <a:rPr lang="en-US" dirty="0" err="1"/>
+              <a:t>registrira</a:t>
+            </a:r>
+            <a:r>
+              <a:rPr lang="en-US" dirty="0"/>
+              <a:t> </a:t>
+            </a:r>
+            <a:r>
+              <a:rPr lang="en-US" dirty="0" err="1"/>
+              <a:t>izvajanje</a:t>
+            </a:r>
+            <a:r>
+              <a:rPr lang="en-US" dirty="0"/>
+              <a:t> </a:t>
+            </a:r>
+            <a:r>
+              <a:rPr lang="en-US" dirty="0" err="1"/>
+              <a:t>na</a:t>
+            </a:r>
+            <a:r>
+              <a:rPr lang="en-US" dirty="0"/>
+              <a:t> </a:t>
+            </a:r>
+            <a:r>
+              <a:rPr lang="en-US" dirty="0" err="1"/>
+              <a:t>podatkovno</a:t>
+            </a:r>
+            <a:r>
+              <a:rPr lang="en-US" dirty="0"/>
+              <a:t> </a:t>
+            </a:r>
+            <a:r>
+              <a:rPr lang="en-US" dirty="0" err="1"/>
+              <a:t>verigo</a:t>
+            </a:r>
+            <a:endParaRPr lang="en-US" dirty="0"/>
+          </a:p>
+          <a:p>
+            <a:pPr lvl="1"/>
+            <a:r>
+              <a:rPr lang="en-US" dirty="0" err="1"/>
+              <a:t>Preko</a:t>
+            </a:r>
+            <a:r>
+              <a:rPr lang="en-US" dirty="0"/>
+              <a:t> </a:t>
+            </a:r>
+            <a:r>
+              <a:rPr lang="en-US" dirty="0" err="1"/>
+              <a:t>anotacij</a:t>
+            </a:r>
+            <a:r>
+              <a:rPr lang="en-US" dirty="0"/>
+              <a:t> </a:t>
+            </a:r>
+            <a:r>
+              <a:rPr lang="en-US" dirty="0" err="1"/>
+              <a:t>razširitev</a:t>
+            </a:r>
+            <a:r>
+              <a:rPr lang="en-US" dirty="0"/>
+              <a:t> </a:t>
+            </a:r>
+            <a:r>
+              <a:rPr lang="en-US" dirty="0" err="1"/>
+              <a:t>poskrbi</a:t>
+            </a:r>
+            <a:r>
+              <a:rPr lang="en-US" dirty="0"/>
+              <a:t> za </a:t>
+            </a:r>
+            <a:r>
+              <a:rPr lang="en-US" dirty="0" err="1"/>
+              <a:t>odkrivanje</a:t>
+            </a:r>
+            <a:r>
+              <a:rPr lang="en-US" dirty="0"/>
+              <a:t> </a:t>
+            </a:r>
+            <a:r>
+              <a:rPr lang="en-US" dirty="0" err="1"/>
+              <a:t>storitve</a:t>
+            </a:r>
+            <a:r>
+              <a:rPr lang="en-US" dirty="0"/>
+              <a:t> in </a:t>
+            </a:r>
+            <a:r>
+              <a:rPr lang="en-US" dirty="0" err="1"/>
+              <a:t>vrivanje</a:t>
+            </a:r>
+            <a:r>
+              <a:rPr lang="en-US" dirty="0"/>
+              <a:t> v </a:t>
+            </a:r>
+            <a:r>
+              <a:rPr lang="en-US" dirty="0" err="1"/>
+              <a:t>spremenljivko</a:t>
+            </a:r>
+            <a:r>
+              <a:rPr lang="en-US" dirty="0"/>
+              <a:t> s CDI </a:t>
+            </a:r>
+            <a:r>
+              <a:rPr lang="en-US" dirty="0" err="1"/>
+              <a:t>zrni</a:t>
+            </a:r>
+            <a:endParaRPr lang="en-US" dirty="0"/>
+          </a:p>
+          <a:p>
+            <a:endParaRPr lang="sl-SI" dirty="0"/>
+          </a:p>
+        </p:txBody>
+      </p:sp>
+      <p:sp>
+        <p:nvSpPr>
+          <p:cNvPr id="4" name="Označba mesta datuma 3">
+            <a:extLst>
+              <a:ext uri="{FF2B5EF4-FFF2-40B4-BE49-F238E27FC236}">
+                <a16:creationId xmlns:a16="http://schemas.microsoft.com/office/drawing/2014/main" id="{CD7B23B2-688D-4314-A921-B648EFC77568}"/>
+              </a:ext>
+            </a:extLst>
+          </p:cNvPr>
+          <p:cNvSpPr>
+            <a:spLocks noGrp="1"/>
+          </p:cNvSpPr>
+          <p:nvPr>
+            <p:ph type="dt" sz="half" idx="10"/>
+          </p:nvPr>
+        </p:nvSpPr>
+        <p:spPr/>
+        <p:txBody>
+          <a:bodyPr/>
+          <a:lstStyle/>
+          <a:p>
+            <a:fld id="{067B9828-6565-4F52-A5E1-C8691C3295E0}" type="datetime1">
+              <a:rPr lang="sl-SI" smtClean="0"/>
+              <a:t>15. 09. 2018</a:t>
+            </a:fld>
+            <a:endParaRPr lang="sl-SI" dirty="0"/>
+          </a:p>
+        </p:txBody>
+      </p:sp>
+    </p:spTree>
+    <p:extLst>
+      <p:ext uri="{BB962C8B-B14F-4D97-AF65-F5344CB8AC3E}">
+        <p14:creationId xmlns:p14="http://schemas.microsoft.com/office/powerpoint/2010/main" val="1250255264"/>
+      </p:ext>
+    </p:extLst>
+  </p:cSld>
+  <p:clrMapOvr>
+    <a:masterClrMapping/>
+  </p:clrMapOvr>
+  <mc:AlternateContent xmlns:mc="http://schemas.openxmlformats.org/markup-compatibility/2006" xmlns:p14="http://schemas.microsoft.com/office/powerpoint/2010/main">
+    <mc:Choice Requires="p14">
+      <p:transition spd="med" p14:dur="700">
+        <p:fade/>
+      </p:transition>
+    </mc:Choice>
+    <mc:Fallback xmlns="">
+      <p:transition spd="med">
+        <p:fade/>
+      </p:transition>
+    </mc:Fallback>
+  </mc:AlternateContent>
+</p:sld>
+</file>
+
+<file path=ppt/slides/slide14.xml><?xml version="1.0" encoding="utf-8"?>
+<p:sld xmlns:a="http://schemas.openxmlformats.org/drawingml/2006/main" xmlns:r="http://schemas.openxmlformats.org/officeDocument/2006/relationships" xmlns:p="http://schemas.openxmlformats.org/presentationml/2006/main">
+  <p:cSld>
+    <p:spTree>
+      <p:nvGrpSpPr>
+        <p:cNvPr id="1" name=""/>
+        <p:cNvGrpSpPr/>
+        <p:nvPr/>
+      </p:nvGrpSpPr>
+      <p:grpSpPr>
+        <a:xfrm>
+          <a:off x="0" y="0"/>
+          <a:ext cx="0" cy="0"/>
+          <a:chOff x="0" y="0"/>
+          <a:chExt cx="0" cy="0"/>
+        </a:xfrm>
+      </p:grpSpPr>
+      <p:sp>
+        <p:nvSpPr>
+          <p:cNvPr id="2" name="Naslov 1">
+            <a:extLst>
+              <a:ext uri="{FF2B5EF4-FFF2-40B4-BE49-F238E27FC236}">
+                <a16:creationId xmlns:a16="http://schemas.microsoft.com/office/drawing/2014/main" id="{88434EDE-586E-4478-B4E9-55DACB542830}"/>
+              </a:ext>
+            </a:extLst>
+          </p:cNvPr>
+          <p:cNvSpPr>
+            <a:spLocks noGrp="1"/>
+          </p:cNvSpPr>
+          <p:nvPr>
+            <p:ph type="title"/>
+          </p:nvPr>
+        </p:nvSpPr>
+        <p:spPr/>
+        <p:txBody>
+          <a:bodyPr/>
+          <a:lstStyle/>
+          <a:p>
+            <a:endParaRPr lang="sl-SI"/>
+          </a:p>
+        </p:txBody>
+      </p:sp>
+      <p:pic>
+        <p:nvPicPr>
+          <p:cNvPr id="6" name="Označba mesta vsebine 5" descr="Slika, ki vsebuje besede posnetek zaslona&#10;&#10;Opis, ustvarjen z visoko stopnjo zanesljivosti.">
+            <a:extLst>
+              <a:ext uri="{FF2B5EF4-FFF2-40B4-BE49-F238E27FC236}">
+                <a16:creationId xmlns:a16="http://schemas.microsoft.com/office/drawing/2014/main" id="{477A1AE8-7848-4FFE-9CB9-E7E300F2C902}"/>
+              </a:ext>
+            </a:extLst>
+          </p:cNvPr>
+          <p:cNvPicPr>
+            <a:picLocks noGrp="1" noChangeAspect="1"/>
+          </p:cNvPicPr>
+          <p:nvPr>
+            <p:ph idx="1"/>
+          </p:nvPr>
+        </p:nvPicPr>
+        <p:blipFill>
+          <a:blip r:embed="rId3">
+            <a:extLst>
+              <a:ext uri="{28A0092B-C50C-407E-A947-70E740481C1C}">
+                <a14:useLocalDpi xmlns:a14="http://schemas.microsoft.com/office/drawing/2010/main" val="0"/>
+              </a:ext>
+            </a:extLst>
+          </a:blip>
+          <a:stretch>
+            <a:fillRect/>
+          </a:stretch>
+        </p:blipFill>
+        <p:spPr>
+          <a:xfrm>
+            <a:off x="1557908" y="459371"/>
+            <a:ext cx="9001000" cy="5863445"/>
+          </a:xfrm>
+        </p:spPr>
+      </p:pic>
+      <p:sp>
+        <p:nvSpPr>
+          <p:cNvPr id="4" name="Označba mesta datuma 3">
+            <a:extLst>
+              <a:ext uri="{FF2B5EF4-FFF2-40B4-BE49-F238E27FC236}">
+                <a16:creationId xmlns:a16="http://schemas.microsoft.com/office/drawing/2014/main" id="{B6238B11-639D-48D2-9521-CAAD9C7D6282}"/>
+              </a:ext>
+            </a:extLst>
+          </p:cNvPr>
+          <p:cNvSpPr>
+            <a:spLocks noGrp="1"/>
+          </p:cNvSpPr>
+          <p:nvPr>
+            <p:ph type="dt" sz="half" idx="10"/>
+          </p:nvPr>
+        </p:nvSpPr>
+        <p:spPr/>
+        <p:txBody>
+          <a:bodyPr/>
+          <a:lstStyle/>
+          <a:p>
+            <a:fld id="{129960F1-83AE-49EB-A506-FF67823A3F11}" type="datetime1">
+              <a:rPr lang="sl-SI" smtClean="0"/>
+              <a:t>15. 09. 2018</a:t>
+            </a:fld>
+            <a:endParaRPr lang="sl-SI" dirty="0"/>
+          </a:p>
+        </p:txBody>
+      </p:sp>
+    </p:spTree>
+    <p:extLst>
+      <p:ext uri="{BB962C8B-B14F-4D97-AF65-F5344CB8AC3E}">
+        <p14:creationId xmlns:p14="http://schemas.microsoft.com/office/powerpoint/2010/main" val="3739154332"/>
+      </p:ext>
+    </p:extLst>
+  </p:cSld>
+  <p:clrMapOvr>
+    <a:masterClrMapping/>
+  </p:clrMapOvr>
+  <mc:AlternateContent xmlns:mc="http://schemas.openxmlformats.org/markup-compatibility/2006" xmlns:p14="http://schemas.microsoft.com/office/powerpoint/2010/main">
+    <mc:Choice Requires="p14">
+      <p:transition spd="med" p14:dur="700">
+        <p:fade/>
+      </p:transition>
+    </mc:Choice>
+    <mc:Fallback xmlns="">
+      <p:transition spd="med">
+        <p:fade/>
+      </p:transition>
+    </mc:Fallback>
+  </mc:AlternateContent>
+</p:sld>
+</file>
+
+<file path=ppt/slides/slide15.xml><?xml version="1.0" encoding="utf-8"?>
+<p:sld xmlns:a="http://schemas.openxmlformats.org/drawingml/2006/main" xmlns:r="http://schemas.openxmlformats.org/officeDocument/2006/relationships" xmlns:p="http://schemas.openxmlformats.org/presentationml/2006/main">
+  <p:cSld>
+    <p:spTree>
+      <p:nvGrpSpPr>
+        <p:cNvPr id="1" name=""/>
+        <p:cNvGrpSpPr/>
+        <p:nvPr/>
+      </p:nvGrpSpPr>
+      <p:grpSpPr>
+        <a:xfrm>
+          <a:off x="0" y="0"/>
+          <a:ext cx="0" cy="0"/>
+          <a:chOff x="0" y="0"/>
+          <a:chExt cx="0" cy="0"/>
+        </a:xfrm>
+      </p:grpSpPr>
+      <p:sp>
+        <p:nvSpPr>
+          <p:cNvPr id="2" name="Naslov 1">
+            <a:extLst>
+              <a:ext uri="{FF2B5EF4-FFF2-40B4-BE49-F238E27FC236}">
                 <a16:creationId xmlns:a16="http://schemas.microsoft.com/office/drawing/2014/main" id="{F0EBF41A-3840-4F06-AF11-95EEADB78104}"/>
               </a:ext>
             </a:extLst>
@@ -6217,10 +7470,6 @@
             <a:r>
               <a:rPr lang="en-US" dirty="0" err="1"/>
               <a:t>naprej</a:t>
-            </a:r>
-            <a:r>
-              <a:rPr lang="en-US" dirty="0"/>
-              <a:t>…</a:t>
             </a:r>
             <a:endParaRPr lang="sl-SI" dirty="0"/>
           </a:p>
@@ -6248,12 +7497,8 @@
           <a:lstStyle/>
           <a:p>
             <a:r>
-              <a:rPr lang="en-US" dirty="0"/>
-              <a:t>TODO – </a:t>
-            </a:r>
-            <a:r>
-              <a:rPr lang="en-US" dirty="0" err="1"/>
-              <a:t>zaključek</a:t>
+              <a:rPr lang="en-US" dirty="0" err="1"/>
+              <a:t>Finančno</a:t>
             </a:r>
             <a:r>
               <a:rPr lang="en-US" dirty="0"/>
@@ -6261,16 +7506,186 @@
             </a:r>
             <a:r>
               <a:rPr lang="en-US" dirty="0" err="1"/>
-              <a:t>sklepne</a:t>
-            </a:r>
-            <a:r>
-              <a:rPr lang="en-US" dirty="0"/>
-              <a:t> </a:t>
-            </a:r>
-            <a:r>
-              <a:rPr lang="en-US" dirty="0" err="1"/>
-              <a:t>misli</a:t>
-            </a:r>
+              <a:t>časovno</a:t>
+            </a:r>
+            <a:r>
+              <a:rPr lang="en-US" dirty="0"/>
+              <a:t> </a:t>
+            </a:r>
+            <a:r>
+              <a:rPr lang="en-US" dirty="0" err="1"/>
+              <a:t>potratne</a:t>
+            </a:r>
+            <a:r>
+              <a:rPr lang="en-US" dirty="0"/>
+              <a:t> </a:t>
+            </a:r>
+            <a:r>
+              <a:rPr lang="en-US" dirty="0" err="1"/>
+              <a:t>operacije</a:t>
+            </a:r>
+            <a:r>
+              <a:rPr lang="en-US" dirty="0"/>
+              <a:t> </a:t>
+            </a:r>
+            <a:r>
+              <a:rPr lang="en-US" dirty="0" err="1"/>
+              <a:t>na</a:t>
+            </a:r>
+            <a:r>
+              <a:rPr lang="en-US" dirty="0"/>
+              <a:t> </a:t>
+            </a:r>
+            <a:r>
+              <a:rPr lang="en-US" dirty="0" err="1"/>
+              <a:t>omrežju</a:t>
+            </a:r>
+            <a:r>
+              <a:rPr lang="en-US" dirty="0"/>
+              <a:t> Ethereum</a:t>
+            </a:r>
+          </a:p>
+          <a:p>
+            <a:r>
+              <a:rPr lang="en-US" dirty="0" err="1"/>
+              <a:t>Nezrelost</a:t>
+            </a:r>
+            <a:r>
+              <a:rPr lang="en-US" dirty="0"/>
+              <a:t> </a:t>
+            </a:r>
+            <a:r>
+              <a:rPr lang="en-US" dirty="0" err="1"/>
+              <a:t>podporne</a:t>
+            </a:r>
+            <a:r>
+              <a:rPr lang="en-US" dirty="0"/>
+              <a:t> </a:t>
+            </a:r>
+            <a:r>
+              <a:rPr lang="en-US" dirty="0" err="1"/>
+              <a:t>tehnologije</a:t>
+            </a:r>
+            <a:endParaRPr lang="en-US" dirty="0"/>
+          </a:p>
+          <a:p>
+            <a:r>
+              <a:rPr lang="en-US" dirty="0" err="1"/>
+              <a:t>Dinamično</a:t>
+            </a:r>
+            <a:r>
+              <a:rPr lang="en-US" dirty="0"/>
+              <a:t> </a:t>
+            </a:r>
+            <a:r>
+              <a:rPr lang="en-US" dirty="0" err="1"/>
+              <a:t>razporejanje</a:t>
+            </a:r>
+            <a:r>
+              <a:rPr lang="en-US" dirty="0"/>
+              <a:t> </a:t>
+            </a:r>
+            <a:r>
+              <a:rPr lang="en-US" dirty="0" err="1"/>
+              <a:t>dela</a:t>
+            </a:r>
+            <a:r>
+              <a:rPr lang="en-US" dirty="0"/>
+              <a:t> po </a:t>
+            </a:r>
+            <a:r>
+              <a:rPr lang="en-US" dirty="0" err="1"/>
+              <a:t>omrežju</a:t>
+            </a:r>
+            <a:endParaRPr lang="en-US" dirty="0"/>
+          </a:p>
+          <a:p>
+            <a:r>
+              <a:rPr lang="en-US" dirty="0" err="1"/>
+              <a:t>Finančno</a:t>
+            </a:r>
+            <a:r>
+              <a:rPr lang="en-US" dirty="0"/>
+              <a:t> </a:t>
+            </a:r>
+            <a:r>
+              <a:rPr lang="en-US" dirty="0" err="1"/>
+              <a:t>nagrajevanje</a:t>
+            </a:r>
+            <a:endParaRPr lang="en-US" dirty="0"/>
+          </a:p>
+          <a:p>
+            <a:r>
+              <a:rPr lang="en-US" dirty="0" err="1"/>
+              <a:t>Pravilnost</a:t>
+            </a:r>
+            <a:r>
+              <a:rPr lang="en-US" dirty="0"/>
+              <a:t> </a:t>
+            </a:r>
+            <a:r>
+              <a:rPr lang="en-US" dirty="0" err="1"/>
+              <a:t>izvajanja</a:t>
+            </a:r>
+            <a:r>
+              <a:rPr lang="en-US" dirty="0"/>
+              <a:t>!</a:t>
+            </a:r>
+          </a:p>
+          <a:p>
+            <a:r>
+              <a:rPr lang="en-US" dirty="0" err="1"/>
+              <a:t>Lastna</a:t>
+            </a:r>
+            <a:r>
+              <a:rPr lang="en-US" dirty="0"/>
+              <a:t> </a:t>
+            </a:r>
+            <a:r>
+              <a:rPr lang="en-US" dirty="0" err="1"/>
+              <a:t>podatkovna</a:t>
+            </a:r>
+            <a:r>
+              <a:rPr lang="en-US" dirty="0"/>
+              <a:t> </a:t>
+            </a:r>
+            <a:r>
+              <a:rPr lang="en-US" dirty="0" err="1"/>
+              <a:t>veriga</a:t>
+            </a:r>
+            <a:r>
+              <a:rPr lang="en-US" dirty="0"/>
+              <a:t>(?)</a:t>
+            </a:r>
+            <a:endParaRPr lang="sl-SI" dirty="0"/>
+          </a:p>
+        </p:txBody>
+      </p:sp>
+      <p:sp>
+        <p:nvSpPr>
+          <p:cNvPr id="4" name="Označba mesta datuma 3">
+            <a:extLst>
+              <a:ext uri="{FF2B5EF4-FFF2-40B4-BE49-F238E27FC236}">
+                <a16:creationId xmlns:a16="http://schemas.microsoft.com/office/drawing/2014/main" id="{4E47454C-A500-4850-AE10-0D1C023333E8}"/>
+              </a:ext>
+            </a:extLst>
+          </p:cNvPr>
+          <p:cNvSpPr>
+            <a:spLocks noGrp="1"/>
+          </p:cNvSpPr>
+          <p:nvPr>
+            <p:ph type="dt" sz="half" idx="10"/>
+          </p:nvPr>
+        </p:nvSpPr>
+        <p:spPr/>
+        <p:txBody>
+          <a:bodyPr/>
+          <a:lstStyle/>
+          <a:p>
+            <a:fld id="{5BDA88C6-16A8-418E-916C-EAA37DC93FB5}" type="datetime1">
+              <a:rPr lang="sl-SI" smtClean="0"/>
+              <a:t>15. 09. 2018</a:t>
+            </a:fld>
             <a:endParaRPr lang="sl-SI" dirty="0"/>
           </a:p>
         </p:txBody>
@@ -6553,6 +7968,43 @@
               <a:rPr lang="en-US" dirty="0" err="1"/>
               <a:t>omrežja</a:t>
             </a:r>
+            <a:endParaRPr lang="en-US" dirty="0"/>
+          </a:p>
+          <a:p>
+            <a:pPr rtl="0"/>
+            <a:r>
+              <a:rPr lang="en-US" dirty="0"/>
+              <a:t>CNCF, The Twelve-Factor App</a:t>
+            </a:r>
+            <a:endParaRPr lang="sl-SI" dirty="0"/>
+          </a:p>
+        </p:txBody>
+      </p:sp>
+      <p:sp>
+        <p:nvSpPr>
+          <p:cNvPr id="2" name="Označba mesta datuma 1">
+            <a:extLst>
+              <a:ext uri="{FF2B5EF4-FFF2-40B4-BE49-F238E27FC236}">
+                <a16:creationId xmlns:a16="http://schemas.microsoft.com/office/drawing/2014/main" id="{B5AE3E58-62E1-4E75-A4C0-BDF6F8E996CF}"/>
+              </a:ext>
+            </a:extLst>
+          </p:cNvPr>
+          <p:cNvSpPr>
+            <a:spLocks noGrp="1"/>
+          </p:cNvSpPr>
+          <p:nvPr>
+            <p:ph type="dt" sz="half" idx="10"/>
+          </p:nvPr>
+        </p:nvSpPr>
+        <p:spPr/>
+        <p:txBody>
+          <a:bodyPr/>
+          <a:lstStyle/>
+          <a:p>
+            <a:fld id="{1565196C-1E50-44B5-B0B0-18C33BE209EE}" type="datetime1">
+              <a:rPr lang="sl-SI" smtClean="0"/>
+              <a:t>15. 09. 2018</a:t>
+            </a:fld>
             <a:endParaRPr lang="sl-SI" dirty="0"/>
           </a:p>
         </p:txBody>
@@ -6617,7 +8069,15 @@
             <a:pPr rtl="0"/>
             <a:r>
               <a:rPr lang="en-US" dirty="0" err="1"/>
-              <a:t>Vzorci</a:t>
+              <a:t>Podporni</a:t>
+            </a:r>
+            <a:r>
+              <a:rPr lang="en-US" dirty="0"/>
+              <a:t> </a:t>
+            </a:r>
+            <a:r>
+              <a:rPr lang="en-US" dirty="0" err="1"/>
+              <a:t>mehanizmi</a:t>
             </a:r>
             <a:endParaRPr lang="sl-SI" dirty="0"/>
           </a:p>
@@ -6661,7 +8121,7 @@
             </a:r>
             <a:r>
               <a:rPr lang="en-US" dirty="0" err="1"/>
-              <a:t>zdravja</a:t>
+              <a:t>vitalnosti</a:t>
             </a:r>
             <a:endParaRPr lang="en-US" dirty="0"/>
           </a:p>
@@ -6683,15 +8143,90 @@
           <a:p>
             <a:r>
               <a:rPr lang="en-US" dirty="0" err="1"/>
-              <a:t>Beleženje</a:t>
+              <a:t>Odpornost</a:t>
+            </a:r>
+            <a:r>
+              <a:rPr lang="en-US" dirty="0"/>
+              <a:t> </a:t>
+            </a:r>
+            <a:r>
+              <a:rPr lang="en-US" dirty="0" err="1"/>
+              <a:t>na</a:t>
+            </a:r>
+            <a:r>
+              <a:rPr lang="en-US" dirty="0"/>
+              <a:t> </a:t>
+            </a:r>
+            <a:r>
+              <a:rPr lang="en-US" dirty="0" err="1"/>
+              <a:t>napake</a:t>
             </a:r>
             <a:endParaRPr lang="en-US" dirty="0"/>
           </a:p>
           <a:p>
             <a:r>
+              <a:rPr lang="en-US" dirty="0" err="1"/>
+              <a:t>Centralno</a:t>
+            </a:r>
+            <a:r>
+              <a:rPr lang="en-US" dirty="0"/>
+              <a:t> </a:t>
+            </a:r>
+            <a:r>
+              <a:rPr lang="en-US" dirty="0" err="1"/>
+              <a:t>zbiranje</a:t>
+            </a:r>
+            <a:r>
+              <a:rPr lang="en-US" dirty="0"/>
+              <a:t> </a:t>
+            </a:r>
+            <a:r>
+              <a:rPr lang="en-US" dirty="0" err="1"/>
+              <a:t>dnevniških</a:t>
+            </a:r>
+            <a:r>
+              <a:rPr lang="en-US" dirty="0"/>
+              <a:t> </a:t>
+            </a:r>
+            <a:r>
+              <a:rPr lang="en-US" dirty="0" err="1"/>
+              <a:t>zapisov</a:t>
+            </a:r>
+            <a:endParaRPr lang="en-US" dirty="0"/>
+          </a:p>
+          <a:p>
+            <a:r>
               <a:rPr lang="en-US" dirty="0"/>
               <a:t>…</a:t>
             </a:r>
+          </a:p>
+        </p:txBody>
+      </p:sp>
+      <p:sp>
+        <p:nvSpPr>
+          <p:cNvPr id="3" name="Označba mesta datuma 2">
+            <a:extLst>
+              <a:ext uri="{FF2B5EF4-FFF2-40B4-BE49-F238E27FC236}">
+                <a16:creationId xmlns:a16="http://schemas.microsoft.com/office/drawing/2014/main" id="{70288D03-44D1-4EB6-B86C-BDD0B2D80186}"/>
+              </a:ext>
+            </a:extLst>
+          </p:cNvPr>
+          <p:cNvSpPr>
+            <a:spLocks noGrp="1"/>
+          </p:cNvSpPr>
+          <p:nvPr>
+            <p:ph type="dt" sz="half" idx="10"/>
+          </p:nvPr>
+        </p:nvSpPr>
+        <p:spPr/>
+        <p:txBody>
+          <a:bodyPr/>
+          <a:lstStyle/>
+          <a:p>
+            <a:fld id="{CDF2FE36-7206-490B-B517-0868F918165F}" type="datetime1">
+              <a:rPr lang="sl-SI" smtClean="0"/>
+              <a:t>15. 09. 2018</a:t>
+            </a:fld>
             <a:endParaRPr lang="sl-SI" dirty="0"/>
           </a:p>
         </p:txBody>
@@ -6761,7 +8296,7 @@
           <a:p>
             <a:r>
               <a:rPr lang="en-US" dirty="0" err="1"/>
-              <a:t>Tehnologije</a:t>
+              <a:t>Vsebniki</a:t>
             </a:r>
             <a:r>
               <a:rPr lang="en-US" dirty="0"/>
@@ -6769,7 +8304,7 @@
             </a:r>
             <a:r>
               <a:rPr lang="en-US" dirty="0" err="1"/>
-              <a:t>implementacije</a:t>
+              <a:t>orkestracija</a:t>
             </a:r>
             <a:endParaRPr lang="sl-SI" dirty="0"/>
           </a:p>
@@ -6791,7 +8326,12 @@
             <p:ph idx="1"/>
           </p:nvPr>
         </p:nvSpPr>
-        <p:spPr/>
+        <p:spPr>
+          <a:xfrm>
+            <a:off x="1218883" y="1701797"/>
+            <a:ext cx="3147337" cy="4462272"/>
+          </a:xfrm>
+        </p:spPr>
         <p:txBody>
           <a:bodyPr/>
           <a:lstStyle/>
@@ -6809,25 +8349,90 @@
           </a:p>
           <a:p>
             <a:r>
+              <a:rPr lang="en-US" dirty="0" err="1"/>
+              <a:t>rkt</a:t>
+            </a:r>
+            <a:endParaRPr lang="en-US" dirty="0"/>
+          </a:p>
+          <a:p>
+            <a:r>
               <a:rPr lang="en-US" dirty="0"/>
               <a:t>Docker Swarm</a:t>
             </a:r>
           </a:p>
           <a:p>
             <a:r>
-              <a:rPr lang="en-US" dirty="0" err="1"/>
-              <a:t>rkt</a:t>
-            </a:r>
-            <a:endParaRPr lang="en-US" dirty="0"/>
-          </a:p>
-          <a:p>
-            <a:r>
               <a:rPr lang="en-US" dirty="0"/>
               <a:t>Kubernetes</a:t>
             </a:r>
           </a:p>
         </p:txBody>
       </p:sp>
+      <p:sp>
+        <p:nvSpPr>
+          <p:cNvPr id="4" name="Označba mesta datuma 3">
+            <a:extLst>
+              <a:ext uri="{FF2B5EF4-FFF2-40B4-BE49-F238E27FC236}">
+                <a16:creationId xmlns:a16="http://schemas.microsoft.com/office/drawing/2014/main" id="{E8397CFF-98DC-436F-B3F8-80DFD370B763}"/>
+              </a:ext>
+            </a:extLst>
+          </p:cNvPr>
+          <p:cNvSpPr>
+            <a:spLocks noGrp="1"/>
+          </p:cNvSpPr>
+          <p:nvPr>
+            <p:ph type="dt" sz="half" idx="10"/>
+          </p:nvPr>
+        </p:nvSpPr>
+        <p:spPr/>
+        <p:txBody>
+          <a:bodyPr/>
+          <a:lstStyle/>
+          <a:p>
+            <a:fld id="{F0917306-6385-4D3F-978B-FF3B30321597}" type="datetime1">
+              <a:rPr lang="sl-SI" smtClean="0"/>
+              <a:t>15. 09. 2018</a:t>
+            </a:fld>
+            <a:endParaRPr lang="sl-SI" dirty="0"/>
+          </a:p>
+        </p:txBody>
+      </p:sp>
+      <p:pic>
+        <p:nvPicPr>
+          <p:cNvPr id="6" name="Slika 5" descr="Slika, ki vsebuje besede posnetek zaslona&#10;&#10;Opis, ustvarjen z zelo visoko stopnjo zanesljivosti.">
+            <a:extLst>
+              <a:ext uri="{FF2B5EF4-FFF2-40B4-BE49-F238E27FC236}">
+                <a16:creationId xmlns:a16="http://schemas.microsoft.com/office/drawing/2014/main" id="{ECDB5792-5C64-422A-AF88-767672DDF56A}"/>
+              </a:ext>
+            </a:extLst>
+          </p:cNvPr>
+          <p:cNvPicPr>
+            <a:picLocks noChangeAspect="1"/>
+          </p:cNvPicPr>
+          <p:nvPr/>
+        </p:nvPicPr>
+        <p:blipFill>
+          <a:blip r:embed="rId2">
+            <a:extLst>
+              <a:ext uri="{28A0092B-C50C-407E-A947-70E740481C1C}">
+                <a14:useLocalDpi xmlns:a14="http://schemas.microsoft.com/office/drawing/2010/main" val="0"/>
+              </a:ext>
+            </a:extLst>
+          </a:blip>
+          <a:stretch>
+            <a:fillRect/>
+          </a:stretch>
+        </p:blipFill>
+        <p:spPr>
+          <a:xfrm>
+            <a:off x="3945714" y="1628800"/>
+            <a:ext cx="7608001" cy="3459162"/>
+          </a:xfrm>
+          <a:prstGeom prst="rect">
+            <a:avLst/>
+          </a:prstGeom>
+        </p:spPr>
+      </p:pic>
     </p:spTree>
     <p:extLst>
       <p:ext uri="{BB962C8B-B14F-4D97-AF65-F5344CB8AC3E}">
@@ -6948,6 +8553,35 @@
           </a:p>
         </p:txBody>
       </p:sp>
+      <p:sp>
+        <p:nvSpPr>
+          <p:cNvPr id="2" name="Označba mesta datuma 1">
+            <a:extLst>
+              <a:ext uri="{FF2B5EF4-FFF2-40B4-BE49-F238E27FC236}">
+                <a16:creationId xmlns:a16="http://schemas.microsoft.com/office/drawing/2014/main" id="{25A3A9C9-1490-47E5-9FCD-95DD11DF1682}"/>
+              </a:ext>
+            </a:extLst>
+          </p:cNvPr>
+          <p:cNvSpPr>
+            <a:spLocks noGrp="1"/>
+          </p:cNvSpPr>
+          <p:nvPr>
+            <p:ph type="dt" sz="half" idx="10"/>
+          </p:nvPr>
+        </p:nvSpPr>
+        <p:spPr/>
+        <p:txBody>
+          <a:bodyPr/>
+          <a:lstStyle/>
+          <a:p>
+            <a:fld id="{D54858DE-560A-4620-BED0-BDC41987FE40}" type="datetime1">
+              <a:rPr lang="sl-SI" smtClean="0"/>
+              <a:t>15. 09. 2018</a:t>
+            </a:fld>
+            <a:endParaRPr lang="sl-SI" dirty="0"/>
+          </a:p>
+        </p:txBody>
+      </p:sp>
     </p:spTree>
     <p:extLst>
       <p:ext uri="{BB962C8B-B14F-4D97-AF65-F5344CB8AC3E}">
@@ -7128,11 +8762,11 @@
             </a:r>
             <a:r>
               <a:rPr lang="en-US" dirty="0" err="1"/>
-              <a:t>konsenza</a:t>
-            </a:r>
-            <a:r>
-              <a:rPr lang="en-US" dirty="0"/>
-              <a:t> – </a:t>
+              <a:t>soglasja</a:t>
+            </a:r>
+            <a:r>
+              <a:rPr lang="en-US" dirty="0"/>
+              <a:t> (ang. consensus) – </a:t>
             </a:r>
             <a:r>
               <a:rPr lang="en-US" dirty="0" err="1"/>
@@ -7187,7 +8821,7 @@
             </a:r>
             <a:r>
               <a:rPr lang="en-US" dirty="0"/>
-              <a:t> (ledger)</a:t>
+              <a:t> (ang. ledger)</a:t>
             </a:r>
           </a:p>
           <a:p>
@@ -7214,6 +8848,66 @@
             <a:endParaRPr lang="en-US" dirty="0"/>
           </a:p>
           <a:p>
+            <a:r>
+              <a:rPr lang="en-US" dirty="0" err="1"/>
+              <a:t>Pametne</a:t>
+            </a:r>
+            <a:r>
+              <a:rPr lang="en-US" dirty="0"/>
+              <a:t> </a:t>
+            </a:r>
+            <a:r>
+              <a:rPr lang="en-US" dirty="0" err="1"/>
+              <a:t>pogodbe</a:t>
+            </a:r>
+            <a:r>
+              <a:rPr lang="en-US" dirty="0"/>
+              <a:t> ~ </a:t>
+            </a:r>
+            <a:r>
+              <a:rPr lang="en-US" dirty="0" err="1"/>
+              <a:t>bazni</a:t>
+            </a:r>
+            <a:r>
+              <a:rPr lang="en-US" dirty="0"/>
+              <a:t> </a:t>
+            </a:r>
+            <a:r>
+              <a:rPr lang="en-US" dirty="0" err="1"/>
+              <a:t>prožilci</a:t>
+            </a:r>
+            <a:endParaRPr lang="en-US" dirty="0"/>
+          </a:p>
+          <a:p>
+            <a:endParaRPr lang="sl-SI" dirty="0"/>
+          </a:p>
+        </p:txBody>
+      </p:sp>
+      <p:sp>
+        <p:nvSpPr>
+          <p:cNvPr id="4" name="Označba mesta datuma 3">
+            <a:extLst>
+              <a:ext uri="{FF2B5EF4-FFF2-40B4-BE49-F238E27FC236}">
+                <a16:creationId xmlns:a16="http://schemas.microsoft.com/office/drawing/2014/main" id="{B3F7C962-9BCA-4871-A9B9-D55759D0AB01}"/>
+              </a:ext>
+            </a:extLst>
+          </p:cNvPr>
+          <p:cNvSpPr>
+            <a:spLocks noGrp="1"/>
+          </p:cNvSpPr>
+          <p:nvPr>
+            <p:ph type="dt" sz="half" idx="10"/>
+          </p:nvPr>
+        </p:nvSpPr>
+        <p:spPr/>
+        <p:txBody>
+          <a:bodyPr/>
+          <a:lstStyle/>
+          <a:p>
+            <a:fld id="{1EA8BAFF-3608-4502-BC3A-889598DFF608}" type="datetime1">
+              <a:rPr lang="sl-SI" smtClean="0"/>
+              <a:t>15. 09. 2018</a:t>
+            </a:fld>
             <a:endParaRPr lang="sl-SI" dirty="0"/>
           </a:p>
         </p:txBody>
@@ -7260,41 +8954,47 @@
           <a:chExt cx="0" cy="0"/>
         </a:xfrm>
       </p:grpSpPr>
-      <p:sp>
-        <p:nvSpPr>
-          <p:cNvPr id="2" name="Naslov 1">
+      <p:pic>
+        <p:nvPicPr>
+          <p:cNvPr id="6" name="Označba mesta vsebine 5" descr="Slika, ki vsebuje besede posnetek zaslona&#10;&#10;Opis, ustvarjen z zelo visoko stopnjo zanesljivosti.">
             <a:extLst>
               <a:ext uri="{FF2B5EF4-FFF2-40B4-BE49-F238E27FC236}">
-                <a16:creationId xmlns:a16="http://schemas.microsoft.com/office/drawing/2014/main" id="{DDA3582D-5F2A-4A9D-A645-F9C447DF9172}"/>
+                <a16:creationId xmlns:a16="http://schemas.microsoft.com/office/drawing/2014/main" id="{59295A38-D986-4EEB-A32B-D71F74368EF3}"/>
               </a:ext>
             </a:extLst>
           </p:cNvPr>
-          <p:cNvSpPr>
-            <a:spLocks noGrp="1"/>
-          </p:cNvSpPr>
-          <p:nvPr>
-            <p:ph type="title"/>
-          </p:nvPr>
-        </p:nvSpPr>
-        <p:spPr/>
-        <p:txBody>
-          <a:bodyPr/>
-          <a:lstStyle/>
-          <a:p>
-            <a:r>
-              <a:rPr lang="en-US" dirty="0"/>
-              <a:t>Ethereum</a:t>
-            </a:r>
-            <a:endParaRPr lang="sl-SI" dirty="0"/>
-          </a:p>
-        </p:txBody>
-      </p:sp>
-      <p:sp>
-        <p:nvSpPr>
-          <p:cNvPr id="3" name="Označba mesta vsebine 2">
+          <p:cNvPicPr>
+            <a:picLocks noGrp="1" noChangeAspect="1"/>
+          </p:cNvPicPr>
+          <p:nvPr>
+            <p:ph idx="1"/>
+          </p:nvPr>
+        </p:nvPicPr>
+        <p:blipFill>
+          <a:blip r:embed="rId2">
+            <a:extLst>
+              <a:ext uri="{28A0092B-C50C-407E-A947-70E740481C1C}">
+                <a14:useLocalDpi xmlns:a14="http://schemas.microsoft.com/office/drawing/2010/main" val="0"/>
+              </a:ext>
+            </a:extLst>
+          </a:blip>
+          <a:stretch>
+            <a:fillRect/>
+          </a:stretch>
+        </p:blipFill>
+        <p:spPr>
+          <a:xfrm>
+            <a:off x="900713" y="1791614"/>
+            <a:ext cx="10387398" cy="3274772"/>
+          </a:xfrm>
+        </p:spPr>
+      </p:pic>
+      <p:sp>
+        <p:nvSpPr>
+          <p:cNvPr id="4" name="Označba mesta datuma 3">
             <a:extLst>
               <a:ext uri="{FF2B5EF4-FFF2-40B4-BE49-F238E27FC236}">
-                <a16:creationId xmlns:a16="http://schemas.microsoft.com/office/drawing/2014/main" id="{089FA361-7916-45C0-8308-B804603C32E9}"/>
+                <a16:creationId xmlns:a16="http://schemas.microsoft.com/office/drawing/2014/main" id="{08B50B91-18C0-48EB-A04B-B3041B3ADCC6}"/>
               </a:ext>
             </a:extLst>
           </p:cNvPr>
@@ -7302,7 +9002,7 @@
             <a:spLocks noGrp="1"/>
           </p:cNvSpPr>
           <p:nvPr>
-            <p:ph idx="1"/>
+            <p:ph type="dt" sz="half" idx="10"/>
           </p:nvPr>
         </p:nvSpPr>
         <p:spPr/>
@@ -7310,101 +9010,18 @@
           <a:bodyPr/>
           <a:lstStyle/>
           <a:p>
-            <a:r>
-              <a:rPr lang="en-US" dirty="0"/>
-              <a:t>EVM</a:t>
-            </a:r>
-          </a:p>
-          <a:p>
-            <a:r>
-              <a:rPr lang="en-US" dirty="0" err="1"/>
-              <a:t>Specifikacija</a:t>
-            </a:r>
-            <a:r>
-              <a:rPr lang="en-US" dirty="0"/>
-              <a:t>, </a:t>
-            </a:r>
-            <a:r>
-              <a:rPr lang="en-US" dirty="0" err="1"/>
-              <a:t>implementiran</a:t>
-            </a:r>
-            <a:r>
-              <a:rPr lang="en-US" dirty="0"/>
-              <a:t> v </a:t>
-            </a:r>
-            <a:r>
-              <a:rPr lang="en-US" dirty="0" err="1"/>
-              <a:t>več</a:t>
-            </a:r>
-            <a:r>
-              <a:rPr lang="en-US" dirty="0"/>
-              <a:t> </a:t>
-            </a:r>
-            <a:r>
-              <a:rPr lang="en-US" dirty="0" err="1"/>
-              <a:t>programskih</a:t>
-            </a:r>
-            <a:r>
-              <a:rPr lang="en-US" dirty="0"/>
-              <a:t> </a:t>
-            </a:r>
-            <a:r>
-              <a:rPr lang="en-US" dirty="0" err="1"/>
-              <a:t>jezikih</a:t>
-            </a:r>
-            <a:endParaRPr lang="en-US" dirty="0"/>
-          </a:p>
-          <a:p>
-            <a:r>
-              <a:rPr lang="en-US" dirty="0"/>
-              <a:t>“</a:t>
-            </a:r>
-            <a:r>
-              <a:rPr lang="en-US" dirty="0" err="1"/>
-              <a:t>Svetovni</a:t>
-            </a:r>
-            <a:r>
-              <a:rPr lang="en-US" dirty="0"/>
-              <a:t> </a:t>
-            </a:r>
-            <a:r>
-              <a:rPr lang="en-US" dirty="0" err="1"/>
-              <a:t>računalnik</a:t>
-            </a:r>
-            <a:r>
-              <a:rPr lang="en-US" dirty="0"/>
-              <a:t>”</a:t>
-            </a:r>
-          </a:p>
-          <a:p>
-            <a:r>
-              <a:rPr lang="en-US" dirty="0" err="1"/>
-              <a:t>Koncept</a:t>
-            </a:r>
-            <a:r>
-              <a:rPr lang="en-US" dirty="0"/>
-              <a:t> </a:t>
-            </a:r>
-            <a:r>
-              <a:rPr lang="en-US" dirty="0" err="1"/>
-              <a:t>pametnih</a:t>
-            </a:r>
-            <a:r>
-              <a:rPr lang="en-US" dirty="0"/>
-              <a:t> </a:t>
-            </a:r>
-            <a:r>
-              <a:rPr lang="en-US" dirty="0" err="1"/>
-              <a:t>pogodb</a:t>
-            </a:r>
-            <a:endParaRPr lang="en-US" dirty="0"/>
+            <a:fld id="{129960F1-83AE-49EB-A506-FF67823A3F11}" type="datetime1">
+              <a:rPr lang="sl-SI" smtClean="0"/>
+              <a:t>15. 09. 2018</a:t>
+            </a:fld>
+            <a:endParaRPr lang="sl-SI" dirty="0"/>
           </a:p>
         </p:txBody>
       </p:sp>
     </p:spTree>
     <p:extLst>
       <p:ext uri="{BB962C8B-B14F-4D97-AF65-F5344CB8AC3E}">
-        <p14:creationId xmlns:p14="http://schemas.microsoft.com/office/powerpoint/2010/main" val="3664649806"/>
+        <p14:creationId xmlns:p14="http://schemas.microsoft.com/office/powerpoint/2010/main" val="998590916"/>
       </p:ext>
     </p:extLst>
   </p:cSld>
@@ -7448,7 +9065,7 @@
           <p:cNvPr id="2" name="Naslov 1">
             <a:extLst>
               <a:ext uri="{FF2B5EF4-FFF2-40B4-BE49-F238E27FC236}">
-                <a16:creationId xmlns:a16="http://schemas.microsoft.com/office/drawing/2014/main" id="{CA93264C-1F03-4DF6-9376-60F8477CDCB9}"/>
+                <a16:creationId xmlns:a16="http://schemas.microsoft.com/office/drawing/2014/main" id="{DDA3582D-5F2A-4A9D-A645-F9C447DF9172}"/>
               </a:ext>
             </a:extLst>
           </p:cNvPr>
@@ -7466,7 +9083,7 @@
           <a:p>
             <a:r>
               <a:rPr lang="en-US" dirty="0"/>
-              <a:t>Hyperledger</a:t>
+              <a:t>Ethereum</a:t>
             </a:r>
             <a:endParaRPr lang="sl-SI" dirty="0"/>
           </a:p>
@@ -7477,7 +9094,7 @@
           <p:cNvPr id="3" name="Označba mesta vsebine 2">
             <a:extLst>
               <a:ext uri="{FF2B5EF4-FFF2-40B4-BE49-F238E27FC236}">
-                <a16:creationId xmlns:a16="http://schemas.microsoft.com/office/drawing/2014/main" id="{749AC7DD-DEAF-41F2-9BE4-ADD5A9A03765}"/>
+                <a16:creationId xmlns:a16="http://schemas.microsoft.com/office/drawing/2014/main" id="{089FA361-7916-45C0-8308-B804603C32E9}"/>
               </a:ext>
             </a:extLst>
           </p:cNvPr>
@@ -7494,64 +9111,83 @@
           <a:lstStyle/>
           <a:p>
             <a:r>
-              <a:rPr lang="en-US" dirty="0" err="1"/>
-              <a:t>Družina</a:t>
-            </a:r>
-            <a:r>
-              <a:rPr lang="en-US" dirty="0"/>
-              <a:t> </a:t>
-            </a:r>
-            <a:r>
-              <a:rPr lang="en-US" dirty="0" err="1"/>
-              <a:t>odprtokodnih</a:t>
-            </a:r>
-            <a:r>
-              <a:rPr lang="en-US" dirty="0"/>
-              <a:t> </a:t>
-            </a:r>
-            <a:r>
-              <a:rPr lang="en-US" dirty="0" err="1"/>
-              <a:t>projektov</a:t>
-            </a:r>
-            <a:r>
-              <a:rPr lang="en-US" dirty="0"/>
-              <a:t> za </a:t>
-            </a:r>
-            <a:r>
-              <a:rPr lang="en-US" dirty="0" err="1"/>
-              <a:t>razvoj</a:t>
-            </a:r>
-            <a:r>
-              <a:rPr lang="en-US" dirty="0"/>
-              <a:t> </a:t>
-            </a:r>
-            <a:r>
-              <a:rPr lang="en-US" dirty="0" err="1"/>
-              <a:t>tehnologije</a:t>
-            </a:r>
-            <a:r>
-              <a:rPr lang="en-US" dirty="0"/>
-              <a:t> </a:t>
-            </a:r>
-            <a:r>
-              <a:rPr lang="en-US" dirty="0" err="1"/>
-              <a:t>veriženja</a:t>
-            </a:r>
-            <a:r>
-              <a:rPr lang="en-US" dirty="0"/>
-              <a:t> </a:t>
-            </a:r>
-            <a:r>
-              <a:rPr lang="en-US" dirty="0" err="1"/>
-              <a:t>podatkovnih</a:t>
-            </a:r>
-            <a:r>
-              <a:rPr lang="en-US" dirty="0"/>
-              <a:t> </a:t>
-            </a:r>
-            <a:r>
-              <a:rPr lang="en-US" dirty="0" err="1"/>
-              <a:t>blokov</a:t>
+              <a:rPr lang="en-US" dirty="0"/>
+              <a:t>EVM</a:t>
+            </a:r>
+          </a:p>
+          <a:p>
+            <a:r>
+              <a:rPr lang="en-US" dirty="0" err="1"/>
+              <a:t>Specifikacija</a:t>
+            </a:r>
+            <a:r>
+              <a:rPr lang="en-US" dirty="0"/>
+              <a:t>, </a:t>
+            </a:r>
+            <a:r>
+              <a:rPr lang="en-US" dirty="0" err="1"/>
+              <a:t>implementiran</a:t>
+            </a:r>
+            <a:r>
+              <a:rPr lang="en-US" dirty="0"/>
+              <a:t> v </a:t>
+            </a:r>
+            <a:r>
+              <a:rPr lang="en-US" dirty="0" err="1"/>
+              <a:t>več</a:t>
+            </a:r>
+            <a:r>
+              <a:rPr lang="en-US" dirty="0"/>
+              <a:t> </a:t>
+            </a:r>
+            <a:r>
+              <a:rPr lang="en-US" dirty="0" err="1"/>
+              <a:t>programskih</a:t>
+            </a:r>
+            <a:r>
+              <a:rPr lang="en-US" dirty="0"/>
+              <a:t> </a:t>
+            </a:r>
+            <a:r>
+              <a:rPr lang="en-US" dirty="0" err="1"/>
+              <a:t>jezikih</a:t>
+            </a:r>
+            <a:endParaRPr lang="en-US" dirty="0"/>
+          </a:p>
+          <a:p>
+            <a:r>
+              <a:rPr lang="en-US" dirty="0"/>
+              <a:t>“</a:t>
+            </a:r>
+            <a:r>
+              <a:rPr lang="en-US" dirty="0" err="1"/>
+              <a:t>Svetovni</a:t>
+            </a:r>
+            <a:r>
+              <a:rPr lang="en-US" dirty="0"/>
+              <a:t> </a:t>
+            </a:r>
+            <a:r>
+              <a:rPr lang="en-US" dirty="0" err="1"/>
+              <a:t>računalnik</a:t>
+            </a:r>
+            <a:r>
+              <a:rPr lang="en-US" dirty="0"/>
+              <a:t>”</a:t>
+            </a:r>
+          </a:p>
+          <a:p>
+            <a:r>
+              <a:rPr lang="en-US" dirty="0" err="1"/>
+              <a:t>Javno</a:t>
+            </a:r>
+            <a:r>
+              <a:rPr lang="en-US" dirty="0"/>
+              <a:t> </a:t>
+            </a:r>
+            <a:r>
+              <a:rPr lang="en-US" dirty="0" err="1"/>
+              <a:t>omrežje</a:t>
             </a:r>
             <a:r>
               <a:rPr lang="en-US" dirty="0"/>
@@ -7561,68 +9197,62 @@
           <a:p>
             <a:pPr lvl="1"/>
             <a:r>
-              <a:rPr lang="en-US" dirty="0"/>
-              <a:t>Fabric</a:t>
-            </a:r>
-          </a:p>
-          <a:p>
-            <a:pPr lvl="1"/>
-            <a:r>
-              <a:rPr lang="en-US" dirty="0"/>
-              <a:t>Sawtooth</a:t>
-            </a:r>
-          </a:p>
-          <a:p>
-            <a:pPr lvl="1"/>
-            <a:r>
-              <a:rPr lang="en-US" dirty="0" err="1"/>
-              <a:t>Iroha</a:t>
+              <a:rPr lang="en-US" dirty="0" err="1"/>
+              <a:t>Identiteta</a:t>
+            </a:r>
+            <a:r>
+              <a:rPr lang="en-US" dirty="0"/>
+              <a:t> </a:t>
+            </a:r>
+            <a:r>
+              <a:rPr lang="en-US" dirty="0" err="1"/>
+              <a:t>uporabnikov</a:t>
+            </a:r>
+            <a:r>
+              <a:rPr lang="en-US" dirty="0"/>
+              <a:t> je </a:t>
+            </a:r>
+            <a:r>
+              <a:rPr lang="en-US" dirty="0" err="1"/>
+              <a:t>skrita</a:t>
             </a:r>
             <a:endParaRPr lang="en-US" dirty="0"/>
           </a:p>
-          <a:p>
-            <a:pPr lvl="1"/>
-            <a:r>
-              <a:rPr lang="en-US" dirty="0"/>
-              <a:t>Burrow</a:t>
-            </a:r>
-          </a:p>
-          <a:p>
-            <a:pPr lvl="1"/>
-            <a:r>
-              <a:rPr lang="en-US" dirty="0"/>
-              <a:t>Indy</a:t>
-            </a:r>
-          </a:p>
-          <a:p>
-            <a:r>
-              <a:rPr lang="en-US" dirty="0" err="1"/>
-              <a:t>Koncept</a:t>
-            </a:r>
-            <a:r>
-              <a:rPr lang="en-US" dirty="0"/>
-              <a:t> </a:t>
-            </a:r>
-            <a:r>
-              <a:rPr lang="en-US" dirty="0" err="1"/>
-              <a:t>pametnih</a:t>
-            </a:r>
-            <a:r>
-              <a:rPr lang="en-US" dirty="0"/>
-              <a:t> </a:t>
-            </a:r>
-            <a:r>
-              <a:rPr lang="en-US" dirty="0" err="1"/>
-              <a:t>pogodb</a:t>
-            </a:r>
-            <a:endParaRPr lang="en-US" dirty="0"/>
+        </p:txBody>
+      </p:sp>
+      <p:sp>
+        <p:nvSpPr>
+          <p:cNvPr id="4" name="Označba mesta datuma 3">
+            <a:extLst>
+              <a:ext uri="{FF2B5EF4-FFF2-40B4-BE49-F238E27FC236}">
+                <a16:creationId xmlns:a16="http://schemas.microsoft.com/office/drawing/2014/main" id="{429D8510-E29F-4AD6-9A54-8B84657D5A26}"/>
+              </a:ext>
+            </a:extLst>
+          </p:cNvPr>
+          <p:cNvSpPr>
+            <a:spLocks noGrp="1"/>
+          </p:cNvSpPr>
+          <p:nvPr>
+            <p:ph type="dt" sz="half" idx="10"/>
+          </p:nvPr>
+        </p:nvSpPr>
+        <p:spPr/>
+        <p:txBody>
+          <a:bodyPr/>
+          <a:lstStyle/>
+          <a:p>
+            <a:fld id="{5E65172B-E285-4167-8EB3-D398A2F2CD7A}" type="datetime1">
+              <a:rPr lang="sl-SI" smtClean="0"/>
+              <a:t>15. 09. 2018</a:t>
+            </a:fld>
+            <a:endParaRPr lang="sl-SI" dirty="0"/>
           </a:p>
         </p:txBody>
       </p:sp>
     </p:spTree>
     <p:extLst>
       <p:ext uri="{BB962C8B-B14F-4D97-AF65-F5344CB8AC3E}">
-        <p14:creationId xmlns:p14="http://schemas.microsoft.com/office/powerpoint/2010/main" val="4139907021"/>
+        <p14:creationId xmlns:p14="http://schemas.microsoft.com/office/powerpoint/2010/main" val="3664649806"/>
       </p:ext>
     </p:extLst>
   </p:cSld>
@@ -7663,10 +9293,10 @@
       </p:grpSpPr>
       <p:sp>
         <p:nvSpPr>
-          <p:cNvPr id="4" name="Naslov 3">
+          <p:cNvPr id="2" name="Naslov 1">
             <a:extLst>
               <a:ext uri="{FF2B5EF4-FFF2-40B4-BE49-F238E27FC236}">
-                <a16:creationId xmlns:a16="http://schemas.microsoft.com/office/drawing/2014/main" id="{34A2FD42-FFEF-4DE0-AAEA-45EE8C9A1E4A}"/>
+                <a16:creationId xmlns:a16="http://schemas.microsoft.com/office/drawing/2014/main" id="{CA93264C-1F03-4DF6-9376-60F8477CDCB9}"/>
               </a:ext>
             </a:extLst>
           </p:cNvPr>
@@ -7683,24 +9313,8 @@
           <a:lstStyle/>
           <a:p>
             <a:r>
-              <a:rPr lang="en-US" dirty="0" err="1"/>
-              <a:t>Mikrostoritve</a:t>
-            </a:r>
-            <a:r>
-              <a:rPr lang="en-US" dirty="0"/>
-              <a:t> v </a:t>
-            </a:r>
-            <a:r>
-              <a:rPr lang="en-US" dirty="0" err="1"/>
-              <a:t>decentraliziranem</a:t>
-            </a:r>
-            <a:r>
-              <a:rPr lang="en-US" dirty="0"/>
-              <a:t> </a:t>
-            </a:r>
-            <a:r>
-              <a:rPr lang="en-US" dirty="0" err="1"/>
-              <a:t>okolju</a:t>
+              <a:rPr lang="en-US" dirty="0"/>
+              <a:t>Hyperledger</a:t>
             </a:r>
             <a:endParaRPr lang="sl-SI" dirty="0"/>
           </a:p>
@@ -7708,10 +9322,10 @@
       </p:sp>
       <p:sp>
         <p:nvSpPr>
-          <p:cNvPr id="5" name="Označba mesta besedila 4">
+          <p:cNvPr id="3" name="Označba mesta vsebine 2">
             <a:extLst>
               <a:ext uri="{FF2B5EF4-FFF2-40B4-BE49-F238E27FC236}">
-                <a16:creationId xmlns:a16="http://schemas.microsoft.com/office/drawing/2014/main" id="{AFC1A1A6-A48C-4CC7-BB95-F05DE2F7BD27}"/>
+                <a16:creationId xmlns:a16="http://schemas.microsoft.com/office/drawing/2014/main" id="{749AC7DD-DEAF-41F2-9BE4-ADD5A9A03765}"/>
               </a:ext>
             </a:extLst>
           </p:cNvPr>
@@ -7719,7 +9333,7 @@
             <a:spLocks noGrp="1"/>
           </p:cNvSpPr>
           <p:nvPr>
-            <p:ph type="body" idx="1"/>
+            <p:ph idx="1"/>
           </p:nvPr>
         </p:nvSpPr>
         <p:spPr/>
@@ -7727,14 +9341,178 @@
           <a:bodyPr/>
           <a:lstStyle/>
           <a:p>
-            <a:endParaRPr lang="sl-SI"/>
+            <a:r>
+              <a:rPr lang="en-US" dirty="0"/>
+              <a:t>Fabric, Sawtooth, </a:t>
+            </a:r>
+            <a:r>
+              <a:rPr lang="en-US" dirty="0" err="1"/>
+              <a:t>Iroha</a:t>
+            </a:r>
+            <a:r>
+              <a:rPr lang="en-US" dirty="0"/>
+              <a:t>, Burrow, Indy</a:t>
+            </a:r>
+          </a:p>
+          <a:p>
+            <a:r>
+              <a:rPr lang="en-US" dirty="0"/>
+              <a:t>Fabric:</a:t>
+            </a:r>
+          </a:p>
+          <a:p>
+            <a:pPr lvl="1"/>
+            <a:r>
+              <a:rPr lang="en-US" dirty="0" err="1"/>
+              <a:t>Overba</a:t>
+            </a:r>
+            <a:r>
+              <a:rPr lang="en-US" dirty="0"/>
+              <a:t> </a:t>
+            </a:r>
+            <a:r>
+              <a:rPr lang="en-US" dirty="0" err="1"/>
+              <a:t>sodelujočih</a:t>
+            </a:r>
+            <a:r>
+              <a:rPr lang="en-US" dirty="0"/>
+              <a:t> v </a:t>
+            </a:r>
+            <a:r>
+              <a:rPr lang="en-US" dirty="0" err="1"/>
+              <a:t>omrežju</a:t>
+            </a:r>
+            <a:r>
+              <a:rPr lang="en-US" dirty="0"/>
+              <a:t> (</a:t>
+            </a:r>
+            <a:r>
+              <a:rPr lang="en-US" dirty="0" err="1"/>
+              <a:t>privatno</a:t>
+            </a:r>
+            <a:r>
+              <a:rPr lang="en-US" dirty="0"/>
+              <a:t> </a:t>
+            </a:r>
+            <a:r>
+              <a:rPr lang="en-US" dirty="0" err="1"/>
+              <a:t>omrežje</a:t>
+            </a:r>
+            <a:r>
+              <a:rPr lang="en-US" dirty="0"/>
+              <a:t>)</a:t>
+            </a:r>
+          </a:p>
+          <a:p>
+            <a:pPr lvl="1"/>
+            <a:r>
+              <a:rPr lang="en-US" dirty="0" err="1"/>
+              <a:t>Modularnost</a:t>
+            </a:r>
+            <a:r>
+              <a:rPr lang="en-US" dirty="0"/>
+              <a:t>:</a:t>
+            </a:r>
+          </a:p>
+          <a:p>
+            <a:pPr lvl="2"/>
+            <a:r>
+              <a:rPr lang="en-US" dirty="0" err="1"/>
+              <a:t>Urejevalnik</a:t>
+            </a:r>
+            <a:r>
+              <a:rPr lang="en-US" dirty="0"/>
+              <a:t>, </a:t>
+            </a:r>
+            <a:r>
+              <a:rPr lang="en-US" dirty="0" err="1"/>
+              <a:t>upravitelj</a:t>
+            </a:r>
+            <a:r>
+              <a:rPr lang="en-US" dirty="0"/>
+              <a:t> </a:t>
+            </a:r>
+            <a:r>
+              <a:rPr lang="en-US" dirty="0" err="1"/>
+              <a:t>članstva</a:t>
+            </a:r>
+            <a:r>
+              <a:rPr lang="en-US" dirty="0"/>
+              <a:t>, p2p protocol, </a:t>
+            </a:r>
+            <a:r>
+              <a:rPr lang="en-US" dirty="0" err="1"/>
+              <a:t>pametne</a:t>
+            </a:r>
+            <a:r>
+              <a:rPr lang="en-US" dirty="0"/>
+              <a:t> </a:t>
+            </a:r>
+            <a:r>
+              <a:rPr lang="en-US" dirty="0" err="1"/>
+              <a:t>pogodbe</a:t>
+            </a:r>
+            <a:r>
+              <a:rPr lang="en-US" dirty="0"/>
+              <a:t>, SUPB, </a:t>
+            </a:r>
+            <a:r>
+              <a:rPr lang="en-US" dirty="0" err="1"/>
+              <a:t>politike</a:t>
+            </a:r>
+            <a:r>
+              <a:rPr lang="en-US" dirty="0"/>
+              <a:t> </a:t>
+            </a:r>
+            <a:r>
+              <a:rPr lang="en-US" dirty="0" err="1"/>
+              <a:t>potrjevanja</a:t>
+            </a:r>
+            <a:r>
+              <a:rPr lang="en-US" dirty="0"/>
+              <a:t> in </a:t>
+            </a:r>
+            <a:r>
+              <a:rPr lang="en-US" dirty="0" err="1"/>
+              <a:t>validiranja</a:t>
+            </a:r>
+            <a:endParaRPr lang="en-US" dirty="0"/>
+          </a:p>
+        </p:txBody>
+      </p:sp>
+      <p:sp>
+        <p:nvSpPr>
+          <p:cNvPr id="4" name="Označba mesta datuma 3">
+            <a:extLst>
+              <a:ext uri="{FF2B5EF4-FFF2-40B4-BE49-F238E27FC236}">
+                <a16:creationId xmlns:a16="http://schemas.microsoft.com/office/drawing/2014/main" id="{4809A01D-D927-4ACC-8F49-49F0CA2928AC}"/>
+              </a:ext>
+            </a:extLst>
+          </p:cNvPr>
+          <p:cNvSpPr>
+            <a:spLocks noGrp="1"/>
+          </p:cNvSpPr>
+          <p:nvPr>
+            <p:ph type="dt" sz="half" idx="10"/>
+          </p:nvPr>
+        </p:nvSpPr>
+        <p:spPr/>
+        <p:txBody>
+          <a:bodyPr/>
+          <a:lstStyle/>
+          <a:p>
+            <a:fld id="{2EAD6C82-37A6-44FD-9A07-7556872C46D3}" type="datetime1">
+              <a:rPr lang="sl-SI" smtClean="0"/>
+              <a:t>15. 09. 2018</a:t>
+            </a:fld>
+            <a:endParaRPr lang="sl-SI" dirty="0"/>
           </a:p>
         </p:txBody>
       </p:sp>
     </p:spTree>
     <p:extLst>
       <p:ext uri="{BB962C8B-B14F-4D97-AF65-F5344CB8AC3E}">
-        <p14:creationId xmlns:p14="http://schemas.microsoft.com/office/powerpoint/2010/main" val="1895209528"/>
+        <p14:creationId xmlns:p14="http://schemas.microsoft.com/office/powerpoint/2010/main" val="4139907021"/>
       </p:ext>
     </p:extLst>
   </p:cSld>
@@ -8707,1043 +10485,12 @@
 </file>
 
 <file path=customXml/item1.xml><?xml version="1.0" encoding="utf-8"?>
-<ct:contentTypeSchema xmlns:ct="http://schemas.microsoft.com/office/2006/metadata/contentType" xmlns:ma="http://schemas.microsoft.com/office/2006/metadata/properties/metaAttributes" ct:_="" ma:_="" ma:contentTypeName="TemplateFile" ma:contentTypeID="0x0101006EDDDB5EE6D98C44930B742096920B300400F5B6D36B3EF94B4E9A635CDF2A18F5B8" ma:contentTypeVersion="72" ma:contentTypeDescription="Create a new document." ma:contentTypeScope="" ma:versionID="a23e56308344d904b51738559c3d67c9">
-  <xsd:schema xmlns:xsd="http://www.w3.org/2001/XMLSchema" xmlns:xs="http://www.w3.org/2001/XMLSchema" xmlns:p="http://schemas.microsoft.com/office/2006/metadata/properties" xmlns:ns2="4873beb7-5857-4685-be1f-d57550cc96cc" targetNamespace="http://schemas.microsoft.com/office/2006/metadata/properties" ma:root="true" ma:fieldsID="cd0908cc4600e77bf5da051303e00c8d" ns2:_="">
-    <xsd:import namespace="4873beb7-5857-4685-be1f-d57550cc96cc"/>
-    <xsd:element name="properties">
-      <xsd:complexType>
-        <xsd:sequence>
-          <xsd:element name="documentManagement">
-            <xsd:complexType>
-              <xsd:all>
-                <xsd:element ref="ns2:AcquiredFrom" minOccurs="0"/>
-                <xsd:element ref="ns2:UACurrentWords" minOccurs="0"/>
-                <xsd:element ref="ns2:TPApplication" minOccurs="0"/>
-                <xsd:element ref="ns2:ApprovalLog" minOccurs="0"/>
-                <xsd:element ref="ns2:ApprovalStatus" minOccurs="0"/>
-                <xsd:element ref="ns2:AssetStart" minOccurs="0"/>
-                <xsd:element ref="ns2:AssetExpire" minOccurs="0"/>
-                <xsd:element ref="ns2:AssetId" minOccurs="0"/>
-                <xsd:element ref="ns2:IsSearchable" minOccurs="0"/>
-                <xsd:element ref="ns2:AssetType" minOccurs="0"/>
-                <xsd:element ref="ns2:APAuthor" minOccurs="0"/>
-                <xsd:element ref="ns2:AverageRating" minOccurs="0"/>
-                <xsd:element ref="ns2:BlockPublish" minOccurs="0"/>
-                <xsd:element ref="ns2:BugNumber" minOccurs="0"/>
-                <xsd:element ref="ns2:CampaignTagsTaxHTField0" minOccurs="0"/>
-                <xsd:element ref="ns2:TPClientViewer" minOccurs="0"/>
-                <xsd:element ref="ns2:ClipArtFilename" minOccurs="0"/>
-                <xsd:element ref="ns2:TPCommandLine" minOccurs="0"/>
-                <xsd:element ref="ns2:TPComponent" minOccurs="0"/>
-                <xsd:element ref="ns2:ContentItem" minOccurs="0"/>
-                <xsd:element ref="ns2:CrawlForDependencies" minOccurs="0"/>
-                <xsd:element ref="ns2:CSXHash" minOccurs="0"/>
-                <xsd:element ref="ns2:CSXSubmissionMarket" minOccurs="0"/>
-                <xsd:element ref="ns2:CSXUpdate" minOccurs="0"/>
-                <xsd:element ref="ns2:IntlLangReviewDate" minOccurs="0"/>
-                <xsd:element ref="ns2:IsDeleted" minOccurs="0"/>
-                <xsd:element ref="ns2:APDescription" minOccurs="0"/>
-                <xsd:element ref="ns2:DirectSourceMarket" minOccurs="0"/>
-                <xsd:element ref="ns2:Downloads" minOccurs="0"/>
-                <xsd:element ref="ns2:DSATActionTaken" minOccurs="0"/>
-                <xsd:element ref="ns2:APEditor" minOccurs="0"/>
-                <xsd:element ref="ns2:EditorialStatus" minOccurs="0"/>
-                <xsd:element ref="ns2:EditorialTags" minOccurs="0"/>
-                <xsd:element ref="ns2:TPExecutable" minOccurs="0"/>
-                <xsd:element ref="ns2:FeatureTagsTaxHTField0" minOccurs="0"/>
-                <xsd:element ref="ns2:TPFriendlyName" minOccurs="0"/>
-                <xsd:element ref="ns2:FriendlyTitle" minOccurs="0"/>
-                <xsd:element ref="ns2:PrimaryImageGen" minOccurs="0"/>
-                <xsd:element ref="ns2:HandoffToMSDN" minOccurs="0"/>
-                <xsd:element ref="ns2:InProjectListLookup" minOccurs="0"/>
-                <xsd:element ref="ns2:TPInstallLocation" minOccurs="0"/>
-                <xsd:element ref="ns2:InternalTagsTaxHTField0" minOccurs="0"/>
-                <xsd:element ref="ns2:IntlLangReview" minOccurs="0"/>
-                <xsd:element ref="ns2:IntlLangReviewer" minOccurs="0"/>
-                <xsd:element ref="ns2:MarketSpecific" minOccurs="0"/>
-                <xsd:element ref="ns2:LastCompleteVersionLookup" minOccurs="0"/>
-                <xsd:element ref="ns2:LastHandOff" minOccurs="0"/>
-                <xsd:element ref="ns2:LastModifiedDateTime" minOccurs="0"/>
-                <xsd:element ref="ns2:LastPreviewErrorLookup" minOccurs="0"/>
-                <xsd:element ref="ns2:LastPreviewResultLookup" minOccurs="0"/>
-                <xsd:element ref="ns2:LastPreviewAttemptDateLookup" minOccurs="0"/>
-                <xsd:element ref="ns2:LastPreviewedByLookup" minOccurs="0"/>
-                <xsd:element ref="ns2:LastPreviewTimeLookup" minOccurs="0"/>
-                <xsd:element ref="ns2:LastPreviewVersionLookup" minOccurs="0"/>
-                <xsd:element ref="ns2:LastPublishErrorLookup" minOccurs="0"/>
-                <xsd:element ref="ns2:LastPublishResultLookup" minOccurs="0"/>
-                <xsd:element ref="ns2:LastPublishAttemptDateLookup" minOccurs="0"/>
-                <xsd:element ref="ns2:LastPublishedByLookup" minOccurs="0"/>
-                <xsd:element ref="ns2:LastPublishTimeLookup" minOccurs="0"/>
-                <xsd:element ref="ns2:LastPublishVersionLookup" minOccurs="0"/>
-                <xsd:element ref="ns2:TPLaunchHelpLinkType" minOccurs="0"/>
-                <xsd:element ref="ns2:LegacyData" minOccurs="0"/>
-                <xsd:element ref="ns2:TPLaunchHelpLink" minOccurs="0"/>
-                <xsd:element ref="ns2:LocComments" minOccurs="0"/>
-                <xsd:element ref="ns2:LocLastLocAttemptVersionLookup" minOccurs="0"/>
-                <xsd:element ref="ns2:LocLastLocAttemptVersionTypeLookup" minOccurs="0"/>
-                <xsd:element ref="ns2:LocManualTestRequired" minOccurs="0"/>
-                <xsd:element ref="ns2:LocMarketGroupTiers2" minOccurs="0"/>
-                <xsd:element ref="ns2:LocNewPublishedVersionLookup" minOccurs="0"/>
-                <xsd:element ref="ns2:LocOverallHandbackStatusLookup" minOccurs="0"/>
-                <xsd:element ref="ns2:LocOverallLocStatusLookup" minOccurs="0"/>
-                <xsd:element ref="ns2:LocOverallPreviewStatusLookup" minOccurs="0"/>
-                <xsd:element ref="ns2:LocOverallPublishStatusLookup" minOccurs="0"/>
-                <xsd:element ref="ns2:IntlLocPriority" minOccurs="0"/>
-                <xsd:element ref="ns2:LocProcessedForHandoffsLookup" minOccurs="0"/>
-                <xsd:element ref="ns2:LocProcessedForMarketsLookup" minOccurs="0"/>
-                <xsd:element ref="ns2:LocPublishedDependentAssetsLookup" minOccurs="0"/>
-                <xsd:element ref="ns2:LocPublishedLinkedAssetsLookup" minOccurs="0"/>
-                <xsd:element ref="ns2:LocRecommendedHandoff" minOccurs="0"/>
-                <xsd:element ref="ns2:LocalizationTagsTaxHTField0" minOccurs="0"/>
-                <xsd:element ref="ns2:MachineTranslated" minOccurs="0"/>
-                <xsd:element ref="ns2:Manager" minOccurs="0"/>
-                <xsd:element ref="ns2:Markets" minOccurs="0"/>
-                <xsd:element ref="ns2:Milestone" minOccurs="0"/>
-                <xsd:element ref="ns2:TPNamespace" minOccurs="0"/>
-                <xsd:element ref="ns2:NumericId" minOccurs="0"/>
-                <xsd:element ref="ns2:NumOfRatingsLookup" minOccurs="0"/>
-                <xsd:element ref="ns2:OOCacheId" minOccurs="0"/>
-                <xsd:element ref="ns2:OpenTemplate" minOccurs="0"/>
-                <xsd:element ref="ns2:OriginAsset" minOccurs="0"/>
-                <xsd:element ref="ns2:OriginalRelease" minOccurs="0"/>
-                <xsd:element ref="ns2:OriginalSourceMarket" minOccurs="0"/>
-                <xsd:element ref="ns2:OutputCachingOn" minOccurs="0"/>
-                <xsd:element ref="ns2:ParentAssetId" minOccurs="0"/>
-                <xsd:element ref="ns2:PlannedPubDate" minOccurs="0"/>
-                <xsd:element ref="ns2:PolicheckWords" minOccurs="0"/>
-                <xsd:element ref="ns2:BusinessGroup" minOccurs="0"/>
-                <xsd:element ref="ns2:UAProjectedTotalWords" minOccurs="0"/>
-                <xsd:element ref="ns2:Provider" minOccurs="0"/>
-                <xsd:element ref="ns2:Providers" minOccurs="0"/>
-                <xsd:element ref="ns2:PublishStatusLookup" minOccurs="0"/>
-                <xsd:element ref="ns2:PublishTargets" minOccurs="0"/>
-                <xsd:element ref="ns2:RecommendationsModifier" minOccurs="0"/>
-                <xsd:element ref="ns2:ArtSampleDocs" minOccurs="0"/>
-                <xsd:element ref="ns2:ScenarioTagsTaxHTField0" minOccurs="0"/>
-                <xsd:element ref="ns2:ShowIn" minOccurs="0"/>
-                <xsd:element ref="ns2:SourceTitle" minOccurs="0"/>
-                <xsd:element ref="ns2:CSXSubmissionDate" minOccurs="0"/>
-                <xsd:element ref="ns2:SubmitterId" minOccurs="0"/>
-                <xsd:element ref="ns2:TaxCatchAll" minOccurs="0"/>
-                <xsd:element ref="ns2:TaxCatchAllLabel" minOccurs="0"/>
-                <xsd:element ref="ns2:TemplateStatus" minOccurs="0"/>
-                <xsd:element ref="ns2:TemplateTemplateType" minOccurs="0"/>
-                <xsd:element ref="ns2:ThumbnailAssetId" minOccurs="0"/>
-                <xsd:element ref="ns2:TimesCloned" minOccurs="0"/>
-                <xsd:element ref="ns2:TrustLevel" minOccurs="0"/>
-                <xsd:element ref="ns2:UALocComments" minOccurs="0"/>
-                <xsd:element ref="ns2:UALocRecommendation" minOccurs="0"/>
-                <xsd:element ref="ns2:UANotes" minOccurs="0"/>
-                <xsd:element ref="ns2:TPAppVersion" minOccurs="0"/>
-                <xsd:element ref="ns2:VoteCount" minOccurs="0"/>
-              </xsd:all>
-            </xsd:complexType>
-          </xsd:element>
-        </xsd:sequence>
-      </xsd:complexType>
-    </xsd:element>
-  </xsd:schema>
-  <xsd:schema xmlns:xsd="http://www.w3.org/2001/XMLSchema" xmlns:xs="http://www.w3.org/2001/XMLSchema" xmlns:dms="http://schemas.microsoft.com/office/2006/documentManagement/types" xmlns:pc="http://schemas.microsoft.com/office/infopath/2007/PartnerControls" targetNamespace="4873beb7-5857-4685-be1f-d57550cc96cc" elementFormDefault="qualified">
-    <xsd:import namespace="http://schemas.microsoft.com/office/2006/documentManagement/types"/>
-    <xsd:import namespace="http://schemas.microsoft.com/office/infopath/2007/PartnerControls"/>
-    <xsd:element name="AcquiredFrom" ma:index="1" nillable="true" ma:displayName="Acquired From" ma:default="Internal MS" ma:internalName="AcquiredFrom" ma:readOnly="false">
-      <xsd:simpleType>
-        <xsd:restriction base="dms:Choice">
-          <xsd:enumeration value="Internal MS"/>
-          <xsd:enumeration value="Community"/>
-          <xsd:enumeration value="MVP"/>
-          <xsd:enumeration value="Publisher"/>
-          <xsd:enumeration value="Partner"/>
-          <xsd:enumeration value="None"/>
-        </xsd:restriction>
-      </xsd:simpleType>
-    </xsd:element>
-    <xsd:element name="UACurrentWords" ma:index="2" nillable="true" ma:displayName="Actual Word Count" ma:default="" ma:internalName="UACurrentWords" ma:readOnly="false">
-      <xsd:simpleType>
-        <xsd:restriction base="dms:Unknown"/>
-      </xsd:simpleType>
-    </xsd:element>
-    <xsd:element name="TPApplication" ma:index="3" nillable="true" ma:displayName="Application to Open Template With" ma:default="" ma:internalName="TPApplication">
-      <xsd:simpleType>
-        <xsd:restriction base="dms:Text"/>
-      </xsd:simpleType>
-    </xsd:element>
-    <xsd:element name="ApprovalLog" ma:index="4" nillable="true" ma:displayName="Approval Log" ma:default="" ma:hidden="true" ma:internalName="ApprovalLog" ma:readOnly="false">
-      <xsd:simpleType>
-        <xsd:restriction base="dms:Note"/>
-      </xsd:simpleType>
-    </xsd:element>
-    <xsd:element name="ApprovalStatus" ma:index="5" nillable="true" ma:displayName="Approval Status" ma:default="InProgress" ma:internalName="ApprovalStatus" ma:readOnly="false">
-      <xsd:simpleType>
-        <xsd:restriction base="dms:Choice">
-          <xsd:enumeration value="InProgress"/>
-          <xsd:enumeration value="Rejected"/>
-          <xsd:enumeration value="Questionable"/>
-          <xsd:enumeration value="ApprovedAutomatic"/>
-          <xsd:enumeration value="ApprovedManual"/>
-          <xsd:enumeration value="On Hold"/>
-          <xsd:enumeration value="Needs Review"/>
-          <xsd:enumeration value="A Violation"/>
-          <xsd:enumeration value="Unpublished Violation"/>
-        </xsd:restriction>
-      </xsd:simpleType>
-    </xsd:element>
-    <xsd:element name="AssetStart" ma:index="6" nillable="true" ma:displayName="Asset Begin Date" ma:default="[Today]" ma:internalName="AssetStart" ma:readOnly="false">
-      <xsd:simpleType>
-        <xsd:restriction base="dms:DateTime"/>
-      </xsd:simpleType>
-    </xsd:element>
-    <xsd:element name="AssetExpire" ma:index="7" nillable="true" ma:displayName="Asset End Date" ma:default="2029-01-01T08:00:00Z" ma:format="DateTime" ma:internalName="AssetExpire" ma:readOnly="false">
-      <xsd:simpleType>
-        <xsd:restriction base="dms:DateTime"/>
-      </xsd:simpleType>
-    </xsd:element>
-    <xsd:element name="AssetId" ma:index="8" nillable="true" ma:displayName="Asset ID" ma:default="" ma:indexed="true" ma:internalName="AssetId" ma:readOnly="false">
-      <xsd:simpleType>
-        <xsd:restriction base="dms:Text">
-          <xsd:maxLength value="255"/>
-        </xsd:restriction>
-      </xsd:simpleType>
-    </xsd:element>
-    <xsd:element name="IsSearchable" ma:index="9" nillable="true" ma:displayName="Asset Searchable?" ma:default="true" ma:internalName="IsSearchable" ma:readOnly="false">
-      <xsd:simpleType>
-        <xsd:restriction base="dms:Boolean"/>
-      </xsd:simpleType>
-    </xsd:element>
-    <xsd:element name="AssetType" ma:index="10" nillable="true" ma:displayName="Asset Type" ma:default="" ma:internalName="AssetType" ma:readOnly="false">
-      <xsd:simpleType>
-        <xsd:restriction base="dms:Unknown"/>
-      </xsd:simpleType>
-    </xsd:element>
-    <xsd:element name="APAuthor" ma:index="11" nillable="true" ma:displayName="Author" ma:default="" ma:list="UserInfo" ma:internalName="APAuthor" ma:readOnly="false">
-      <xsd:complexType>
-        <xsd:complexContent>
-          <xsd:extension base="dms:User">
-            <xsd:sequence>
-              <xsd:element name="UserInfo" minOccurs="0" maxOccurs="unbounded">
-                <xsd:complexType>
-                  <xsd:sequence>
-                    <xsd:element name="DisplayName" type="xsd:string" minOccurs="0"/>
-                    <xsd:element name="AccountId" type="dms:UserId" minOccurs="0" nillable="true"/>
-                    <xsd:element name="AccountType" type="xsd:string" minOccurs="0"/>
-                  </xsd:sequence>
-                </xsd:complexType>
-              </xsd:element>
-            </xsd:sequence>
-          </xsd:extension>
-        </xsd:complexContent>
-      </xsd:complexType>
-    </xsd:element>
-    <xsd:element name="AverageRating" ma:index="12" nillable="true" ma:displayName="Average Rating" ma:internalName="AverageRating" ma:readOnly="false">
-      <xsd:simpleType>
-        <xsd:restriction base="dms:Text"/>
-      </xsd:simpleType>
-    </xsd:element>
-    <xsd:element name="BlockPublish" ma:index="13" nillable="true" ma:displayName="Block from Publishing?" ma:default="" ma:internalName="BlockPublish" ma:readOnly="false">
-      <xsd:simpleType>
-        <xsd:restriction base="dms:Boolean"/>
-      </xsd:simpleType>
-    </xsd:element>
-    <xsd:element name="BugNumber" ma:index="14" nillable="true" ma:displayName="Bug Number" ma:default="" ma:internalName="BugNumber" ma:readOnly="false">
-      <xsd:simpleType>
-        <xsd:restriction base="dms:Text"/>
-      </xsd:simpleType>
-    </xsd:element>
-    <xsd:element name="CampaignTagsTaxHTField0" ma:index="16" nillable="true" ma:taxonomy="true" ma:internalName="CampaignTagsTaxHTField0" ma:taxonomyFieldName="CampaignTags" ma:displayName="Campaigns" ma:readOnly="false" ma:default="" ma:fieldId="{1df42cc3-2301-4f11-a52a-6ead923c29ed}" ma:taxonomyMulti="true" ma:sspId="8f79753a-75d3-41f5-8ca3-40b843941b4f" ma:termSetId="ca0e50d4-faa1-44ce-961e-bb1441c60e66" ma:anchorId="00000000-0000-0000-0000-000000000000" ma:open="false" ma:isKeyword="false">
-      <xsd:complexType>
-        <xsd:sequence>
-          <xsd:element ref="pc:Terms" minOccurs="0" maxOccurs="1"/>
-        </xsd:sequence>
-      </xsd:complexType>
-    </xsd:element>
-    <xsd:element name="TPClientViewer" ma:index="17" nillable="true" ma:displayName="Client Viewer" ma:default="" ma:internalName="TPClientViewer">
-      <xsd:simpleType>
-        <xsd:restriction base="dms:Text"/>
-      </xsd:simpleType>
-    </xsd:element>
-    <xsd:element name="ClipArtFilename" ma:index="18" nillable="true" ma:displayName="Clip Art Name" ma:default="" ma:internalName="ClipArtFilename" ma:readOnly="false">
-      <xsd:simpleType>
-        <xsd:restriction base="dms:Text"/>
-      </xsd:simpleType>
-    </xsd:element>
-    <xsd:element name="TPCommandLine" ma:index="19" nillable="true" ma:displayName="Command Line" ma:default="" ma:internalName="TPCommandLine">
-      <xsd:simpleType>
-        <xsd:restriction base="dms:Text"/>
-      </xsd:simpleType>
-    </xsd:element>
-    <xsd:element name="TPComponent" ma:index="20" nillable="true" ma:displayName="Component" ma:default="" ma:internalName="TPComponent">
-      <xsd:simpleType>
-        <xsd:restriction base="dms:Text"/>
-      </xsd:simpleType>
-    </xsd:element>
-    <xsd:element name="ContentItem" ma:index="21" nillable="true" ma:displayName="Content Item" ma:default="" ma:hidden="true" ma:internalName="ContentItem" ma:readOnly="false">
-      <xsd:simpleType>
-        <xsd:restriction base="dms:Unknown"/>
-      </xsd:simpleType>
-    </xsd:element>
-    <xsd:element name="CrawlForDependencies" ma:index="23" nillable="true" ma:displayName="Crawl for Dependencies?" ma:default="true" ma:internalName="CrawlForDependencies" ma:readOnly="false">
-      <xsd:simpleType>
-        <xsd:restriction base="dms:Boolean"/>
-      </xsd:simpleType>
-    </xsd:element>
-    <xsd:element name="CSXHash" ma:index="26" nillable="true" ma:displayName="CSX Hash" ma:default="" ma:indexed="true" ma:internalName="CSXHash" ma:readOnly="false">
-      <xsd:simpleType>
-        <xsd:restriction base="dms:Text"/>
-      </xsd:simpleType>
-    </xsd:element>
-    <xsd:element name="CSXSubmissionMarket" ma:index="27" nillable="true" ma:displayName="CSX Submission Market" ma:default="" ma:list="{2FBD1B11-2ACE-4FDC-B5A3-635D4ADF6F1B}" ma:internalName="CSXSubmissionMarket" ma:readOnly="false" ma:showField="MarketName" ma:web="4873beb7-5857-4685-be1f-d57550cc96cc">
-      <xsd:simpleType>
-        <xsd:restriction base="dms:Lookup"/>
-      </xsd:simpleType>
-    </xsd:element>
-    <xsd:element name="CSXUpdate" ma:index="28" nillable="true" ma:displayName="CSX Updated?" ma:default="false" ma:internalName="CSXUpdate" ma:readOnly="false">
-      <xsd:simpleType>
-        <xsd:restriction base="dms:Boolean"/>
-      </xsd:simpleType>
-    </xsd:element>
-    <xsd:element name="IntlLangReviewDate" ma:index="29" nillable="true" ma:displayName="Date to Complete Intl QA" ma:default="" ma:internalName="IntlLangReviewDate" ma:readOnly="false">
-      <xsd:simpleType>
-        <xsd:restriction base="dms:DateTime"/>
-      </xsd:simpleType>
-    </xsd:element>
-    <xsd:element name="IsDeleted" ma:index="30" nillable="true" ma:displayName="Deleted?" ma:default="" ma:internalName="IsDeleted" ma:readOnly="false">
-      <xsd:simpleType>
-        <xsd:restriction base="dms:Boolean"/>
-      </xsd:simpleType>
-    </xsd:element>
-    <xsd:element name="APDescription" ma:index="31" nillable="true" ma:displayName="Description" ma:default="" ma:internalName="APDescription" ma:readOnly="false">
-      <xsd:simpleType>
-        <xsd:restriction base="dms:Note"/>
-      </xsd:simpleType>
-    </xsd:element>
-    <xsd:element name="DirectSourceMarket" ma:index="32" nillable="true" ma:displayName="Direct Source Market Group" ma:default="" ma:internalName="DirectSourceMarket" ma:readOnly="false">
-      <xsd:simpleType>
-        <xsd:restriction base="dms:Text"/>
-      </xsd:simpleType>
-    </xsd:element>
-    <xsd:element name="Downloads" ma:index="33" nillable="true" ma:displayName="Downloads" ma:default="0" ma:hidden="true" ma:internalName="Downloads" ma:readOnly="false">
-      <xsd:simpleType>
-        <xsd:restriction base="dms:Unknown"/>
-      </xsd:simpleType>
-    </xsd:element>
-    <xsd:element name="DSATActionTaken" ma:index="34" nillable="true" ma:displayName="DSAT Action Taken" ma:default="" ma:internalName="DSATActionTaken" ma:readOnly="false">
-      <xsd:simpleType>
-        <xsd:restriction base="dms:Choice">
-          <xsd:enumeration value="Best Bets"/>
-          <xsd:enumeration value="Expire"/>
-          <xsd:enumeration value="Hide"/>
-          <xsd:enumeration value="None"/>
-        </xsd:restriction>
-      </xsd:simpleType>
-    </xsd:element>
-    <xsd:element name="APEditor" ma:index="35" nillable="true" ma:displayName="Editor" ma:default="" ma:list="UserInfo" ma:internalName="APEditor" ma:readOnly="false">
-      <xsd:complexType>
-        <xsd:complexContent>
-          <xsd:extension base="dms:User">
-            <xsd:sequence>
-              <xsd:element name="UserInfo" minOccurs="0" maxOccurs="unbounded">
-                <xsd:complexType>
-                  <xsd:sequence>
-                    <xsd:element name="DisplayName" type="xsd:string" minOccurs="0"/>
-                    <xsd:element name="AccountId" type="dms:UserId" minOccurs="0" nillable="true"/>
-                    <xsd:element name="AccountType" type="xsd:string" minOccurs="0"/>
-                  </xsd:sequence>
-                </xsd:complexType>
-              </xsd:element>
-            </xsd:sequence>
-          </xsd:extension>
-        </xsd:complexContent>
-      </xsd:complexType>
-    </xsd:element>
-    <xsd:element name="EditorialStatus" ma:index="36" nillable="true" ma:displayName="Editorial Status" ma:default="" ma:internalName="EditorialStatus" ma:readOnly="false">
-      <xsd:simpleType>
-        <xsd:restriction base="dms:Unknown"/>
-      </xsd:simpleType>
-    </xsd:element>
-    <xsd:element name="EditorialTags" ma:index="37" nillable="true" ma:displayName="Editorial Tags" ma:default="" ma:internalName="EditorialTags">
-      <xsd:simpleType>
-        <xsd:restriction base="dms:Unknown"/>
-      </xsd:simpleType>
-    </xsd:element>
-    <xsd:element name="TPExecutable" ma:index="38" nillable="true" ma:displayName="Executable" ma:default="" ma:internalName="TPExecutable">
-      <xsd:simpleType>
-        <xsd:restriction base="dms:Text"/>
-      </xsd:simpleType>
-    </xsd:element>
-    <xsd:element name="FeatureTagsTaxHTField0" ma:index="40" nillable="true" ma:taxonomy="true" ma:internalName="FeatureTagsTaxHTField0" ma:taxonomyFieldName="FeatureTags" ma:displayName="Features" ma:readOnly="false" ma:default="" ma:fieldId="{7fc0d542-15c6-4882-a8e3-13bca44403fb}" ma:taxonomyMulti="true" ma:sspId="8f79753a-75d3-41f5-8ca3-40b843941b4f" ma:termSetId="f1ab6845-967d-4854-a0ba-4ec07f0f8113" ma:anchorId="00000000-0000-0000-0000-000000000000" ma:open="false" ma:isKeyword="false">
-      <xsd:complexType>
-        <xsd:sequence>
-          <xsd:element ref="pc:Terms" minOccurs="0" maxOccurs="1"/>
-        </xsd:sequence>
-      </xsd:complexType>
-    </xsd:element>
-    <xsd:element name="TPFriendlyName" ma:index="41" nillable="true" ma:displayName="Friendly Name" ma:default="" ma:internalName="TPFriendlyName">
-      <xsd:simpleType>
-        <xsd:restriction base="dms:Text"/>
-      </xsd:simpleType>
-    </xsd:element>
-    <xsd:element name="FriendlyTitle" ma:index="42" nillable="true" ma:displayName="Friendly Title" ma:default="" ma:description="Shorter title to be used when displaying search results" ma:internalName="FriendlyTitle" ma:readOnly="false">
-      <xsd:simpleType>
-        <xsd:restriction base="dms:Text"/>
-      </xsd:simpleType>
-    </xsd:element>
-    <xsd:element name="PrimaryImageGen" ma:index="43" nillable="true" ma:displayName="Generate Images?" ma:default="true" ma:internalName="PrimaryImageGen">
-      <xsd:simpleType>
-        <xsd:restriction base="dms:Boolean"/>
-      </xsd:simpleType>
-    </xsd:element>
-    <xsd:element name="HandoffToMSDN" ma:index="44" nillable="true" ma:displayName="Handoff To MSDN Date" ma:default="" ma:internalName="HandoffToMSDN" ma:readOnly="false">
-      <xsd:simpleType>
-        <xsd:restriction base="dms:DateTime"/>
-      </xsd:simpleType>
-    </xsd:element>
-    <xsd:element name="InProjectListLookup" ma:index="45" nillable="true" ma:displayName="InProjectListLookup" ma:list="{9E343742-310B-4684-A24C-1D137CB4B230}" ma:internalName="InProjectListLookup" ma:readOnly="true" ma:showField="InProjectList" ma:web="4873beb7-5857-4685-be1f-d57550cc96cc">
-      <xsd:complexType>
-        <xsd:complexContent>
-          <xsd:extension base="dms:MultiChoiceLookup">
-            <xsd:sequence>
-              <xsd:element name="Value" type="dms:Lookup" maxOccurs="unbounded" minOccurs="0" nillable="true"/>
-            </xsd:sequence>
-          </xsd:extension>
-        </xsd:complexContent>
-      </xsd:complexType>
-    </xsd:element>
-    <xsd:element name="TPInstallLocation" ma:index="46" nillable="true" ma:displayName="Install Location" ma:default="" ma:internalName="TPInstallLocation">
-      <xsd:simpleType>
-        <xsd:restriction base="dms:Text"/>
-      </xsd:simpleType>
-    </xsd:element>
-    <xsd:element name="InternalTagsTaxHTField0" ma:index="48" nillable="true" ma:taxonomy="true" ma:internalName="InternalTagsTaxHTField0" ma:taxonomyFieldName="InternalTags" ma:displayName="Internal Tags" ma:readOnly="false" ma:default="" ma:fieldId="{1490b8a4-2706-41ec-b5e3-73176dccf34e}" ma:taxonomyMulti="true" ma:sspId="8f79753a-75d3-41f5-8ca3-40b843941b4f" ma:termSetId="82b6639e-f7fc-4c18-ad2d-003a6e707765" ma:anchorId="00000000-0000-0000-0000-000000000000" ma:open="false" ma:isKeyword="false">
-      <xsd:complexType>
-        <xsd:sequence>
-          <xsd:element ref="pc:Terms" minOccurs="0" maxOccurs="1"/>
-        </xsd:sequence>
-      </xsd:complexType>
-    </xsd:element>
-    <xsd:element name="IntlLangReview" ma:index="49" nillable="true" ma:displayName="Intl Lang QA Review Required?" ma:default="" ma:internalName="IntlLangReview" ma:readOnly="false">
-      <xsd:simpleType>
-        <xsd:restriction base="dms:Boolean"/>
-      </xsd:simpleType>
-    </xsd:element>
-    <xsd:element name="IntlLangReviewer" ma:index="50" nillable="true" ma:displayName="Intl Lang QA Reviewer" ma:default="" ma:internalName="IntlLangReviewer" ma:readOnly="false">
-      <xsd:simpleType>
-        <xsd:restriction base="dms:Text"/>
-      </xsd:simpleType>
-    </xsd:element>
-    <xsd:element name="MarketSpecific" ma:index="51" nillable="true" ma:displayName="Is Market Specific?" ma:default="" ma:internalName="MarketSpecific" ma:readOnly="false">
-      <xsd:simpleType>
-        <xsd:restriction base="dms:Boolean"/>
-      </xsd:simpleType>
-    </xsd:element>
-    <xsd:element name="LastCompleteVersionLookup" ma:index="52" nillable="true" ma:displayName="Last Complete Version Lookup" ma:default="" ma:list="{9E343742-310B-4684-A24C-1D137CB4B230}" ma:internalName="LastCompleteVersionLookup" ma:readOnly="true" ma:showField="LastCompleteVersion" ma:web="4873beb7-5857-4685-be1f-d57550cc96cc">
-      <xsd:complexType>
-        <xsd:complexContent>
-          <xsd:extension base="dms:MultiChoiceLookup">
-            <xsd:sequence>
-              <xsd:element name="Value" type="dms:Lookup" maxOccurs="unbounded" minOccurs="0" nillable="true"/>
-            </xsd:sequence>
-          </xsd:extension>
-        </xsd:complexContent>
-      </xsd:complexType>
-    </xsd:element>
-    <xsd:element name="LastHandOff" ma:index="53" nillable="true" ma:displayName="Last Hand-off" ma:default="" ma:internalName="LastHandOff" ma:readOnly="false">
-      <xsd:simpleType>
-        <xsd:restriction base="dms:DateTime"/>
-      </xsd:simpleType>
-    </xsd:element>
-    <xsd:element name="LastModifiedDateTime" ma:index="54" nillable="true" ma:displayName="Last Modified Date" ma:default="" ma:internalName="LastModifiedDateTime" ma:readOnly="false">
-      <xsd:simpleType>
-        <xsd:restriction base="dms:DateTime"/>
-      </xsd:simpleType>
-    </xsd:element>
-    <xsd:element name="LastPreviewErrorLookup" ma:index="55" nillable="true" ma:displayName="Last Preview Attempt Error" ma:default="" ma:list="{9E343742-310B-4684-A24C-1D137CB4B230}" ma:internalName="LastPreviewErrorLookup" ma:readOnly="true" ma:showField="LastPreviewError" ma:web="4873beb7-5857-4685-be1f-d57550cc96cc">
-      <xsd:complexType>
-        <xsd:complexContent>
-          <xsd:extension base="dms:MultiChoiceLookup">
-            <xsd:sequence>
-              <xsd:element name="Value" type="dms:Lookup" maxOccurs="unbounded" minOccurs="0" nillable="true"/>
-            </xsd:sequence>
-          </xsd:extension>
-        </xsd:complexContent>
-      </xsd:complexType>
-    </xsd:element>
-    <xsd:element name="LastPreviewResultLookup" ma:index="56" nillable="true" ma:displayName="Last Preview Attempt Result" ma:default="" ma:list="{9E343742-310B-4684-A24C-1D137CB4B230}" ma:internalName="LastPreviewResultLookup" ma:readOnly="true" ma:showField="LastPreviewResult" ma:web="4873beb7-5857-4685-be1f-d57550cc96cc">
-      <xsd:complexType>
-        <xsd:complexContent>
-          <xsd:extension base="dms:MultiChoiceLookup">
-            <xsd:sequence>
-              <xsd:element name="Value" type="dms:Lookup" maxOccurs="unbounded" minOccurs="0" nillable="true"/>
-            </xsd:sequence>
-          </xsd:extension>
-        </xsd:complexContent>
-      </xsd:complexType>
-    </xsd:element>
-    <xsd:element name="LastPreviewAttemptDateLookup" ma:index="57" nillable="true" ma:displayName="Last Preview Attempted On" ma:default="" ma:list="{9E343742-310B-4684-A24C-1D137CB4B230}" ma:internalName="LastPreviewAttemptDateLookup" ma:readOnly="true" ma:showField="LastPreviewAttemptDate" ma:web="4873beb7-5857-4685-be1f-d57550cc96cc">
-      <xsd:complexType>
-        <xsd:complexContent>
-          <xsd:extension base="dms:MultiChoiceLookup">
-            <xsd:sequence>
-              <xsd:element name="Value" type="dms:Lookup" maxOccurs="unbounded" minOccurs="0" nillable="true"/>
-            </xsd:sequence>
-          </xsd:extension>
-        </xsd:complexContent>
-      </xsd:complexType>
-    </xsd:element>
-    <xsd:element name="LastPreviewedByLookup" ma:index="58" nillable="true" ma:displayName="Last Previewed By" ma:default="" ma:list="{9E343742-310B-4684-A24C-1D137CB4B230}" ma:internalName="LastPreviewedByLookup" ma:readOnly="true" ma:showField="LastPreviewedBy" ma:web="4873beb7-5857-4685-be1f-d57550cc96cc">
-      <xsd:complexType>
-        <xsd:complexContent>
-          <xsd:extension base="dms:MultiChoiceLookup">
-            <xsd:sequence>
-              <xsd:element name="Value" type="dms:Lookup" maxOccurs="unbounded" minOccurs="0" nillable="true"/>
-            </xsd:sequence>
-          </xsd:extension>
-        </xsd:complexContent>
-      </xsd:complexType>
-    </xsd:element>
-    <xsd:element name="LastPreviewTimeLookup" ma:index="59" nillable="true" ma:displayName="Last Previewed Date" ma:default="" ma:list="{9E343742-310B-4684-A24C-1D137CB4B230}" ma:internalName="LastPreviewTimeLookup" ma:readOnly="true" ma:showField="LastPreviewTime" ma:web="4873beb7-5857-4685-be1f-d57550cc96cc">
-      <xsd:complexType>
-        <xsd:complexContent>
-          <xsd:extension base="dms:MultiChoiceLookup">
-            <xsd:sequence>
-              <xsd:element name="Value" type="dms:Lookup" maxOccurs="unbounded" minOccurs="0" nillable="true"/>
-            </xsd:sequence>
-          </xsd:extension>
-        </xsd:complexContent>
-      </xsd:complexType>
-    </xsd:element>
-    <xsd:element name="LastPreviewVersionLookup" ma:index="60" nillable="true" ma:displayName="Last Previewed Version" ma:default="" ma:list="{9E343742-310B-4684-A24C-1D137CB4B230}" ma:internalName="LastPreviewVersionLookup" ma:readOnly="true" ma:showField="LastPreviewVersion" ma:web="4873beb7-5857-4685-be1f-d57550cc96cc">
-      <xsd:complexType>
-        <xsd:complexContent>
-          <xsd:extension base="dms:MultiChoiceLookup">
-            <xsd:sequence>
-              <xsd:element name="Value" type="dms:Lookup" maxOccurs="unbounded" minOccurs="0" nillable="true"/>
-            </xsd:sequence>
-          </xsd:extension>
-        </xsd:complexContent>
-      </xsd:complexType>
-    </xsd:element>
-    <xsd:element name="LastPublishErrorLookup" ma:index="61" nillable="true" ma:displayName="Last Publish Attempt Error" ma:default="" ma:list="{9E343742-310B-4684-A24C-1D137CB4B230}" ma:internalName="LastPublishErrorLookup" ma:readOnly="true" ma:showField="LastPublishError" ma:web="4873beb7-5857-4685-be1f-d57550cc96cc">
-      <xsd:complexType>
-        <xsd:complexContent>
-          <xsd:extension base="dms:MultiChoiceLookup">
-            <xsd:sequence>
-              <xsd:element name="Value" type="dms:Lookup" maxOccurs="unbounded" minOccurs="0" nillable="true"/>
-            </xsd:sequence>
-          </xsd:extension>
-        </xsd:complexContent>
-      </xsd:complexType>
-    </xsd:element>
-    <xsd:element name="LastPublishResultLookup" ma:index="62" nillable="true" ma:displayName="Last Publish Attempt Result" ma:default="" ma:list="{9E343742-310B-4684-A24C-1D137CB4B230}" ma:internalName="LastPublishResultLookup" ma:readOnly="true" ma:showField="LastPublishResult" ma:web="4873beb7-5857-4685-be1f-d57550cc96cc">
-      <xsd:complexType>
-        <xsd:complexContent>
-          <xsd:extension base="dms:MultiChoiceLookup">
-            <xsd:sequence>
-              <xsd:element name="Value" type="dms:Lookup" maxOccurs="unbounded" minOccurs="0" nillable="true"/>
-            </xsd:sequence>
-          </xsd:extension>
-        </xsd:complexContent>
-      </xsd:complexType>
-    </xsd:element>
-    <xsd:element name="LastPublishAttemptDateLookup" ma:index="63" nillable="true" ma:displayName="Last Publish Attempted On" ma:default="" ma:list="{9E343742-310B-4684-A24C-1D137CB4B230}" ma:internalName="LastPublishAttemptDateLookup" ma:readOnly="true" ma:showField="LastPublishAttemptDate" ma:web="4873beb7-5857-4685-be1f-d57550cc96cc">
-      <xsd:complexType>
-        <xsd:complexContent>
-          <xsd:extension base="dms:MultiChoiceLookup">
-            <xsd:sequence>
-              <xsd:element name="Value" type="dms:Lookup" maxOccurs="unbounded" minOccurs="0" nillable="true"/>
-            </xsd:sequence>
-          </xsd:extension>
-        </xsd:complexContent>
-      </xsd:complexType>
-    </xsd:element>
-    <xsd:element name="LastPublishedByLookup" ma:index="64" nillable="true" ma:displayName="Last Published By" ma:default="" ma:list="{9E343742-310B-4684-A24C-1D137CB4B230}" ma:internalName="LastPublishedByLookup" ma:readOnly="true" ma:showField="LastPublishedBy" ma:web="4873beb7-5857-4685-be1f-d57550cc96cc">
-      <xsd:complexType>
-        <xsd:complexContent>
-          <xsd:extension base="dms:MultiChoiceLookup">
-            <xsd:sequence>
-              <xsd:element name="Value" type="dms:Lookup" maxOccurs="unbounded" minOccurs="0" nillable="true"/>
-            </xsd:sequence>
-          </xsd:extension>
-        </xsd:complexContent>
-      </xsd:complexType>
-    </xsd:element>
-    <xsd:element name="LastPublishTimeLookup" ma:index="65" nillable="true" ma:displayName="Last Published Date" ma:default="" ma:list="{9E343742-310B-4684-A24C-1D137CB4B230}" ma:internalName="LastPublishTimeLookup" ma:readOnly="true" ma:showField="LastPublishTime" ma:web="4873beb7-5857-4685-be1f-d57550cc96cc">
-      <xsd:complexType>
-        <xsd:complexContent>
-          <xsd:extension base="dms:MultiChoiceLookup">
-            <xsd:sequence>
-              <xsd:element name="Value" type="dms:Lookup" maxOccurs="unbounded" minOccurs="0" nillable="true"/>
-            </xsd:sequence>
-          </xsd:extension>
-        </xsd:complexContent>
-      </xsd:complexType>
-    </xsd:element>
-    <xsd:element name="LastPublishVersionLookup" ma:index="66" nillable="true" ma:displayName="Last Published Version" ma:default="" ma:list="{9E343742-310B-4684-A24C-1D137CB4B230}" ma:internalName="LastPublishVersionLookup" ma:readOnly="true" ma:showField="LastPublishVersion" ma:web="4873beb7-5857-4685-be1f-d57550cc96cc">
-      <xsd:complexType>
-        <xsd:complexContent>
-          <xsd:extension base="dms:MultiChoiceLookup">
-            <xsd:sequence>
-              <xsd:element name="Value" type="dms:Lookup" maxOccurs="unbounded" minOccurs="0" nillable="true"/>
-            </xsd:sequence>
-          </xsd:extension>
-        </xsd:complexContent>
-      </xsd:complexType>
-    </xsd:element>
-    <xsd:element name="TPLaunchHelpLinkType" ma:index="67" nillable="true" ma:displayName="Launch Help Link Type" ma:default="Template" ma:internalName="TPLaunchHelpLinkType">
-      <xsd:simpleType>
-        <xsd:restriction base="dms:Choice">
-          <xsd:enumeration value="Template"/>
-          <xsd:enumeration value="Training"/>
-          <xsd:enumeration value="URL"/>
-          <xsd:enumeration value="None"/>
-        </xsd:restriction>
-      </xsd:simpleType>
-    </xsd:element>
-    <xsd:element name="LegacyData" ma:index="68" nillable="true" ma:displayName="Legacy Data" ma:default="" ma:internalName="LegacyData" ma:readOnly="false">
-      <xsd:simpleType>
-        <xsd:restriction base="dms:Note"/>
-      </xsd:simpleType>
-    </xsd:element>
-    <xsd:element name="TPLaunchHelpLink" ma:index="69" nillable="true" ma:displayName="Link to Launch Help Topic" ma:default="" ma:internalName="TPLaunchHelpLink">
-      <xsd:simpleType>
-        <xsd:restriction base="dms:Text"/>
-      </xsd:simpleType>
-    </xsd:element>
-    <xsd:element name="LocComments" ma:index="70" nillable="true" ma:displayName="Loc Approval Comments" ma:default="" ma:internalName="LocComments" ma:readOnly="false">
-      <xsd:simpleType>
-        <xsd:restriction base="dms:Note"/>
-      </xsd:simpleType>
-    </xsd:element>
-    <xsd:element name="LocLastLocAttemptVersionLookup" ma:index="71" nillable="true" ma:displayName="Loc Last Loc Attempt Version" ma:default="" ma:list="{7DD1DCEC-E449-43D3-891F-7DC62F62AD21}" ma:internalName="LocLastLocAttemptVersionLookup" ma:readOnly="false" ma:showField="LastLocAttemptVersion" ma:web="4873beb7-5857-4685-be1f-d57550cc96cc">
-      <xsd:simpleType>
-        <xsd:restriction base="dms:Lookup"/>
-      </xsd:simpleType>
-    </xsd:element>
-    <xsd:element name="LocLastLocAttemptVersionTypeLookup" ma:index="72" nillable="true" ma:displayName="Loc Last Loc Attempt Version Type" ma:default="" ma:list="{7DD1DCEC-E449-43D3-891F-7DC62F62AD21}" ma:internalName="LocLastLocAttemptVersionTypeLookup" ma:readOnly="true" ma:showField="LastLocAttemptVersionType" ma:web="4873beb7-5857-4685-be1f-d57550cc96cc">
-      <xsd:simpleType>
-        <xsd:restriction base="dms:Lookup"/>
-      </xsd:simpleType>
-    </xsd:element>
-    <xsd:element name="LocManualTestRequired" ma:index="73" nillable="true" ma:displayName="Loc Manual Test Required" ma:default="" ma:internalName="LocManualTestRequired" ma:readOnly="false">
-      <xsd:simpleType>
-        <xsd:restriction base="dms:Boolean"/>
-      </xsd:simpleType>
-    </xsd:element>
-    <xsd:element name="LocMarketGroupTiers2" ma:index="74" nillable="true" ma:displayName="Loc Market Group Tiers" ma:internalName="LocMarketGroupTiers2" ma:readOnly="false">
-      <xsd:simpleType>
-        <xsd:restriction base="dms:Unknown"/>
-      </xsd:simpleType>
-    </xsd:element>
-    <xsd:element name="LocNewPublishedVersionLookup" ma:index="75" nillable="true" ma:displayName="Loc New Published Version Lookup" ma:default="" ma:list="{7DD1DCEC-E449-43D3-891F-7DC62F62AD21}" ma:internalName="LocNewPublishedVersionLookup" ma:readOnly="true" ma:showField="NewPublishedVersion" ma:web="4873beb7-5857-4685-be1f-d57550cc96cc">
-      <xsd:simpleType>
-        <xsd:restriction base="dms:Lookup"/>
-      </xsd:simpleType>
-    </xsd:element>
-    <xsd:element name="LocOverallHandbackStatusLookup" ma:index="76" nillable="true" ma:displayName="Loc Overall Handback Status" ma:default="" ma:list="{7DD1DCEC-E449-43D3-891F-7DC62F62AD21}" ma:internalName="LocOverallHandbackStatusLookup" ma:readOnly="true" ma:showField="OverallHandbackStatus" ma:web="4873beb7-5857-4685-be1f-d57550cc96cc">
-      <xsd:simpleType>
-        <xsd:restriction base="dms:Lookup"/>
-      </xsd:simpleType>
-    </xsd:element>
-    <xsd:element name="LocOverallLocStatusLookup" ma:index="77" nillable="true" ma:displayName="Loc Overall Localize Status" ma:default="" ma:list="{7DD1DCEC-E449-43D3-891F-7DC62F62AD21}" ma:internalName="LocOverallLocStatusLookup" ma:readOnly="true" ma:showField="OverallLocStatus" ma:web="4873beb7-5857-4685-be1f-d57550cc96cc">
-      <xsd:simpleType>
-        <xsd:restriction base="dms:Lookup"/>
-      </xsd:simpleType>
-    </xsd:element>
-    <xsd:element name="LocOverallPreviewStatusLookup" ma:index="78" nillable="true" ma:displayName="Loc Overall Preview Status" ma:default="" ma:list="{7DD1DCEC-E449-43D3-891F-7DC62F62AD21}" ma:internalName="LocOverallPreviewStatusLookup" ma:readOnly="true" ma:showField="OverallPreviewStatus" ma:web="4873beb7-5857-4685-be1f-d57550cc96cc">
-      <xsd:simpleType>
-        <xsd:restriction base="dms:Lookup"/>
-      </xsd:simpleType>
-    </xsd:element>
-    <xsd:element name="LocOverallPublishStatusLookup" ma:index="79" nillable="true" ma:displayName="Loc Overall Publish Status" ma:default="" ma:list="{7DD1DCEC-E449-43D3-891F-7DC62F62AD21}" ma:internalName="LocOverallPublishStatusLookup" ma:readOnly="true" ma:showField="OverallPublishStatus" ma:web="4873beb7-5857-4685-be1f-d57550cc96cc">
-      <xsd:simpleType>
-        <xsd:restriction base="dms:Lookup"/>
-      </xsd:simpleType>
-    </xsd:element>
-    <xsd:element name="IntlLocPriority" ma:index="80" nillable="true" ma:displayName="Loc Priority" ma:default="" ma:internalName="IntlLocPriority" ma:readOnly="false">
-      <xsd:simpleType>
-        <xsd:restriction base="dms:Unknown"/>
-      </xsd:simpleType>
-    </xsd:element>
-    <xsd:element name="LocProcessedForHandoffsLookup" ma:index="81" nillable="true" ma:displayName="Loc Processed For Handoffs" ma:default="" ma:list="{7DD1DCEC-E449-43D3-891F-7DC62F62AD21}" ma:internalName="LocProcessedForHandoffsLookup" ma:readOnly="true" ma:showField="ProcessedForHandoffs" ma:web="4873beb7-5857-4685-be1f-d57550cc96cc">
-      <xsd:simpleType>
-        <xsd:restriction base="dms:Lookup"/>
-      </xsd:simpleType>
-    </xsd:element>
-    <xsd:element name="LocProcessedForMarketsLookup" ma:index="82" nillable="true" ma:displayName="Loc Processed For Markets" ma:default="" ma:list="{7DD1DCEC-E449-43D3-891F-7DC62F62AD21}" ma:internalName="LocProcessedForMarketsLookup" ma:readOnly="true" ma:showField="ProcessedForMarkets" ma:web="4873beb7-5857-4685-be1f-d57550cc96cc">
-      <xsd:simpleType>
-        <xsd:restriction base="dms:Lookup"/>
-      </xsd:simpleType>
-    </xsd:element>
-    <xsd:element name="LocPublishedDependentAssetsLookup" ma:index="83" nillable="true" ma:displayName="Loc Published Dependent Assets" ma:default="" ma:list="{7DD1DCEC-E449-43D3-891F-7DC62F62AD21}" ma:internalName="LocPublishedDependentAssetsLookup" ma:readOnly="true" ma:showField="PublishedDependentAssets" ma:web="4873beb7-5857-4685-be1f-d57550cc96cc">
-      <xsd:simpleType>
-        <xsd:restriction base="dms:Lookup"/>
-      </xsd:simpleType>
-    </xsd:element>
-    <xsd:element name="LocPublishedLinkedAssetsLookup" ma:index="84" nillable="true" ma:displayName="Loc Published Linked Assets" ma:default="" ma:list="{7DD1DCEC-E449-43D3-891F-7DC62F62AD21}" ma:internalName="LocPublishedLinkedAssetsLookup" ma:readOnly="true" ma:showField="PublishedLinkedAssets" ma:web="4873beb7-5857-4685-be1f-d57550cc96cc">
-      <xsd:simpleType>
-        <xsd:restriction base="dms:Lookup"/>
-      </xsd:simpleType>
-    </xsd:element>
-    <xsd:element name="LocRecommendedHandoff" ma:index="85" nillable="true" ma:displayName="Loc Recommended Handoff" ma:default="" ma:indexed="true" ma:internalName="LocRecommendedHandoff" ma:readOnly="false">
-      <xsd:simpleType>
-        <xsd:restriction base="dms:Text"/>
-      </xsd:simpleType>
-    </xsd:element>
-    <xsd:element name="LocalizationTagsTaxHTField0" ma:index="87" nillable="true" ma:taxonomy="true" ma:internalName="LocalizationTagsTaxHTField0" ma:taxonomyFieldName="LocalizationTags" ma:displayName="Localization Tags" ma:readOnly="false" ma:default="" ma:fieldId="{00f02cb3-2c7c-424a-9c61-10e9b6878429}" ma:taxonomyMulti="true" ma:sspId="8f79753a-75d3-41f5-8ca3-40b843941b4f" ma:termSetId="5b7703a5-8e8b-4b58-8b31-1cea35331da3" ma:anchorId="00000000-0000-0000-0000-000000000000" ma:open="false" ma:isKeyword="false">
-      <xsd:complexType>
-        <xsd:sequence>
-          <xsd:element ref="pc:Terms" minOccurs="0" maxOccurs="1"/>
-        </xsd:sequence>
-      </xsd:complexType>
-    </xsd:element>
-    <xsd:element name="MachineTranslated" ma:index="88" nillable="true" ma:displayName="Machine Translated" ma:default="" ma:internalName="MachineTranslated" ma:readOnly="false">
-      <xsd:simpleType>
-        <xsd:restriction base="dms:Boolean"/>
-      </xsd:simpleType>
-    </xsd:element>
-    <xsd:element name="Manager" ma:index="89" nillable="true" ma:displayName="Manager" ma:hidden="true" ma:internalName="Manager" ma:readOnly="false">
-      <xsd:simpleType>
-        <xsd:restriction base="dms:Text"/>
-      </xsd:simpleType>
-    </xsd:element>
-    <xsd:element name="Markets" ma:index="90" nillable="true" ma:displayName="Markets" ma:default="" ma:description="Leave blank to show in all markets" ma:list="{2FBD1B11-2ACE-4FDC-B5A3-635D4ADF6F1B}" ma:internalName="Markets" ma:readOnly="false" ma:showField="MarketName" ma:web="4873beb7-5857-4685-be1f-d57550cc96cc">
-      <xsd:complexType>
-        <xsd:complexContent>
-          <xsd:extension base="dms:MultiChoiceLookup">
-            <xsd:sequence>
-              <xsd:element name="Value" type="dms:Lookup" maxOccurs="unbounded" minOccurs="0" nillable="true"/>
-            </xsd:sequence>
-          </xsd:extension>
-        </xsd:complexContent>
-      </xsd:complexType>
-    </xsd:element>
-    <xsd:element name="Milestone" ma:index="91" nillable="true" ma:displayName="Milestone" ma:default="" ma:internalName="Milestone" ma:readOnly="false">
-      <xsd:simpleType>
-        <xsd:restriction base="dms:Unknown"/>
-      </xsd:simpleType>
-    </xsd:element>
-    <xsd:element name="TPNamespace" ma:index="94" nillable="true" ma:displayName="Namespace" ma:default="" ma:internalName="TPNamespace">
-      <xsd:simpleType>
-        <xsd:restriction base="dms:Text"/>
-      </xsd:simpleType>
-    </xsd:element>
-    <xsd:element name="NumericId" ma:index="95" nillable="true" ma:displayName="Numeric ID" ma:default="" ma:indexed="true" ma:internalName="NumericId" ma:readOnly="false">
-      <xsd:simpleType>
-        <xsd:restriction base="dms:Number"/>
-      </xsd:simpleType>
-    </xsd:element>
-    <xsd:element name="NumOfRatingsLookup" ma:index="96" nillable="true" ma:displayName="NumOfRatings" ma:default="" ma:list="{9E343742-310B-4684-A24C-1D137CB4B230}" ma:internalName="NumOfRatingsLookup" ma:readOnly="true" ma:showField="NumOfRatings" ma:web="4873beb7-5857-4685-be1f-d57550cc96cc">
-      <xsd:complexType>
-        <xsd:complexContent>
-          <xsd:extension base="dms:MultiChoiceLookup">
-            <xsd:sequence>
-              <xsd:element name="Value" type="dms:Lookup" maxOccurs="unbounded" minOccurs="0" nillable="true"/>
-            </xsd:sequence>
-          </xsd:extension>
-        </xsd:complexContent>
-      </xsd:complexType>
-    </xsd:element>
-    <xsd:element name="OOCacheId" ma:index="97" nillable="true" ma:displayName="OOCacheId" ma:internalName="OOCacheId" ma:readOnly="false">
-      <xsd:simpleType>
-        <xsd:restriction base="dms:Text"/>
-      </xsd:simpleType>
-    </xsd:element>
-    <xsd:element name="OpenTemplate" ma:index="98" nillable="true" ma:displayName="Open Template" ma:default="true" ma:internalName="OpenTemplate">
-      <xsd:simpleType>
-        <xsd:restriction base="dms:Boolean"/>
-      </xsd:simpleType>
-    </xsd:element>
-    <xsd:element name="OriginAsset" ma:index="99" nillable="true" ma:displayName="Origin Asset" ma:default="" ma:internalName="OriginAsset" ma:readOnly="false">
-      <xsd:simpleType>
-        <xsd:restriction base="dms:Text"/>
-      </xsd:simpleType>
-    </xsd:element>
-    <xsd:element name="OriginalRelease" ma:index="100" nillable="true" ma:displayName="Original Release" ma:default="15" ma:internalName="OriginalRelease" ma:readOnly="false">
-      <xsd:simpleType>
-        <xsd:restriction base="dms:Choice">
-          <xsd:enumeration value="14"/>
-          <xsd:enumeration value="15"/>
-          <xsd:enumeration value="16"/>
-        </xsd:restriction>
-      </xsd:simpleType>
-    </xsd:element>
-    <xsd:element name="OriginalSourceMarket" ma:index="101" nillable="true" ma:displayName="Original Source Market Group" ma:default="" ma:internalName="OriginalSourceMarket" ma:readOnly="false">
-      <xsd:simpleType>
-        <xsd:restriction base="dms:Text"/>
-      </xsd:simpleType>
-    </xsd:element>
-    <xsd:element name="OutputCachingOn" ma:index="102" nillable="true" ma:displayName="Output Caching" ma:default="true" ma:hidden="true" ma:internalName="OutputCachingOn" ma:readOnly="false">
-      <xsd:simpleType>
-        <xsd:restriction base="dms:Boolean"/>
-      </xsd:simpleType>
-    </xsd:element>
-    <xsd:element name="ParentAssetId" ma:index="103" nillable="true" ma:displayName="Parent Asset Id" ma:default="" ma:internalName="ParentAssetId" ma:readOnly="false">
-      <xsd:simpleType>
-        <xsd:restriction base="dms:Text"/>
-      </xsd:simpleType>
-    </xsd:element>
-    <xsd:element name="PlannedPubDate" ma:index="104" nillable="true" ma:displayName="Planned Publish Date" ma:default="" ma:indexed="true" ma:internalName="PlannedPubDate" ma:readOnly="false">
-      <xsd:simpleType>
-        <xsd:restriction base="dms:DateTime"/>
-      </xsd:simpleType>
-    </xsd:element>
-    <xsd:element name="PolicheckWords" ma:index="105" nillable="true" ma:displayName="Policheck Words" ma:default="" ma:internalName="PolicheckWords" ma:readOnly="false">
-      <xsd:simpleType>
-        <xsd:restriction base="dms:Text"/>
-      </xsd:simpleType>
-    </xsd:element>
-    <xsd:element name="BusinessGroup" ma:index="106" nillable="true" ma:displayName="Product Division Owner" ma:default="" ma:internalName="BusinessGroup" ma:readOnly="false">
-      <xsd:simpleType>
-        <xsd:restriction base="dms:Unknown"/>
-      </xsd:simpleType>
-    </xsd:element>
-    <xsd:element name="UAProjectedTotalWords" ma:index="107" nillable="true" ma:displayName="Projected Word Count" ma:default="" ma:internalName="UAProjectedTotalWords" ma:readOnly="false">
-      <xsd:simpleType>
-        <xsd:restriction base="dms:Unknown"/>
-      </xsd:simpleType>
-    </xsd:element>
-    <xsd:element name="Provider" ma:index="108" nillable="true" ma:displayName="Provider" ma:default="" ma:internalName="Provider" ma:readOnly="false">
-      <xsd:simpleType>
-        <xsd:restriction base="dms:Unknown"/>
-      </xsd:simpleType>
-    </xsd:element>
-    <xsd:element name="Providers" ma:index="109" nillable="true" ma:displayName="Providers" ma:default="" ma:internalName="Providers">
-      <xsd:simpleType>
-        <xsd:restriction base="dms:Unknown"/>
-      </xsd:simpleType>
-    </xsd:element>
-    <xsd:element name="PublishStatusLookup" ma:index="110" nillable="true" ma:displayName="Publish Status" ma:default="" ma:list="{9E343742-310B-4684-A24C-1D137CB4B230}" ma:internalName="PublishStatusLookup" ma:readOnly="false" ma:showField="PublishStatus" ma:web="4873beb7-5857-4685-be1f-d57550cc96cc">
-      <xsd:complexType>
-        <xsd:complexContent>
-          <xsd:extension base="dms:MultiChoiceLookup">
-            <xsd:sequence>
-              <xsd:element name="Value" type="dms:Lookup" maxOccurs="unbounded" minOccurs="0" nillable="true"/>
-            </xsd:sequence>
-          </xsd:extension>
-        </xsd:complexContent>
-      </xsd:complexType>
-    </xsd:element>
-    <xsd:element name="PublishTargets" ma:index="111" nillable="true" ma:displayName="Publish Target" ma:default="OfficeOnlineVNext" ma:internalName="PublishTargets" ma:readOnly="false">
-      <xsd:simpleType>
-        <xsd:restriction base="dms:Unknown"/>
-      </xsd:simpleType>
-    </xsd:element>
-    <xsd:element name="RecommendationsModifier" ma:index="112" nillable="true" ma:displayName="Recommendations Modifier" ma:default="" ma:internalName="RecommendationsModifier" ma:readOnly="false">
-      <xsd:simpleType>
-        <xsd:restriction base="dms:Number"/>
-      </xsd:simpleType>
-    </xsd:element>
-    <xsd:element name="ArtSampleDocs" ma:index="113" nillable="true" ma:displayName="Sample Docs" ma:default="" ma:hidden="true" ma:internalName="ArtSampleDocs" ma:readOnly="false">
-      <xsd:simpleType>
-        <xsd:restriction base="dms:Text"/>
-      </xsd:simpleType>
-    </xsd:element>
-    <xsd:element name="ScenarioTagsTaxHTField0" ma:index="115" nillable="true" ma:taxonomy="true" ma:internalName="ScenarioTagsTaxHTField0" ma:taxonomyFieldName="ScenarioTags" ma:displayName="Scenarios" ma:readOnly="false" ma:default="" ma:fieldId="{93aef74d-6c78-4815-8310-51477dceeccc}" ma:taxonomyMulti="true" ma:sspId="8f79753a-75d3-41f5-8ca3-40b843941b4f" ma:termSetId="4b7d5f16-e2f2-4fc0-bab3-6e8b931e57d6" ma:anchorId="00000000-0000-0000-0000-000000000000" ma:open="false" ma:isKeyword="false">
-      <xsd:complexType>
-        <xsd:sequence>
-          <xsd:element ref="pc:Terms" minOccurs="0" maxOccurs="1"/>
-        </xsd:sequence>
-      </xsd:complexType>
-    </xsd:element>
-    <xsd:element name="ShowIn" ma:index="117" nillable="true" ma:displayName="Show In" ma:default="Show everywhere" ma:internalName="ShowIn" ma:readOnly="false">
-      <xsd:simpleType>
-        <xsd:restriction base="dms:Choice">
-          <xsd:enumeration value="Hide on web"/>
-          <xsd:enumeration value="On Web no search"/>
-          <xsd:enumeration value="Show everywhere"/>
-          <xsd:enumeration value="Special use only"/>
-        </xsd:restriction>
-      </xsd:simpleType>
-    </xsd:element>
-    <xsd:element name="SourceTitle" ma:index="118" nillable="true" ma:displayName="Source Title" ma:default="" ma:indexed="true" ma:internalName="SourceTitle" ma:readOnly="false">
-      <xsd:simpleType>
-        <xsd:restriction base="dms:Text"/>
-      </xsd:simpleType>
-    </xsd:element>
-    <xsd:element name="CSXSubmissionDate" ma:index="119" nillable="true" ma:displayName="Submission Date" ma:default="" ma:internalName="CSXSubmissionDate" ma:readOnly="false">
-      <xsd:simpleType>
-        <xsd:restriction base="dms:DateTime"/>
-      </xsd:simpleType>
-    </xsd:element>
-    <xsd:element name="SubmitterId" ma:index="120" nillable="true" ma:displayName="Submitter ID" ma:default="" ma:internalName="SubmitterId" ma:readOnly="false">
-      <xsd:simpleType>
-        <xsd:restriction base="dms:Text"/>
-      </xsd:simpleType>
-    </xsd:element>
-    <xsd:element name="TaxCatchAll" ma:index="121" nillable="true" ma:displayName="Taxonomy Catch All Column" ma:hidden="true" ma:list="{530f955b-6704-4601-bd83-f81d87f1e440}" ma:internalName="TaxCatchAll" ma:showField="CatchAllData" ma:web="4873beb7-5857-4685-be1f-d57550cc96cc">
-      <xsd:complexType>
-        <xsd:complexContent>
-          <xsd:extension base="dms:MultiChoiceLookup">
-            <xsd:sequence>
-              <xsd:element name="Value" type="dms:Lookup" maxOccurs="unbounded" minOccurs="0" nillable="true"/>
-            </xsd:sequence>
-          </xsd:extension>
-        </xsd:complexContent>
-      </xsd:complexType>
-    </xsd:element>
-    <xsd:element name="TaxCatchAllLabel" ma:index="122" nillable="true" ma:displayName="Taxonomy Catch All Column1" ma:hidden="true" ma:list="{530f955b-6704-4601-bd83-f81d87f1e440}" ma:internalName="TaxCatchAllLabel" ma:readOnly="true" ma:showField="CatchAllDataLabel" ma:web="4873beb7-5857-4685-be1f-d57550cc96cc">
-      <xsd:complexType>
-        <xsd:complexContent>
-          <xsd:extension base="dms:MultiChoiceLookup">
-            <xsd:sequence>
-              <xsd:element name="Value" type="dms:Lookup" maxOccurs="unbounded" minOccurs="0" nillable="true"/>
-            </xsd:sequence>
-          </xsd:extension>
-        </xsd:complexContent>
-      </xsd:complexType>
-    </xsd:element>
-    <xsd:element name="TemplateStatus" ma:index="123" nillable="true" ma:displayName="Template Status" ma:default="" ma:internalName="TemplateStatus">
-      <xsd:simpleType>
-        <xsd:restriction base="dms:Unknown"/>
-      </xsd:simpleType>
-    </xsd:element>
-    <xsd:element name="TemplateTemplateType" ma:index="124" nillable="true" ma:displayName="Template Type" ma:default="" ma:internalName="TemplateTemplateType">
-      <xsd:simpleType>
-        <xsd:restriction base="dms:Unknown"/>
-      </xsd:simpleType>
-    </xsd:element>
-    <xsd:element name="ThumbnailAssetId" ma:index="125" nillable="true" ma:displayName="Thumbnail Image Asset" ma:default="" ma:internalName="ThumbnailAssetId" ma:readOnly="false">
-      <xsd:simpleType>
-        <xsd:restriction base="dms:Text"/>
-      </xsd:simpleType>
-    </xsd:element>
-    <xsd:element name="TimesCloned" ma:index="126" nillable="true" ma:displayName="Times Cloned" ma:default="" ma:internalName="TimesCloned" ma:readOnly="false">
-      <xsd:simpleType>
-        <xsd:restriction base="dms:Number"/>
-      </xsd:simpleType>
-    </xsd:element>
-    <xsd:element name="TrustLevel" ma:index="128" nillable="true" ma:displayName="Trust Level" ma:default="1 Microsoft Managed Content" ma:internalName="TrustLevel" ma:readOnly="false">
-      <xsd:simpleType>
-        <xsd:restriction base="dms:Unknown"/>
-      </xsd:simpleType>
-    </xsd:element>
-    <xsd:element name="UALocComments" ma:index="129" nillable="true" ma:displayName="UA Loc Comments" ma:default="" ma:internalName="UALocComments" ma:readOnly="false">
-      <xsd:simpleType>
-        <xsd:restriction base="dms:Note"/>
-      </xsd:simpleType>
-    </xsd:element>
-    <xsd:element name="UALocRecommendation" ma:index="130" nillable="true" ma:displayName="UA Loc Recommendation" ma:default="Localize" ma:internalName="UALocRecommendation" ma:readOnly="false">
-      <xsd:simpleType>
-        <xsd:restriction base="dms:Choice">
-          <xsd:enumeration value="Localize"/>
-          <xsd:enumeration value="Never Localize"/>
-          <xsd:enumeration value="Priority Localize"/>
-        </xsd:restriction>
-      </xsd:simpleType>
-    </xsd:element>
-    <xsd:element name="UANotes" ma:index="131" nillable="true" ma:displayName="UA Notes" ma:default="" ma:internalName="UANotes" ma:readOnly="false">
-      <xsd:simpleType>
-        <xsd:restriction base="dms:Note"/>
-      </xsd:simpleType>
-    </xsd:element>
-    <xsd:element name="TPAppVersion" ma:index="132" nillable="true" ma:displayName="Version" ma:default="" ma:internalName="TPAppVersion">
-      <xsd:simpleType>
-        <xsd:restriction base="dms:Text"/>
-      </xsd:simpleType>
-    </xsd:element>
-    <xsd:element name="VoteCount" ma:index="133" nillable="true" ma:displayName="Vote Count" ma:default="" ma:internalName="VoteCount" ma:readOnly="false">
-      <xsd:simpleType>
-        <xsd:restriction base="dms:Unknown"/>
-      </xsd:simpleType>
-    </xsd:element>
-  </xsd:schema>
-  <xsd:schema xmlns="http://schemas.openxmlformats.org/package/2006/metadata/core-properties" xmlns:xsd="http://www.w3.org/2001/XMLSchema" xmlns:xsi="http://www.w3.org/2001/XMLSchema-instance" xmlns:dc="http://purl.org/dc/elements/1.1/" xmlns:dcterms="http://purl.org/dc/terms/" xmlns:odoc="http://schemas.microsoft.com/internal/obd" targetNamespace="http://schemas.openxmlformats.org/package/2006/metadata/core-properties" elementFormDefault="qualified" attributeFormDefault="unqualified" blockDefault="#all">
-    <xsd:import namespace="http://purl.org/dc/elements/1.1/" schemaLocation="http://dublincore.org/schemas/xmls/qdc/2003/04/02/dc.xsd"/>
-    <xsd:import namespace="http://purl.org/dc/terms/" schemaLocation="http://dublincore.org/schemas/xmls/qdc/2003/04/02/dcterms.xsd"/>
-    <xsd:element name="coreProperties" type="CT_coreProperties"/>
-    <xsd:complexType name="CT_coreProperties">
-      <xsd:all>
-        <xsd:element ref="dc:creator" minOccurs="0" maxOccurs="1"/>
-        <xsd:element ref="dcterms:created" minOccurs="0" maxOccurs="1"/>
-        <xsd:element ref="dc:identifier" minOccurs="0" maxOccurs="1"/>
-        <xsd:element name="contentType" minOccurs="0" maxOccurs="1" type="xsd:string" ma:index="22" ma:displayName="Content Type"/>
-        <xsd:element ref="dc:title" minOccurs="0" maxOccurs="1" ma:index="127" ma:displayName="Title"/>
-        <xsd:element ref="dc:subject" minOccurs="0" maxOccurs="1"/>
-        <xsd:element ref="dc:description" minOccurs="0" maxOccurs="1"/>
-        <xsd:element name="keywords" minOccurs="0" maxOccurs="1" type="xsd:string"/>
-        <xsd:element ref="dc:language" minOccurs="0" maxOccurs="1"/>
-        <xsd:element name="category" minOccurs="0" maxOccurs="1" type="xsd:string"/>
-        <xsd:element name="version" minOccurs="0" maxOccurs="1" type="xsd:string"/>
-        <xsd:element name="revision" minOccurs="0" maxOccurs="1" type="xsd:string">
-          <xsd:annotation>
-            <xsd:documentation>
-                        This value indicates the number of saves or revisions. The application is responsible for updating this value after each revision.
-                    </xsd:documentation>
-          </xsd:annotation>
-        </xsd:element>
-        <xsd:element name="lastModifiedBy" minOccurs="0" maxOccurs="1" type="xsd:string"/>
-        <xsd:element ref="dcterms:modified" minOccurs="0" maxOccurs="1"/>
-        <xsd:element name="contentStatus" minOccurs="0" maxOccurs="1" type="xsd:string"/>
-      </xsd:all>
-    </xsd:complexType>
-  </xsd:schema>
-  <xs:schema xmlns:pc="http://schemas.microsoft.com/office/infopath/2007/PartnerControls" xmlns:xs="http://www.w3.org/2001/XMLSchema" targetNamespace="http://schemas.microsoft.com/office/infopath/2007/PartnerControls" elementFormDefault="qualified" attributeFormDefault="unqualified">
-    <xs:element name="Person">
-      <xs:complexType>
-        <xs:sequence>
-          <xs:element ref="pc:DisplayName" minOccurs="0"/>
-          <xs:element ref="pc:AccountId" minOccurs="0"/>
-          <xs:element ref="pc:AccountType" minOccurs="0"/>
-        </xs:sequence>
-      </xs:complexType>
-    </xs:element>
-    <xs:element name="DisplayName" type="xs:string"/>
-    <xs:element name="AccountId" type="xs:string"/>
-    <xs:element name="AccountType" type="xs:string"/>
-    <xs:element name="BDCAssociatedEntity">
-      <xs:complexType>
-        <xs:sequence>
-          <xs:element ref="pc:BDCEntity" minOccurs="0" maxOccurs="unbounded"/>
-        </xs:sequence>
-        <xs:attribute ref="pc:EntityNamespace"/>
-        <xs:attribute ref="pc:EntityName"/>
-        <xs:attribute ref="pc:SystemInstanceName"/>
-        <xs:attribute ref="pc:AssociationName"/>
-      </xs:complexType>
-    </xs:element>
-    <xs:attribute name="EntityNamespace" type="xs:string"/>
-    <xs:attribute name="EntityName" type="xs:string"/>
-    <xs:attribute name="SystemInstanceName" type="xs:string"/>
-    <xs:attribute name="AssociationName" type="xs:string"/>
-    <xs:element name="BDCEntity">
-      <xs:complexType>
-        <xs:sequence>
-          <xs:element ref="pc:EntityDisplayName" minOccurs="0"/>
-          <xs:element ref="pc:EntityInstanceReference" minOccurs="0"/>
-          <xs:element ref="pc:EntityId1" minOccurs="0"/>
-          <xs:element ref="pc:EntityId2" minOccurs="0"/>
-          <xs:element ref="pc:EntityId3" minOccurs="0"/>
-          <xs:element ref="pc:EntityId4" minOccurs="0"/>
-          <xs:element ref="pc:EntityId5" minOccurs="0"/>
-        </xs:sequence>
-      </xs:complexType>
-    </xs:element>
-    <xs:element name="EntityDisplayName" type="xs:string"/>
-    <xs:element name="EntityInstanceReference" type="xs:string"/>
-    <xs:element name="EntityId1" type="xs:string"/>
-    <xs:element name="EntityId2" type="xs:string"/>
-    <xs:element name="EntityId3" type="xs:string"/>
-    <xs:element name="EntityId4" type="xs:string"/>
-    <xs:element name="EntityId5" type="xs:string"/>
-    <xs:element name="Terms">
-      <xs:complexType>
-        <xs:sequence>
-          <xs:element ref="pc:TermInfo" minOccurs="0" maxOccurs="unbounded"/>
-        </xs:sequence>
-      </xs:complexType>
-    </xs:element>
-    <xs:element name="TermInfo">
-      <xs:complexType>
-        <xs:sequence>
-          <xs:element ref="pc:TermName" minOccurs="0"/>
-          <xs:element ref="pc:TermId" minOccurs="0"/>
-        </xs:sequence>
-      </xs:complexType>
-    </xs:element>
-    <xs:element name="TermName" type="xs:string"/>
-    <xs:element name="TermId" type="xs:string"/>
-  </xs:schema>
-</ct:contentTypeSchema>
+<?mso-contentType ?>
+<FormTemplates xmlns="http://schemas.microsoft.com/sharepoint/v3/contenttype/forms">
+  <Display>DocumentLibraryForm</Display>
+  <Edit>AssetEditForm</Edit>
+  <New>DocumentLibraryForm</New>
+</FormTemplates>
 </file>
 
 <file path=customXml/item2.xml><?xml version="1.0" encoding="utf-8"?>
@@ -9883,28 +10630,1049 @@
 </file>
 
 <file path=customXml/item3.xml><?xml version="1.0" encoding="utf-8"?>
-<?mso-contentType ?>
-<FormTemplates xmlns="http://schemas.microsoft.com/sharepoint/v3/contenttype/forms">
-  <Display>DocumentLibraryForm</Display>
-  <Edit>AssetEditForm</Edit>
-  <New>DocumentLibraryForm</New>
-</FormTemplates>
+<ct:contentTypeSchema xmlns:ct="http://schemas.microsoft.com/office/2006/metadata/contentType" xmlns:ma="http://schemas.microsoft.com/office/2006/metadata/properties/metaAttributes" ct:_="" ma:_="" ma:contentTypeName="TemplateFile" ma:contentTypeID="0x0101006EDDDB5EE6D98C44930B742096920B300400F5B6D36B3EF94B4E9A635CDF2A18F5B8" ma:contentTypeVersion="72" ma:contentTypeDescription="Create a new document." ma:contentTypeScope="" ma:versionID="a23e56308344d904b51738559c3d67c9">
+  <xsd:schema xmlns:xsd="http://www.w3.org/2001/XMLSchema" xmlns:xs="http://www.w3.org/2001/XMLSchema" xmlns:p="http://schemas.microsoft.com/office/2006/metadata/properties" xmlns:ns2="4873beb7-5857-4685-be1f-d57550cc96cc" targetNamespace="http://schemas.microsoft.com/office/2006/metadata/properties" ma:root="true" ma:fieldsID="cd0908cc4600e77bf5da051303e00c8d" ns2:_="">
+    <xsd:import namespace="4873beb7-5857-4685-be1f-d57550cc96cc"/>
+    <xsd:element name="properties">
+      <xsd:complexType>
+        <xsd:sequence>
+          <xsd:element name="documentManagement">
+            <xsd:complexType>
+              <xsd:all>
+                <xsd:element ref="ns2:AcquiredFrom" minOccurs="0"/>
+                <xsd:element ref="ns2:UACurrentWords" minOccurs="0"/>
+                <xsd:element ref="ns2:TPApplication" minOccurs="0"/>
+                <xsd:element ref="ns2:ApprovalLog" minOccurs="0"/>
+                <xsd:element ref="ns2:ApprovalStatus" minOccurs="0"/>
+                <xsd:element ref="ns2:AssetStart" minOccurs="0"/>
+                <xsd:element ref="ns2:AssetExpire" minOccurs="0"/>
+                <xsd:element ref="ns2:AssetId" minOccurs="0"/>
+                <xsd:element ref="ns2:IsSearchable" minOccurs="0"/>
+                <xsd:element ref="ns2:AssetType" minOccurs="0"/>
+                <xsd:element ref="ns2:APAuthor" minOccurs="0"/>
+                <xsd:element ref="ns2:AverageRating" minOccurs="0"/>
+                <xsd:element ref="ns2:BlockPublish" minOccurs="0"/>
+                <xsd:element ref="ns2:BugNumber" minOccurs="0"/>
+                <xsd:element ref="ns2:CampaignTagsTaxHTField0" minOccurs="0"/>
+                <xsd:element ref="ns2:TPClientViewer" minOccurs="0"/>
+                <xsd:element ref="ns2:ClipArtFilename" minOccurs="0"/>
+                <xsd:element ref="ns2:TPCommandLine" minOccurs="0"/>
+                <xsd:element ref="ns2:TPComponent" minOccurs="0"/>
+                <xsd:element ref="ns2:ContentItem" minOccurs="0"/>
+                <xsd:element ref="ns2:CrawlForDependencies" minOccurs="0"/>
+                <xsd:element ref="ns2:CSXHash" minOccurs="0"/>
+                <xsd:element ref="ns2:CSXSubmissionMarket" minOccurs="0"/>
+                <xsd:element ref="ns2:CSXUpdate" minOccurs="0"/>
+                <xsd:element ref="ns2:IntlLangReviewDate" minOccurs="0"/>
+                <xsd:element ref="ns2:IsDeleted" minOccurs="0"/>
+                <xsd:element ref="ns2:APDescription" minOccurs="0"/>
+                <xsd:element ref="ns2:DirectSourceMarket" minOccurs="0"/>
+                <xsd:element ref="ns2:Downloads" minOccurs="0"/>
+                <xsd:element ref="ns2:DSATActionTaken" minOccurs="0"/>
+                <xsd:element ref="ns2:APEditor" minOccurs="0"/>
+                <xsd:element ref="ns2:EditorialStatus" minOccurs="0"/>
+                <xsd:element ref="ns2:EditorialTags" minOccurs="0"/>
+                <xsd:element ref="ns2:TPExecutable" minOccurs="0"/>
+                <xsd:element ref="ns2:FeatureTagsTaxHTField0" minOccurs="0"/>
+                <xsd:element ref="ns2:TPFriendlyName" minOccurs="0"/>
+                <xsd:element ref="ns2:FriendlyTitle" minOccurs="0"/>
+                <xsd:element ref="ns2:PrimaryImageGen" minOccurs="0"/>
+                <xsd:element ref="ns2:HandoffToMSDN" minOccurs="0"/>
+                <xsd:element ref="ns2:InProjectListLookup" minOccurs="0"/>
+                <xsd:element ref="ns2:TPInstallLocation" minOccurs="0"/>
+                <xsd:element ref="ns2:InternalTagsTaxHTField0" minOccurs="0"/>
+                <xsd:element ref="ns2:IntlLangReview" minOccurs="0"/>
+                <xsd:element ref="ns2:IntlLangReviewer" minOccurs="0"/>
+                <xsd:element ref="ns2:MarketSpecific" minOccurs="0"/>
+                <xsd:element ref="ns2:LastCompleteVersionLookup" minOccurs="0"/>
+                <xsd:element ref="ns2:LastHandOff" minOccurs="0"/>
+                <xsd:element ref="ns2:LastModifiedDateTime" minOccurs="0"/>
+                <xsd:element ref="ns2:LastPreviewErrorLookup" minOccurs="0"/>
+                <xsd:element ref="ns2:LastPreviewResultLookup" minOccurs="0"/>
+                <xsd:element ref="ns2:LastPreviewAttemptDateLookup" minOccurs="0"/>
+                <xsd:element ref="ns2:LastPreviewedByLookup" minOccurs="0"/>
+                <xsd:element ref="ns2:LastPreviewTimeLookup" minOccurs="0"/>
+                <xsd:element ref="ns2:LastPreviewVersionLookup" minOccurs="0"/>
+                <xsd:element ref="ns2:LastPublishErrorLookup" minOccurs="0"/>
+                <xsd:element ref="ns2:LastPublishResultLookup" minOccurs="0"/>
+                <xsd:element ref="ns2:LastPublishAttemptDateLookup" minOccurs="0"/>
+                <xsd:element ref="ns2:LastPublishedByLookup" minOccurs="0"/>
+                <xsd:element ref="ns2:LastPublishTimeLookup" minOccurs="0"/>
+                <xsd:element ref="ns2:LastPublishVersionLookup" minOccurs="0"/>
+                <xsd:element ref="ns2:TPLaunchHelpLinkType" minOccurs="0"/>
+                <xsd:element ref="ns2:LegacyData" minOccurs="0"/>
+                <xsd:element ref="ns2:TPLaunchHelpLink" minOccurs="0"/>
+                <xsd:element ref="ns2:LocComments" minOccurs="0"/>
+                <xsd:element ref="ns2:LocLastLocAttemptVersionLookup" minOccurs="0"/>
+                <xsd:element ref="ns2:LocLastLocAttemptVersionTypeLookup" minOccurs="0"/>
+                <xsd:element ref="ns2:LocManualTestRequired" minOccurs="0"/>
+                <xsd:element ref="ns2:LocMarketGroupTiers2" minOccurs="0"/>
+                <xsd:element ref="ns2:LocNewPublishedVersionLookup" minOccurs="0"/>
+                <xsd:element ref="ns2:LocOverallHandbackStatusLookup" minOccurs="0"/>
+                <xsd:element ref="ns2:LocOverallLocStatusLookup" minOccurs="0"/>
+                <xsd:element ref="ns2:LocOverallPreviewStatusLookup" minOccurs="0"/>
+                <xsd:element ref="ns2:LocOverallPublishStatusLookup" minOccurs="0"/>
+                <xsd:element ref="ns2:IntlLocPriority" minOccurs="0"/>
+                <xsd:element ref="ns2:LocProcessedForHandoffsLookup" minOccurs="0"/>
+                <xsd:element ref="ns2:LocProcessedForMarketsLookup" minOccurs="0"/>
+                <xsd:element ref="ns2:LocPublishedDependentAssetsLookup" minOccurs="0"/>
+                <xsd:element ref="ns2:LocPublishedLinkedAssetsLookup" minOccurs="0"/>
+                <xsd:element ref="ns2:LocRecommendedHandoff" minOccurs="0"/>
+                <xsd:element ref="ns2:LocalizationTagsTaxHTField0" minOccurs="0"/>
+                <xsd:element ref="ns2:MachineTranslated" minOccurs="0"/>
+                <xsd:element ref="ns2:Manager" minOccurs="0"/>
+                <xsd:element ref="ns2:Markets" minOccurs="0"/>
+                <xsd:element ref="ns2:Milestone" minOccurs="0"/>
+                <xsd:element ref="ns2:TPNamespace" minOccurs="0"/>
+                <xsd:element ref="ns2:NumericId" minOccurs="0"/>
+                <xsd:element ref="ns2:NumOfRatingsLookup" minOccurs="0"/>
+                <xsd:element ref="ns2:OOCacheId" minOccurs="0"/>
+                <xsd:element ref="ns2:OpenTemplate" minOccurs="0"/>
+                <xsd:element ref="ns2:OriginAsset" minOccurs="0"/>
+                <xsd:element ref="ns2:OriginalRelease" minOccurs="0"/>
+                <xsd:element ref="ns2:OriginalSourceMarket" minOccurs="0"/>
+                <xsd:element ref="ns2:OutputCachingOn" minOccurs="0"/>
+                <xsd:element ref="ns2:ParentAssetId" minOccurs="0"/>
+                <xsd:element ref="ns2:PlannedPubDate" minOccurs="0"/>
+                <xsd:element ref="ns2:PolicheckWords" minOccurs="0"/>
+                <xsd:element ref="ns2:BusinessGroup" minOccurs="0"/>
+                <xsd:element ref="ns2:UAProjectedTotalWords" minOccurs="0"/>
+                <xsd:element ref="ns2:Provider" minOccurs="0"/>
+                <xsd:element ref="ns2:Providers" minOccurs="0"/>
+                <xsd:element ref="ns2:PublishStatusLookup" minOccurs="0"/>
+                <xsd:element ref="ns2:PublishTargets" minOccurs="0"/>
+                <xsd:element ref="ns2:RecommendationsModifier" minOccurs="0"/>
+                <xsd:element ref="ns2:ArtSampleDocs" minOccurs="0"/>
+                <xsd:element ref="ns2:ScenarioTagsTaxHTField0" minOccurs="0"/>
+                <xsd:element ref="ns2:ShowIn" minOccurs="0"/>
+                <xsd:element ref="ns2:SourceTitle" minOccurs="0"/>
+                <xsd:element ref="ns2:CSXSubmissionDate" minOccurs="0"/>
+                <xsd:element ref="ns2:SubmitterId" minOccurs="0"/>
+                <xsd:element ref="ns2:TaxCatchAll" minOccurs="0"/>
+                <xsd:element ref="ns2:TaxCatchAllLabel" minOccurs="0"/>
+                <xsd:element ref="ns2:TemplateStatus" minOccurs="0"/>
+                <xsd:element ref="ns2:TemplateTemplateType" minOccurs="0"/>
+                <xsd:element ref="ns2:ThumbnailAssetId" minOccurs="0"/>
+                <xsd:element ref="ns2:TimesCloned" minOccurs="0"/>
+                <xsd:element ref="ns2:TrustLevel" minOccurs="0"/>
+                <xsd:element ref="ns2:UALocComments" minOccurs="0"/>
+                <xsd:element ref="ns2:UALocRecommendation" minOccurs="0"/>
+                <xsd:element ref="ns2:UANotes" minOccurs="0"/>
+                <xsd:element ref="ns2:TPAppVersion" minOccurs="0"/>
+                <xsd:element ref="ns2:VoteCount" minOccurs="0"/>
+              </xsd:all>
+            </xsd:complexType>
+          </xsd:element>
+        </xsd:sequence>
+      </xsd:complexType>
+    </xsd:element>
+  </xsd:schema>
+  <xsd:schema xmlns:xsd="http://www.w3.org/2001/XMLSchema" xmlns:xs="http://www.w3.org/2001/XMLSchema" xmlns:dms="http://schemas.microsoft.com/office/2006/documentManagement/types" xmlns:pc="http://schemas.microsoft.com/office/infopath/2007/PartnerControls" targetNamespace="4873beb7-5857-4685-be1f-d57550cc96cc" elementFormDefault="qualified">
+    <xsd:import namespace="http://schemas.microsoft.com/office/2006/documentManagement/types"/>
+    <xsd:import namespace="http://schemas.microsoft.com/office/infopath/2007/PartnerControls"/>
+    <xsd:element name="AcquiredFrom" ma:index="1" nillable="true" ma:displayName="Acquired From" ma:default="Internal MS" ma:internalName="AcquiredFrom" ma:readOnly="false">
+      <xsd:simpleType>
+        <xsd:restriction base="dms:Choice">
+          <xsd:enumeration value="Internal MS"/>
+          <xsd:enumeration value="Community"/>
+          <xsd:enumeration value="MVP"/>
+          <xsd:enumeration value="Publisher"/>
+          <xsd:enumeration value="Partner"/>
+          <xsd:enumeration value="None"/>
+        </xsd:restriction>
+      </xsd:simpleType>
+    </xsd:element>
+    <xsd:element name="UACurrentWords" ma:index="2" nillable="true" ma:displayName="Actual Word Count" ma:default="" ma:internalName="UACurrentWords" ma:readOnly="false">
+      <xsd:simpleType>
+        <xsd:restriction base="dms:Unknown"/>
+      </xsd:simpleType>
+    </xsd:element>
+    <xsd:element name="TPApplication" ma:index="3" nillable="true" ma:displayName="Application to Open Template With" ma:default="" ma:internalName="TPApplication">
+      <xsd:simpleType>
+        <xsd:restriction base="dms:Text"/>
+      </xsd:simpleType>
+    </xsd:element>
+    <xsd:element name="ApprovalLog" ma:index="4" nillable="true" ma:displayName="Approval Log" ma:default="" ma:hidden="true" ma:internalName="ApprovalLog" ma:readOnly="false">
+      <xsd:simpleType>
+        <xsd:restriction base="dms:Note"/>
+      </xsd:simpleType>
+    </xsd:element>
+    <xsd:element name="ApprovalStatus" ma:index="5" nillable="true" ma:displayName="Approval Status" ma:default="InProgress" ma:internalName="ApprovalStatus" ma:readOnly="false">
+      <xsd:simpleType>
+        <xsd:restriction base="dms:Choice">
+          <xsd:enumeration value="InProgress"/>
+          <xsd:enumeration value="Rejected"/>
+          <xsd:enumeration value="Questionable"/>
+          <xsd:enumeration value="ApprovedAutomatic"/>
+          <xsd:enumeration value="ApprovedManual"/>
+          <xsd:enumeration value="On Hold"/>
+          <xsd:enumeration value="Needs Review"/>
+          <xsd:enumeration value="A Violation"/>
+          <xsd:enumeration value="Unpublished Violation"/>
+        </xsd:restriction>
+      </xsd:simpleType>
+    </xsd:element>
+    <xsd:element name="AssetStart" ma:index="6" nillable="true" ma:displayName="Asset Begin Date" ma:default="[Today]" ma:internalName="AssetStart" ma:readOnly="false">
+      <xsd:simpleType>
+        <xsd:restriction base="dms:DateTime"/>
+      </xsd:simpleType>
+    </xsd:element>
+    <xsd:element name="AssetExpire" ma:index="7" nillable="true" ma:displayName="Asset End Date" ma:default="2029-01-01T08:00:00Z" ma:format="DateTime" ma:internalName="AssetExpire" ma:readOnly="false">
+      <xsd:simpleType>
+        <xsd:restriction base="dms:DateTime"/>
+      </xsd:simpleType>
+    </xsd:element>
+    <xsd:element name="AssetId" ma:index="8" nillable="true" ma:displayName="Asset ID" ma:default="" ma:indexed="true" ma:internalName="AssetId" ma:readOnly="false">
+      <xsd:simpleType>
+        <xsd:restriction base="dms:Text">
+          <xsd:maxLength value="255"/>
+        </xsd:restriction>
+      </xsd:simpleType>
+    </xsd:element>
+    <xsd:element name="IsSearchable" ma:index="9" nillable="true" ma:displayName="Asset Searchable?" ma:default="true" ma:internalName="IsSearchable" ma:readOnly="false">
+      <xsd:simpleType>
+        <xsd:restriction base="dms:Boolean"/>
+      </xsd:simpleType>
+    </xsd:element>
+    <xsd:element name="AssetType" ma:index="10" nillable="true" ma:displayName="Asset Type" ma:default="" ma:internalName="AssetType" ma:readOnly="false">
+      <xsd:simpleType>
+        <xsd:restriction base="dms:Unknown"/>
+      </xsd:simpleType>
+    </xsd:element>
+    <xsd:element name="APAuthor" ma:index="11" nillable="true" ma:displayName="Author" ma:default="" ma:list="UserInfo" ma:internalName="APAuthor" ma:readOnly="false">
+      <xsd:complexType>
+        <xsd:complexContent>
+          <xsd:extension base="dms:User">
+            <xsd:sequence>
+              <xsd:element name="UserInfo" minOccurs="0" maxOccurs="unbounded">
+                <xsd:complexType>
+                  <xsd:sequence>
+                    <xsd:element name="DisplayName" type="xsd:string" minOccurs="0"/>
+                    <xsd:element name="AccountId" type="dms:UserId" minOccurs="0" nillable="true"/>
+                    <xsd:element name="AccountType" type="xsd:string" minOccurs="0"/>
+                  </xsd:sequence>
+                </xsd:complexType>
+              </xsd:element>
+            </xsd:sequence>
+          </xsd:extension>
+        </xsd:complexContent>
+      </xsd:complexType>
+    </xsd:element>
+    <xsd:element name="AverageRating" ma:index="12" nillable="true" ma:displayName="Average Rating" ma:internalName="AverageRating" ma:readOnly="false">
+      <xsd:simpleType>
+        <xsd:restriction base="dms:Text"/>
+      </xsd:simpleType>
+    </xsd:element>
+    <xsd:element name="BlockPublish" ma:index="13" nillable="true" ma:displayName="Block from Publishing?" ma:default="" ma:internalName="BlockPublish" ma:readOnly="false">
+      <xsd:simpleType>
+        <xsd:restriction base="dms:Boolean"/>
+      </xsd:simpleType>
+    </xsd:element>
+    <xsd:element name="BugNumber" ma:index="14" nillable="true" ma:displayName="Bug Number" ma:default="" ma:internalName="BugNumber" ma:readOnly="false">
+      <xsd:simpleType>
+        <xsd:restriction base="dms:Text"/>
+      </xsd:simpleType>
+    </xsd:element>
+    <xsd:element name="CampaignTagsTaxHTField0" ma:index="16" nillable="true" ma:taxonomy="true" ma:internalName="CampaignTagsTaxHTField0" ma:taxonomyFieldName="CampaignTags" ma:displayName="Campaigns" ma:readOnly="false" ma:default="" ma:fieldId="{1df42cc3-2301-4f11-a52a-6ead923c29ed}" ma:taxonomyMulti="true" ma:sspId="8f79753a-75d3-41f5-8ca3-40b843941b4f" ma:termSetId="ca0e50d4-faa1-44ce-961e-bb1441c60e66" ma:anchorId="00000000-0000-0000-0000-000000000000" ma:open="false" ma:isKeyword="false">
+      <xsd:complexType>
+        <xsd:sequence>
+          <xsd:element ref="pc:Terms" minOccurs="0" maxOccurs="1"/>
+        </xsd:sequence>
+      </xsd:complexType>
+    </xsd:element>
+    <xsd:element name="TPClientViewer" ma:index="17" nillable="true" ma:displayName="Client Viewer" ma:default="" ma:internalName="TPClientViewer">
+      <xsd:simpleType>
+        <xsd:restriction base="dms:Text"/>
+      </xsd:simpleType>
+    </xsd:element>
+    <xsd:element name="ClipArtFilename" ma:index="18" nillable="true" ma:displayName="Clip Art Name" ma:default="" ma:internalName="ClipArtFilename" ma:readOnly="false">
+      <xsd:simpleType>
+        <xsd:restriction base="dms:Text"/>
+      </xsd:simpleType>
+    </xsd:element>
+    <xsd:element name="TPCommandLine" ma:index="19" nillable="true" ma:displayName="Command Line" ma:default="" ma:internalName="TPCommandLine">
+      <xsd:simpleType>
+        <xsd:restriction base="dms:Text"/>
+      </xsd:simpleType>
+    </xsd:element>
+    <xsd:element name="TPComponent" ma:index="20" nillable="true" ma:displayName="Component" ma:default="" ma:internalName="TPComponent">
+      <xsd:simpleType>
+        <xsd:restriction base="dms:Text"/>
+      </xsd:simpleType>
+    </xsd:element>
+    <xsd:element name="ContentItem" ma:index="21" nillable="true" ma:displayName="Content Item" ma:default="" ma:hidden="true" ma:internalName="ContentItem" ma:readOnly="false">
+      <xsd:simpleType>
+        <xsd:restriction base="dms:Unknown"/>
+      </xsd:simpleType>
+    </xsd:element>
+    <xsd:element name="CrawlForDependencies" ma:index="23" nillable="true" ma:displayName="Crawl for Dependencies?" ma:default="true" ma:internalName="CrawlForDependencies" ma:readOnly="false">
+      <xsd:simpleType>
+        <xsd:restriction base="dms:Boolean"/>
+      </xsd:simpleType>
+    </xsd:element>
+    <xsd:element name="CSXHash" ma:index="26" nillable="true" ma:displayName="CSX Hash" ma:default="" ma:indexed="true" ma:internalName="CSXHash" ma:readOnly="false">
+      <xsd:simpleType>
+        <xsd:restriction base="dms:Text"/>
+      </xsd:simpleType>
+    </xsd:element>
+    <xsd:element name="CSXSubmissionMarket" ma:index="27" nillable="true" ma:displayName="CSX Submission Market" ma:default="" ma:list="{2FBD1B11-2ACE-4FDC-B5A3-635D4ADF6F1B}" ma:internalName="CSXSubmissionMarket" ma:readOnly="false" ma:showField="MarketName" ma:web="4873beb7-5857-4685-be1f-d57550cc96cc">
+      <xsd:simpleType>
+        <xsd:restriction base="dms:Lookup"/>
+      </xsd:simpleType>
+    </xsd:element>
+    <xsd:element name="CSXUpdate" ma:index="28" nillable="true" ma:displayName="CSX Updated?" ma:default="false" ma:internalName="CSXUpdate" ma:readOnly="false">
+      <xsd:simpleType>
+        <xsd:restriction base="dms:Boolean"/>
+      </xsd:simpleType>
+    </xsd:element>
+    <xsd:element name="IntlLangReviewDate" ma:index="29" nillable="true" ma:displayName="Date to Complete Intl QA" ma:default="" ma:internalName="IntlLangReviewDate" ma:readOnly="false">
+      <xsd:simpleType>
+        <xsd:restriction base="dms:DateTime"/>
+      </xsd:simpleType>
+    </xsd:element>
+    <xsd:element name="IsDeleted" ma:index="30" nillable="true" ma:displayName="Deleted?" ma:default="" ma:internalName="IsDeleted" ma:readOnly="false">
+      <xsd:simpleType>
+        <xsd:restriction base="dms:Boolean"/>
+      </xsd:simpleType>
+    </xsd:element>
+    <xsd:element name="APDescription" ma:index="31" nillable="true" ma:displayName="Description" ma:default="" ma:internalName="APDescription" ma:readOnly="false">
+      <xsd:simpleType>
+        <xsd:restriction base="dms:Note"/>
+      </xsd:simpleType>
+    </xsd:element>
+    <xsd:element name="DirectSourceMarket" ma:index="32" nillable="true" ma:displayName="Direct Source Market Group" ma:default="" ma:internalName="DirectSourceMarket" ma:readOnly="false">
+      <xsd:simpleType>
+        <xsd:restriction base="dms:Text"/>
+      </xsd:simpleType>
+    </xsd:element>
+    <xsd:element name="Downloads" ma:index="33" nillable="true" ma:displayName="Downloads" ma:default="0" ma:hidden="true" ma:internalName="Downloads" ma:readOnly="false">
+      <xsd:simpleType>
+        <xsd:restriction base="dms:Unknown"/>
+      </xsd:simpleType>
+    </xsd:element>
+    <xsd:element name="DSATActionTaken" ma:index="34" nillable="true" ma:displayName="DSAT Action Taken" ma:default="" ma:internalName="DSATActionTaken" ma:readOnly="false">
+      <xsd:simpleType>
+        <xsd:restriction base="dms:Choice">
+          <xsd:enumeration value="Best Bets"/>
+          <xsd:enumeration value="Expire"/>
+          <xsd:enumeration value="Hide"/>
+          <xsd:enumeration value="None"/>
+        </xsd:restriction>
+      </xsd:simpleType>
+    </xsd:element>
+    <xsd:element name="APEditor" ma:index="35" nillable="true" ma:displayName="Editor" ma:default="" ma:list="UserInfo" ma:internalName="APEditor" ma:readOnly="false">
+      <xsd:complexType>
+        <xsd:complexContent>
+          <xsd:extension base="dms:User">
+            <xsd:sequence>
+              <xsd:element name="UserInfo" minOccurs="0" maxOccurs="unbounded">
+                <xsd:complexType>
+                  <xsd:sequence>
+                    <xsd:element name="DisplayName" type="xsd:string" minOccurs="0"/>
+                    <xsd:element name="AccountId" type="dms:UserId" minOccurs="0" nillable="true"/>
+                    <xsd:element name="AccountType" type="xsd:string" minOccurs="0"/>
+                  </xsd:sequence>
+                </xsd:complexType>
+              </xsd:element>
+            </xsd:sequence>
+          </xsd:extension>
+        </xsd:complexContent>
+      </xsd:complexType>
+    </xsd:element>
+    <xsd:element name="EditorialStatus" ma:index="36" nillable="true" ma:displayName="Editorial Status" ma:default="" ma:internalName="EditorialStatus" ma:readOnly="false">
+      <xsd:simpleType>
+        <xsd:restriction base="dms:Unknown"/>
+      </xsd:simpleType>
+    </xsd:element>
+    <xsd:element name="EditorialTags" ma:index="37" nillable="true" ma:displayName="Editorial Tags" ma:default="" ma:internalName="EditorialTags">
+      <xsd:simpleType>
+        <xsd:restriction base="dms:Unknown"/>
+      </xsd:simpleType>
+    </xsd:element>
+    <xsd:element name="TPExecutable" ma:index="38" nillable="true" ma:displayName="Executable" ma:default="" ma:internalName="TPExecutable">
+      <xsd:simpleType>
+        <xsd:restriction base="dms:Text"/>
+      </xsd:simpleType>
+    </xsd:element>
+    <xsd:element name="FeatureTagsTaxHTField0" ma:index="40" nillable="true" ma:taxonomy="true" ma:internalName="FeatureTagsTaxHTField0" ma:taxonomyFieldName="FeatureTags" ma:displayName="Features" ma:readOnly="false" ma:default="" ma:fieldId="{7fc0d542-15c6-4882-a8e3-13bca44403fb}" ma:taxonomyMulti="true" ma:sspId="8f79753a-75d3-41f5-8ca3-40b843941b4f" ma:termSetId="f1ab6845-967d-4854-a0ba-4ec07f0f8113" ma:anchorId="00000000-0000-0000-0000-000000000000" ma:open="false" ma:isKeyword="false">
+      <xsd:complexType>
+        <xsd:sequence>
+          <xsd:element ref="pc:Terms" minOccurs="0" maxOccurs="1"/>
+        </xsd:sequence>
+      </xsd:complexType>
+    </xsd:element>
+    <xsd:element name="TPFriendlyName" ma:index="41" nillable="true" ma:displayName="Friendly Name" ma:default="" ma:internalName="TPFriendlyName">
+      <xsd:simpleType>
+        <xsd:restriction base="dms:Text"/>
+      </xsd:simpleType>
+    </xsd:element>
+    <xsd:element name="FriendlyTitle" ma:index="42" nillable="true" ma:displayName="Friendly Title" ma:default="" ma:description="Shorter title to be used when displaying search results" ma:internalName="FriendlyTitle" ma:readOnly="false">
+      <xsd:simpleType>
+        <xsd:restriction base="dms:Text"/>
+      </xsd:simpleType>
+    </xsd:element>
+    <xsd:element name="PrimaryImageGen" ma:index="43" nillable="true" ma:displayName="Generate Images?" ma:default="true" ma:internalName="PrimaryImageGen">
+      <xsd:simpleType>
+        <xsd:restriction base="dms:Boolean"/>
+      </xsd:simpleType>
+    </xsd:element>
+    <xsd:element name="HandoffToMSDN" ma:index="44" nillable="true" ma:displayName="Handoff To MSDN Date" ma:default="" ma:internalName="HandoffToMSDN" ma:readOnly="false">
+      <xsd:simpleType>
+        <xsd:restriction base="dms:DateTime"/>
+      </xsd:simpleType>
+    </xsd:element>
+    <xsd:element name="InProjectListLookup" ma:index="45" nillable="true" ma:displayName="InProjectListLookup" ma:list="{9E343742-310B-4684-A24C-1D137CB4B230}" ma:internalName="InProjectListLookup" ma:readOnly="true" ma:showField="InProjectList" ma:web="4873beb7-5857-4685-be1f-d57550cc96cc">
+      <xsd:complexType>
+        <xsd:complexContent>
+          <xsd:extension base="dms:MultiChoiceLookup">
+            <xsd:sequence>
+              <xsd:element name="Value" type="dms:Lookup" maxOccurs="unbounded" minOccurs="0" nillable="true"/>
+            </xsd:sequence>
+          </xsd:extension>
+        </xsd:complexContent>
+      </xsd:complexType>
+    </xsd:element>
+    <xsd:element name="TPInstallLocation" ma:index="46" nillable="true" ma:displayName="Install Location" ma:default="" ma:internalName="TPInstallLocation">
+      <xsd:simpleType>
+        <xsd:restriction base="dms:Text"/>
+      </xsd:simpleType>
+    </xsd:element>
+    <xsd:element name="InternalTagsTaxHTField0" ma:index="48" nillable="true" ma:taxonomy="true" ma:internalName="InternalTagsTaxHTField0" ma:taxonomyFieldName="InternalTags" ma:displayName="Internal Tags" ma:readOnly="false" ma:default="" ma:fieldId="{1490b8a4-2706-41ec-b5e3-73176dccf34e}" ma:taxonomyMulti="true" ma:sspId="8f79753a-75d3-41f5-8ca3-40b843941b4f" ma:termSetId="82b6639e-f7fc-4c18-ad2d-003a6e707765" ma:anchorId="00000000-0000-0000-0000-000000000000" ma:open="false" ma:isKeyword="false">
+      <xsd:complexType>
+        <xsd:sequence>
+          <xsd:element ref="pc:Terms" minOccurs="0" maxOccurs="1"/>
+        </xsd:sequence>
+      </xsd:complexType>
+    </xsd:element>
+    <xsd:element name="IntlLangReview" ma:index="49" nillable="true" ma:displayName="Intl Lang QA Review Required?" ma:default="" ma:internalName="IntlLangReview" ma:readOnly="false">
+      <xsd:simpleType>
+        <xsd:restriction base="dms:Boolean"/>
+      </xsd:simpleType>
+    </xsd:element>
+    <xsd:element name="IntlLangReviewer" ma:index="50" nillable="true" ma:displayName="Intl Lang QA Reviewer" ma:default="" ma:internalName="IntlLangReviewer" ma:readOnly="false">
+      <xsd:simpleType>
+        <xsd:restriction base="dms:Text"/>
+      </xsd:simpleType>
+    </xsd:element>
+    <xsd:element name="MarketSpecific" ma:index="51" nillable="true" ma:displayName="Is Market Specific?" ma:default="" ma:internalName="MarketSpecific" ma:readOnly="false">
+      <xsd:simpleType>
+        <xsd:restriction base="dms:Boolean"/>
+      </xsd:simpleType>
+    </xsd:element>
+    <xsd:element name="LastCompleteVersionLookup" ma:index="52" nillable="true" ma:displayName="Last Complete Version Lookup" ma:default="" ma:list="{9E343742-310B-4684-A24C-1D137CB4B230}" ma:internalName="LastCompleteVersionLookup" ma:readOnly="true" ma:showField="LastCompleteVersion" ma:web="4873beb7-5857-4685-be1f-d57550cc96cc">
+      <xsd:complexType>
+        <xsd:complexContent>
+          <xsd:extension base="dms:MultiChoiceLookup">
+            <xsd:sequence>
+              <xsd:element name="Value" type="dms:Lookup" maxOccurs="unbounded" minOccurs="0" nillable="true"/>
+            </xsd:sequence>
+          </xsd:extension>
+        </xsd:complexContent>
+      </xsd:complexType>
+    </xsd:element>
+    <xsd:element name="LastHandOff" ma:index="53" nillable="true" ma:displayName="Last Hand-off" ma:default="" ma:internalName="LastHandOff" ma:readOnly="false">
+      <xsd:simpleType>
+        <xsd:restriction base="dms:DateTime"/>
+      </xsd:simpleType>
+    </xsd:element>
+    <xsd:element name="LastModifiedDateTime" ma:index="54" nillable="true" ma:displayName="Last Modified Date" ma:default="" ma:internalName="LastModifiedDateTime" ma:readOnly="false">
+      <xsd:simpleType>
+        <xsd:restriction base="dms:DateTime"/>
+      </xsd:simpleType>
+    </xsd:element>
+    <xsd:element name="LastPreviewErrorLookup" ma:index="55" nillable="true" ma:displayName="Last Preview Attempt Error" ma:default="" ma:list="{9E343742-310B-4684-A24C-1D137CB4B230}" ma:internalName="LastPreviewErrorLookup" ma:readOnly="true" ma:showField="LastPreviewError" ma:web="4873beb7-5857-4685-be1f-d57550cc96cc">
+      <xsd:complexType>
+        <xsd:complexContent>
+          <xsd:extension base="dms:MultiChoiceLookup">
+            <xsd:sequence>
+              <xsd:element name="Value" type="dms:Lookup" maxOccurs="unbounded" minOccurs="0" nillable="true"/>
+            </xsd:sequence>
+          </xsd:extension>
+        </xsd:complexContent>
+      </xsd:complexType>
+    </xsd:element>
+    <xsd:element name="LastPreviewResultLookup" ma:index="56" nillable="true" ma:displayName="Last Preview Attempt Result" ma:default="" ma:list="{9E343742-310B-4684-A24C-1D137CB4B230}" ma:internalName="LastPreviewResultLookup" ma:readOnly="true" ma:showField="LastPreviewResult" ma:web="4873beb7-5857-4685-be1f-d57550cc96cc">
+      <xsd:complexType>
+        <xsd:complexContent>
+          <xsd:extension base="dms:MultiChoiceLookup">
+            <xsd:sequence>
+              <xsd:element name="Value" type="dms:Lookup" maxOccurs="unbounded" minOccurs="0" nillable="true"/>
+            </xsd:sequence>
+          </xsd:extension>
+        </xsd:complexContent>
+      </xsd:complexType>
+    </xsd:element>
+    <xsd:element name="LastPreviewAttemptDateLookup" ma:index="57" nillable="true" ma:displayName="Last Preview Attempted On" ma:default="" ma:list="{9E343742-310B-4684-A24C-1D137CB4B230}" ma:internalName="LastPreviewAttemptDateLookup" ma:readOnly="true" ma:showField="LastPreviewAttemptDate" ma:web="4873beb7-5857-4685-be1f-d57550cc96cc">
+      <xsd:complexType>
+        <xsd:complexContent>
+          <xsd:extension base="dms:MultiChoiceLookup">
+            <xsd:sequence>
+              <xsd:element name="Value" type="dms:Lookup" maxOccurs="unbounded" minOccurs="0" nillable="true"/>
+            </xsd:sequence>
+          </xsd:extension>
+        </xsd:complexContent>
+      </xsd:complexType>
+    </xsd:element>
+    <xsd:element name="LastPreviewedByLookup" ma:index="58" nillable="true" ma:displayName="Last Previewed By" ma:default="" ma:list="{9E343742-310B-4684-A24C-1D137CB4B230}" ma:internalName="LastPreviewedByLookup" ma:readOnly="true" ma:showField="LastPreviewedBy" ma:web="4873beb7-5857-4685-be1f-d57550cc96cc">
+      <xsd:complexType>
+        <xsd:complexContent>
+          <xsd:extension base="dms:MultiChoiceLookup">
+            <xsd:sequence>
+              <xsd:element name="Value" type="dms:Lookup" maxOccurs="unbounded" minOccurs="0" nillable="true"/>
+            </xsd:sequence>
+          </xsd:extension>
+        </xsd:complexContent>
+      </xsd:complexType>
+    </xsd:element>
+    <xsd:element name="LastPreviewTimeLookup" ma:index="59" nillable="true" ma:displayName="Last Previewed Date" ma:default="" ma:list="{9E343742-310B-4684-A24C-1D137CB4B230}" ma:internalName="LastPreviewTimeLookup" ma:readOnly="true" ma:showField="LastPreviewTime" ma:web="4873beb7-5857-4685-be1f-d57550cc96cc">
+      <xsd:complexType>
+        <xsd:complexContent>
+          <xsd:extension base="dms:MultiChoiceLookup">
+            <xsd:sequence>
+              <xsd:element name="Value" type="dms:Lookup" maxOccurs="unbounded" minOccurs="0" nillable="true"/>
+            </xsd:sequence>
+          </xsd:extension>
+        </xsd:complexContent>
+      </xsd:complexType>
+    </xsd:element>
+    <xsd:element name="LastPreviewVersionLookup" ma:index="60" nillable="true" ma:displayName="Last Previewed Version" ma:default="" ma:list="{9E343742-310B-4684-A24C-1D137CB4B230}" ma:internalName="LastPreviewVersionLookup" ma:readOnly="true" ma:showField="LastPreviewVersion" ma:web="4873beb7-5857-4685-be1f-d57550cc96cc">
+      <xsd:complexType>
+        <xsd:complexContent>
+          <xsd:extension base="dms:MultiChoiceLookup">
+            <xsd:sequence>
+              <xsd:element name="Value" type="dms:Lookup" maxOccurs="unbounded" minOccurs="0" nillable="true"/>
+            </xsd:sequence>
+          </xsd:extension>
+        </xsd:complexContent>
+      </xsd:complexType>
+    </xsd:element>
+    <xsd:element name="LastPublishErrorLookup" ma:index="61" nillable="true" ma:displayName="Last Publish Attempt Error" ma:default="" ma:list="{9E343742-310B-4684-A24C-1D137CB4B230}" ma:internalName="LastPublishErrorLookup" ma:readOnly="true" ma:showField="LastPublishError" ma:web="4873beb7-5857-4685-be1f-d57550cc96cc">
+      <xsd:complexType>
+        <xsd:complexContent>
+          <xsd:extension base="dms:MultiChoiceLookup">
+            <xsd:sequence>
+              <xsd:element name="Value" type="dms:Lookup" maxOccurs="unbounded" minOccurs="0" nillable="true"/>
+            </xsd:sequence>
+          </xsd:extension>
+        </xsd:complexContent>
+      </xsd:complexType>
+    </xsd:element>
+    <xsd:element name="LastPublishResultLookup" ma:index="62" nillable="true" ma:displayName="Last Publish Attempt Result" ma:default="" ma:list="{9E343742-310B-4684-A24C-1D137CB4B230}" ma:internalName="LastPublishResultLookup" ma:readOnly="true" ma:showField="LastPublishResult" ma:web="4873beb7-5857-4685-be1f-d57550cc96cc">
+      <xsd:complexType>
+        <xsd:complexContent>
+          <xsd:extension base="dms:MultiChoiceLookup">
+            <xsd:sequence>
+              <xsd:element name="Value" type="dms:Lookup" maxOccurs="unbounded" minOccurs="0" nillable="true"/>
+            </xsd:sequence>
+          </xsd:extension>
+        </xsd:complexContent>
+      </xsd:complexType>
+    </xsd:element>
+    <xsd:element name="LastPublishAttemptDateLookup" ma:index="63" nillable="true" ma:displayName="Last Publish Attempted On" ma:default="" ma:list="{9E343742-310B-4684-A24C-1D137CB4B230}" ma:internalName="LastPublishAttemptDateLookup" ma:readOnly="true" ma:showField="LastPublishAttemptDate" ma:web="4873beb7-5857-4685-be1f-d57550cc96cc">
+      <xsd:complexType>
+        <xsd:complexContent>
+          <xsd:extension base="dms:MultiChoiceLookup">
+            <xsd:sequence>
+              <xsd:element name="Value" type="dms:Lookup" maxOccurs="unbounded" minOccurs="0" nillable="true"/>
+            </xsd:sequence>
+          </xsd:extension>
+        </xsd:complexContent>
+      </xsd:complexType>
+    </xsd:element>
+    <xsd:element name="LastPublishedByLookup" ma:index="64" nillable="true" ma:displayName="Last Published By" ma:default="" ma:list="{9E343742-310B-4684-A24C-1D137CB4B230}" ma:internalName="LastPublishedByLookup" ma:readOnly="true" ma:showField="LastPublishedBy" ma:web="4873beb7-5857-4685-be1f-d57550cc96cc">
+      <xsd:complexType>
+        <xsd:complexContent>
+          <xsd:extension base="dms:MultiChoiceLookup">
+            <xsd:sequence>
+              <xsd:element name="Value" type="dms:Lookup" maxOccurs="unbounded" minOccurs="0" nillable="true"/>
+            </xsd:sequence>
+          </xsd:extension>
+        </xsd:complexContent>
+      </xsd:complexType>
+    </xsd:element>
+    <xsd:element name="LastPublishTimeLookup" ma:index="65" nillable="true" ma:displayName="Last Published Date" ma:default="" ma:list="{9E343742-310B-4684-A24C-1D137CB4B230}" ma:internalName="LastPublishTimeLookup" ma:readOnly="true" ma:showField="LastPublishTime" ma:web="4873beb7-5857-4685-be1f-d57550cc96cc">
+      <xsd:complexType>
+        <xsd:complexContent>
+          <xsd:extension base="dms:MultiChoiceLookup">
+            <xsd:sequence>
+              <xsd:element name="Value" type="dms:Lookup" maxOccurs="unbounded" minOccurs="0" nillable="true"/>
+            </xsd:sequence>
+          </xsd:extension>
+        </xsd:complexContent>
+      </xsd:complexType>
+    </xsd:element>
+    <xsd:element name="LastPublishVersionLookup" ma:index="66" nillable="true" ma:displayName="Last Published Version" ma:default="" ma:list="{9E343742-310B-4684-A24C-1D137CB4B230}" ma:internalName="LastPublishVersionLookup" ma:readOnly="true" ma:showField="LastPublishVersion" ma:web="4873beb7-5857-4685-be1f-d57550cc96cc">
+      <xsd:complexType>
+        <xsd:complexContent>
+          <xsd:extension base="dms:MultiChoiceLookup">
+            <xsd:sequence>
+              <xsd:element name="Value" type="dms:Lookup" maxOccurs="unbounded" minOccurs="0" nillable="true"/>
+            </xsd:sequence>
+          </xsd:extension>
+        </xsd:complexContent>
+      </xsd:complexType>
+    </xsd:element>
+    <xsd:element name="TPLaunchHelpLinkType" ma:index="67" nillable="true" ma:displayName="Launch Help Link Type" ma:default="Template" ma:internalName="TPLaunchHelpLinkType">
+      <xsd:simpleType>
+        <xsd:restriction base="dms:Choice">
+          <xsd:enumeration value="Template"/>
+          <xsd:enumeration value="Training"/>
+          <xsd:enumeration value="URL"/>
+          <xsd:enumeration value="None"/>
+        </xsd:restriction>
+      </xsd:simpleType>
+    </xsd:element>
+    <xsd:element name="LegacyData" ma:index="68" nillable="true" ma:displayName="Legacy Data" ma:default="" ma:internalName="LegacyData" ma:readOnly="false">
+      <xsd:simpleType>
+        <xsd:restriction base="dms:Note"/>
+      </xsd:simpleType>
+    </xsd:element>
+    <xsd:element name="TPLaunchHelpLink" ma:index="69" nillable="true" ma:displayName="Link to Launch Help Topic" ma:default="" ma:internalName="TPLaunchHelpLink">
+      <xsd:simpleType>
+        <xsd:restriction base="dms:Text"/>
+      </xsd:simpleType>
+    </xsd:element>
+    <xsd:element name="LocComments" ma:index="70" nillable="true" ma:displayName="Loc Approval Comments" ma:default="" ma:internalName="LocComments" ma:readOnly="false">
+      <xsd:simpleType>
+        <xsd:restriction base="dms:Note"/>
+      </xsd:simpleType>
+    </xsd:element>
+    <xsd:element name="LocLastLocAttemptVersionLookup" ma:index="71" nillable="true" ma:displayName="Loc Last Loc Attempt Version" ma:default="" ma:list="{7DD1DCEC-E449-43D3-891F-7DC62F62AD21}" ma:internalName="LocLastLocAttemptVersionLookup" ma:readOnly="false" ma:showField="LastLocAttemptVersion" ma:web="4873beb7-5857-4685-be1f-d57550cc96cc">
+      <xsd:simpleType>
+        <xsd:restriction base="dms:Lookup"/>
+      </xsd:simpleType>
+    </xsd:element>
+    <xsd:element name="LocLastLocAttemptVersionTypeLookup" ma:index="72" nillable="true" ma:displayName="Loc Last Loc Attempt Version Type" ma:default="" ma:list="{7DD1DCEC-E449-43D3-891F-7DC62F62AD21}" ma:internalName="LocLastLocAttemptVersionTypeLookup" ma:readOnly="true" ma:showField="LastLocAttemptVersionType" ma:web="4873beb7-5857-4685-be1f-d57550cc96cc">
+      <xsd:simpleType>
+        <xsd:restriction base="dms:Lookup"/>
+      </xsd:simpleType>
+    </xsd:element>
+    <xsd:element name="LocManualTestRequired" ma:index="73" nillable="true" ma:displayName="Loc Manual Test Required" ma:default="" ma:internalName="LocManualTestRequired" ma:readOnly="false">
+      <xsd:simpleType>
+        <xsd:restriction base="dms:Boolean"/>
+      </xsd:simpleType>
+    </xsd:element>
+    <xsd:element name="LocMarketGroupTiers2" ma:index="74" nillable="true" ma:displayName="Loc Market Group Tiers" ma:internalName="LocMarketGroupTiers2" ma:readOnly="false">
+      <xsd:simpleType>
+        <xsd:restriction base="dms:Unknown"/>
+      </xsd:simpleType>
+    </xsd:element>
+    <xsd:element name="LocNewPublishedVersionLookup" ma:index="75" nillable="true" ma:displayName="Loc New Published Version Lookup" ma:default="" ma:list="{7DD1DCEC-E449-43D3-891F-7DC62F62AD21}" ma:internalName="LocNewPublishedVersionLookup" ma:readOnly="true" ma:showField="NewPublishedVersion" ma:web="4873beb7-5857-4685-be1f-d57550cc96cc">
+      <xsd:simpleType>
+        <xsd:restriction base="dms:Lookup"/>
+      </xsd:simpleType>
+    </xsd:element>
+    <xsd:element name="LocOverallHandbackStatusLookup" ma:index="76" nillable="true" ma:displayName="Loc Overall Handback Status" ma:default="" ma:list="{7DD1DCEC-E449-43D3-891F-7DC62F62AD21}" ma:internalName="LocOverallHandbackStatusLookup" ma:readOnly="true" ma:showField="OverallHandbackStatus" ma:web="4873beb7-5857-4685-be1f-d57550cc96cc">
+      <xsd:simpleType>
+        <xsd:restriction base="dms:Lookup"/>
+      </xsd:simpleType>
+    </xsd:element>
+    <xsd:element name="LocOverallLocStatusLookup" ma:index="77" nillable="true" ma:displayName="Loc Overall Localize Status" ma:default="" ma:list="{7DD1DCEC-E449-43D3-891F-7DC62F62AD21}" ma:internalName="LocOverallLocStatusLookup" ma:readOnly="true" ma:showField="OverallLocStatus" ma:web="4873beb7-5857-4685-be1f-d57550cc96cc">
+      <xsd:simpleType>
+        <xsd:restriction base="dms:Lookup"/>
+      </xsd:simpleType>
+    </xsd:element>
+    <xsd:element name="LocOverallPreviewStatusLookup" ma:index="78" nillable="true" ma:displayName="Loc Overall Preview Status" ma:default="" ma:list="{7DD1DCEC-E449-43D3-891F-7DC62F62AD21}" ma:internalName="LocOverallPreviewStatusLookup" ma:readOnly="true" ma:showField="OverallPreviewStatus" ma:web="4873beb7-5857-4685-be1f-d57550cc96cc">
+      <xsd:simpleType>
+        <xsd:restriction base="dms:Lookup"/>
+      </xsd:simpleType>
+    </xsd:element>
+    <xsd:element name="LocOverallPublishStatusLookup" ma:index="79" nillable="true" ma:displayName="Loc Overall Publish Status" ma:default="" ma:list="{7DD1DCEC-E449-43D3-891F-7DC62F62AD21}" ma:internalName="LocOverallPublishStatusLookup" ma:readOnly="true" ma:showField="OverallPublishStatus" ma:web="4873beb7-5857-4685-be1f-d57550cc96cc">
+      <xsd:simpleType>
+        <xsd:restriction base="dms:Lookup"/>
+      </xsd:simpleType>
+    </xsd:element>
+    <xsd:element name="IntlLocPriority" ma:index="80" nillable="true" ma:displayName="Loc Priority" ma:default="" ma:internalName="IntlLocPriority" ma:readOnly="false">
+      <xsd:simpleType>
+        <xsd:restriction base="dms:Unknown"/>
+      </xsd:simpleType>
+    </xsd:element>
+    <xsd:element name="LocProcessedForHandoffsLookup" ma:index="81" nillable="true" ma:displayName="Loc Processed For Handoffs" ma:default="" ma:list="{7DD1DCEC-E449-43D3-891F-7DC62F62AD21}" ma:internalName="LocProcessedForHandoffsLookup" ma:readOnly="true" ma:showField="ProcessedForHandoffs" ma:web="4873beb7-5857-4685-be1f-d57550cc96cc">
+      <xsd:simpleType>
+        <xsd:restriction base="dms:Lookup"/>
+      </xsd:simpleType>
+    </xsd:element>
+    <xsd:element name="LocProcessedForMarketsLookup" ma:index="82" nillable="true" ma:displayName="Loc Processed For Markets" ma:default="" ma:list="{7DD1DCEC-E449-43D3-891F-7DC62F62AD21}" ma:internalName="LocProcessedForMarketsLookup" ma:readOnly="true" ma:showField="ProcessedForMarkets" ma:web="4873beb7-5857-4685-be1f-d57550cc96cc">
+      <xsd:simpleType>
+        <xsd:restriction base="dms:Lookup"/>
+      </xsd:simpleType>
+    </xsd:element>
+    <xsd:element name="LocPublishedDependentAssetsLookup" ma:index="83" nillable="true" ma:displayName="Loc Published Dependent Assets" ma:default="" ma:list="{7DD1DCEC-E449-43D3-891F-7DC62F62AD21}" ma:internalName="LocPublishedDependentAssetsLookup" ma:readOnly="true" ma:showField="PublishedDependentAssets" ma:web="4873beb7-5857-4685-be1f-d57550cc96cc">
+      <xsd:simpleType>
+        <xsd:restriction base="dms:Lookup"/>
+      </xsd:simpleType>
+    </xsd:element>
+    <xsd:element name="LocPublishedLinkedAssetsLookup" ma:index="84" nillable="true" ma:displayName="Loc Published Linked Assets" ma:default="" ma:list="{7DD1DCEC-E449-43D3-891F-7DC62F62AD21}" ma:internalName="LocPublishedLinkedAssetsLookup" ma:readOnly="true" ma:showField="PublishedLinkedAssets" ma:web="4873beb7-5857-4685-be1f-d57550cc96cc">
+      <xsd:simpleType>
+        <xsd:restriction base="dms:Lookup"/>
+      </xsd:simpleType>
+    </xsd:element>
+    <xsd:element name="LocRecommendedHandoff" ma:index="85" nillable="true" ma:displayName="Loc Recommended Handoff" ma:default="" ma:indexed="true" ma:internalName="LocRecommendedHandoff" ma:readOnly="false">
+      <xsd:simpleType>
+        <xsd:restriction base="dms:Text"/>
+      </xsd:simpleType>
+    </xsd:element>
+    <xsd:element name="LocalizationTagsTaxHTField0" ma:index="87" nillable="true" ma:taxonomy="true" ma:internalName="LocalizationTagsTaxHTField0" ma:taxonomyFieldName="LocalizationTags" ma:displayName="Localization Tags" ma:readOnly="false" ma:default="" ma:fieldId="{00f02cb3-2c7c-424a-9c61-10e9b6878429}" ma:taxonomyMulti="true" ma:sspId="8f79753a-75d3-41f5-8ca3-40b843941b4f" ma:termSetId="5b7703a5-8e8b-4b58-8b31-1cea35331da3" ma:anchorId="00000000-0000-0000-0000-000000000000" ma:open="false" ma:isKeyword="false">
+      <xsd:complexType>
+        <xsd:sequence>
+          <xsd:element ref="pc:Terms" minOccurs="0" maxOccurs="1"/>
+        </xsd:sequence>
+      </xsd:complexType>
+    </xsd:element>
+    <xsd:element name="MachineTranslated" ma:index="88" nillable="true" ma:displayName="Machine Translated" ma:default="" ma:internalName="MachineTranslated" ma:readOnly="false">
+      <xsd:simpleType>
+        <xsd:restriction base="dms:Boolean"/>
+      </xsd:simpleType>
+    </xsd:element>
+    <xsd:element name="Manager" ma:index="89" nillable="true" ma:displayName="Manager" ma:hidden="true" ma:internalName="Manager" ma:readOnly="false">
+      <xsd:simpleType>
+        <xsd:restriction base="dms:Text"/>
+      </xsd:simpleType>
+    </xsd:element>
+    <xsd:element name="Markets" ma:index="90" nillable="true" ma:displayName="Markets" ma:default="" ma:description="Leave blank to show in all markets" ma:list="{2FBD1B11-2ACE-4FDC-B5A3-635D4ADF6F1B}" ma:internalName="Markets" ma:readOnly="false" ma:showField="MarketName" ma:web="4873beb7-5857-4685-be1f-d57550cc96cc">
+      <xsd:complexType>
+        <xsd:complexContent>
+          <xsd:extension base="dms:MultiChoiceLookup">
+            <xsd:sequence>
+              <xsd:element name="Value" type="dms:Lookup" maxOccurs="unbounded" minOccurs="0" nillable="true"/>
+            </xsd:sequence>
+          </xsd:extension>
+        </xsd:complexContent>
+      </xsd:complexType>
+    </xsd:element>
+    <xsd:element name="Milestone" ma:index="91" nillable="true" ma:displayName="Milestone" ma:default="" ma:internalName="Milestone" ma:readOnly="false">
+      <xsd:simpleType>
+        <xsd:restriction base="dms:Unknown"/>
+      </xsd:simpleType>
+    </xsd:element>
+    <xsd:element name="TPNamespace" ma:index="94" nillable="true" ma:displayName="Namespace" ma:default="" ma:internalName="TPNamespace">
+      <xsd:simpleType>
+        <xsd:restriction base="dms:Text"/>
+      </xsd:simpleType>
+    </xsd:element>
+    <xsd:element name="NumericId" ma:index="95" nillable="true" ma:displayName="Numeric ID" ma:default="" ma:indexed="true" ma:internalName="NumericId" ma:readOnly="false">
+      <xsd:simpleType>
+        <xsd:restriction base="dms:Number"/>
+      </xsd:simpleType>
+    </xsd:element>
+    <xsd:element name="NumOfRatingsLookup" ma:index="96" nillable="true" ma:displayName="NumOfRatings" ma:default="" ma:list="{9E343742-310B-4684-A24C-1D137CB4B230}" ma:internalName="NumOfRatingsLookup" ma:readOnly="true" ma:showField="NumOfRatings" ma:web="4873beb7-5857-4685-be1f-d57550cc96cc">
+      <xsd:complexType>
+        <xsd:complexContent>
+          <xsd:extension base="dms:MultiChoiceLookup">
+            <xsd:sequence>
+              <xsd:element name="Value" type="dms:Lookup" maxOccurs="unbounded" minOccurs="0" nillable="true"/>
+            </xsd:sequence>
+          </xsd:extension>
+        </xsd:complexContent>
+      </xsd:complexType>
+    </xsd:element>
+    <xsd:element name="OOCacheId" ma:index="97" nillable="true" ma:displayName="OOCacheId" ma:internalName="OOCacheId" ma:readOnly="false">
+      <xsd:simpleType>
+        <xsd:restriction base="dms:Text"/>
+      </xsd:simpleType>
+    </xsd:element>
+    <xsd:element name="OpenTemplate" ma:index="98" nillable="true" ma:displayName="Open Template" ma:default="true" ma:internalName="OpenTemplate">
+      <xsd:simpleType>
+        <xsd:restriction base="dms:Boolean"/>
+      </xsd:simpleType>
+    </xsd:element>
+    <xsd:element name="OriginAsset" ma:index="99" nillable="true" ma:displayName="Origin Asset" ma:default="" ma:internalName="OriginAsset" ma:readOnly="false">
+      <xsd:simpleType>
+        <xsd:restriction base="dms:Text"/>
+      </xsd:simpleType>
+    </xsd:element>
+    <xsd:element name="OriginalRelease" ma:index="100" nillable="true" ma:displayName="Original Release" ma:default="15" ma:internalName="OriginalRelease" ma:readOnly="false">
+      <xsd:simpleType>
+        <xsd:restriction base="dms:Choice">
+          <xsd:enumeration value="14"/>
+          <xsd:enumeration value="15"/>
+          <xsd:enumeration value="16"/>
+        </xsd:restriction>
+      </xsd:simpleType>
+    </xsd:element>
+    <xsd:element name="OriginalSourceMarket" ma:index="101" nillable="true" ma:displayName="Original Source Market Group" ma:default="" ma:internalName="OriginalSourceMarket" ma:readOnly="false">
+      <xsd:simpleType>
+        <xsd:restriction base="dms:Text"/>
+      </xsd:simpleType>
+    </xsd:element>
+    <xsd:element name="OutputCachingOn" ma:index="102" nillable="true" ma:displayName="Output Caching" ma:default="true" ma:hidden="true" ma:internalName="OutputCachingOn" ma:readOnly="false">
+      <xsd:simpleType>
+        <xsd:restriction base="dms:Boolean"/>
+      </xsd:simpleType>
+    </xsd:element>
+    <xsd:element name="ParentAssetId" ma:index="103" nillable="true" ma:displayName="Parent Asset Id" ma:default="" ma:internalName="ParentAssetId" ma:readOnly="false">
+      <xsd:simpleType>
+        <xsd:restriction base="dms:Text"/>
+      </xsd:simpleType>
+    </xsd:element>
+    <xsd:element name="PlannedPubDate" ma:index="104" nillable="true" ma:displayName="Planned Publish Date" ma:default="" ma:indexed="true" ma:internalName="PlannedPubDate" ma:readOnly="false">
+      <xsd:simpleType>
+        <xsd:restriction base="dms:DateTime"/>
+      </xsd:simpleType>
+    </xsd:element>
+    <xsd:element name="PolicheckWords" ma:index="105" nillable="true" ma:displayName="Policheck Words" ma:default="" ma:internalName="PolicheckWords" ma:readOnly="false">
+      <xsd:simpleType>
+        <xsd:restriction base="dms:Text"/>
+      </xsd:simpleType>
+    </xsd:element>
+    <xsd:element name="BusinessGroup" ma:index="106" nillable="true" ma:displayName="Product Division Owner" ma:default="" ma:internalName="BusinessGroup" ma:readOnly="false">
+      <xsd:simpleType>
+        <xsd:restriction base="dms:Unknown"/>
+      </xsd:simpleType>
+    </xsd:element>
+    <xsd:element name="UAProjectedTotalWords" ma:index="107" nillable="true" ma:displayName="Projected Word Count" ma:default="" ma:internalName="UAProjectedTotalWords" ma:readOnly="false">
+      <xsd:simpleType>
+        <xsd:restriction base="dms:Unknown"/>
+      </xsd:simpleType>
+    </xsd:element>
+    <xsd:element name="Provider" ma:index="108" nillable="true" ma:displayName="Provider" ma:default="" ma:internalName="Provider" ma:readOnly="false">
+      <xsd:simpleType>
+        <xsd:restriction base="dms:Unknown"/>
+      </xsd:simpleType>
+    </xsd:element>
+    <xsd:element name="Providers" ma:index="109" nillable="true" ma:displayName="Providers" ma:default="" ma:internalName="Providers">
+      <xsd:simpleType>
+        <xsd:restriction base="dms:Unknown"/>
+      </xsd:simpleType>
+    </xsd:element>
+    <xsd:element name="PublishStatusLookup" ma:index="110" nillable="true" ma:displayName="Publish Status" ma:default="" ma:list="{9E343742-310B-4684-A24C-1D137CB4B230}" ma:internalName="PublishStatusLookup" ma:readOnly="false" ma:showField="PublishStatus" ma:web="4873beb7-5857-4685-be1f-d57550cc96cc">
+      <xsd:complexType>
+        <xsd:complexContent>
+          <xsd:extension base="dms:MultiChoiceLookup">
+            <xsd:sequence>
+              <xsd:element name="Value" type="dms:Lookup" maxOccurs="unbounded" minOccurs="0" nillable="true"/>
+            </xsd:sequence>
+          </xsd:extension>
+        </xsd:complexContent>
+      </xsd:complexType>
+    </xsd:element>
+    <xsd:element name="PublishTargets" ma:index="111" nillable="true" ma:displayName="Publish Target" ma:default="OfficeOnlineVNext" ma:internalName="PublishTargets" ma:readOnly="false">
+      <xsd:simpleType>
+        <xsd:restriction base="dms:Unknown"/>
+      </xsd:simpleType>
+    </xsd:element>
+    <xsd:element name="RecommendationsModifier" ma:index="112" nillable="true" ma:displayName="Recommendations Modifier" ma:default="" ma:internalName="RecommendationsModifier" ma:readOnly="false">
+      <xsd:simpleType>
+        <xsd:restriction base="dms:Number"/>
+      </xsd:simpleType>
+    </xsd:element>
+    <xsd:element name="ArtSampleDocs" ma:index="113" nillable="true" ma:displayName="Sample Docs" ma:default="" ma:hidden="true" ma:internalName="ArtSampleDocs" ma:readOnly="false">
+      <xsd:simpleType>
+        <xsd:restriction base="dms:Text"/>
+      </xsd:simpleType>
+    </xsd:element>
+    <xsd:element name="ScenarioTagsTaxHTField0" ma:index="115" nillable="true" ma:taxonomy="true" ma:internalName="ScenarioTagsTaxHTField0" ma:taxonomyFieldName="ScenarioTags" ma:displayName="Scenarios" ma:readOnly="false" ma:default="" ma:fieldId="{93aef74d-6c78-4815-8310-51477dceeccc}" ma:taxonomyMulti="true" ma:sspId="8f79753a-75d3-41f5-8ca3-40b843941b4f" ma:termSetId="4b7d5f16-e2f2-4fc0-bab3-6e8b931e57d6" ma:anchorId="00000000-0000-0000-0000-000000000000" ma:open="false" ma:isKeyword="false">
+      <xsd:complexType>
+        <xsd:sequence>
+          <xsd:element ref="pc:Terms" minOccurs="0" maxOccurs="1"/>
+        </xsd:sequence>
+      </xsd:complexType>
+    </xsd:element>
+    <xsd:element name="ShowIn" ma:index="117" nillable="true" ma:displayName="Show In" ma:default="Show everywhere" ma:internalName="ShowIn" ma:readOnly="false">
+      <xsd:simpleType>
+        <xsd:restriction base="dms:Choice">
+          <xsd:enumeration value="Hide on web"/>
+          <xsd:enumeration value="On Web no search"/>
+          <xsd:enumeration value="Show everywhere"/>
+          <xsd:enumeration value="Special use only"/>
+        </xsd:restriction>
+      </xsd:simpleType>
+    </xsd:element>
+    <xsd:element name="SourceTitle" ma:index="118" nillable="true" ma:displayName="Source Title" ma:default="" ma:indexed="true" ma:internalName="SourceTitle" ma:readOnly="false">
+      <xsd:simpleType>
+        <xsd:restriction base="dms:Text"/>
+      </xsd:simpleType>
+    </xsd:element>
+    <xsd:element name="CSXSubmissionDate" ma:index="119" nillable="true" ma:displayName="Submission Date" ma:default="" ma:internalName="CSXSubmissionDate" ma:readOnly="false">
+      <xsd:simpleType>
+        <xsd:restriction base="dms:DateTime"/>
+      </xsd:simpleType>
+    </xsd:element>
+    <xsd:element name="SubmitterId" ma:index="120" nillable="true" ma:displayName="Submitter ID" ma:default="" ma:internalName="SubmitterId" ma:readOnly="false">
+      <xsd:simpleType>
+        <xsd:restriction base="dms:Text"/>
+      </xsd:simpleType>
+    </xsd:element>
+    <xsd:element name="TaxCatchAll" ma:index="121" nillable="true" ma:displayName="Taxonomy Catch All Column" ma:hidden="true" ma:list="{530f955b-6704-4601-bd83-f81d87f1e440}" ma:internalName="TaxCatchAll" ma:showField="CatchAllData" ma:web="4873beb7-5857-4685-be1f-d57550cc96cc">
+      <xsd:complexType>
+        <xsd:complexContent>
+          <xsd:extension base="dms:MultiChoiceLookup">
+            <xsd:sequence>
+              <xsd:element name="Value" type="dms:Lookup" maxOccurs="unbounded" minOccurs="0" nillable="true"/>
+            </xsd:sequence>
+          </xsd:extension>
+        </xsd:complexContent>
+      </xsd:complexType>
+    </xsd:element>
+    <xsd:element name="TaxCatchAllLabel" ma:index="122" nillable="true" ma:displayName="Taxonomy Catch All Column1" ma:hidden="true" ma:list="{530f955b-6704-4601-bd83-f81d87f1e440}" ma:internalName="TaxCatchAllLabel" ma:readOnly="true" ma:showField="CatchAllDataLabel" ma:web="4873beb7-5857-4685-be1f-d57550cc96cc">
+      <xsd:complexType>
+        <xsd:complexContent>
+          <xsd:extension base="dms:MultiChoiceLookup">
+            <xsd:sequence>
+              <xsd:element name="Value" type="dms:Lookup" maxOccurs="unbounded" minOccurs="0" nillable="true"/>
+            </xsd:sequence>
+          </xsd:extension>
+        </xsd:complexContent>
+      </xsd:complexType>
+    </xsd:element>
+    <xsd:element name="TemplateStatus" ma:index="123" nillable="true" ma:displayName="Template Status" ma:default="" ma:internalName="TemplateStatus">
+      <xsd:simpleType>
+        <xsd:restriction base="dms:Unknown"/>
+      </xsd:simpleType>
+    </xsd:element>
+    <xsd:element name="TemplateTemplateType" ma:index="124" nillable="true" ma:displayName="Template Type" ma:default="" ma:internalName="TemplateTemplateType">
+      <xsd:simpleType>
+        <xsd:restriction base="dms:Unknown"/>
+      </xsd:simpleType>
+    </xsd:element>
+    <xsd:element name="ThumbnailAssetId" ma:index="125" nillable="true" ma:displayName="Thumbnail Image Asset" ma:default="" ma:internalName="ThumbnailAssetId" ma:readOnly="false">
+      <xsd:simpleType>
+        <xsd:restriction base="dms:Text"/>
+      </xsd:simpleType>
+    </xsd:element>
+    <xsd:element name="TimesCloned" ma:index="126" nillable="true" ma:displayName="Times Cloned" ma:default="" ma:internalName="TimesCloned" ma:readOnly="false">
+      <xsd:simpleType>
+        <xsd:restriction base="dms:Number"/>
+      </xsd:simpleType>
+    </xsd:element>
+    <xsd:element name="TrustLevel" ma:index="128" nillable="true" ma:displayName="Trust Level" ma:default="1 Microsoft Managed Content" ma:internalName="TrustLevel" ma:readOnly="false">
+      <xsd:simpleType>
+        <xsd:restriction base="dms:Unknown"/>
+      </xsd:simpleType>
+    </xsd:element>
+    <xsd:element name="UALocComments" ma:index="129" nillable="true" ma:displayName="UA Loc Comments" ma:default="" ma:internalName="UALocComments" ma:readOnly="false">
+      <xsd:simpleType>
+        <xsd:restriction base="dms:Note"/>
+      </xsd:simpleType>
+    </xsd:element>
+    <xsd:element name="UALocRecommendation" ma:index="130" nillable="true" ma:displayName="UA Loc Recommendation" ma:default="Localize" ma:internalName="UALocRecommendation" ma:readOnly="false">
+      <xsd:simpleType>
+        <xsd:restriction base="dms:Choice">
+          <xsd:enumeration value="Localize"/>
+          <xsd:enumeration value="Never Localize"/>
+          <xsd:enumeration value="Priority Localize"/>
+        </xsd:restriction>
+      </xsd:simpleType>
+    </xsd:element>
+    <xsd:element name="UANotes" ma:index="131" nillable="true" ma:displayName="UA Notes" ma:default="" ma:internalName="UANotes" ma:readOnly="false">
+      <xsd:simpleType>
+        <xsd:restriction base="dms:Note"/>
+      </xsd:simpleType>
+    </xsd:element>
+    <xsd:element name="TPAppVersion" ma:index="132" nillable="true" ma:displayName="Version" ma:default="" ma:internalName="TPAppVersion">
+      <xsd:simpleType>
+        <xsd:restriction base="dms:Text"/>
+      </xsd:simpleType>
+    </xsd:element>
+    <xsd:element name="VoteCount" ma:index="133" nillable="true" ma:displayName="Vote Count" ma:default="" ma:internalName="VoteCount" ma:readOnly="false">
+      <xsd:simpleType>
+        <xsd:restriction base="dms:Unknown"/>
+      </xsd:simpleType>
+    </xsd:element>
+  </xsd:schema>
+  <xsd:schema xmlns="http://schemas.openxmlformats.org/package/2006/metadata/core-properties" xmlns:xsd="http://www.w3.org/2001/XMLSchema" xmlns:xsi="http://www.w3.org/2001/XMLSchema-instance" xmlns:dc="http://purl.org/dc/elements/1.1/" xmlns:dcterms="http://purl.org/dc/terms/" xmlns:odoc="http://schemas.microsoft.com/internal/obd" targetNamespace="http://schemas.openxmlformats.org/package/2006/metadata/core-properties" elementFormDefault="qualified" attributeFormDefault="unqualified" blockDefault="#all">
+    <xsd:import namespace="http://purl.org/dc/elements/1.1/" schemaLocation="http://dublincore.org/schemas/xmls/qdc/2003/04/02/dc.xsd"/>
+    <xsd:import namespace="http://purl.org/dc/terms/" schemaLocation="http://dublincore.org/schemas/xmls/qdc/2003/04/02/dcterms.xsd"/>
+    <xsd:element name="coreProperties" type="CT_coreProperties"/>
+    <xsd:complexType name="CT_coreProperties">
+      <xsd:all>
+        <xsd:element ref="dc:creator" minOccurs="0" maxOccurs="1"/>
+        <xsd:element ref="dcterms:created" minOccurs="0" maxOccurs="1"/>
+        <xsd:element ref="dc:identifier" minOccurs="0" maxOccurs="1"/>
+        <xsd:element name="contentType" minOccurs="0" maxOccurs="1" type="xsd:string" ma:index="22" ma:displayName="Content Type"/>
+        <xsd:element ref="dc:title" minOccurs="0" maxOccurs="1" ma:index="127" ma:displayName="Title"/>
+        <xsd:element ref="dc:subject" minOccurs="0" maxOccurs="1"/>
+        <xsd:element ref="dc:description" minOccurs="0" maxOccurs="1"/>
+        <xsd:element name="keywords" minOccurs="0" maxOccurs="1" type="xsd:string"/>
+        <xsd:element ref="dc:language" minOccurs="0" maxOccurs="1"/>
+        <xsd:element name="category" minOccurs="0" maxOccurs="1" type="xsd:string"/>
+        <xsd:element name="version" minOccurs="0" maxOccurs="1" type="xsd:string"/>
+        <xsd:element name="revision" minOccurs="0" maxOccurs="1" type="xsd:string">
+          <xsd:annotation>
+            <xsd:documentation>
+                        This value indicates the number of saves or revisions. The application is responsible for updating this value after each revision.
+                    </xsd:documentation>
+          </xsd:annotation>
+        </xsd:element>
+        <xsd:element name="lastModifiedBy" minOccurs="0" maxOccurs="1" type="xsd:string"/>
+        <xsd:element ref="dcterms:modified" minOccurs="0" maxOccurs="1"/>
+        <xsd:element name="contentStatus" minOccurs="0" maxOccurs="1" type="xsd:string"/>
+      </xsd:all>
+    </xsd:complexType>
+  </xsd:schema>
+  <xs:schema xmlns:pc="http://schemas.microsoft.com/office/infopath/2007/PartnerControls" xmlns:xs="http://www.w3.org/2001/XMLSchema" targetNamespace="http://schemas.microsoft.com/office/infopath/2007/PartnerControls" elementFormDefault="qualified" attributeFormDefault="unqualified">
+    <xs:element name="Person">
+      <xs:complexType>
+        <xs:sequence>
+          <xs:element ref="pc:DisplayName" minOccurs="0"/>
+          <xs:element ref="pc:AccountId" minOccurs="0"/>
+          <xs:element ref="pc:AccountType" minOccurs="0"/>
+        </xs:sequence>
+      </xs:complexType>
+    </xs:element>
+    <xs:element name="DisplayName" type="xs:string"/>
+    <xs:element name="AccountId" type="xs:string"/>
+    <xs:element name="AccountType" type="xs:string"/>
+    <xs:element name="BDCAssociatedEntity">
+      <xs:complexType>
+        <xs:sequence>
+          <xs:element ref="pc:BDCEntity" minOccurs="0" maxOccurs="unbounded"/>
+        </xs:sequence>
+        <xs:attribute ref="pc:EntityNamespace"/>
+        <xs:attribute ref="pc:EntityName"/>
+        <xs:attribute ref="pc:SystemInstanceName"/>
+        <xs:attribute ref="pc:AssociationName"/>
+      </xs:complexType>
+    </xs:element>
+    <xs:attribute name="EntityNamespace" type="xs:string"/>
+    <xs:attribute name="EntityName" type="xs:string"/>
+    <xs:attribute name="SystemInstanceName" type="xs:string"/>
+    <xs:attribute name="AssociationName" type="xs:string"/>
+    <xs:element name="BDCEntity">
+      <xs:complexType>
+        <xs:sequence>
+          <xs:element ref="pc:EntityDisplayName" minOccurs="0"/>
+          <xs:element ref="pc:EntityInstanceReference" minOccurs="0"/>
+          <xs:element ref="pc:EntityId1" minOccurs="0"/>
+          <xs:element ref="pc:EntityId2" minOccurs="0"/>
+          <xs:element ref="pc:EntityId3" minOccurs="0"/>
+          <xs:element ref="pc:EntityId4" minOccurs="0"/>
+          <xs:element ref="pc:EntityId5" minOccurs="0"/>
+        </xs:sequence>
+      </xs:complexType>
+    </xs:element>
+    <xs:element name="EntityDisplayName" type="xs:string"/>
+    <xs:element name="EntityInstanceReference" type="xs:string"/>
+    <xs:element name="EntityId1" type="xs:string"/>
+    <xs:element name="EntityId2" type="xs:string"/>
+    <xs:element name="EntityId3" type="xs:string"/>
+    <xs:element name="EntityId4" type="xs:string"/>
+    <xs:element name="EntityId5" type="xs:string"/>
+    <xs:element name="Terms">
+      <xs:complexType>
+        <xs:sequence>
+          <xs:element ref="pc:TermInfo" minOccurs="0" maxOccurs="unbounded"/>
+        </xs:sequence>
+      </xs:complexType>
+    </xs:element>
+    <xs:element name="TermInfo">
+      <xs:complexType>
+        <xs:sequence>
+          <xs:element ref="pc:TermName" minOccurs="0"/>
+          <xs:element ref="pc:TermId" minOccurs="0"/>
+        </xs:sequence>
+      </xs:complexType>
+    </xs:element>
+    <xs:element name="TermName" type="xs:string"/>
+    <xs:element name="TermId" type="xs:string"/>
+  </xs:schema>
+</ct:contentTypeSchema>
 </file>
 
 <file path=customXml/itemProps1.xml><?xml version="1.0" encoding="utf-8"?>
-<ds:datastoreItem xmlns:ds="http://schemas.openxmlformats.org/officeDocument/2006/customXml" ds:itemID="{A09BF4D4-EF60-4196-BFC3-9462D607978C}">
+<ds:datastoreItem xmlns:ds="http://schemas.openxmlformats.org/officeDocument/2006/customXml" ds:itemID="{3836F65B-1B07-41EE-A0E8-BC6EF3855225}">
   <ds:schemaRefs>
-    <ds:schemaRef ds:uri="http://schemas.microsoft.com/office/2006/metadata/contentType"/>
-    <ds:schemaRef ds:uri="http://schemas.microsoft.com/office/2006/metadata/properties/metaAttributes"/>
-    <ds:schemaRef ds:uri="http://www.w3.org/2001/XMLSchema"/>
-    <ds:schemaRef ds:uri="http://schemas.microsoft.com/office/2006/metadata/properties"/>
-    <ds:schemaRef ds:uri="4873beb7-5857-4685-be1f-d57550cc96cc"/>
-    <ds:schemaRef ds:uri="http://schemas.microsoft.com/office/2006/documentManagement/types"/>
-    <ds:schemaRef ds:uri="http://schemas.microsoft.com/office/infopath/2007/PartnerControls"/>
-    <ds:schemaRef ds:uri="http://schemas.openxmlformats.org/package/2006/metadata/core-properties"/>
-    <ds:schemaRef ds:uri="http://purl.org/dc/elements/1.1/"/>
-    <ds:schemaRef ds:uri="http://purl.org/dc/terms/"/>
-    <ds:schemaRef ds:uri="http://schemas.microsoft.com/internal/obd"/>
+    <ds:schemaRef ds:uri="http://schemas.microsoft.com/sharepoint/v3/contenttype/forms"/>
   </ds:schemaRefs>
 </ds:datastoreItem>
 </file>
@@ -9926,9 +11694,19 @@
 </file>
 
 <file path=customXml/itemProps3.xml><?xml version="1.0" encoding="utf-8"?>
-<ds:datastoreItem xmlns:ds="http://schemas.openxmlformats.org/officeDocument/2006/customXml" ds:itemID="{3836F65B-1B07-41EE-A0E8-BC6EF3855225}">
+<ds:datastoreItem xmlns:ds="http://schemas.openxmlformats.org/officeDocument/2006/customXml" ds:itemID="{A09BF4D4-EF60-4196-BFC3-9462D607978C}">
   <ds:schemaRefs>
-    <ds:schemaRef ds:uri="http://schemas.microsoft.com/sharepoint/v3/contenttype/forms"/>
+    <ds:schemaRef ds:uri="http://schemas.microsoft.com/office/2006/metadata/contentType"/>
+    <ds:schemaRef ds:uri="http://schemas.microsoft.com/office/2006/metadata/properties/metaAttributes"/>
+    <ds:schemaRef ds:uri="http://www.w3.org/2001/XMLSchema"/>
+    <ds:schemaRef ds:uri="http://schemas.microsoft.com/office/2006/metadata/properties"/>
+    <ds:schemaRef ds:uri="4873beb7-5857-4685-be1f-d57550cc96cc"/>
+    <ds:schemaRef ds:uri="http://schemas.microsoft.com/office/2006/documentManagement/types"/>
+    <ds:schemaRef ds:uri="http://schemas.microsoft.com/office/infopath/2007/PartnerControls"/>
+    <ds:schemaRef ds:uri="http://schemas.openxmlformats.org/package/2006/metadata/core-properties"/>
+    <ds:schemaRef ds:uri="http://purl.org/dc/elements/1.1/"/>
+    <ds:schemaRef ds:uri="http://purl.org/dc/terms/"/>
+    <ds:schemaRef ds:uri="http://schemas.microsoft.com/internal/obd"/>
   </ds:schemaRefs>
 </ds:datastoreItem>
 </file>
--- a/mikrostoritve decentralizacija.pptx
+++ b/mikrostoritve decentralizacija.pptx
@@ -1,6 +1,6 @@
 
 <file path=ppt/presentation.xml><?xml version="1.0" encoding="utf-8"?>
-<p:presentation xmlns:a="http://schemas.openxmlformats.org/drawingml/2006/main" xmlns:r="http://schemas.openxmlformats.org/officeDocument/2006/relationships" xmlns:p="http://schemas.openxmlformats.org/presentationml/2006/main" showSpecialPlsOnTitleSld="0" saveSubsetFonts="1">
+<p:presentation xmlns:a="http://schemas.openxmlformats.org/drawingml/2006/main" xmlns:r="http://schemas.openxmlformats.org/officeDocument/2006/relationships" xmlns:p="http://schemas.openxmlformats.org/presentationml/2006/main" saveSubsetFonts="1">
   <p:sldMasterIdLst>
     <p:sldMasterId id="2147483660" r:id="rId4"/>
   </p:sldMasterIdLst>
@@ -241,7 +241,7 @@
             <a:pPr algn="r" rtl="0"/>
             <a:fld id="{1864BFF7-A2A5-4E36-9B3A-1F332E0500D8}" type="datetime1">
               <a:rPr lang="sl-SI" smtClean="0"/>
-              <a:t>15. 09. 2018</a:t>
+              <a:t>17. 09. 2018</a:t>
             </a:fld>
             <a:endParaRPr lang="sl-SI" dirty="0"/>
           </a:p>
@@ -411,7 +411,7 @@
             <a:fld id="{25E42A8C-B230-4562-B1A8-9ACF6844465B}" type="datetime1">
               <a:rPr lang="sl-SI" smtClean="0"/>
               <a:pPr/>
-              <a:t>15. 09. 2018</a:t>
+              <a:t>17. 09. 2018</a:t>
             </a:fld>
             <a:endParaRPr lang="sl-SI" dirty="0"/>
           </a:p>
@@ -2053,7 +2053,7 @@
           <a:p>
             <a:fld id="{78C2ACB5-1EFD-4003-AC05-30A40E699CFF}" type="datetime1">
               <a:rPr lang="sl-SI" smtClean="0"/>
-              <a:t>15. 09. 2018</a:t>
+              <a:t>17. 09. 2018</a:t>
             </a:fld>
             <a:endParaRPr lang="sl-SI" dirty="0"/>
           </a:p>
@@ -2262,7 +2262,7 @@
           <a:p>
             <a:fld id="{7BF8162F-5356-49AD-8480-EAE4EB880B85}" type="datetime1">
               <a:rPr lang="sl-SI" smtClean="0"/>
-              <a:t>15. 09. 2018</a:t>
+              <a:t>17. 09. 2018</a:t>
             </a:fld>
             <a:endParaRPr lang="sl-SI" dirty="0"/>
           </a:p>
@@ -2481,7 +2481,7 @@
           <a:p>
             <a:fld id="{67D2FCF5-91A4-4EE3-AC60-5B8B3C764247}" type="datetime1">
               <a:rPr lang="sl-SI" smtClean="0"/>
-              <a:t>15. 09. 2018</a:t>
+              <a:t>17. 09. 2018</a:t>
             </a:fld>
             <a:endParaRPr lang="sl-SI" dirty="0"/>
           </a:p>
@@ -2687,7 +2687,7 @@
           <a:p>
             <a:fld id="{129960F1-83AE-49EB-A506-FF67823A3F11}" type="datetime1">
               <a:rPr lang="sl-SI" smtClean="0"/>
-              <a:t>15. 09. 2018</a:t>
+              <a:t>17. 09. 2018</a:t>
             </a:fld>
             <a:endParaRPr lang="sl-SI" dirty="0"/>
           </a:p>
@@ -3127,7 +3127,7 @@
           <a:p>
             <a:fld id="{00F36705-CE14-4D15-AE2B-34CE1D18B314}" type="datetime1">
               <a:rPr lang="sl-SI" smtClean="0"/>
-              <a:t>15. 09. 2018</a:t>
+              <a:t>17. 09. 2018</a:t>
             </a:fld>
             <a:endParaRPr lang="sl-SI" dirty="0"/>
           </a:p>
@@ -3442,7 +3442,7 @@
           <a:p>
             <a:fld id="{6D12B4D5-A3CA-40B3-BF72-D7B74F8F4549}" type="datetime1">
               <a:rPr lang="sl-SI" smtClean="0"/>
-              <a:t>15. 09. 2018</a:t>
+              <a:t>17. 09. 2018</a:t>
             </a:fld>
             <a:endParaRPr lang="sl-SI" dirty="0"/>
           </a:p>
@@ -3905,7 +3905,7 @@
           <a:p>
             <a:fld id="{1F4A2070-3457-428B-9123-3C91EE97C865}" type="datetime1">
               <a:rPr lang="sl-SI" smtClean="0"/>
-              <a:t>15. 09. 2018</a:t>
+              <a:t>17. 09. 2018</a:t>
             </a:fld>
             <a:endParaRPr lang="sl-SI" dirty="0"/>
           </a:p>
@@ -4046,7 +4046,7 @@
           <a:p>
             <a:fld id="{4B8815E1-AFF9-4A17-B197-283E7AB7AF99}" type="datetime1">
               <a:rPr lang="sl-SI" smtClean="0"/>
-              <a:t>15. 09. 2018</a:t>
+              <a:t>17. 09. 2018</a:t>
             </a:fld>
             <a:endParaRPr lang="sl-SI" dirty="0"/>
           </a:p>
@@ -4160,7 +4160,7 @@
           <a:p>
             <a:fld id="{FC95C15C-5A50-4AAD-8551-3AEE5BD71FDC}" type="datetime1">
               <a:rPr lang="sl-SI" smtClean="0"/>
-              <a:t>15. 09. 2018</a:t>
+              <a:t>17. 09. 2018</a:t>
             </a:fld>
             <a:endParaRPr lang="sl-SI" dirty="0"/>
           </a:p>
@@ -4466,7 +4466,7 @@
           <a:p>
             <a:fld id="{2249BD4C-A292-4F3A-B930-02A7E7D9FC6B}" type="datetime1">
               <a:rPr lang="sl-SI" smtClean="0"/>
-              <a:t>15. 09. 2018</a:t>
+              <a:t>17. 09. 2018</a:t>
             </a:fld>
             <a:endParaRPr lang="sl-SI" dirty="0"/>
           </a:p>
@@ -4765,7 +4765,7 @@
           <a:p>
             <a:fld id="{67E59420-975E-4F35-B682-51288E715554}" type="datetime1">
               <a:rPr lang="sl-SI" smtClean="0"/>
-              <a:t>15. 09. 2018</a:t>
+              <a:t>17. 09. 2018</a:t>
             </a:fld>
             <a:endParaRPr lang="sl-SI" dirty="0"/>
           </a:p>
@@ -5389,7 +5389,7 @@
           <a:p>
             <a:fld id="{AF9D4125-0FFB-43D4-B87A-BEE53F0188B8}" type="datetime1">
               <a:rPr lang="sl-SI" smtClean="0"/>
-              <a:t>15. 09. 2018</a:t>
+              <a:t>17. 09. 2018</a:t>
             </a:fld>
             <a:endParaRPr lang="sl-SI" dirty="0"/>
           </a:p>
@@ -6027,37 +6027,41 @@
       </p:sp>
       <p:sp>
         <p:nvSpPr>
-          <p:cNvPr id="7" name="PoljeZBesedilom 6">
+          <p:cNvPr id="4" name="Označba mesta datuma 3">
             <a:extLst>
               <a:ext uri="{FF2B5EF4-FFF2-40B4-BE49-F238E27FC236}">
-                <a16:creationId xmlns:a16="http://schemas.microsoft.com/office/drawing/2014/main" id="{F5E62D2E-056D-4C82-9470-7C97EB632257}"/>
+                <a16:creationId xmlns:a16="http://schemas.microsoft.com/office/drawing/2014/main" id="{1CA99FD4-7583-4F46-BCB1-20AF9AA16CBC}"/>
               </a:ext>
             </a:extLst>
           </p:cNvPr>
-          <p:cNvSpPr txBox="1"/>
-          <p:nvPr/>
+          <p:cNvSpPr>
+            <a:spLocks noGrp="1"/>
+          </p:cNvSpPr>
+          <p:nvPr>
+            <p:ph type="dt" sz="half" idx="10"/>
+          </p:nvPr>
         </p:nvSpPr>
         <p:spPr>
           <a:xfrm>
-            <a:off x="4984726" y="6381328"/>
-            <a:ext cx="2016224" cy="338554"/>
+            <a:off x="4875529" y="6275826"/>
+            <a:ext cx="2234618" cy="365125"/>
           </a:xfrm>
-          <a:prstGeom prst="rect">
-            <a:avLst/>
-          </a:prstGeom>
-          <a:noFill/>
         </p:spPr>
         <p:txBody>
-          <a:bodyPr wrap="square" rtlCol="0">
-            <a:spAutoFit/>
-          </a:bodyPr>
+          <a:bodyPr/>
           <a:lstStyle/>
           <a:p>
             <a:pPr algn="ctr"/>
             <a:r>
               <a:rPr lang="en-US" sz="1600" dirty="0"/>
-              <a:t>Ljubljana, 18. 9. 2018</a:t>
-            </a:r>
+              <a:t>Ljubljana, </a:t>
+            </a:r>
+            <a:fld id="{62D27F09-9F1D-4868-9FF0-3FEF97F530C0}" type="datetime1">
+              <a:rPr lang="sl-SI" sz="1600" smtClean="0"/>
+              <a:pPr algn="ctr"/>
+              <a:t>17. 09. 2018</a:t>
+            </a:fld>
+            <a:endParaRPr lang="sl-SI" sz="1600" dirty="0"/>
           </a:p>
         </p:txBody>
       </p:sp>
@@ -6188,7 +6192,7 @@
           <a:p>
             <a:fld id="{8D8838C7-69B9-42B6-B728-B5FA655029C7}" type="datetime1">
               <a:rPr lang="sl-SI" smtClean="0"/>
-              <a:t>15. 09. 2018</a:t>
+              <a:t>17. 09. 2018</a:t>
             </a:fld>
             <a:endParaRPr lang="sl-SI" dirty="0"/>
           </a:p>
@@ -6261,6 +6265,38 @@
               <a:rPr lang="en-US" dirty="0" err="1"/>
               <a:t>Decentralizacija</a:t>
             </a:r>
+            <a:r>
+              <a:rPr lang="en-US" dirty="0"/>
+              <a:t> </a:t>
+            </a:r>
+            <a:r>
+              <a:rPr lang="en-US" dirty="0" err="1"/>
+              <a:t>na</a:t>
+            </a:r>
+            <a:r>
+              <a:rPr lang="en-US" dirty="0"/>
+              <a:t> </a:t>
+            </a:r>
+            <a:r>
+              <a:rPr lang="en-US" dirty="0" err="1"/>
+              <a:t>nivoju</a:t>
+            </a:r>
+            <a:r>
+              <a:rPr lang="en-US" dirty="0"/>
+              <a:t> </a:t>
+            </a:r>
+            <a:r>
+              <a:rPr lang="en-US" dirty="0" err="1"/>
+              <a:t>poslovne</a:t>
+            </a:r>
+            <a:r>
+              <a:rPr lang="en-US" dirty="0"/>
+              <a:t> </a:t>
+            </a:r>
+            <a:r>
+              <a:rPr lang="en-US" dirty="0" err="1"/>
+              <a:t>logike</a:t>
+            </a:r>
             <a:endParaRPr lang="sl-SI" dirty="0"/>
           </a:p>
         </p:txBody>
@@ -6292,27 +6328,11 @@
             </a:r>
             <a:r>
               <a:rPr lang="en-US" dirty="0"/>
-              <a:t>: </a:t>
-            </a:r>
-            <a:r>
-              <a:rPr lang="en-US" dirty="0" err="1"/>
-              <a:t>sodelujoče</a:t>
-            </a:r>
-            <a:r>
-              <a:rPr lang="en-US" dirty="0"/>
               <a:t> </a:t>
             </a:r>
             <a:r>
               <a:rPr lang="en-US" dirty="0" err="1"/>
-              <a:t>entitete</a:t>
-            </a:r>
-            <a:r>
-              <a:rPr lang="en-US" dirty="0"/>
-              <a:t> so med </a:t>
-            </a:r>
-            <a:r>
-              <a:rPr lang="en-US" dirty="0" err="1"/>
-              <a:t>sabo</a:t>
+              <a:t>na</a:t>
             </a:r>
             <a:r>
               <a:rPr lang="en-US" dirty="0"/>
@@ -6320,13 +6340,68 @@
             </a:r>
             <a:r>
               <a:rPr lang="en-US" dirty="0" err="1"/>
-              <a:t>enakovredne</a:t>
+              <a:t>nivoju</a:t>
+            </a:r>
+            <a:r>
+              <a:rPr lang="en-US" dirty="0"/>
+              <a:t> </a:t>
+            </a:r>
+            <a:r>
+              <a:rPr lang="en-US" dirty="0" err="1"/>
+              <a:t>podatkovne</a:t>
+            </a:r>
+            <a:r>
+              <a:rPr lang="en-US" dirty="0"/>
+              <a:t> </a:t>
+            </a:r>
+            <a:r>
+              <a:rPr lang="en-US" dirty="0" err="1"/>
+              <a:t>shrambe</a:t>
+            </a:r>
+            <a:r>
+              <a:rPr lang="en-US" dirty="0"/>
+              <a:t> je </a:t>
+            </a:r>
+            <a:r>
+              <a:rPr lang="en-US" dirty="0" err="1"/>
+              <a:t>že</a:t>
+            </a:r>
+            <a:r>
+              <a:rPr lang="en-US" dirty="0"/>
+              <a:t> </a:t>
+            </a:r>
+            <a:r>
+              <a:rPr lang="en-US" dirty="0" err="1"/>
+              <a:t>implementirana</a:t>
             </a:r>
             <a:endParaRPr lang="en-US" dirty="0"/>
           </a:p>
           <a:p>
             <a:r>
               <a:rPr lang="en-US" dirty="0" err="1"/>
+              <a:t>Samoorganizacija</a:t>
+            </a:r>
+            <a:r>
+              <a:rPr lang="en-US" dirty="0"/>
+              <a:t> </a:t>
+            </a:r>
+            <a:r>
+              <a:rPr lang="en-US" dirty="0" err="1"/>
+              <a:t>končnih</a:t>
+            </a:r>
+            <a:r>
+              <a:rPr lang="en-US" dirty="0"/>
+              <a:t> </a:t>
+            </a:r>
+            <a:r>
+              <a:rPr lang="en-US" dirty="0" err="1"/>
+              <a:t>entitet</a:t>
+            </a:r>
+            <a:endParaRPr lang="en-US" dirty="0"/>
+          </a:p>
+          <a:p>
+            <a:r>
+              <a:rPr lang="en-US" dirty="0" err="1"/>
               <a:t>Vsakdo</a:t>
             </a:r>
             <a:r>
@@ -6360,6 +6435,57 @@
             <a:r>
               <a:rPr lang="en-US" dirty="0" err="1"/>
               <a:t>storitev</a:t>
+            </a:r>
+            <a:endParaRPr lang="en-US" dirty="0"/>
+          </a:p>
+          <a:p>
+            <a:r>
+              <a:rPr lang="en-US" dirty="0"/>
+              <a:t>Ni </a:t>
+            </a:r>
+            <a:r>
+              <a:rPr lang="en-US" dirty="0" err="1"/>
+              <a:t>enotne</a:t>
+            </a:r>
+            <a:r>
+              <a:rPr lang="en-US" dirty="0"/>
+              <a:t> </a:t>
+            </a:r>
+            <a:r>
+              <a:rPr lang="en-US" dirty="0" err="1"/>
+              <a:t>točke</a:t>
+            </a:r>
+            <a:r>
+              <a:rPr lang="en-US" dirty="0"/>
+              <a:t> </a:t>
+            </a:r>
+            <a:r>
+              <a:rPr lang="en-US" dirty="0" err="1"/>
+              <a:t>odpovedi</a:t>
+            </a:r>
+            <a:r>
+              <a:rPr lang="en-US" dirty="0"/>
+              <a:t>, </a:t>
+            </a:r>
+            <a:r>
+              <a:rPr lang="en-US" dirty="0" err="1"/>
+              <a:t>ki</a:t>
+            </a:r>
+            <a:r>
+              <a:rPr lang="en-US" dirty="0"/>
+              <a:t> bi </a:t>
+            </a:r>
+            <a:r>
+              <a:rPr lang="en-US" dirty="0" err="1"/>
+              <a:t>ohromila</a:t>
+            </a:r>
+            <a:r>
+              <a:rPr lang="en-US" dirty="0"/>
+              <a:t> </a:t>
+            </a:r>
+            <a:r>
+              <a:rPr lang="en-US" dirty="0" err="1"/>
+              <a:t>omrežje</a:t>
             </a:r>
             <a:endParaRPr lang="en-US" dirty="0"/>
           </a:p>
@@ -6434,7 +6560,7 @@
           <a:p>
             <a:fld id="{CE8EBAF5-C71A-44A4-A7F3-D89792ACE036}" type="datetime1">
               <a:rPr lang="sl-SI" smtClean="0"/>
-              <a:t>15. 09. 2018</a:t>
+              <a:t>17. 09. 2018</a:t>
             </a:fld>
             <a:endParaRPr lang="sl-SI" dirty="0"/>
           </a:p>
@@ -6462,6 +6588,369 @@
       </p:transition>
     </mc:Fallback>
   </mc:AlternateContent>
+  <p:timing>
+    <p:tnLst>
+      <p:par>
+        <p:cTn id="1" dur="indefinite" restart="never" nodeType="tmRoot">
+          <p:childTnLst>
+            <p:seq concurrent="1" nextAc="seek">
+              <p:cTn id="2" dur="indefinite" nodeType="mainSeq">
+                <p:childTnLst>
+                  <p:par>
+                    <p:cTn id="3" fill="hold">
+                      <p:stCondLst>
+                        <p:cond delay="indefinite"/>
+                        <p:cond evt="onBegin" delay="0">
+                          <p:tn val="2"/>
+                        </p:cond>
+                      </p:stCondLst>
+                      <p:childTnLst>
+                        <p:par>
+                          <p:cTn id="4" fill="hold">
+                            <p:stCondLst>
+                              <p:cond delay="0"/>
+                            </p:stCondLst>
+                            <p:childTnLst>
+                              <p:par>
+                                <p:cTn id="5" presetID="10" presetClass="entr" presetSubtype="0" fill="hold" nodeType="afterEffect">
+                                  <p:stCondLst>
+                                    <p:cond delay="0"/>
+                                  </p:stCondLst>
+                                  <p:childTnLst>
+                                    <p:set>
+                                      <p:cBhvr>
+                                        <p:cTn id="6" dur="1" fill="hold">
+                                          <p:stCondLst>
+                                            <p:cond delay="0"/>
+                                          </p:stCondLst>
+                                        </p:cTn>
+                                        <p:tgtEl>
+                                          <p:spTgt spid="3">
+                                            <p:txEl>
+                                              <p:pRg st="0" end="0"/>
+                                            </p:txEl>
+                                          </p:spTgt>
+                                        </p:tgtEl>
+                                        <p:attrNameLst>
+                                          <p:attrName>style.visibility</p:attrName>
+                                        </p:attrNameLst>
+                                      </p:cBhvr>
+                                      <p:to>
+                                        <p:strVal val="visible"/>
+                                      </p:to>
+                                    </p:set>
+                                    <p:animEffect transition="in" filter="fade">
+                                      <p:cBhvr>
+                                        <p:cTn id="7" dur="500"/>
+                                        <p:tgtEl>
+                                          <p:spTgt spid="3">
+                                            <p:txEl>
+                                              <p:pRg st="0" end="0"/>
+                                            </p:txEl>
+                                          </p:spTgt>
+                                        </p:tgtEl>
+                                      </p:cBhvr>
+                                    </p:animEffect>
+                                  </p:childTnLst>
+                                </p:cTn>
+                              </p:par>
+                            </p:childTnLst>
+                          </p:cTn>
+                        </p:par>
+                      </p:childTnLst>
+                    </p:cTn>
+                  </p:par>
+                  <p:par>
+                    <p:cTn id="8" fill="hold">
+                      <p:stCondLst>
+                        <p:cond delay="indefinite"/>
+                      </p:stCondLst>
+                      <p:childTnLst>
+                        <p:par>
+                          <p:cTn id="9" fill="hold">
+                            <p:stCondLst>
+                              <p:cond delay="0"/>
+                            </p:stCondLst>
+                            <p:childTnLst>
+                              <p:par>
+                                <p:cTn id="10" presetID="10" presetClass="entr" presetSubtype="0" fill="hold" nodeType="clickEffect">
+                                  <p:stCondLst>
+                                    <p:cond delay="0"/>
+                                  </p:stCondLst>
+                                  <p:childTnLst>
+                                    <p:set>
+                                      <p:cBhvr>
+                                        <p:cTn id="11" dur="1" fill="hold">
+                                          <p:stCondLst>
+                                            <p:cond delay="0"/>
+                                          </p:stCondLst>
+                                        </p:cTn>
+                                        <p:tgtEl>
+                                          <p:spTgt spid="3">
+                                            <p:txEl>
+                                              <p:pRg st="1" end="1"/>
+                                            </p:txEl>
+                                          </p:spTgt>
+                                        </p:tgtEl>
+                                        <p:attrNameLst>
+                                          <p:attrName>style.visibility</p:attrName>
+                                        </p:attrNameLst>
+                                      </p:cBhvr>
+                                      <p:to>
+                                        <p:strVal val="visible"/>
+                                      </p:to>
+                                    </p:set>
+                                    <p:animEffect transition="in" filter="fade">
+                                      <p:cBhvr>
+                                        <p:cTn id="12" dur="500"/>
+                                        <p:tgtEl>
+                                          <p:spTgt spid="3">
+                                            <p:txEl>
+                                              <p:pRg st="1" end="1"/>
+                                            </p:txEl>
+                                          </p:spTgt>
+                                        </p:tgtEl>
+                                      </p:cBhvr>
+                                    </p:animEffect>
+                                  </p:childTnLst>
+                                </p:cTn>
+                              </p:par>
+                            </p:childTnLst>
+                          </p:cTn>
+                        </p:par>
+                        <p:par>
+                          <p:cTn id="13" fill="hold">
+                            <p:stCondLst>
+                              <p:cond delay="500"/>
+                            </p:stCondLst>
+                            <p:childTnLst>
+                              <p:par>
+                                <p:cTn id="14" presetID="10" presetClass="entr" presetSubtype="0" fill="hold" nodeType="afterEffect">
+                                  <p:stCondLst>
+                                    <p:cond delay="0"/>
+                                  </p:stCondLst>
+                                  <p:childTnLst>
+                                    <p:set>
+                                      <p:cBhvr>
+                                        <p:cTn id="15" dur="1" fill="hold">
+                                          <p:stCondLst>
+                                            <p:cond delay="0"/>
+                                          </p:stCondLst>
+                                        </p:cTn>
+                                        <p:tgtEl>
+                                          <p:spTgt spid="3">
+                                            <p:txEl>
+                                              <p:pRg st="2" end="2"/>
+                                            </p:txEl>
+                                          </p:spTgt>
+                                        </p:tgtEl>
+                                        <p:attrNameLst>
+                                          <p:attrName>style.visibility</p:attrName>
+                                        </p:attrNameLst>
+                                      </p:cBhvr>
+                                      <p:to>
+                                        <p:strVal val="visible"/>
+                                      </p:to>
+                                    </p:set>
+                                    <p:animEffect transition="in" filter="fade">
+                                      <p:cBhvr>
+                                        <p:cTn id="16" dur="500"/>
+                                        <p:tgtEl>
+                                          <p:spTgt spid="3">
+                                            <p:txEl>
+                                              <p:pRg st="2" end="2"/>
+                                            </p:txEl>
+                                          </p:spTgt>
+                                        </p:tgtEl>
+                                      </p:cBhvr>
+                                    </p:animEffect>
+                                  </p:childTnLst>
+                                </p:cTn>
+                              </p:par>
+                            </p:childTnLst>
+                          </p:cTn>
+                        </p:par>
+                        <p:par>
+                          <p:cTn id="17" fill="hold">
+                            <p:stCondLst>
+                              <p:cond delay="1000"/>
+                            </p:stCondLst>
+                            <p:childTnLst>
+                              <p:par>
+                                <p:cTn id="18" presetID="10" presetClass="entr" presetSubtype="0" fill="hold" nodeType="afterEffect">
+                                  <p:stCondLst>
+                                    <p:cond delay="0"/>
+                                  </p:stCondLst>
+                                  <p:childTnLst>
+                                    <p:set>
+                                      <p:cBhvr>
+                                        <p:cTn id="19" dur="1" fill="hold">
+                                          <p:stCondLst>
+                                            <p:cond delay="0"/>
+                                          </p:stCondLst>
+                                        </p:cTn>
+                                        <p:tgtEl>
+                                          <p:spTgt spid="3">
+                                            <p:txEl>
+                                              <p:pRg st="3" end="3"/>
+                                            </p:txEl>
+                                          </p:spTgt>
+                                        </p:tgtEl>
+                                        <p:attrNameLst>
+                                          <p:attrName>style.visibility</p:attrName>
+                                        </p:attrNameLst>
+                                      </p:cBhvr>
+                                      <p:to>
+                                        <p:strVal val="visible"/>
+                                      </p:to>
+                                    </p:set>
+                                    <p:animEffect transition="in" filter="fade">
+                                      <p:cBhvr>
+                                        <p:cTn id="20" dur="500"/>
+                                        <p:tgtEl>
+                                          <p:spTgt spid="3">
+                                            <p:txEl>
+                                              <p:pRg st="3" end="3"/>
+                                            </p:txEl>
+                                          </p:spTgt>
+                                        </p:tgtEl>
+                                      </p:cBhvr>
+                                    </p:animEffect>
+                                  </p:childTnLst>
+                                </p:cTn>
+                              </p:par>
+                            </p:childTnLst>
+                          </p:cTn>
+                        </p:par>
+                        <p:par>
+                          <p:cTn id="21" fill="hold">
+                            <p:stCondLst>
+                              <p:cond delay="1500"/>
+                            </p:stCondLst>
+                            <p:childTnLst>
+                              <p:par>
+                                <p:cTn id="22" presetID="10" presetClass="entr" presetSubtype="0" fill="hold" nodeType="afterEffect">
+                                  <p:stCondLst>
+                                    <p:cond delay="0"/>
+                                  </p:stCondLst>
+                                  <p:childTnLst>
+                                    <p:set>
+                                      <p:cBhvr>
+                                        <p:cTn id="23" dur="1" fill="hold">
+                                          <p:stCondLst>
+                                            <p:cond delay="0"/>
+                                          </p:stCondLst>
+                                        </p:cTn>
+                                        <p:tgtEl>
+                                          <p:spTgt spid="3">
+                                            <p:txEl>
+                                              <p:pRg st="4" end="4"/>
+                                            </p:txEl>
+                                          </p:spTgt>
+                                        </p:tgtEl>
+                                        <p:attrNameLst>
+                                          <p:attrName>style.visibility</p:attrName>
+                                        </p:attrNameLst>
+                                      </p:cBhvr>
+                                      <p:to>
+                                        <p:strVal val="visible"/>
+                                      </p:to>
+                                    </p:set>
+                                    <p:animEffect transition="in" filter="fade">
+                                      <p:cBhvr>
+                                        <p:cTn id="24" dur="500"/>
+                                        <p:tgtEl>
+                                          <p:spTgt spid="3">
+                                            <p:txEl>
+                                              <p:pRg st="4" end="4"/>
+                                            </p:txEl>
+                                          </p:spTgt>
+                                        </p:tgtEl>
+                                      </p:cBhvr>
+                                    </p:animEffect>
+                                  </p:childTnLst>
+                                </p:cTn>
+                              </p:par>
+                            </p:childTnLst>
+                          </p:cTn>
+                        </p:par>
+                        <p:par>
+                          <p:cTn id="25" fill="hold">
+                            <p:stCondLst>
+                              <p:cond delay="2000"/>
+                            </p:stCondLst>
+                            <p:childTnLst>
+                              <p:par>
+                                <p:cTn id="26" presetID="10" presetClass="entr" presetSubtype="0" fill="hold" nodeType="afterEffect">
+                                  <p:stCondLst>
+                                    <p:cond delay="0"/>
+                                  </p:stCondLst>
+                                  <p:childTnLst>
+                                    <p:set>
+                                      <p:cBhvr>
+                                        <p:cTn id="27" dur="1" fill="hold">
+                                          <p:stCondLst>
+                                            <p:cond delay="0"/>
+                                          </p:stCondLst>
+                                        </p:cTn>
+                                        <p:tgtEl>
+                                          <p:spTgt spid="3">
+                                            <p:txEl>
+                                              <p:pRg st="5" end="5"/>
+                                            </p:txEl>
+                                          </p:spTgt>
+                                        </p:tgtEl>
+                                        <p:attrNameLst>
+                                          <p:attrName>style.visibility</p:attrName>
+                                        </p:attrNameLst>
+                                      </p:cBhvr>
+                                      <p:to>
+                                        <p:strVal val="visible"/>
+                                      </p:to>
+                                    </p:set>
+                                    <p:animEffect transition="in" filter="fade">
+                                      <p:cBhvr>
+                                        <p:cTn id="28" dur="500"/>
+                                        <p:tgtEl>
+                                          <p:spTgt spid="3">
+                                            <p:txEl>
+                                              <p:pRg st="5" end="5"/>
+                                            </p:txEl>
+                                          </p:spTgt>
+                                        </p:tgtEl>
+                                      </p:cBhvr>
+                                    </p:animEffect>
+                                  </p:childTnLst>
+                                </p:cTn>
+                              </p:par>
+                            </p:childTnLst>
+                          </p:cTn>
+                        </p:par>
+                      </p:childTnLst>
+                    </p:cTn>
+                  </p:par>
+                </p:childTnLst>
+              </p:cTn>
+              <p:prevCondLst>
+                <p:cond evt="onPrev" delay="0">
+                  <p:tgtEl>
+                    <p:sldTgt/>
+                  </p:tgtEl>
+                </p:cond>
+              </p:prevCondLst>
+              <p:nextCondLst>
+                <p:cond evt="onNext" delay="0">
+                  <p:tgtEl>
+                    <p:sldTgt/>
+                  </p:tgtEl>
+                </p:cond>
+              </p:nextCondLst>
+            </p:seq>
+          </p:childTnLst>
+        </p:cTn>
+      </p:par>
+    </p:tnLst>
+  </p:timing>
 </p:sld>
 </file>
 
@@ -6857,7 +7346,7 @@
           <a:p>
             <a:fld id="{AA23F3F9-EC48-4AA1-B442-BC6CAAB0AF82}" type="datetime1">
               <a:rPr lang="sl-SI" smtClean="0"/>
-              <a:t>15. 09. 2018</a:t>
+              <a:t>17. 09. 2018</a:t>
             </a:fld>
             <a:endParaRPr lang="sl-SI" dirty="0"/>
           </a:p>
@@ -6885,6 +7374,516 @@
       </p:transition>
     </mc:Fallback>
   </mc:AlternateContent>
+  <p:timing>
+    <p:tnLst>
+      <p:par>
+        <p:cTn id="1" dur="indefinite" restart="never" nodeType="tmRoot">
+          <p:childTnLst>
+            <p:seq concurrent="1" nextAc="seek">
+              <p:cTn id="2" dur="indefinite" nodeType="mainSeq">
+                <p:childTnLst>
+                  <p:par>
+                    <p:cTn id="3" fill="hold">
+                      <p:stCondLst>
+                        <p:cond delay="indefinite"/>
+                        <p:cond evt="onBegin" delay="0">
+                          <p:tn val="2"/>
+                        </p:cond>
+                      </p:stCondLst>
+                      <p:childTnLst>
+                        <p:par>
+                          <p:cTn id="4" fill="hold">
+                            <p:stCondLst>
+                              <p:cond delay="0"/>
+                            </p:stCondLst>
+                            <p:childTnLst>
+                              <p:par>
+                                <p:cTn id="5" presetID="10" presetClass="entr" presetSubtype="0" fill="hold" nodeType="afterEffect">
+                                  <p:stCondLst>
+                                    <p:cond delay="0"/>
+                                  </p:stCondLst>
+                                  <p:childTnLst>
+                                    <p:set>
+                                      <p:cBhvr>
+                                        <p:cTn id="6" dur="1" fill="hold">
+                                          <p:stCondLst>
+                                            <p:cond delay="0"/>
+                                          </p:stCondLst>
+                                        </p:cTn>
+                                        <p:tgtEl>
+                                          <p:spTgt spid="3">
+                                            <p:txEl>
+                                              <p:pRg st="0" end="0"/>
+                                            </p:txEl>
+                                          </p:spTgt>
+                                        </p:tgtEl>
+                                        <p:attrNameLst>
+                                          <p:attrName>style.visibility</p:attrName>
+                                        </p:attrNameLst>
+                                      </p:cBhvr>
+                                      <p:to>
+                                        <p:strVal val="visible"/>
+                                      </p:to>
+                                    </p:set>
+                                    <p:animEffect transition="in" filter="fade">
+                                      <p:cBhvr>
+                                        <p:cTn id="7" dur="500"/>
+                                        <p:tgtEl>
+                                          <p:spTgt spid="3">
+                                            <p:txEl>
+                                              <p:pRg st="0" end="0"/>
+                                            </p:txEl>
+                                          </p:spTgt>
+                                        </p:tgtEl>
+                                      </p:cBhvr>
+                                    </p:animEffect>
+                                  </p:childTnLst>
+                                </p:cTn>
+                              </p:par>
+                            </p:childTnLst>
+                          </p:cTn>
+                        </p:par>
+                        <p:par>
+                          <p:cTn id="8" fill="hold">
+                            <p:stCondLst>
+                              <p:cond delay="500"/>
+                            </p:stCondLst>
+                            <p:childTnLst>
+                              <p:par>
+                                <p:cTn id="9" presetID="10" presetClass="entr" presetSubtype="0" fill="hold" nodeType="afterEffect">
+                                  <p:stCondLst>
+                                    <p:cond delay="0"/>
+                                  </p:stCondLst>
+                                  <p:childTnLst>
+                                    <p:set>
+                                      <p:cBhvr>
+                                        <p:cTn id="10" dur="1" fill="hold">
+                                          <p:stCondLst>
+                                            <p:cond delay="0"/>
+                                          </p:stCondLst>
+                                        </p:cTn>
+                                        <p:tgtEl>
+                                          <p:spTgt spid="3">
+                                            <p:txEl>
+                                              <p:pRg st="1" end="1"/>
+                                            </p:txEl>
+                                          </p:spTgt>
+                                        </p:tgtEl>
+                                        <p:attrNameLst>
+                                          <p:attrName>style.visibility</p:attrName>
+                                        </p:attrNameLst>
+                                      </p:cBhvr>
+                                      <p:to>
+                                        <p:strVal val="visible"/>
+                                      </p:to>
+                                    </p:set>
+                                    <p:animEffect transition="in" filter="fade">
+                                      <p:cBhvr>
+                                        <p:cTn id="11" dur="500"/>
+                                        <p:tgtEl>
+                                          <p:spTgt spid="3">
+                                            <p:txEl>
+                                              <p:pRg st="1" end="1"/>
+                                            </p:txEl>
+                                          </p:spTgt>
+                                        </p:tgtEl>
+                                      </p:cBhvr>
+                                    </p:animEffect>
+                                  </p:childTnLst>
+                                </p:cTn>
+                              </p:par>
+                            </p:childTnLst>
+                          </p:cTn>
+                        </p:par>
+                        <p:par>
+                          <p:cTn id="12" fill="hold">
+                            <p:stCondLst>
+                              <p:cond delay="1000"/>
+                            </p:stCondLst>
+                            <p:childTnLst>
+                              <p:par>
+                                <p:cTn id="13" presetID="10" presetClass="entr" presetSubtype="0" fill="hold" nodeType="afterEffect">
+                                  <p:stCondLst>
+                                    <p:cond delay="0"/>
+                                  </p:stCondLst>
+                                  <p:childTnLst>
+                                    <p:set>
+                                      <p:cBhvr>
+                                        <p:cTn id="14" dur="1" fill="hold">
+                                          <p:stCondLst>
+                                            <p:cond delay="0"/>
+                                          </p:stCondLst>
+                                        </p:cTn>
+                                        <p:tgtEl>
+                                          <p:spTgt spid="3">
+                                            <p:txEl>
+                                              <p:pRg st="2" end="2"/>
+                                            </p:txEl>
+                                          </p:spTgt>
+                                        </p:tgtEl>
+                                        <p:attrNameLst>
+                                          <p:attrName>style.visibility</p:attrName>
+                                        </p:attrNameLst>
+                                      </p:cBhvr>
+                                      <p:to>
+                                        <p:strVal val="visible"/>
+                                      </p:to>
+                                    </p:set>
+                                    <p:animEffect transition="in" filter="fade">
+                                      <p:cBhvr>
+                                        <p:cTn id="15" dur="500"/>
+                                        <p:tgtEl>
+                                          <p:spTgt spid="3">
+                                            <p:txEl>
+                                              <p:pRg st="2" end="2"/>
+                                            </p:txEl>
+                                          </p:spTgt>
+                                        </p:tgtEl>
+                                      </p:cBhvr>
+                                    </p:animEffect>
+                                  </p:childTnLst>
+                                </p:cTn>
+                              </p:par>
+                            </p:childTnLst>
+                          </p:cTn>
+                        </p:par>
+                        <p:par>
+                          <p:cTn id="16" fill="hold">
+                            <p:stCondLst>
+                              <p:cond delay="1500"/>
+                            </p:stCondLst>
+                            <p:childTnLst>
+                              <p:par>
+                                <p:cTn id="17" presetID="10" presetClass="entr" presetSubtype="0" fill="hold" nodeType="afterEffect">
+                                  <p:stCondLst>
+                                    <p:cond delay="0"/>
+                                  </p:stCondLst>
+                                  <p:childTnLst>
+                                    <p:set>
+                                      <p:cBhvr>
+                                        <p:cTn id="18" dur="1" fill="hold">
+                                          <p:stCondLst>
+                                            <p:cond delay="0"/>
+                                          </p:stCondLst>
+                                        </p:cTn>
+                                        <p:tgtEl>
+                                          <p:spTgt spid="3">
+                                            <p:txEl>
+                                              <p:pRg st="3" end="3"/>
+                                            </p:txEl>
+                                          </p:spTgt>
+                                        </p:tgtEl>
+                                        <p:attrNameLst>
+                                          <p:attrName>style.visibility</p:attrName>
+                                        </p:attrNameLst>
+                                      </p:cBhvr>
+                                      <p:to>
+                                        <p:strVal val="visible"/>
+                                      </p:to>
+                                    </p:set>
+                                    <p:animEffect transition="in" filter="fade">
+                                      <p:cBhvr>
+                                        <p:cTn id="19" dur="500"/>
+                                        <p:tgtEl>
+                                          <p:spTgt spid="3">
+                                            <p:txEl>
+                                              <p:pRg st="3" end="3"/>
+                                            </p:txEl>
+                                          </p:spTgt>
+                                        </p:tgtEl>
+                                      </p:cBhvr>
+                                    </p:animEffect>
+                                  </p:childTnLst>
+                                </p:cTn>
+                              </p:par>
+                            </p:childTnLst>
+                          </p:cTn>
+                        </p:par>
+                        <p:par>
+                          <p:cTn id="20" fill="hold">
+                            <p:stCondLst>
+                              <p:cond delay="2000"/>
+                            </p:stCondLst>
+                            <p:childTnLst>
+                              <p:par>
+                                <p:cTn id="21" presetID="10" presetClass="entr" presetSubtype="0" fill="hold" nodeType="afterEffect">
+                                  <p:stCondLst>
+                                    <p:cond delay="0"/>
+                                  </p:stCondLst>
+                                  <p:childTnLst>
+                                    <p:set>
+                                      <p:cBhvr>
+                                        <p:cTn id="22" dur="1" fill="hold">
+                                          <p:stCondLst>
+                                            <p:cond delay="0"/>
+                                          </p:stCondLst>
+                                        </p:cTn>
+                                        <p:tgtEl>
+                                          <p:spTgt spid="3">
+                                            <p:txEl>
+                                              <p:pRg st="4" end="4"/>
+                                            </p:txEl>
+                                          </p:spTgt>
+                                        </p:tgtEl>
+                                        <p:attrNameLst>
+                                          <p:attrName>style.visibility</p:attrName>
+                                        </p:attrNameLst>
+                                      </p:cBhvr>
+                                      <p:to>
+                                        <p:strVal val="visible"/>
+                                      </p:to>
+                                    </p:set>
+                                    <p:animEffect transition="in" filter="fade">
+                                      <p:cBhvr>
+                                        <p:cTn id="23" dur="500"/>
+                                        <p:tgtEl>
+                                          <p:spTgt spid="3">
+                                            <p:txEl>
+                                              <p:pRg st="4" end="4"/>
+                                            </p:txEl>
+                                          </p:spTgt>
+                                        </p:tgtEl>
+                                      </p:cBhvr>
+                                    </p:animEffect>
+                                  </p:childTnLst>
+                                </p:cTn>
+                              </p:par>
+                            </p:childTnLst>
+                          </p:cTn>
+                        </p:par>
+                        <p:par>
+                          <p:cTn id="24" fill="hold">
+                            <p:stCondLst>
+                              <p:cond delay="2500"/>
+                            </p:stCondLst>
+                            <p:childTnLst>
+                              <p:par>
+                                <p:cTn id="25" presetID="10" presetClass="entr" presetSubtype="0" fill="hold" nodeType="afterEffect">
+                                  <p:stCondLst>
+                                    <p:cond delay="0"/>
+                                  </p:stCondLst>
+                                  <p:childTnLst>
+                                    <p:set>
+                                      <p:cBhvr>
+                                        <p:cTn id="26" dur="1" fill="hold">
+                                          <p:stCondLst>
+                                            <p:cond delay="0"/>
+                                          </p:stCondLst>
+                                        </p:cTn>
+                                        <p:tgtEl>
+                                          <p:spTgt spid="3">
+                                            <p:txEl>
+                                              <p:pRg st="5" end="5"/>
+                                            </p:txEl>
+                                          </p:spTgt>
+                                        </p:tgtEl>
+                                        <p:attrNameLst>
+                                          <p:attrName>style.visibility</p:attrName>
+                                        </p:attrNameLst>
+                                      </p:cBhvr>
+                                      <p:to>
+                                        <p:strVal val="visible"/>
+                                      </p:to>
+                                    </p:set>
+                                    <p:animEffect transition="in" filter="fade">
+                                      <p:cBhvr>
+                                        <p:cTn id="27" dur="500"/>
+                                        <p:tgtEl>
+                                          <p:spTgt spid="3">
+                                            <p:txEl>
+                                              <p:pRg st="5" end="5"/>
+                                            </p:txEl>
+                                          </p:spTgt>
+                                        </p:tgtEl>
+                                      </p:cBhvr>
+                                    </p:animEffect>
+                                  </p:childTnLst>
+                                </p:cTn>
+                              </p:par>
+                            </p:childTnLst>
+                          </p:cTn>
+                        </p:par>
+                        <p:par>
+                          <p:cTn id="28" fill="hold">
+                            <p:stCondLst>
+                              <p:cond delay="3000"/>
+                            </p:stCondLst>
+                            <p:childTnLst>
+                              <p:par>
+                                <p:cTn id="29" presetID="10" presetClass="entr" presetSubtype="0" fill="hold" nodeType="afterEffect">
+                                  <p:stCondLst>
+                                    <p:cond delay="0"/>
+                                  </p:stCondLst>
+                                  <p:childTnLst>
+                                    <p:set>
+                                      <p:cBhvr>
+                                        <p:cTn id="30" dur="1" fill="hold">
+                                          <p:stCondLst>
+                                            <p:cond delay="0"/>
+                                          </p:stCondLst>
+                                        </p:cTn>
+                                        <p:tgtEl>
+                                          <p:spTgt spid="3">
+                                            <p:txEl>
+                                              <p:pRg st="6" end="6"/>
+                                            </p:txEl>
+                                          </p:spTgt>
+                                        </p:tgtEl>
+                                        <p:attrNameLst>
+                                          <p:attrName>style.visibility</p:attrName>
+                                        </p:attrNameLst>
+                                      </p:cBhvr>
+                                      <p:to>
+                                        <p:strVal val="visible"/>
+                                      </p:to>
+                                    </p:set>
+                                    <p:animEffect transition="in" filter="fade">
+                                      <p:cBhvr>
+                                        <p:cTn id="31" dur="500"/>
+                                        <p:tgtEl>
+                                          <p:spTgt spid="3">
+                                            <p:txEl>
+                                              <p:pRg st="6" end="6"/>
+                                            </p:txEl>
+                                          </p:spTgt>
+                                        </p:tgtEl>
+                                      </p:cBhvr>
+                                    </p:animEffect>
+                                  </p:childTnLst>
+                                </p:cTn>
+                              </p:par>
+                            </p:childTnLst>
+                          </p:cTn>
+                        </p:par>
+                        <p:par>
+                          <p:cTn id="32" fill="hold">
+                            <p:stCondLst>
+                              <p:cond delay="3500"/>
+                            </p:stCondLst>
+                            <p:childTnLst>
+                              <p:par>
+                                <p:cTn id="33" presetID="10" presetClass="entr" presetSubtype="0" fill="hold" nodeType="afterEffect">
+                                  <p:stCondLst>
+                                    <p:cond delay="0"/>
+                                  </p:stCondLst>
+                                  <p:childTnLst>
+                                    <p:set>
+                                      <p:cBhvr>
+                                        <p:cTn id="34" dur="1" fill="hold">
+                                          <p:stCondLst>
+                                            <p:cond delay="0"/>
+                                          </p:stCondLst>
+                                        </p:cTn>
+                                        <p:tgtEl>
+                                          <p:spTgt spid="3">
+                                            <p:txEl>
+                                              <p:pRg st="7" end="7"/>
+                                            </p:txEl>
+                                          </p:spTgt>
+                                        </p:tgtEl>
+                                        <p:attrNameLst>
+                                          <p:attrName>style.visibility</p:attrName>
+                                        </p:attrNameLst>
+                                      </p:cBhvr>
+                                      <p:to>
+                                        <p:strVal val="visible"/>
+                                      </p:to>
+                                    </p:set>
+                                    <p:animEffect transition="in" filter="fade">
+                                      <p:cBhvr>
+                                        <p:cTn id="35" dur="500"/>
+                                        <p:tgtEl>
+                                          <p:spTgt spid="3">
+                                            <p:txEl>
+                                              <p:pRg st="7" end="7"/>
+                                            </p:txEl>
+                                          </p:spTgt>
+                                        </p:tgtEl>
+                                      </p:cBhvr>
+                                    </p:animEffect>
+                                  </p:childTnLst>
+                                </p:cTn>
+                              </p:par>
+                            </p:childTnLst>
+                          </p:cTn>
+                        </p:par>
+                        <p:par>
+                          <p:cTn id="36" fill="hold">
+                            <p:stCondLst>
+                              <p:cond delay="4000"/>
+                            </p:stCondLst>
+                            <p:childTnLst>
+                              <p:par>
+                                <p:cTn id="37" presetID="10" presetClass="entr" presetSubtype="0" fill="hold" nodeType="afterEffect">
+                                  <p:stCondLst>
+                                    <p:cond delay="0"/>
+                                  </p:stCondLst>
+                                  <p:childTnLst>
+                                    <p:set>
+                                      <p:cBhvr>
+                                        <p:cTn id="38" dur="1" fill="hold">
+                                          <p:stCondLst>
+                                            <p:cond delay="0"/>
+                                          </p:stCondLst>
+                                        </p:cTn>
+                                        <p:tgtEl>
+                                          <p:spTgt spid="3">
+                                            <p:txEl>
+                                              <p:pRg st="8" end="8"/>
+                                            </p:txEl>
+                                          </p:spTgt>
+                                        </p:tgtEl>
+                                        <p:attrNameLst>
+                                          <p:attrName>style.visibility</p:attrName>
+                                        </p:attrNameLst>
+                                      </p:cBhvr>
+                                      <p:to>
+                                        <p:strVal val="visible"/>
+                                      </p:to>
+                                    </p:set>
+                                    <p:animEffect transition="in" filter="fade">
+                                      <p:cBhvr>
+                                        <p:cTn id="39" dur="500"/>
+                                        <p:tgtEl>
+                                          <p:spTgt spid="3">
+                                            <p:txEl>
+                                              <p:pRg st="8" end="8"/>
+                                            </p:txEl>
+                                          </p:spTgt>
+                                        </p:tgtEl>
+                                      </p:cBhvr>
+                                    </p:animEffect>
+                                  </p:childTnLst>
+                                </p:cTn>
+                              </p:par>
+                            </p:childTnLst>
+                          </p:cTn>
+                        </p:par>
+                      </p:childTnLst>
+                    </p:cTn>
+                  </p:par>
+                </p:childTnLst>
+              </p:cTn>
+              <p:prevCondLst>
+                <p:cond evt="onPrev" delay="0">
+                  <p:tgtEl>
+                    <p:sldTgt/>
+                  </p:tgtEl>
+                </p:cond>
+              </p:prevCondLst>
+              <p:nextCondLst>
+                <p:cond evt="onNext" delay="0">
+                  <p:tgtEl>
+                    <p:sldTgt/>
+                  </p:tgtEl>
+                </p:cond>
+              </p:nextCondLst>
+            </p:seq>
+          </p:childTnLst>
+        </p:cTn>
+      </p:par>
+    </p:tnLst>
+  </p:timing>
 </p:sld>
 </file>
 
@@ -7013,15 +8012,15 @@
             <a:pPr lvl="1"/>
             <a:r>
               <a:rPr lang="en-US" dirty="0" err="1"/>
-              <a:t>Zagon</a:t>
-            </a:r>
-            <a:r>
-              <a:rPr lang="en-US" dirty="0"/>
-              <a:t> in </a:t>
-            </a:r>
-            <a:r>
-              <a:rPr lang="en-US" dirty="0" err="1"/>
-              <a:t>zaustavitev</a:t>
+              <a:t>Upravljanje</a:t>
+            </a:r>
+            <a:r>
+              <a:rPr lang="en-US" dirty="0"/>
+              <a:t> z </a:t>
+            </a:r>
+            <a:r>
+              <a:rPr lang="en-US" dirty="0" err="1"/>
+              <a:t>življenjskim</a:t>
             </a:r>
             <a:r>
               <a:rPr lang="en-US" dirty="0"/>
@@ -7029,7 +8028,15 @@
             </a:r>
             <a:r>
               <a:rPr lang="en-US" dirty="0" err="1"/>
-              <a:t>dApijev</a:t>
+              <a:t>ciklom</a:t>
+            </a:r>
+            <a:r>
+              <a:rPr lang="en-US" dirty="0"/>
+              <a:t> </a:t>
+            </a:r>
+            <a:r>
+              <a:rPr lang="en-US" dirty="0" err="1"/>
+              <a:t>dApija</a:t>
             </a:r>
             <a:endParaRPr lang="en-US" dirty="0"/>
           </a:p>
@@ -7056,26 +8063,130 @@
             </a:r>
             <a:r>
               <a:rPr lang="en-US" dirty="0" err="1"/>
+              <a:t>aplikacije</a:t>
+            </a:r>
+            <a:r>
+              <a:rPr lang="en-US" dirty="0"/>
+              <a:t> </a:t>
+            </a:r>
+            <a:r>
+              <a:rPr lang="en-US" dirty="0" err="1"/>
+              <a:t>na</a:t>
+            </a:r>
+            <a:r>
+              <a:rPr lang="en-US" dirty="0"/>
+              <a:t> </a:t>
+            </a:r>
+            <a:r>
+              <a:rPr lang="en-US" dirty="0" err="1"/>
+              <a:t>platformi</a:t>
+            </a:r>
+            <a:r>
+              <a:rPr lang="en-US" dirty="0"/>
+              <a:t> </a:t>
+            </a:r>
+            <a:r>
+              <a:rPr lang="en-US" dirty="0" err="1"/>
               <a:t>KumuluzEE</a:t>
             </a:r>
             <a:r>
               <a:rPr lang="en-US" dirty="0"/>
+              <a:t>:</a:t>
+            </a:r>
+          </a:p>
+          <a:p>
+            <a:pPr lvl="1"/>
+            <a:r>
+              <a:rPr lang="en-US" dirty="0" err="1"/>
+              <a:t>dApi</a:t>
+            </a:r>
+            <a:r>
+              <a:rPr lang="en-US" dirty="0"/>
               <a:t> </a:t>
             </a:r>
             <a:r>
               <a:rPr lang="en-US" dirty="0" err="1"/>
-              <a:t>aplikacije</a:t>
-            </a:r>
-            <a:r>
-              <a:rPr lang="en-US" dirty="0"/>
-              <a:t>:</a:t>
-            </a:r>
+              <a:t>preko</a:t>
+            </a:r>
+            <a:r>
+              <a:rPr lang="en-US" dirty="0"/>
+              <a:t> </a:t>
+            </a:r>
+            <a:r>
+              <a:rPr lang="en-US" dirty="0" err="1"/>
+              <a:t>mehanizma</a:t>
+            </a:r>
+            <a:r>
+              <a:rPr lang="en-US" dirty="0"/>
+              <a:t> </a:t>
+            </a:r>
+            <a:r>
+              <a:rPr lang="en-US" dirty="0" err="1"/>
+              <a:t>anotacij</a:t>
+            </a:r>
+            <a:r>
+              <a:rPr lang="en-US" dirty="0"/>
+              <a:t> </a:t>
+            </a:r>
+            <a:r>
+              <a:rPr lang="en-US" dirty="0" err="1"/>
+              <a:t>ob</a:t>
+            </a:r>
+            <a:r>
+              <a:rPr lang="en-US" dirty="0"/>
+              <a:t> </a:t>
+            </a:r>
+            <a:r>
+              <a:rPr lang="en-US" dirty="0" err="1"/>
+              <a:t>zagonu</a:t>
+            </a:r>
+            <a:r>
+              <a:rPr lang="en-US" dirty="0"/>
+              <a:t> </a:t>
+            </a:r>
+            <a:r>
+              <a:rPr lang="en-US" dirty="0" err="1"/>
+              <a:t>registrira</a:t>
+            </a:r>
+            <a:r>
+              <a:rPr lang="en-US" dirty="0"/>
+              <a:t> </a:t>
+            </a:r>
+            <a:r>
+              <a:rPr lang="en-US" dirty="0" err="1"/>
+              <a:t>izvajanje</a:t>
+            </a:r>
+            <a:r>
+              <a:rPr lang="en-US" dirty="0"/>
+              <a:t> </a:t>
+            </a:r>
+            <a:r>
+              <a:rPr lang="en-US" dirty="0" err="1"/>
+              <a:t>na</a:t>
+            </a:r>
+            <a:r>
+              <a:rPr lang="en-US" dirty="0"/>
+              <a:t> </a:t>
+            </a:r>
+            <a:r>
+              <a:rPr lang="en-US" dirty="0" err="1"/>
+              <a:t>podatkovno</a:t>
+            </a:r>
+            <a:r>
+              <a:rPr lang="en-US" dirty="0"/>
+              <a:t> </a:t>
+            </a:r>
+            <a:r>
+              <a:rPr lang="en-US" dirty="0" err="1"/>
+              <a:t>verigo</a:t>
+            </a:r>
+            <a:endParaRPr lang="en-US" dirty="0"/>
           </a:p>
           <a:p>
             <a:pPr lvl="1"/>
             <a:r>
               <a:rPr lang="en-US" dirty="0" err="1"/>
-              <a:t>dApi</a:t>
+              <a:t>Preko</a:t>
             </a:r>
             <a:r>
               <a:rPr lang="en-US" dirty="0"/>
@@ -7083,6 +8194,62 @@
             </a:r>
             <a:r>
               <a:rPr lang="en-US" dirty="0" err="1"/>
+              <a:t>anotacij</a:t>
+            </a:r>
+            <a:r>
+              <a:rPr lang="en-US" dirty="0"/>
+              <a:t> </a:t>
+            </a:r>
+            <a:r>
+              <a:rPr lang="en-US" dirty="0" err="1"/>
+              <a:t>razširitev</a:t>
+            </a:r>
+            <a:r>
+              <a:rPr lang="en-US" dirty="0"/>
+              <a:t> </a:t>
+            </a:r>
+            <a:r>
+              <a:rPr lang="en-US" dirty="0" err="1"/>
+              <a:t>poskrbi</a:t>
+            </a:r>
+            <a:r>
+              <a:rPr lang="en-US" dirty="0"/>
+              <a:t> za </a:t>
+            </a:r>
+            <a:r>
+              <a:rPr lang="en-US" dirty="0" err="1"/>
+              <a:t>odkrivanje</a:t>
+            </a:r>
+            <a:r>
+              <a:rPr lang="en-US" dirty="0"/>
+              <a:t> </a:t>
+            </a:r>
+            <a:r>
+              <a:rPr lang="en-US" dirty="0" err="1"/>
+              <a:t>storitve</a:t>
+            </a:r>
+            <a:r>
+              <a:rPr lang="en-US" dirty="0"/>
+              <a:t> in </a:t>
+            </a:r>
+            <a:r>
+              <a:rPr lang="en-US" dirty="0" err="1"/>
+              <a:t>vrivanje</a:t>
+            </a:r>
+            <a:r>
+              <a:rPr lang="en-US" dirty="0"/>
+              <a:t> v </a:t>
+            </a:r>
+            <a:r>
+              <a:rPr lang="en-US" dirty="0" err="1"/>
+              <a:t>spremenljivko</a:t>
+            </a:r>
+            <a:r>
+              <a:rPr lang="en-US" dirty="0"/>
+              <a:t> </a:t>
+            </a:r>
+            <a:r>
+              <a:rPr lang="en-US" dirty="0" err="1"/>
               <a:t>preko</a:t>
             </a:r>
             <a:r>
@@ -7091,148 +8258,12 @@
             </a:r>
             <a:r>
               <a:rPr lang="en-US" dirty="0" err="1"/>
-              <a:t>mehanizma</a:t>
-            </a:r>
-            <a:r>
-              <a:rPr lang="en-US" dirty="0"/>
-              <a:t> </a:t>
-            </a:r>
-            <a:r>
-              <a:rPr lang="en-US" dirty="0" err="1"/>
-              <a:t>anotacij</a:t>
-            </a:r>
-            <a:r>
-              <a:rPr lang="en-US" dirty="0"/>
-              <a:t> </a:t>
-            </a:r>
-            <a:r>
-              <a:rPr lang="en-US" dirty="0" err="1"/>
-              <a:t>ob</a:t>
-            </a:r>
-            <a:r>
-              <a:rPr lang="en-US" dirty="0"/>
-              <a:t> </a:t>
-            </a:r>
-            <a:r>
-              <a:rPr lang="en-US" dirty="0" err="1"/>
-              <a:t>zagonu</a:t>
-            </a:r>
-            <a:r>
-              <a:rPr lang="en-US" dirty="0"/>
-              <a:t> </a:t>
-            </a:r>
-            <a:r>
-              <a:rPr lang="en-US" dirty="0" err="1"/>
-              <a:t>registrira</a:t>
-            </a:r>
-            <a:r>
-              <a:rPr lang="en-US" dirty="0"/>
-              <a:t> </a:t>
-            </a:r>
-            <a:r>
-              <a:rPr lang="en-US" dirty="0" err="1"/>
-              <a:t>izvajanje</a:t>
-            </a:r>
-            <a:r>
-              <a:rPr lang="en-US" dirty="0"/>
-              <a:t> </a:t>
-            </a:r>
-            <a:r>
-              <a:rPr lang="en-US" dirty="0" err="1"/>
-              <a:t>na</a:t>
-            </a:r>
-            <a:r>
-              <a:rPr lang="en-US" dirty="0"/>
-              <a:t> </a:t>
-            </a:r>
-            <a:r>
-              <a:rPr lang="en-US" dirty="0" err="1"/>
-              <a:t>podatkovno</a:t>
-            </a:r>
-            <a:r>
-              <a:rPr lang="en-US" dirty="0"/>
-              <a:t> </a:t>
-            </a:r>
-            <a:r>
-              <a:rPr lang="en-US" dirty="0" err="1"/>
-              <a:t>verigo</a:t>
-            </a:r>
-            <a:endParaRPr lang="en-US" dirty="0"/>
-          </a:p>
-          <a:p>
-            <a:pPr lvl="1"/>
-            <a:r>
-              <a:rPr lang="en-US" dirty="0" err="1"/>
-              <a:t>Preko</a:t>
-            </a:r>
-            <a:r>
-              <a:rPr lang="en-US" dirty="0"/>
-              <a:t> </a:t>
-            </a:r>
-            <a:r>
-              <a:rPr lang="en-US" dirty="0" err="1"/>
-              <a:t>anotacij</a:t>
-            </a:r>
-            <a:r>
-              <a:rPr lang="en-US" dirty="0"/>
-              <a:t> </a:t>
-            </a:r>
-            <a:r>
-              <a:rPr lang="en-US" dirty="0" err="1"/>
-              <a:t>razširitev</a:t>
-            </a:r>
-            <a:r>
-              <a:rPr lang="en-US" dirty="0"/>
-              <a:t> </a:t>
-            </a:r>
-            <a:r>
-              <a:rPr lang="en-US" dirty="0" err="1"/>
-              <a:t>poskrbi</a:t>
-            </a:r>
-            <a:r>
-              <a:rPr lang="en-US" dirty="0"/>
-              <a:t> za </a:t>
-            </a:r>
-            <a:r>
-              <a:rPr lang="en-US" dirty="0" err="1"/>
-              <a:t>odkrivanje</a:t>
-            </a:r>
-            <a:r>
-              <a:rPr lang="en-US" dirty="0"/>
-              <a:t> </a:t>
-            </a:r>
-            <a:r>
-              <a:rPr lang="en-US" dirty="0" err="1"/>
-              <a:t>storitve</a:t>
-            </a:r>
-            <a:r>
-              <a:rPr lang="en-US" dirty="0"/>
-              <a:t> in </a:t>
-            </a:r>
-            <a:r>
-              <a:rPr lang="en-US" dirty="0" err="1"/>
-              <a:t>vrivanje</a:t>
-            </a:r>
-            <a:r>
-              <a:rPr lang="en-US" dirty="0"/>
-              <a:t> v </a:t>
-            </a:r>
-            <a:r>
-              <a:rPr lang="en-US" dirty="0" err="1"/>
-              <a:t>spremenljivko</a:t>
-            </a:r>
-            <a:r>
-              <a:rPr lang="en-US" dirty="0"/>
-              <a:t> s CDI </a:t>
-            </a:r>
-            <a:r>
-              <a:rPr lang="en-US" dirty="0" err="1"/>
-              <a:t>zrni</a:t>
-            </a:r>
-            <a:endParaRPr lang="en-US" dirty="0"/>
-          </a:p>
-          <a:p>
-            <a:endParaRPr lang="sl-SI" dirty="0"/>
+              <a:t>zrn</a:t>
+            </a:r>
+            <a:r>
+              <a:rPr lang="en-US" dirty="0"/>
+              <a:t> CDI</a:t>
+            </a:r>
           </a:p>
         </p:txBody>
       </p:sp>
@@ -7259,7 +8290,7 @@
           <a:p>
             <a:fld id="{067B9828-6565-4F52-A5E1-C8691C3295E0}" type="datetime1">
               <a:rPr lang="sl-SI" smtClean="0"/>
-              <a:t>15. 09. 2018</a:t>
+              <a:t>17. 09. 2018</a:t>
             </a:fld>
             <a:endParaRPr lang="sl-SI" dirty="0"/>
           </a:p>
@@ -7287,6 +8318,412 @@
       </p:transition>
     </mc:Fallback>
   </mc:AlternateContent>
+  <p:timing>
+    <p:tnLst>
+      <p:par>
+        <p:cTn id="1" dur="indefinite" restart="never" nodeType="tmRoot">
+          <p:childTnLst>
+            <p:seq concurrent="1" nextAc="seek">
+              <p:cTn id="2" dur="indefinite" nodeType="mainSeq">
+                <p:childTnLst>
+                  <p:par>
+                    <p:cTn id="3" fill="hold">
+                      <p:stCondLst>
+                        <p:cond delay="indefinite"/>
+                        <p:cond evt="onBegin" delay="0">
+                          <p:tn val="2"/>
+                        </p:cond>
+                      </p:stCondLst>
+                      <p:childTnLst>
+                        <p:par>
+                          <p:cTn id="4" fill="hold">
+                            <p:stCondLst>
+                              <p:cond delay="0"/>
+                            </p:stCondLst>
+                            <p:childTnLst>
+                              <p:par>
+                                <p:cTn id="5" presetID="10" presetClass="entr" presetSubtype="0" fill="hold" nodeType="afterEffect">
+                                  <p:stCondLst>
+                                    <p:cond delay="0"/>
+                                  </p:stCondLst>
+                                  <p:childTnLst>
+                                    <p:set>
+                                      <p:cBhvr>
+                                        <p:cTn id="6" dur="1" fill="hold">
+                                          <p:stCondLst>
+                                            <p:cond delay="0"/>
+                                          </p:stCondLst>
+                                        </p:cTn>
+                                        <p:tgtEl>
+                                          <p:spTgt spid="3">
+                                            <p:txEl>
+                                              <p:pRg st="0" end="0"/>
+                                            </p:txEl>
+                                          </p:spTgt>
+                                        </p:tgtEl>
+                                        <p:attrNameLst>
+                                          <p:attrName>style.visibility</p:attrName>
+                                        </p:attrNameLst>
+                                      </p:cBhvr>
+                                      <p:to>
+                                        <p:strVal val="visible"/>
+                                      </p:to>
+                                    </p:set>
+                                    <p:animEffect transition="in" filter="fade">
+                                      <p:cBhvr>
+                                        <p:cTn id="7" dur="500"/>
+                                        <p:tgtEl>
+                                          <p:spTgt spid="3">
+                                            <p:txEl>
+                                              <p:pRg st="0" end="0"/>
+                                            </p:txEl>
+                                          </p:spTgt>
+                                        </p:tgtEl>
+                                      </p:cBhvr>
+                                    </p:animEffect>
+                                  </p:childTnLst>
+                                </p:cTn>
+                              </p:par>
+                            </p:childTnLst>
+                          </p:cTn>
+                        </p:par>
+                        <p:par>
+                          <p:cTn id="8" fill="hold">
+                            <p:stCondLst>
+                              <p:cond delay="500"/>
+                            </p:stCondLst>
+                            <p:childTnLst>
+                              <p:par>
+                                <p:cTn id="9" presetID="10" presetClass="entr" presetSubtype="0" fill="hold" nodeType="afterEffect">
+                                  <p:stCondLst>
+                                    <p:cond delay="0"/>
+                                  </p:stCondLst>
+                                  <p:childTnLst>
+                                    <p:set>
+                                      <p:cBhvr>
+                                        <p:cTn id="10" dur="1" fill="hold">
+                                          <p:stCondLst>
+                                            <p:cond delay="0"/>
+                                          </p:stCondLst>
+                                        </p:cTn>
+                                        <p:tgtEl>
+                                          <p:spTgt spid="3">
+                                            <p:txEl>
+                                              <p:pRg st="1" end="1"/>
+                                            </p:txEl>
+                                          </p:spTgt>
+                                        </p:tgtEl>
+                                        <p:attrNameLst>
+                                          <p:attrName>style.visibility</p:attrName>
+                                        </p:attrNameLst>
+                                      </p:cBhvr>
+                                      <p:to>
+                                        <p:strVal val="visible"/>
+                                      </p:to>
+                                    </p:set>
+                                    <p:animEffect transition="in" filter="fade">
+                                      <p:cBhvr>
+                                        <p:cTn id="11" dur="500"/>
+                                        <p:tgtEl>
+                                          <p:spTgt spid="3">
+                                            <p:txEl>
+                                              <p:pRg st="1" end="1"/>
+                                            </p:txEl>
+                                          </p:spTgt>
+                                        </p:tgtEl>
+                                      </p:cBhvr>
+                                    </p:animEffect>
+                                  </p:childTnLst>
+                                </p:cTn>
+                              </p:par>
+                            </p:childTnLst>
+                          </p:cTn>
+                        </p:par>
+                        <p:par>
+                          <p:cTn id="12" fill="hold">
+                            <p:stCondLst>
+                              <p:cond delay="1000"/>
+                            </p:stCondLst>
+                            <p:childTnLst>
+                              <p:par>
+                                <p:cTn id="13" presetID="10" presetClass="entr" presetSubtype="0" fill="hold" nodeType="afterEffect">
+                                  <p:stCondLst>
+                                    <p:cond delay="0"/>
+                                  </p:stCondLst>
+                                  <p:childTnLst>
+                                    <p:set>
+                                      <p:cBhvr>
+                                        <p:cTn id="14" dur="1" fill="hold">
+                                          <p:stCondLst>
+                                            <p:cond delay="0"/>
+                                          </p:stCondLst>
+                                        </p:cTn>
+                                        <p:tgtEl>
+                                          <p:spTgt spid="3">
+                                            <p:txEl>
+                                              <p:pRg st="2" end="2"/>
+                                            </p:txEl>
+                                          </p:spTgt>
+                                        </p:tgtEl>
+                                        <p:attrNameLst>
+                                          <p:attrName>style.visibility</p:attrName>
+                                        </p:attrNameLst>
+                                      </p:cBhvr>
+                                      <p:to>
+                                        <p:strVal val="visible"/>
+                                      </p:to>
+                                    </p:set>
+                                    <p:animEffect transition="in" filter="fade">
+                                      <p:cBhvr>
+                                        <p:cTn id="15" dur="500"/>
+                                        <p:tgtEl>
+                                          <p:spTgt spid="3">
+                                            <p:txEl>
+                                              <p:pRg st="2" end="2"/>
+                                            </p:txEl>
+                                          </p:spTgt>
+                                        </p:tgtEl>
+                                      </p:cBhvr>
+                                    </p:animEffect>
+                                  </p:childTnLst>
+                                </p:cTn>
+                              </p:par>
+                            </p:childTnLst>
+                          </p:cTn>
+                        </p:par>
+                        <p:par>
+                          <p:cTn id="16" fill="hold">
+                            <p:stCondLst>
+                              <p:cond delay="1500"/>
+                            </p:stCondLst>
+                            <p:childTnLst>
+                              <p:par>
+                                <p:cTn id="17" presetID="10" presetClass="entr" presetSubtype="0" fill="hold" nodeType="afterEffect">
+                                  <p:stCondLst>
+                                    <p:cond delay="0"/>
+                                  </p:stCondLst>
+                                  <p:childTnLst>
+                                    <p:set>
+                                      <p:cBhvr>
+                                        <p:cTn id="18" dur="1" fill="hold">
+                                          <p:stCondLst>
+                                            <p:cond delay="0"/>
+                                          </p:stCondLst>
+                                        </p:cTn>
+                                        <p:tgtEl>
+                                          <p:spTgt spid="3">
+                                            <p:txEl>
+                                              <p:pRg st="3" end="3"/>
+                                            </p:txEl>
+                                          </p:spTgt>
+                                        </p:tgtEl>
+                                        <p:attrNameLst>
+                                          <p:attrName>style.visibility</p:attrName>
+                                        </p:attrNameLst>
+                                      </p:cBhvr>
+                                      <p:to>
+                                        <p:strVal val="visible"/>
+                                      </p:to>
+                                    </p:set>
+                                    <p:animEffect transition="in" filter="fade">
+                                      <p:cBhvr>
+                                        <p:cTn id="19" dur="500"/>
+                                        <p:tgtEl>
+                                          <p:spTgt spid="3">
+                                            <p:txEl>
+                                              <p:pRg st="3" end="3"/>
+                                            </p:txEl>
+                                          </p:spTgt>
+                                        </p:tgtEl>
+                                      </p:cBhvr>
+                                    </p:animEffect>
+                                  </p:childTnLst>
+                                </p:cTn>
+                              </p:par>
+                            </p:childTnLst>
+                          </p:cTn>
+                        </p:par>
+                        <p:par>
+                          <p:cTn id="20" fill="hold">
+                            <p:stCondLst>
+                              <p:cond delay="2000"/>
+                            </p:stCondLst>
+                            <p:childTnLst>
+                              <p:par>
+                                <p:cTn id="21" presetID="10" presetClass="entr" presetSubtype="0" fill="hold" nodeType="afterEffect">
+                                  <p:stCondLst>
+                                    <p:cond delay="0"/>
+                                  </p:stCondLst>
+                                  <p:childTnLst>
+                                    <p:set>
+                                      <p:cBhvr>
+                                        <p:cTn id="22" dur="1" fill="hold">
+                                          <p:stCondLst>
+                                            <p:cond delay="0"/>
+                                          </p:stCondLst>
+                                        </p:cTn>
+                                        <p:tgtEl>
+                                          <p:spTgt spid="3">
+                                            <p:txEl>
+                                              <p:pRg st="5" end="5"/>
+                                            </p:txEl>
+                                          </p:spTgt>
+                                        </p:tgtEl>
+                                        <p:attrNameLst>
+                                          <p:attrName>style.visibility</p:attrName>
+                                        </p:attrNameLst>
+                                      </p:cBhvr>
+                                      <p:to>
+                                        <p:strVal val="visible"/>
+                                      </p:to>
+                                    </p:set>
+                                    <p:animEffect transition="in" filter="fade">
+                                      <p:cBhvr>
+                                        <p:cTn id="23" dur="500"/>
+                                        <p:tgtEl>
+                                          <p:spTgt spid="3">
+                                            <p:txEl>
+                                              <p:pRg st="5" end="5"/>
+                                            </p:txEl>
+                                          </p:spTgt>
+                                        </p:tgtEl>
+                                      </p:cBhvr>
+                                    </p:animEffect>
+                                  </p:childTnLst>
+                                </p:cTn>
+                              </p:par>
+                            </p:childTnLst>
+                          </p:cTn>
+                        </p:par>
+                        <p:par>
+                          <p:cTn id="24" fill="hold">
+                            <p:stCondLst>
+                              <p:cond delay="2500"/>
+                            </p:stCondLst>
+                            <p:childTnLst>
+                              <p:par>
+                                <p:cTn id="25" presetID="10" presetClass="entr" presetSubtype="0" fill="hold" nodeType="afterEffect">
+                                  <p:stCondLst>
+                                    <p:cond delay="0"/>
+                                  </p:stCondLst>
+                                  <p:childTnLst>
+                                    <p:set>
+                                      <p:cBhvr>
+                                        <p:cTn id="26" dur="1" fill="hold">
+                                          <p:stCondLst>
+                                            <p:cond delay="0"/>
+                                          </p:stCondLst>
+                                        </p:cTn>
+                                        <p:tgtEl>
+                                          <p:spTgt spid="3">
+                                            <p:txEl>
+                                              <p:pRg st="6" end="6"/>
+                                            </p:txEl>
+                                          </p:spTgt>
+                                        </p:tgtEl>
+                                        <p:attrNameLst>
+                                          <p:attrName>style.visibility</p:attrName>
+                                        </p:attrNameLst>
+                                      </p:cBhvr>
+                                      <p:to>
+                                        <p:strVal val="visible"/>
+                                      </p:to>
+                                    </p:set>
+                                    <p:animEffect transition="in" filter="fade">
+                                      <p:cBhvr>
+                                        <p:cTn id="27" dur="500"/>
+                                        <p:tgtEl>
+                                          <p:spTgt spid="3">
+                                            <p:txEl>
+                                              <p:pRg st="6" end="6"/>
+                                            </p:txEl>
+                                          </p:spTgt>
+                                        </p:tgtEl>
+                                      </p:cBhvr>
+                                    </p:animEffect>
+                                  </p:childTnLst>
+                                </p:cTn>
+                              </p:par>
+                            </p:childTnLst>
+                          </p:cTn>
+                        </p:par>
+                        <p:par>
+                          <p:cTn id="28" fill="hold">
+                            <p:stCondLst>
+                              <p:cond delay="3000"/>
+                            </p:stCondLst>
+                            <p:childTnLst>
+                              <p:par>
+                                <p:cTn id="29" presetID="10" presetClass="entr" presetSubtype="0" fill="hold" nodeType="afterEffect">
+                                  <p:stCondLst>
+                                    <p:cond delay="0"/>
+                                  </p:stCondLst>
+                                  <p:childTnLst>
+                                    <p:set>
+                                      <p:cBhvr>
+                                        <p:cTn id="30" dur="1" fill="hold">
+                                          <p:stCondLst>
+                                            <p:cond delay="0"/>
+                                          </p:stCondLst>
+                                        </p:cTn>
+                                        <p:tgtEl>
+                                          <p:spTgt spid="3">
+                                            <p:txEl>
+                                              <p:pRg st="7" end="7"/>
+                                            </p:txEl>
+                                          </p:spTgt>
+                                        </p:tgtEl>
+                                        <p:attrNameLst>
+                                          <p:attrName>style.visibility</p:attrName>
+                                        </p:attrNameLst>
+                                      </p:cBhvr>
+                                      <p:to>
+                                        <p:strVal val="visible"/>
+                                      </p:to>
+                                    </p:set>
+                                    <p:animEffect transition="in" filter="fade">
+                                      <p:cBhvr>
+                                        <p:cTn id="31" dur="500"/>
+                                        <p:tgtEl>
+                                          <p:spTgt spid="3">
+                                            <p:txEl>
+                                              <p:pRg st="7" end="7"/>
+                                            </p:txEl>
+                                          </p:spTgt>
+                                        </p:tgtEl>
+                                      </p:cBhvr>
+                                    </p:animEffect>
+                                  </p:childTnLst>
+                                </p:cTn>
+                              </p:par>
+                            </p:childTnLst>
+                          </p:cTn>
+                        </p:par>
+                      </p:childTnLst>
+                    </p:cTn>
+                  </p:par>
+                </p:childTnLst>
+              </p:cTn>
+              <p:prevCondLst>
+                <p:cond evt="onPrev" delay="0">
+                  <p:tgtEl>
+                    <p:sldTgt/>
+                  </p:tgtEl>
+                </p:cond>
+              </p:prevCondLst>
+              <p:nextCondLst>
+                <p:cond evt="onNext" delay="0">
+                  <p:tgtEl>
+                    <p:sldTgt/>
+                  </p:tgtEl>
+                </p:cond>
+              </p:nextCondLst>
+            </p:seq>
+          </p:childTnLst>
+        </p:cTn>
+      </p:par>
+    </p:tnLst>
+  </p:timing>
 </p:sld>
 </file>
 
@@ -7362,8 +8799,8 @@
         </p:blipFill>
         <p:spPr>
           <a:xfrm>
-            <a:off x="1557908" y="459371"/>
-            <a:ext cx="9001000" cy="5863445"/>
+            <a:off x="1424399" y="303538"/>
+            <a:ext cx="9340026" cy="6084294"/>
           </a:xfrm>
         </p:spPr>
       </p:pic>
@@ -7390,7 +8827,7 @@
           <a:p>
             <a:fld id="{129960F1-83AE-49EB-A506-FF67823A3F11}" type="datetime1">
               <a:rPr lang="sl-SI" smtClean="0"/>
-              <a:t>15. 09. 2018</a:t>
+              <a:t>17. 09. 2018</a:t>
             </a:fld>
             <a:endParaRPr lang="sl-SI" dirty="0"/>
           </a:p>
@@ -7684,7 +9121,7 @@
           <a:p>
             <a:fld id="{5BDA88C6-16A8-418E-916C-EAA37DC93FB5}" type="datetime1">
               <a:rPr lang="sl-SI" smtClean="0"/>
-              <a:t>15. 09. 2018</a:t>
+              <a:t>17. 09. 2018</a:t>
             </a:fld>
             <a:endParaRPr lang="sl-SI" dirty="0"/>
           </a:p>
@@ -7712,6 +9149,360 @@
       </p:transition>
     </mc:Fallback>
   </mc:AlternateContent>
+  <p:timing>
+    <p:tnLst>
+      <p:par>
+        <p:cTn id="1" dur="indefinite" restart="never" nodeType="tmRoot">
+          <p:childTnLst>
+            <p:seq concurrent="1" nextAc="seek">
+              <p:cTn id="2" dur="indefinite" nodeType="mainSeq">
+                <p:childTnLst>
+                  <p:par>
+                    <p:cTn id="3" fill="hold">
+                      <p:stCondLst>
+                        <p:cond delay="indefinite"/>
+                        <p:cond evt="onBegin" delay="0">
+                          <p:tn val="2"/>
+                        </p:cond>
+                      </p:stCondLst>
+                      <p:childTnLst>
+                        <p:par>
+                          <p:cTn id="4" fill="hold">
+                            <p:stCondLst>
+                              <p:cond delay="0"/>
+                            </p:stCondLst>
+                            <p:childTnLst>
+                              <p:par>
+                                <p:cTn id="5" presetID="10" presetClass="entr" presetSubtype="0" fill="hold" nodeType="afterEffect">
+                                  <p:stCondLst>
+                                    <p:cond delay="0"/>
+                                  </p:stCondLst>
+                                  <p:childTnLst>
+                                    <p:set>
+                                      <p:cBhvr>
+                                        <p:cTn id="6" dur="1" fill="hold">
+                                          <p:stCondLst>
+                                            <p:cond delay="0"/>
+                                          </p:stCondLst>
+                                        </p:cTn>
+                                        <p:tgtEl>
+                                          <p:spTgt spid="3">
+                                            <p:txEl>
+                                              <p:pRg st="0" end="0"/>
+                                            </p:txEl>
+                                          </p:spTgt>
+                                        </p:tgtEl>
+                                        <p:attrNameLst>
+                                          <p:attrName>style.visibility</p:attrName>
+                                        </p:attrNameLst>
+                                      </p:cBhvr>
+                                      <p:to>
+                                        <p:strVal val="visible"/>
+                                      </p:to>
+                                    </p:set>
+                                    <p:animEffect transition="in" filter="fade">
+                                      <p:cBhvr>
+                                        <p:cTn id="7" dur="500"/>
+                                        <p:tgtEl>
+                                          <p:spTgt spid="3">
+                                            <p:txEl>
+                                              <p:pRg st="0" end="0"/>
+                                            </p:txEl>
+                                          </p:spTgt>
+                                        </p:tgtEl>
+                                      </p:cBhvr>
+                                    </p:animEffect>
+                                  </p:childTnLst>
+                                </p:cTn>
+                              </p:par>
+                            </p:childTnLst>
+                          </p:cTn>
+                        </p:par>
+                        <p:par>
+                          <p:cTn id="8" fill="hold">
+                            <p:stCondLst>
+                              <p:cond delay="500"/>
+                            </p:stCondLst>
+                            <p:childTnLst>
+                              <p:par>
+                                <p:cTn id="9" presetID="10" presetClass="entr" presetSubtype="0" fill="hold" nodeType="afterEffect">
+                                  <p:stCondLst>
+                                    <p:cond delay="0"/>
+                                  </p:stCondLst>
+                                  <p:childTnLst>
+                                    <p:set>
+                                      <p:cBhvr>
+                                        <p:cTn id="10" dur="1" fill="hold">
+                                          <p:stCondLst>
+                                            <p:cond delay="0"/>
+                                          </p:stCondLst>
+                                        </p:cTn>
+                                        <p:tgtEl>
+                                          <p:spTgt spid="3">
+                                            <p:txEl>
+                                              <p:pRg st="1" end="1"/>
+                                            </p:txEl>
+                                          </p:spTgt>
+                                        </p:tgtEl>
+                                        <p:attrNameLst>
+                                          <p:attrName>style.visibility</p:attrName>
+                                        </p:attrNameLst>
+                                      </p:cBhvr>
+                                      <p:to>
+                                        <p:strVal val="visible"/>
+                                      </p:to>
+                                    </p:set>
+                                    <p:animEffect transition="in" filter="fade">
+                                      <p:cBhvr>
+                                        <p:cTn id="11" dur="500"/>
+                                        <p:tgtEl>
+                                          <p:spTgt spid="3">
+                                            <p:txEl>
+                                              <p:pRg st="1" end="1"/>
+                                            </p:txEl>
+                                          </p:spTgt>
+                                        </p:tgtEl>
+                                      </p:cBhvr>
+                                    </p:animEffect>
+                                  </p:childTnLst>
+                                </p:cTn>
+                              </p:par>
+                            </p:childTnLst>
+                          </p:cTn>
+                        </p:par>
+                        <p:par>
+                          <p:cTn id="12" fill="hold">
+                            <p:stCondLst>
+                              <p:cond delay="1000"/>
+                            </p:stCondLst>
+                            <p:childTnLst>
+                              <p:par>
+                                <p:cTn id="13" presetID="10" presetClass="entr" presetSubtype="0" fill="hold" nodeType="afterEffect">
+                                  <p:stCondLst>
+                                    <p:cond delay="0"/>
+                                  </p:stCondLst>
+                                  <p:childTnLst>
+                                    <p:set>
+                                      <p:cBhvr>
+                                        <p:cTn id="14" dur="1" fill="hold">
+                                          <p:stCondLst>
+                                            <p:cond delay="0"/>
+                                          </p:stCondLst>
+                                        </p:cTn>
+                                        <p:tgtEl>
+                                          <p:spTgt spid="3">
+                                            <p:txEl>
+                                              <p:pRg st="2" end="2"/>
+                                            </p:txEl>
+                                          </p:spTgt>
+                                        </p:tgtEl>
+                                        <p:attrNameLst>
+                                          <p:attrName>style.visibility</p:attrName>
+                                        </p:attrNameLst>
+                                      </p:cBhvr>
+                                      <p:to>
+                                        <p:strVal val="visible"/>
+                                      </p:to>
+                                    </p:set>
+                                    <p:animEffect transition="in" filter="fade">
+                                      <p:cBhvr>
+                                        <p:cTn id="15" dur="500"/>
+                                        <p:tgtEl>
+                                          <p:spTgt spid="3">
+                                            <p:txEl>
+                                              <p:pRg st="2" end="2"/>
+                                            </p:txEl>
+                                          </p:spTgt>
+                                        </p:tgtEl>
+                                      </p:cBhvr>
+                                    </p:animEffect>
+                                  </p:childTnLst>
+                                </p:cTn>
+                              </p:par>
+                            </p:childTnLst>
+                          </p:cTn>
+                        </p:par>
+                        <p:par>
+                          <p:cTn id="16" fill="hold">
+                            <p:stCondLst>
+                              <p:cond delay="1500"/>
+                            </p:stCondLst>
+                            <p:childTnLst>
+                              <p:par>
+                                <p:cTn id="17" presetID="10" presetClass="entr" presetSubtype="0" fill="hold" nodeType="afterEffect">
+                                  <p:stCondLst>
+                                    <p:cond delay="0"/>
+                                  </p:stCondLst>
+                                  <p:childTnLst>
+                                    <p:set>
+                                      <p:cBhvr>
+                                        <p:cTn id="18" dur="1" fill="hold">
+                                          <p:stCondLst>
+                                            <p:cond delay="0"/>
+                                          </p:stCondLst>
+                                        </p:cTn>
+                                        <p:tgtEl>
+                                          <p:spTgt spid="3">
+                                            <p:txEl>
+                                              <p:pRg st="3" end="3"/>
+                                            </p:txEl>
+                                          </p:spTgt>
+                                        </p:tgtEl>
+                                        <p:attrNameLst>
+                                          <p:attrName>style.visibility</p:attrName>
+                                        </p:attrNameLst>
+                                      </p:cBhvr>
+                                      <p:to>
+                                        <p:strVal val="visible"/>
+                                      </p:to>
+                                    </p:set>
+                                    <p:animEffect transition="in" filter="fade">
+                                      <p:cBhvr>
+                                        <p:cTn id="19" dur="500"/>
+                                        <p:tgtEl>
+                                          <p:spTgt spid="3">
+                                            <p:txEl>
+                                              <p:pRg st="3" end="3"/>
+                                            </p:txEl>
+                                          </p:spTgt>
+                                        </p:tgtEl>
+                                      </p:cBhvr>
+                                    </p:animEffect>
+                                  </p:childTnLst>
+                                </p:cTn>
+                              </p:par>
+                            </p:childTnLst>
+                          </p:cTn>
+                        </p:par>
+                        <p:par>
+                          <p:cTn id="20" fill="hold">
+                            <p:stCondLst>
+                              <p:cond delay="2000"/>
+                            </p:stCondLst>
+                            <p:childTnLst>
+                              <p:par>
+                                <p:cTn id="21" presetID="10" presetClass="entr" presetSubtype="0" fill="hold" nodeType="afterEffect">
+                                  <p:stCondLst>
+                                    <p:cond delay="0"/>
+                                  </p:stCondLst>
+                                  <p:childTnLst>
+                                    <p:set>
+                                      <p:cBhvr>
+                                        <p:cTn id="22" dur="1" fill="hold">
+                                          <p:stCondLst>
+                                            <p:cond delay="0"/>
+                                          </p:stCondLst>
+                                        </p:cTn>
+                                        <p:tgtEl>
+                                          <p:spTgt spid="3">
+                                            <p:txEl>
+                                              <p:pRg st="4" end="4"/>
+                                            </p:txEl>
+                                          </p:spTgt>
+                                        </p:tgtEl>
+                                        <p:attrNameLst>
+                                          <p:attrName>style.visibility</p:attrName>
+                                        </p:attrNameLst>
+                                      </p:cBhvr>
+                                      <p:to>
+                                        <p:strVal val="visible"/>
+                                      </p:to>
+                                    </p:set>
+                                    <p:animEffect transition="in" filter="fade">
+                                      <p:cBhvr>
+                                        <p:cTn id="23" dur="500"/>
+                                        <p:tgtEl>
+                                          <p:spTgt spid="3">
+                                            <p:txEl>
+                                              <p:pRg st="4" end="4"/>
+                                            </p:txEl>
+                                          </p:spTgt>
+                                        </p:tgtEl>
+                                      </p:cBhvr>
+                                    </p:animEffect>
+                                  </p:childTnLst>
+                                </p:cTn>
+                              </p:par>
+                            </p:childTnLst>
+                          </p:cTn>
+                        </p:par>
+                        <p:par>
+                          <p:cTn id="24" fill="hold">
+                            <p:stCondLst>
+                              <p:cond delay="2500"/>
+                            </p:stCondLst>
+                            <p:childTnLst>
+                              <p:par>
+                                <p:cTn id="25" presetID="10" presetClass="entr" presetSubtype="0" fill="hold" nodeType="afterEffect">
+                                  <p:stCondLst>
+                                    <p:cond delay="0"/>
+                                  </p:stCondLst>
+                                  <p:childTnLst>
+                                    <p:set>
+                                      <p:cBhvr>
+                                        <p:cTn id="26" dur="1" fill="hold">
+                                          <p:stCondLst>
+                                            <p:cond delay="0"/>
+                                          </p:stCondLst>
+                                        </p:cTn>
+                                        <p:tgtEl>
+                                          <p:spTgt spid="3">
+                                            <p:txEl>
+                                              <p:pRg st="5" end="5"/>
+                                            </p:txEl>
+                                          </p:spTgt>
+                                        </p:tgtEl>
+                                        <p:attrNameLst>
+                                          <p:attrName>style.visibility</p:attrName>
+                                        </p:attrNameLst>
+                                      </p:cBhvr>
+                                      <p:to>
+                                        <p:strVal val="visible"/>
+                                      </p:to>
+                                    </p:set>
+                                    <p:animEffect transition="in" filter="fade">
+                                      <p:cBhvr>
+                                        <p:cTn id="27" dur="500"/>
+                                        <p:tgtEl>
+                                          <p:spTgt spid="3">
+                                            <p:txEl>
+                                              <p:pRg st="5" end="5"/>
+                                            </p:txEl>
+                                          </p:spTgt>
+                                        </p:tgtEl>
+                                      </p:cBhvr>
+                                    </p:animEffect>
+                                  </p:childTnLst>
+                                </p:cTn>
+                              </p:par>
+                            </p:childTnLst>
+                          </p:cTn>
+                        </p:par>
+                      </p:childTnLst>
+                    </p:cTn>
+                  </p:par>
+                </p:childTnLst>
+              </p:cTn>
+              <p:prevCondLst>
+                <p:cond evt="onPrev" delay="0">
+                  <p:tgtEl>
+                    <p:sldTgt/>
+                  </p:tgtEl>
+                </p:cond>
+              </p:prevCondLst>
+              <p:nextCondLst>
+                <p:cond evt="onNext" delay="0">
+                  <p:tgtEl>
+                    <p:sldTgt/>
+                  </p:tgtEl>
+                </p:cond>
+              </p:nextCondLst>
+            </p:seq>
+          </p:childTnLst>
+        </p:cTn>
+      </p:par>
+    </p:tnLst>
+  </p:timing>
 </p:sld>
 </file>
 
@@ -8003,7 +9794,7 @@
           <a:p>
             <a:fld id="{1565196C-1E50-44B5-B0B0-18C33BE209EE}" type="datetime1">
               <a:rPr lang="sl-SI" smtClean="0"/>
-              <a:t>15. 09. 2018</a:t>
+              <a:t>17. 09. 2018</a:t>
             </a:fld>
             <a:endParaRPr lang="sl-SI" dirty="0"/>
           </a:p>
@@ -8031,6 +9822,412 @@
       </p:transition>
     </mc:Fallback>
   </mc:AlternateContent>
+  <p:timing>
+    <p:tnLst>
+      <p:par>
+        <p:cTn id="1" dur="indefinite" restart="never" nodeType="tmRoot">
+          <p:childTnLst>
+            <p:seq concurrent="1" nextAc="seek">
+              <p:cTn id="2" dur="indefinite" nodeType="mainSeq">
+                <p:childTnLst>
+                  <p:par>
+                    <p:cTn id="3" fill="hold">
+                      <p:stCondLst>
+                        <p:cond delay="indefinite"/>
+                        <p:cond evt="onBegin" delay="0">
+                          <p:tn val="2"/>
+                        </p:cond>
+                      </p:stCondLst>
+                      <p:childTnLst>
+                        <p:par>
+                          <p:cTn id="4" fill="hold">
+                            <p:stCondLst>
+                              <p:cond delay="0"/>
+                            </p:stCondLst>
+                            <p:childTnLst>
+                              <p:par>
+                                <p:cTn id="5" presetID="10" presetClass="entr" presetSubtype="0" fill="hold" nodeType="withEffect">
+                                  <p:stCondLst>
+                                    <p:cond delay="0"/>
+                                  </p:stCondLst>
+                                  <p:childTnLst>
+                                    <p:set>
+                                      <p:cBhvr>
+                                        <p:cTn id="6" dur="1" fill="hold">
+                                          <p:stCondLst>
+                                            <p:cond delay="0"/>
+                                          </p:stCondLst>
+                                        </p:cTn>
+                                        <p:tgtEl>
+                                          <p:spTgt spid="14">
+                                            <p:txEl>
+                                              <p:pRg st="0" end="0"/>
+                                            </p:txEl>
+                                          </p:spTgt>
+                                        </p:tgtEl>
+                                        <p:attrNameLst>
+                                          <p:attrName>style.visibility</p:attrName>
+                                        </p:attrNameLst>
+                                      </p:cBhvr>
+                                      <p:to>
+                                        <p:strVal val="visible"/>
+                                      </p:to>
+                                    </p:set>
+                                    <p:animEffect transition="in" filter="fade">
+                                      <p:cBhvr>
+                                        <p:cTn id="7" dur="500"/>
+                                        <p:tgtEl>
+                                          <p:spTgt spid="14">
+                                            <p:txEl>
+                                              <p:pRg st="0" end="0"/>
+                                            </p:txEl>
+                                          </p:spTgt>
+                                        </p:tgtEl>
+                                      </p:cBhvr>
+                                    </p:animEffect>
+                                  </p:childTnLst>
+                                </p:cTn>
+                              </p:par>
+                            </p:childTnLst>
+                          </p:cTn>
+                        </p:par>
+                        <p:par>
+                          <p:cTn id="8" fill="hold">
+                            <p:stCondLst>
+                              <p:cond delay="500"/>
+                            </p:stCondLst>
+                            <p:childTnLst>
+                              <p:par>
+                                <p:cTn id="9" presetID="10" presetClass="entr" presetSubtype="0" fill="hold" nodeType="afterEffect">
+                                  <p:stCondLst>
+                                    <p:cond delay="0"/>
+                                  </p:stCondLst>
+                                  <p:childTnLst>
+                                    <p:set>
+                                      <p:cBhvr>
+                                        <p:cTn id="10" dur="1" fill="hold">
+                                          <p:stCondLst>
+                                            <p:cond delay="0"/>
+                                          </p:stCondLst>
+                                        </p:cTn>
+                                        <p:tgtEl>
+                                          <p:spTgt spid="14">
+                                            <p:txEl>
+                                              <p:pRg st="1" end="1"/>
+                                            </p:txEl>
+                                          </p:spTgt>
+                                        </p:tgtEl>
+                                        <p:attrNameLst>
+                                          <p:attrName>style.visibility</p:attrName>
+                                        </p:attrNameLst>
+                                      </p:cBhvr>
+                                      <p:to>
+                                        <p:strVal val="visible"/>
+                                      </p:to>
+                                    </p:set>
+                                    <p:animEffect transition="in" filter="fade">
+                                      <p:cBhvr>
+                                        <p:cTn id="11" dur="500"/>
+                                        <p:tgtEl>
+                                          <p:spTgt spid="14">
+                                            <p:txEl>
+                                              <p:pRg st="1" end="1"/>
+                                            </p:txEl>
+                                          </p:spTgt>
+                                        </p:tgtEl>
+                                      </p:cBhvr>
+                                    </p:animEffect>
+                                  </p:childTnLst>
+                                </p:cTn>
+                              </p:par>
+                            </p:childTnLst>
+                          </p:cTn>
+                        </p:par>
+                        <p:par>
+                          <p:cTn id="12" fill="hold">
+                            <p:stCondLst>
+                              <p:cond delay="1000"/>
+                            </p:stCondLst>
+                            <p:childTnLst>
+                              <p:par>
+                                <p:cTn id="13" presetID="10" presetClass="entr" presetSubtype="0" fill="hold" nodeType="afterEffect">
+                                  <p:stCondLst>
+                                    <p:cond delay="0"/>
+                                  </p:stCondLst>
+                                  <p:childTnLst>
+                                    <p:set>
+                                      <p:cBhvr>
+                                        <p:cTn id="14" dur="1" fill="hold">
+                                          <p:stCondLst>
+                                            <p:cond delay="0"/>
+                                          </p:stCondLst>
+                                        </p:cTn>
+                                        <p:tgtEl>
+                                          <p:spTgt spid="14">
+                                            <p:txEl>
+                                              <p:pRg st="2" end="2"/>
+                                            </p:txEl>
+                                          </p:spTgt>
+                                        </p:tgtEl>
+                                        <p:attrNameLst>
+                                          <p:attrName>style.visibility</p:attrName>
+                                        </p:attrNameLst>
+                                      </p:cBhvr>
+                                      <p:to>
+                                        <p:strVal val="visible"/>
+                                      </p:to>
+                                    </p:set>
+                                    <p:animEffect transition="in" filter="fade">
+                                      <p:cBhvr>
+                                        <p:cTn id="15" dur="500"/>
+                                        <p:tgtEl>
+                                          <p:spTgt spid="14">
+                                            <p:txEl>
+                                              <p:pRg st="2" end="2"/>
+                                            </p:txEl>
+                                          </p:spTgt>
+                                        </p:tgtEl>
+                                      </p:cBhvr>
+                                    </p:animEffect>
+                                  </p:childTnLst>
+                                </p:cTn>
+                              </p:par>
+                            </p:childTnLst>
+                          </p:cTn>
+                        </p:par>
+                        <p:par>
+                          <p:cTn id="16" fill="hold">
+                            <p:stCondLst>
+                              <p:cond delay="1500"/>
+                            </p:stCondLst>
+                            <p:childTnLst>
+                              <p:par>
+                                <p:cTn id="17" presetID="10" presetClass="entr" presetSubtype="0" fill="hold" nodeType="afterEffect">
+                                  <p:stCondLst>
+                                    <p:cond delay="0"/>
+                                  </p:stCondLst>
+                                  <p:childTnLst>
+                                    <p:set>
+                                      <p:cBhvr>
+                                        <p:cTn id="18" dur="1" fill="hold">
+                                          <p:stCondLst>
+                                            <p:cond delay="0"/>
+                                          </p:stCondLst>
+                                        </p:cTn>
+                                        <p:tgtEl>
+                                          <p:spTgt spid="14">
+                                            <p:txEl>
+                                              <p:pRg st="3" end="3"/>
+                                            </p:txEl>
+                                          </p:spTgt>
+                                        </p:tgtEl>
+                                        <p:attrNameLst>
+                                          <p:attrName>style.visibility</p:attrName>
+                                        </p:attrNameLst>
+                                      </p:cBhvr>
+                                      <p:to>
+                                        <p:strVal val="visible"/>
+                                      </p:to>
+                                    </p:set>
+                                    <p:animEffect transition="in" filter="fade">
+                                      <p:cBhvr>
+                                        <p:cTn id="19" dur="500"/>
+                                        <p:tgtEl>
+                                          <p:spTgt spid="14">
+                                            <p:txEl>
+                                              <p:pRg st="3" end="3"/>
+                                            </p:txEl>
+                                          </p:spTgt>
+                                        </p:tgtEl>
+                                      </p:cBhvr>
+                                    </p:animEffect>
+                                  </p:childTnLst>
+                                </p:cTn>
+                              </p:par>
+                            </p:childTnLst>
+                          </p:cTn>
+                        </p:par>
+                        <p:par>
+                          <p:cTn id="20" fill="hold">
+                            <p:stCondLst>
+                              <p:cond delay="2000"/>
+                            </p:stCondLst>
+                            <p:childTnLst>
+                              <p:par>
+                                <p:cTn id="21" presetID="10" presetClass="entr" presetSubtype="0" fill="hold" nodeType="afterEffect">
+                                  <p:stCondLst>
+                                    <p:cond delay="0"/>
+                                  </p:stCondLst>
+                                  <p:childTnLst>
+                                    <p:set>
+                                      <p:cBhvr>
+                                        <p:cTn id="22" dur="1" fill="hold">
+                                          <p:stCondLst>
+                                            <p:cond delay="0"/>
+                                          </p:stCondLst>
+                                        </p:cTn>
+                                        <p:tgtEl>
+                                          <p:spTgt spid="14">
+                                            <p:txEl>
+                                              <p:pRg st="4" end="4"/>
+                                            </p:txEl>
+                                          </p:spTgt>
+                                        </p:tgtEl>
+                                        <p:attrNameLst>
+                                          <p:attrName>style.visibility</p:attrName>
+                                        </p:attrNameLst>
+                                      </p:cBhvr>
+                                      <p:to>
+                                        <p:strVal val="visible"/>
+                                      </p:to>
+                                    </p:set>
+                                    <p:animEffect transition="in" filter="fade">
+                                      <p:cBhvr>
+                                        <p:cTn id="23" dur="500"/>
+                                        <p:tgtEl>
+                                          <p:spTgt spid="14">
+                                            <p:txEl>
+                                              <p:pRg st="4" end="4"/>
+                                            </p:txEl>
+                                          </p:spTgt>
+                                        </p:tgtEl>
+                                      </p:cBhvr>
+                                    </p:animEffect>
+                                  </p:childTnLst>
+                                </p:cTn>
+                              </p:par>
+                            </p:childTnLst>
+                          </p:cTn>
+                        </p:par>
+                        <p:par>
+                          <p:cTn id="24" fill="hold">
+                            <p:stCondLst>
+                              <p:cond delay="2500"/>
+                            </p:stCondLst>
+                            <p:childTnLst>
+                              <p:par>
+                                <p:cTn id="25" presetID="10" presetClass="entr" presetSubtype="0" fill="hold" nodeType="afterEffect">
+                                  <p:stCondLst>
+                                    <p:cond delay="0"/>
+                                  </p:stCondLst>
+                                  <p:childTnLst>
+                                    <p:set>
+                                      <p:cBhvr>
+                                        <p:cTn id="26" dur="1" fill="hold">
+                                          <p:stCondLst>
+                                            <p:cond delay="0"/>
+                                          </p:stCondLst>
+                                        </p:cTn>
+                                        <p:tgtEl>
+                                          <p:spTgt spid="14">
+                                            <p:txEl>
+                                              <p:pRg st="5" end="5"/>
+                                            </p:txEl>
+                                          </p:spTgt>
+                                        </p:tgtEl>
+                                        <p:attrNameLst>
+                                          <p:attrName>style.visibility</p:attrName>
+                                        </p:attrNameLst>
+                                      </p:cBhvr>
+                                      <p:to>
+                                        <p:strVal val="visible"/>
+                                      </p:to>
+                                    </p:set>
+                                    <p:animEffect transition="in" filter="fade">
+                                      <p:cBhvr>
+                                        <p:cTn id="27" dur="500"/>
+                                        <p:tgtEl>
+                                          <p:spTgt spid="14">
+                                            <p:txEl>
+                                              <p:pRg st="5" end="5"/>
+                                            </p:txEl>
+                                          </p:spTgt>
+                                        </p:tgtEl>
+                                      </p:cBhvr>
+                                    </p:animEffect>
+                                  </p:childTnLst>
+                                </p:cTn>
+                              </p:par>
+                            </p:childTnLst>
+                          </p:cTn>
+                        </p:par>
+                        <p:par>
+                          <p:cTn id="28" fill="hold">
+                            <p:stCondLst>
+                              <p:cond delay="3000"/>
+                            </p:stCondLst>
+                            <p:childTnLst>
+                              <p:par>
+                                <p:cTn id="29" presetID="10" presetClass="entr" presetSubtype="0" fill="hold" nodeType="afterEffect">
+                                  <p:stCondLst>
+                                    <p:cond delay="0"/>
+                                  </p:stCondLst>
+                                  <p:childTnLst>
+                                    <p:set>
+                                      <p:cBhvr>
+                                        <p:cTn id="30" dur="1" fill="hold">
+                                          <p:stCondLst>
+                                            <p:cond delay="0"/>
+                                          </p:stCondLst>
+                                        </p:cTn>
+                                        <p:tgtEl>
+                                          <p:spTgt spid="14">
+                                            <p:txEl>
+                                              <p:pRg st="6" end="6"/>
+                                            </p:txEl>
+                                          </p:spTgt>
+                                        </p:tgtEl>
+                                        <p:attrNameLst>
+                                          <p:attrName>style.visibility</p:attrName>
+                                        </p:attrNameLst>
+                                      </p:cBhvr>
+                                      <p:to>
+                                        <p:strVal val="visible"/>
+                                      </p:to>
+                                    </p:set>
+                                    <p:animEffect transition="in" filter="fade">
+                                      <p:cBhvr>
+                                        <p:cTn id="31" dur="500"/>
+                                        <p:tgtEl>
+                                          <p:spTgt spid="14">
+                                            <p:txEl>
+                                              <p:pRg st="6" end="6"/>
+                                            </p:txEl>
+                                          </p:spTgt>
+                                        </p:tgtEl>
+                                      </p:cBhvr>
+                                    </p:animEffect>
+                                  </p:childTnLst>
+                                </p:cTn>
+                              </p:par>
+                            </p:childTnLst>
+                          </p:cTn>
+                        </p:par>
+                      </p:childTnLst>
+                    </p:cTn>
+                  </p:par>
+                </p:childTnLst>
+              </p:cTn>
+              <p:prevCondLst>
+                <p:cond evt="onPrev" delay="0">
+                  <p:tgtEl>
+                    <p:sldTgt/>
+                  </p:tgtEl>
+                </p:cond>
+              </p:prevCondLst>
+              <p:nextCondLst>
+                <p:cond evt="onNext" delay="0">
+                  <p:tgtEl>
+                    <p:sldTgt/>
+                  </p:tgtEl>
+                </p:cond>
+              </p:nextCondLst>
+            </p:seq>
+          </p:childTnLst>
+        </p:cTn>
+      </p:par>
+    </p:tnLst>
+  </p:timing>
 </p:sld>
 </file>
 
@@ -8225,7 +10422,7 @@
           <a:p>
             <a:fld id="{CDF2FE36-7206-490B-B517-0868F918165F}" type="datetime1">
               <a:rPr lang="sl-SI" smtClean="0"/>
-              <a:t>15. 09. 2018</a:t>
+              <a:t>17. 09. 2018</a:t>
             </a:fld>
             <a:endParaRPr lang="sl-SI" dirty="0"/>
           </a:p>
@@ -8253,6 +10450,360 @@
       </p:transition>
     </mc:Fallback>
   </mc:AlternateContent>
+  <p:timing>
+    <p:tnLst>
+      <p:par>
+        <p:cTn id="1" dur="indefinite" restart="never" nodeType="tmRoot">
+          <p:childTnLst>
+            <p:seq concurrent="1" nextAc="seek">
+              <p:cTn id="2" dur="indefinite" nodeType="mainSeq">
+                <p:childTnLst>
+                  <p:par>
+                    <p:cTn id="3" fill="hold">
+                      <p:stCondLst>
+                        <p:cond delay="indefinite"/>
+                        <p:cond evt="onBegin" delay="0">
+                          <p:tn val="2"/>
+                        </p:cond>
+                      </p:stCondLst>
+                      <p:childTnLst>
+                        <p:par>
+                          <p:cTn id="4" fill="hold">
+                            <p:stCondLst>
+                              <p:cond delay="0"/>
+                            </p:stCondLst>
+                            <p:childTnLst>
+                              <p:par>
+                                <p:cTn id="5" presetID="10" presetClass="entr" presetSubtype="0" fill="hold" nodeType="afterEffect">
+                                  <p:stCondLst>
+                                    <p:cond delay="0"/>
+                                  </p:stCondLst>
+                                  <p:childTnLst>
+                                    <p:set>
+                                      <p:cBhvr>
+                                        <p:cTn id="6" dur="1" fill="hold">
+                                          <p:stCondLst>
+                                            <p:cond delay="0"/>
+                                          </p:stCondLst>
+                                        </p:cTn>
+                                        <p:tgtEl>
+                                          <p:spTgt spid="2">
+                                            <p:txEl>
+                                              <p:pRg st="0" end="0"/>
+                                            </p:txEl>
+                                          </p:spTgt>
+                                        </p:tgtEl>
+                                        <p:attrNameLst>
+                                          <p:attrName>style.visibility</p:attrName>
+                                        </p:attrNameLst>
+                                      </p:cBhvr>
+                                      <p:to>
+                                        <p:strVal val="visible"/>
+                                      </p:to>
+                                    </p:set>
+                                    <p:animEffect transition="in" filter="fade">
+                                      <p:cBhvr>
+                                        <p:cTn id="7" dur="500"/>
+                                        <p:tgtEl>
+                                          <p:spTgt spid="2">
+                                            <p:txEl>
+                                              <p:pRg st="0" end="0"/>
+                                            </p:txEl>
+                                          </p:spTgt>
+                                        </p:tgtEl>
+                                      </p:cBhvr>
+                                    </p:animEffect>
+                                  </p:childTnLst>
+                                </p:cTn>
+                              </p:par>
+                            </p:childTnLst>
+                          </p:cTn>
+                        </p:par>
+                        <p:par>
+                          <p:cTn id="8" fill="hold">
+                            <p:stCondLst>
+                              <p:cond delay="500"/>
+                            </p:stCondLst>
+                            <p:childTnLst>
+                              <p:par>
+                                <p:cTn id="9" presetID="10" presetClass="entr" presetSubtype="0" fill="hold" nodeType="afterEffect">
+                                  <p:stCondLst>
+                                    <p:cond delay="0"/>
+                                  </p:stCondLst>
+                                  <p:childTnLst>
+                                    <p:set>
+                                      <p:cBhvr>
+                                        <p:cTn id="10" dur="1" fill="hold">
+                                          <p:stCondLst>
+                                            <p:cond delay="0"/>
+                                          </p:stCondLst>
+                                        </p:cTn>
+                                        <p:tgtEl>
+                                          <p:spTgt spid="2">
+                                            <p:txEl>
+                                              <p:pRg st="1" end="1"/>
+                                            </p:txEl>
+                                          </p:spTgt>
+                                        </p:tgtEl>
+                                        <p:attrNameLst>
+                                          <p:attrName>style.visibility</p:attrName>
+                                        </p:attrNameLst>
+                                      </p:cBhvr>
+                                      <p:to>
+                                        <p:strVal val="visible"/>
+                                      </p:to>
+                                    </p:set>
+                                    <p:animEffect transition="in" filter="fade">
+                                      <p:cBhvr>
+                                        <p:cTn id="11" dur="500"/>
+                                        <p:tgtEl>
+                                          <p:spTgt spid="2">
+                                            <p:txEl>
+                                              <p:pRg st="1" end="1"/>
+                                            </p:txEl>
+                                          </p:spTgt>
+                                        </p:tgtEl>
+                                      </p:cBhvr>
+                                    </p:animEffect>
+                                  </p:childTnLst>
+                                </p:cTn>
+                              </p:par>
+                            </p:childTnLst>
+                          </p:cTn>
+                        </p:par>
+                        <p:par>
+                          <p:cTn id="12" fill="hold">
+                            <p:stCondLst>
+                              <p:cond delay="1000"/>
+                            </p:stCondLst>
+                            <p:childTnLst>
+                              <p:par>
+                                <p:cTn id="13" presetID="10" presetClass="entr" presetSubtype="0" fill="hold" nodeType="afterEffect">
+                                  <p:stCondLst>
+                                    <p:cond delay="0"/>
+                                  </p:stCondLst>
+                                  <p:childTnLst>
+                                    <p:set>
+                                      <p:cBhvr>
+                                        <p:cTn id="14" dur="1" fill="hold">
+                                          <p:stCondLst>
+                                            <p:cond delay="0"/>
+                                          </p:stCondLst>
+                                        </p:cTn>
+                                        <p:tgtEl>
+                                          <p:spTgt spid="2">
+                                            <p:txEl>
+                                              <p:pRg st="2" end="2"/>
+                                            </p:txEl>
+                                          </p:spTgt>
+                                        </p:tgtEl>
+                                        <p:attrNameLst>
+                                          <p:attrName>style.visibility</p:attrName>
+                                        </p:attrNameLst>
+                                      </p:cBhvr>
+                                      <p:to>
+                                        <p:strVal val="visible"/>
+                                      </p:to>
+                                    </p:set>
+                                    <p:animEffect transition="in" filter="fade">
+                                      <p:cBhvr>
+                                        <p:cTn id="15" dur="500"/>
+                                        <p:tgtEl>
+                                          <p:spTgt spid="2">
+                                            <p:txEl>
+                                              <p:pRg st="2" end="2"/>
+                                            </p:txEl>
+                                          </p:spTgt>
+                                        </p:tgtEl>
+                                      </p:cBhvr>
+                                    </p:animEffect>
+                                  </p:childTnLst>
+                                </p:cTn>
+                              </p:par>
+                            </p:childTnLst>
+                          </p:cTn>
+                        </p:par>
+                        <p:par>
+                          <p:cTn id="16" fill="hold">
+                            <p:stCondLst>
+                              <p:cond delay="1500"/>
+                            </p:stCondLst>
+                            <p:childTnLst>
+                              <p:par>
+                                <p:cTn id="17" presetID="10" presetClass="entr" presetSubtype="0" fill="hold" nodeType="afterEffect">
+                                  <p:stCondLst>
+                                    <p:cond delay="0"/>
+                                  </p:stCondLst>
+                                  <p:childTnLst>
+                                    <p:set>
+                                      <p:cBhvr>
+                                        <p:cTn id="18" dur="1" fill="hold">
+                                          <p:stCondLst>
+                                            <p:cond delay="0"/>
+                                          </p:stCondLst>
+                                        </p:cTn>
+                                        <p:tgtEl>
+                                          <p:spTgt spid="2">
+                                            <p:txEl>
+                                              <p:pRg st="3" end="3"/>
+                                            </p:txEl>
+                                          </p:spTgt>
+                                        </p:tgtEl>
+                                        <p:attrNameLst>
+                                          <p:attrName>style.visibility</p:attrName>
+                                        </p:attrNameLst>
+                                      </p:cBhvr>
+                                      <p:to>
+                                        <p:strVal val="visible"/>
+                                      </p:to>
+                                    </p:set>
+                                    <p:animEffect transition="in" filter="fade">
+                                      <p:cBhvr>
+                                        <p:cTn id="19" dur="500"/>
+                                        <p:tgtEl>
+                                          <p:spTgt spid="2">
+                                            <p:txEl>
+                                              <p:pRg st="3" end="3"/>
+                                            </p:txEl>
+                                          </p:spTgt>
+                                        </p:tgtEl>
+                                      </p:cBhvr>
+                                    </p:animEffect>
+                                  </p:childTnLst>
+                                </p:cTn>
+                              </p:par>
+                            </p:childTnLst>
+                          </p:cTn>
+                        </p:par>
+                        <p:par>
+                          <p:cTn id="20" fill="hold">
+                            <p:stCondLst>
+                              <p:cond delay="2000"/>
+                            </p:stCondLst>
+                            <p:childTnLst>
+                              <p:par>
+                                <p:cTn id="21" presetID="10" presetClass="entr" presetSubtype="0" fill="hold" nodeType="afterEffect">
+                                  <p:stCondLst>
+                                    <p:cond delay="0"/>
+                                  </p:stCondLst>
+                                  <p:childTnLst>
+                                    <p:set>
+                                      <p:cBhvr>
+                                        <p:cTn id="22" dur="1" fill="hold">
+                                          <p:stCondLst>
+                                            <p:cond delay="0"/>
+                                          </p:stCondLst>
+                                        </p:cTn>
+                                        <p:tgtEl>
+                                          <p:spTgt spid="2">
+                                            <p:txEl>
+                                              <p:pRg st="4" end="4"/>
+                                            </p:txEl>
+                                          </p:spTgt>
+                                        </p:tgtEl>
+                                        <p:attrNameLst>
+                                          <p:attrName>style.visibility</p:attrName>
+                                        </p:attrNameLst>
+                                      </p:cBhvr>
+                                      <p:to>
+                                        <p:strVal val="visible"/>
+                                      </p:to>
+                                    </p:set>
+                                    <p:animEffect transition="in" filter="fade">
+                                      <p:cBhvr>
+                                        <p:cTn id="23" dur="500"/>
+                                        <p:tgtEl>
+                                          <p:spTgt spid="2">
+                                            <p:txEl>
+                                              <p:pRg st="4" end="4"/>
+                                            </p:txEl>
+                                          </p:spTgt>
+                                        </p:tgtEl>
+                                      </p:cBhvr>
+                                    </p:animEffect>
+                                  </p:childTnLst>
+                                </p:cTn>
+                              </p:par>
+                            </p:childTnLst>
+                          </p:cTn>
+                        </p:par>
+                        <p:par>
+                          <p:cTn id="24" fill="hold">
+                            <p:stCondLst>
+                              <p:cond delay="2500"/>
+                            </p:stCondLst>
+                            <p:childTnLst>
+                              <p:par>
+                                <p:cTn id="25" presetID="10" presetClass="entr" presetSubtype="0" fill="hold" nodeType="afterEffect">
+                                  <p:stCondLst>
+                                    <p:cond delay="0"/>
+                                  </p:stCondLst>
+                                  <p:childTnLst>
+                                    <p:set>
+                                      <p:cBhvr>
+                                        <p:cTn id="26" dur="1" fill="hold">
+                                          <p:stCondLst>
+                                            <p:cond delay="0"/>
+                                          </p:stCondLst>
+                                        </p:cTn>
+                                        <p:tgtEl>
+                                          <p:spTgt spid="2">
+                                            <p:txEl>
+                                              <p:pRg st="5" end="5"/>
+                                            </p:txEl>
+                                          </p:spTgt>
+                                        </p:tgtEl>
+                                        <p:attrNameLst>
+                                          <p:attrName>style.visibility</p:attrName>
+                                        </p:attrNameLst>
+                                      </p:cBhvr>
+                                      <p:to>
+                                        <p:strVal val="visible"/>
+                                      </p:to>
+                                    </p:set>
+                                    <p:animEffect transition="in" filter="fade">
+                                      <p:cBhvr>
+                                        <p:cTn id="27" dur="500"/>
+                                        <p:tgtEl>
+                                          <p:spTgt spid="2">
+                                            <p:txEl>
+                                              <p:pRg st="5" end="5"/>
+                                            </p:txEl>
+                                          </p:spTgt>
+                                        </p:tgtEl>
+                                      </p:cBhvr>
+                                    </p:animEffect>
+                                  </p:childTnLst>
+                                </p:cTn>
+                              </p:par>
+                            </p:childTnLst>
+                          </p:cTn>
+                        </p:par>
+                      </p:childTnLst>
+                    </p:cTn>
+                  </p:par>
+                </p:childTnLst>
+              </p:cTn>
+              <p:prevCondLst>
+                <p:cond evt="onPrev" delay="0">
+                  <p:tgtEl>
+                    <p:sldTgt/>
+                  </p:tgtEl>
+                </p:cond>
+              </p:prevCondLst>
+              <p:nextCondLst>
+                <p:cond evt="onNext" delay="0">
+                  <p:tgtEl>
+                    <p:sldTgt/>
+                  </p:tgtEl>
+                </p:cond>
+              </p:nextCondLst>
+            </p:seq>
+          </p:childTnLst>
+        </p:cTn>
+      </p:par>
+    </p:tnLst>
+  </p:timing>
 </p:sld>
 </file>
 
@@ -8391,7 +10942,7 @@
           <a:p>
             <a:fld id="{F0917306-6385-4D3F-978B-FF3B30321597}" type="datetime1">
               <a:rPr lang="sl-SI" smtClean="0"/>
-              <a:t>15. 09. 2018</a:t>
+              <a:t>17. 09. 2018</a:t>
             </a:fld>
             <a:endParaRPr lang="sl-SI" dirty="0"/>
           </a:p>
@@ -8455,6 +11006,361 @@
       </p:transition>
     </mc:Fallback>
   </mc:AlternateContent>
+  <p:timing>
+    <p:tnLst>
+      <p:par>
+        <p:cTn id="1" dur="indefinite" restart="never" nodeType="tmRoot">
+          <p:childTnLst>
+            <p:seq concurrent="1" nextAc="seek">
+              <p:cTn id="2" dur="indefinite" nodeType="mainSeq">
+                <p:childTnLst>
+                  <p:par>
+                    <p:cTn id="3" fill="hold">
+                      <p:stCondLst>
+                        <p:cond delay="indefinite"/>
+                        <p:cond evt="onBegin" delay="0">
+                          <p:tn val="2"/>
+                        </p:cond>
+                      </p:stCondLst>
+                      <p:childTnLst>
+                        <p:par>
+                          <p:cTn id="4" fill="hold">
+                            <p:stCondLst>
+                              <p:cond delay="0"/>
+                            </p:stCondLst>
+                            <p:childTnLst>
+                              <p:par>
+                                <p:cTn id="5" presetID="10" presetClass="entr" presetSubtype="0" fill="hold" nodeType="afterEffect">
+                                  <p:stCondLst>
+                                    <p:cond delay="0"/>
+                                  </p:stCondLst>
+                                  <p:childTnLst>
+                                    <p:set>
+                                      <p:cBhvr>
+                                        <p:cTn id="6" dur="1" fill="hold">
+                                          <p:stCondLst>
+                                            <p:cond delay="0"/>
+                                          </p:stCondLst>
+                                        </p:cTn>
+                                        <p:tgtEl>
+                                          <p:spTgt spid="3">
+                                            <p:txEl>
+                                              <p:pRg st="0" end="0"/>
+                                            </p:txEl>
+                                          </p:spTgt>
+                                        </p:tgtEl>
+                                        <p:attrNameLst>
+                                          <p:attrName>style.visibility</p:attrName>
+                                        </p:attrNameLst>
+                                      </p:cBhvr>
+                                      <p:to>
+                                        <p:strVal val="visible"/>
+                                      </p:to>
+                                    </p:set>
+                                    <p:animEffect transition="in" filter="fade">
+                                      <p:cBhvr>
+                                        <p:cTn id="7" dur="500"/>
+                                        <p:tgtEl>
+                                          <p:spTgt spid="3">
+                                            <p:txEl>
+                                              <p:pRg st="0" end="0"/>
+                                            </p:txEl>
+                                          </p:spTgt>
+                                        </p:tgtEl>
+                                      </p:cBhvr>
+                                    </p:animEffect>
+                                  </p:childTnLst>
+                                </p:cTn>
+                              </p:par>
+                            </p:childTnLst>
+                          </p:cTn>
+                        </p:par>
+                        <p:par>
+                          <p:cTn id="8" fill="hold">
+                            <p:stCondLst>
+                              <p:cond delay="500"/>
+                            </p:stCondLst>
+                            <p:childTnLst>
+                              <p:par>
+                                <p:cTn id="9" presetID="10" presetClass="entr" presetSubtype="0" fill="hold" nodeType="afterEffect">
+                                  <p:stCondLst>
+                                    <p:cond delay="0"/>
+                                  </p:stCondLst>
+                                  <p:childTnLst>
+                                    <p:set>
+                                      <p:cBhvr>
+                                        <p:cTn id="10" dur="1" fill="hold">
+                                          <p:stCondLst>
+                                            <p:cond delay="0"/>
+                                          </p:stCondLst>
+                                        </p:cTn>
+                                        <p:tgtEl>
+                                          <p:spTgt spid="3">
+                                            <p:txEl>
+                                              <p:pRg st="1" end="1"/>
+                                            </p:txEl>
+                                          </p:spTgt>
+                                        </p:tgtEl>
+                                        <p:attrNameLst>
+                                          <p:attrName>style.visibility</p:attrName>
+                                        </p:attrNameLst>
+                                      </p:cBhvr>
+                                      <p:to>
+                                        <p:strVal val="visible"/>
+                                      </p:to>
+                                    </p:set>
+                                    <p:animEffect transition="in" filter="fade">
+                                      <p:cBhvr>
+                                        <p:cTn id="11" dur="500"/>
+                                        <p:tgtEl>
+                                          <p:spTgt spid="3">
+                                            <p:txEl>
+                                              <p:pRg st="1" end="1"/>
+                                            </p:txEl>
+                                          </p:spTgt>
+                                        </p:tgtEl>
+                                      </p:cBhvr>
+                                    </p:animEffect>
+                                  </p:childTnLst>
+                                </p:cTn>
+                              </p:par>
+                            </p:childTnLst>
+                          </p:cTn>
+                        </p:par>
+                        <p:par>
+                          <p:cTn id="12" fill="hold">
+                            <p:stCondLst>
+                              <p:cond delay="1000"/>
+                            </p:stCondLst>
+                            <p:childTnLst>
+                              <p:par>
+                                <p:cTn id="13" presetID="10" presetClass="entr" presetSubtype="0" fill="hold" nodeType="afterEffect">
+                                  <p:stCondLst>
+                                    <p:cond delay="0"/>
+                                  </p:stCondLst>
+                                  <p:childTnLst>
+                                    <p:set>
+                                      <p:cBhvr>
+                                        <p:cTn id="14" dur="1" fill="hold">
+                                          <p:stCondLst>
+                                            <p:cond delay="0"/>
+                                          </p:stCondLst>
+                                        </p:cTn>
+                                        <p:tgtEl>
+                                          <p:spTgt spid="3">
+                                            <p:txEl>
+                                              <p:pRg st="2" end="2"/>
+                                            </p:txEl>
+                                          </p:spTgt>
+                                        </p:tgtEl>
+                                        <p:attrNameLst>
+                                          <p:attrName>style.visibility</p:attrName>
+                                        </p:attrNameLst>
+                                      </p:cBhvr>
+                                      <p:to>
+                                        <p:strVal val="visible"/>
+                                      </p:to>
+                                    </p:set>
+                                    <p:animEffect transition="in" filter="fade">
+                                      <p:cBhvr>
+                                        <p:cTn id="15" dur="500"/>
+                                        <p:tgtEl>
+                                          <p:spTgt spid="3">
+                                            <p:txEl>
+                                              <p:pRg st="2" end="2"/>
+                                            </p:txEl>
+                                          </p:spTgt>
+                                        </p:tgtEl>
+                                      </p:cBhvr>
+                                    </p:animEffect>
+                                  </p:childTnLst>
+                                </p:cTn>
+                              </p:par>
+                            </p:childTnLst>
+                          </p:cTn>
+                        </p:par>
+                        <p:par>
+                          <p:cTn id="16" fill="hold">
+                            <p:stCondLst>
+                              <p:cond delay="1500"/>
+                            </p:stCondLst>
+                            <p:childTnLst>
+                              <p:par>
+                                <p:cTn id="17" presetID="10" presetClass="entr" presetSubtype="0" fill="hold" nodeType="afterEffect">
+                                  <p:stCondLst>
+                                    <p:cond delay="0"/>
+                                  </p:stCondLst>
+                                  <p:childTnLst>
+                                    <p:set>
+                                      <p:cBhvr>
+                                        <p:cTn id="18" dur="1" fill="hold">
+                                          <p:stCondLst>
+                                            <p:cond delay="0"/>
+                                          </p:stCondLst>
+                                        </p:cTn>
+                                        <p:tgtEl>
+                                          <p:spTgt spid="3">
+                                            <p:txEl>
+                                              <p:pRg st="3" end="3"/>
+                                            </p:txEl>
+                                          </p:spTgt>
+                                        </p:tgtEl>
+                                        <p:attrNameLst>
+                                          <p:attrName>style.visibility</p:attrName>
+                                        </p:attrNameLst>
+                                      </p:cBhvr>
+                                      <p:to>
+                                        <p:strVal val="visible"/>
+                                      </p:to>
+                                    </p:set>
+                                    <p:animEffect transition="in" filter="fade">
+                                      <p:cBhvr>
+                                        <p:cTn id="19" dur="500"/>
+                                        <p:tgtEl>
+                                          <p:spTgt spid="3">
+                                            <p:txEl>
+                                              <p:pRg st="3" end="3"/>
+                                            </p:txEl>
+                                          </p:spTgt>
+                                        </p:tgtEl>
+                                      </p:cBhvr>
+                                    </p:animEffect>
+                                  </p:childTnLst>
+                                </p:cTn>
+                              </p:par>
+                            </p:childTnLst>
+                          </p:cTn>
+                        </p:par>
+                        <p:par>
+                          <p:cTn id="20" fill="hold">
+                            <p:stCondLst>
+                              <p:cond delay="2000"/>
+                            </p:stCondLst>
+                            <p:childTnLst>
+                              <p:par>
+                                <p:cTn id="21" presetID="10" presetClass="entr" presetSubtype="0" fill="hold" nodeType="afterEffect">
+                                  <p:stCondLst>
+                                    <p:cond delay="0"/>
+                                  </p:stCondLst>
+                                  <p:childTnLst>
+                                    <p:set>
+                                      <p:cBhvr>
+                                        <p:cTn id="22" dur="1" fill="hold">
+                                          <p:stCondLst>
+                                            <p:cond delay="0"/>
+                                          </p:stCondLst>
+                                        </p:cTn>
+                                        <p:tgtEl>
+                                          <p:spTgt spid="3">
+                                            <p:txEl>
+                                              <p:pRg st="4" end="4"/>
+                                            </p:txEl>
+                                          </p:spTgt>
+                                        </p:tgtEl>
+                                        <p:attrNameLst>
+                                          <p:attrName>style.visibility</p:attrName>
+                                        </p:attrNameLst>
+                                      </p:cBhvr>
+                                      <p:to>
+                                        <p:strVal val="visible"/>
+                                      </p:to>
+                                    </p:set>
+                                    <p:animEffect transition="in" filter="fade">
+                                      <p:cBhvr>
+                                        <p:cTn id="23" dur="500"/>
+                                        <p:tgtEl>
+                                          <p:spTgt spid="3">
+                                            <p:txEl>
+                                              <p:pRg st="4" end="4"/>
+                                            </p:txEl>
+                                          </p:spTgt>
+                                        </p:tgtEl>
+                                      </p:cBhvr>
+                                    </p:animEffect>
+                                  </p:childTnLst>
+                                </p:cTn>
+                              </p:par>
+                            </p:childTnLst>
+                          </p:cTn>
+                        </p:par>
+                      </p:childTnLst>
+                    </p:cTn>
+                  </p:par>
+                  <p:par>
+                    <p:cTn id="24" fill="hold">
+                      <p:stCondLst>
+                        <p:cond delay="indefinite"/>
+                      </p:stCondLst>
+                      <p:childTnLst>
+                        <p:par>
+                          <p:cTn id="25" fill="hold">
+                            <p:stCondLst>
+                              <p:cond delay="0"/>
+                            </p:stCondLst>
+                            <p:childTnLst>
+                              <p:par>
+                                <p:cTn id="26" presetID="10" presetClass="entr" presetSubtype="0" fill="hold" nodeType="clickEffect">
+                                  <p:stCondLst>
+                                    <p:cond delay="0"/>
+                                  </p:stCondLst>
+                                  <p:childTnLst>
+                                    <p:set>
+                                      <p:cBhvr>
+                                        <p:cTn id="27" dur="1" fill="hold">
+                                          <p:stCondLst>
+                                            <p:cond delay="0"/>
+                                          </p:stCondLst>
+                                        </p:cTn>
+                                        <p:tgtEl>
+                                          <p:spTgt spid="6"/>
+                                        </p:tgtEl>
+                                        <p:attrNameLst>
+                                          <p:attrName>style.visibility</p:attrName>
+                                        </p:attrNameLst>
+                                      </p:cBhvr>
+                                      <p:to>
+                                        <p:strVal val="visible"/>
+                                      </p:to>
+                                    </p:set>
+                                    <p:animEffect transition="in" filter="fade">
+                                      <p:cBhvr>
+                                        <p:cTn id="28" dur="500"/>
+                                        <p:tgtEl>
+                                          <p:spTgt spid="6"/>
+                                        </p:tgtEl>
+                                      </p:cBhvr>
+                                    </p:animEffect>
+                                  </p:childTnLst>
+                                </p:cTn>
+                              </p:par>
+                            </p:childTnLst>
+                          </p:cTn>
+                        </p:par>
+                      </p:childTnLst>
+                    </p:cTn>
+                  </p:par>
+                </p:childTnLst>
+              </p:cTn>
+              <p:prevCondLst>
+                <p:cond evt="onPrev" delay="0">
+                  <p:tgtEl>
+                    <p:sldTgt/>
+                  </p:tgtEl>
+                </p:cond>
+              </p:prevCondLst>
+              <p:nextCondLst>
+                <p:cond evt="onNext" delay="0">
+                  <p:tgtEl>
+                    <p:sldTgt/>
+                  </p:tgtEl>
+                </p:cond>
+              </p:nextCondLst>
+            </p:seq>
+          </p:childTnLst>
+        </p:cTn>
+      </p:par>
+    </p:tnLst>
+  </p:timing>
 </p:sld>
 </file>
 
@@ -8576,7 +11482,7 @@
           <a:p>
             <a:fld id="{D54858DE-560A-4620-BED0-BDC41987FE40}" type="datetime1">
               <a:rPr lang="sl-SI" smtClean="0"/>
-              <a:t>15. 09. 2018</a:t>
+              <a:t>17. 09. 2018</a:t>
             </a:fld>
             <a:endParaRPr lang="sl-SI" dirty="0"/>
           </a:p>
@@ -8906,7 +11812,7 @@
           <a:p>
             <a:fld id="{1EA8BAFF-3608-4502-BC3A-889598DFF608}" type="datetime1">
               <a:rPr lang="sl-SI" smtClean="0"/>
-              <a:t>15. 09. 2018</a:t>
+              <a:t>17. 09. 2018</a:t>
             </a:fld>
             <a:endParaRPr lang="sl-SI" dirty="0"/>
           </a:p>
@@ -8934,6 +11840,360 @@
       </p:transition>
     </mc:Fallback>
   </mc:AlternateContent>
+  <p:timing>
+    <p:tnLst>
+      <p:par>
+        <p:cTn id="1" dur="indefinite" restart="never" nodeType="tmRoot">
+          <p:childTnLst>
+            <p:seq concurrent="1" nextAc="seek">
+              <p:cTn id="2" dur="indefinite" nodeType="mainSeq">
+                <p:childTnLst>
+                  <p:par>
+                    <p:cTn id="3" fill="hold">
+                      <p:stCondLst>
+                        <p:cond delay="indefinite"/>
+                        <p:cond evt="onBegin" delay="0">
+                          <p:tn val="2"/>
+                        </p:cond>
+                      </p:stCondLst>
+                      <p:childTnLst>
+                        <p:par>
+                          <p:cTn id="4" fill="hold">
+                            <p:stCondLst>
+                              <p:cond delay="0"/>
+                            </p:stCondLst>
+                            <p:childTnLst>
+                              <p:par>
+                                <p:cTn id="5" presetID="10" presetClass="entr" presetSubtype="0" fill="hold" nodeType="afterEffect">
+                                  <p:stCondLst>
+                                    <p:cond delay="0"/>
+                                  </p:stCondLst>
+                                  <p:childTnLst>
+                                    <p:set>
+                                      <p:cBhvr>
+                                        <p:cTn id="6" dur="1" fill="hold">
+                                          <p:stCondLst>
+                                            <p:cond delay="0"/>
+                                          </p:stCondLst>
+                                        </p:cTn>
+                                        <p:tgtEl>
+                                          <p:spTgt spid="3">
+                                            <p:txEl>
+                                              <p:pRg st="0" end="0"/>
+                                            </p:txEl>
+                                          </p:spTgt>
+                                        </p:tgtEl>
+                                        <p:attrNameLst>
+                                          <p:attrName>style.visibility</p:attrName>
+                                        </p:attrNameLst>
+                                      </p:cBhvr>
+                                      <p:to>
+                                        <p:strVal val="visible"/>
+                                      </p:to>
+                                    </p:set>
+                                    <p:animEffect transition="in" filter="fade">
+                                      <p:cBhvr>
+                                        <p:cTn id="7" dur="500"/>
+                                        <p:tgtEl>
+                                          <p:spTgt spid="3">
+                                            <p:txEl>
+                                              <p:pRg st="0" end="0"/>
+                                            </p:txEl>
+                                          </p:spTgt>
+                                        </p:tgtEl>
+                                      </p:cBhvr>
+                                    </p:animEffect>
+                                  </p:childTnLst>
+                                </p:cTn>
+                              </p:par>
+                            </p:childTnLst>
+                          </p:cTn>
+                        </p:par>
+                        <p:par>
+                          <p:cTn id="8" fill="hold">
+                            <p:stCondLst>
+                              <p:cond delay="500"/>
+                            </p:stCondLst>
+                            <p:childTnLst>
+                              <p:par>
+                                <p:cTn id="9" presetID="10" presetClass="entr" presetSubtype="0" fill="hold" nodeType="afterEffect">
+                                  <p:stCondLst>
+                                    <p:cond delay="0"/>
+                                  </p:stCondLst>
+                                  <p:childTnLst>
+                                    <p:set>
+                                      <p:cBhvr>
+                                        <p:cTn id="10" dur="1" fill="hold">
+                                          <p:stCondLst>
+                                            <p:cond delay="0"/>
+                                          </p:stCondLst>
+                                        </p:cTn>
+                                        <p:tgtEl>
+                                          <p:spTgt spid="3">
+                                            <p:txEl>
+                                              <p:pRg st="1" end="1"/>
+                                            </p:txEl>
+                                          </p:spTgt>
+                                        </p:tgtEl>
+                                        <p:attrNameLst>
+                                          <p:attrName>style.visibility</p:attrName>
+                                        </p:attrNameLst>
+                                      </p:cBhvr>
+                                      <p:to>
+                                        <p:strVal val="visible"/>
+                                      </p:to>
+                                    </p:set>
+                                    <p:animEffect transition="in" filter="fade">
+                                      <p:cBhvr>
+                                        <p:cTn id="11" dur="500"/>
+                                        <p:tgtEl>
+                                          <p:spTgt spid="3">
+                                            <p:txEl>
+                                              <p:pRg st="1" end="1"/>
+                                            </p:txEl>
+                                          </p:spTgt>
+                                        </p:tgtEl>
+                                      </p:cBhvr>
+                                    </p:animEffect>
+                                  </p:childTnLst>
+                                </p:cTn>
+                              </p:par>
+                            </p:childTnLst>
+                          </p:cTn>
+                        </p:par>
+                        <p:par>
+                          <p:cTn id="12" fill="hold">
+                            <p:stCondLst>
+                              <p:cond delay="1000"/>
+                            </p:stCondLst>
+                            <p:childTnLst>
+                              <p:par>
+                                <p:cTn id="13" presetID="10" presetClass="entr" presetSubtype="0" fill="hold" nodeType="afterEffect">
+                                  <p:stCondLst>
+                                    <p:cond delay="0"/>
+                                  </p:stCondLst>
+                                  <p:childTnLst>
+                                    <p:set>
+                                      <p:cBhvr>
+                                        <p:cTn id="14" dur="1" fill="hold">
+                                          <p:stCondLst>
+                                            <p:cond delay="0"/>
+                                          </p:stCondLst>
+                                        </p:cTn>
+                                        <p:tgtEl>
+                                          <p:spTgt spid="3">
+                                            <p:txEl>
+                                              <p:pRg st="2" end="2"/>
+                                            </p:txEl>
+                                          </p:spTgt>
+                                        </p:tgtEl>
+                                        <p:attrNameLst>
+                                          <p:attrName>style.visibility</p:attrName>
+                                        </p:attrNameLst>
+                                      </p:cBhvr>
+                                      <p:to>
+                                        <p:strVal val="visible"/>
+                                      </p:to>
+                                    </p:set>
+                                    <p:animEffect transition="in" filter="fade">
+                                      <p:cBhvr>
+                                        <p:cTn id="15" dur="500"/>
+                                        <p:tgtEl>
+                                          <p:spTgt spid="3">
+                                            <p:txEl>
+                                              <p:pRg st="2" end="2"/>
+                                            </p:txEl>
+                                          </p:spTgt>
+                                        </p:tgtEl>
+                                      </p:cBhvr>
+                                    </p:animEffect>
+                                  </p:childTnLst>
+                                </p:cTn>
+                              </p:par>
+                            </p:childTnLst>
+                          </p:cTn>
+                        </p:par>
+                        <p:par>
+                          <p:cTn id="16" fill="hold">
+                            <p:stCondLst>
+                              <p:cond delay="1500"/>
+                            </p:stCondLst>
+                            <p:childTnLst>
+                              <p:par>
+                                <p:cTn id="17" presetID="10" presetClass="entr" presetSubtype="0" fill="hold" nodeType="afterEffect">
+                                  <p:stCondLst>
+                                    <p:cond delay="0"/>
+                                  </p:stCondLst>
+                                  <p:childTnLst>
+                                    <p:set>
+                                      <p:cBhvr>
+                                        <p:cTn id="18" dur="1" fill="hold">
+                                          <p:stCondLst>
+                                            <p:cond delay="0"/>
+                                          </p:stCondLst>
+                                        </p:cTn>
+                                        <p:tgtEl>
+                                          <p:spTgt spid="3">
+                                            <p:txEl>
+                                              <p:pRg st="3" end="3"/>
+                                            </p:txEl>
+                                          </p:spTgt>
+                                        </p:tgtEl>
+                                        <p:attrNameLst>
+                                          <p:attrName>style.visibility</p:attrName>
+                                        </p:attrNameLst>
+                                      </p:cBhvr>
+                                      <p:to>
+                                        <p:strVal val="visible"/>
+                                      </p:to>
+                                    </p:set>
+                                    <p:animEffect transition="in" filter="fade">
+                                      <p:cBhvr>
+                                        <p:cTn id="19" dur="500"/>
+                                        <p:tgtEl>
+                                          <p:spTgt spid="3">
+                                            <p:txEl>
+                                              <p:pRg st="3" end="3"/>
+                                            </p:txEl>
+                                          </p:spTgt>
+                                        </p:tgtEl>
+                                      </p:cBhvr>
+                                    </p:animEffect>
+                                  </p:childTnLst>
+                                </p:cTn>
+                              </p:par>
+                            </p:childTnLst>
+                          </p:cTn>
+                        </p:par>
+                        <p:par>
+                          <p:cTn id="20" fill="hold">
+                            <p:stCondLst>
+                              <p:cond delay="2000"/>
+                            </p:stCondLst>
+                            <p:childTnLst>
+                              <p:par>
+                                <p:cTn id="21" presetID="10" presetClass="entr" presetSubtype="0" fill="hold" nodeType="afterEffect">
+                                  <p:stCondLst>
+                                    <p:cond delay="0"/>
+                                  </p:stCondLst>
+                                  <p:childTnLst>
+                                    <p:set>
+                                      <p:cBhvr>
+                                        <p:cTn id="22" dur="1" fill="hold">
+                                          <p:stCondLst>
+                                            <p:cond delay="0"/>
+                                          </p:stCondLst>
+                                        </p:cTn>
+                                        <p:tgtEl>
+                                          <p:spTgt spid="3">
+                                            <p:txEl>
+                                              <p:pRg st="4" end="4"/>
+                                            </p:txEl>
+                                          </p:spTgt>
+                                        </p:tgtEl>
+                                        <p:attrNameLst>
+                                          <p:attrName>style.visibility</p:attrName>
+                                        </p:attrNameLst>
+                                      </p:cBhvr>
+                                      <p:to>
+                                        <p:strVal val="visible"/>
+                                      </p:to>
+                                    </p:set>
+                                    <p:animEffect transition="in" filter="fade">
+                                      <p:cBhvr>
+                                        <p:cTn id="23" dur="500"/>
+                                        <p:tgtEl>
+                                          <p:spTgt spid="3">
+                                            <p:txEl>
+                                              <p:pRg st="4" end="4"/>
+                                            </p:txEl>
+                                          </p:spTgt>
+                                        </p:tgtEl>
+                                      </p:cBhvr>
+                                    </p:animEffect>
+                                  </p:childTnLst>
+                                </p:cTn>
+                              </p:par>
+                            </p:childTnLst>
+                          </p:cTn>
+                        </p:par>
+                        <p:par>
+                          <p:cTn id="24" fill="hold">
+                            <p:stCondLst>
+                              <p:cond delay="2500"/>
+                            </p:stCondLst>
+                            <p:childTnLst>
+                              <p:par>
+                                <p:cTn id="25" presetID="10" presetClass="entr" presetSubtype="0" fill="hold" nodeType="afterEffect">
+                                  <p:stCondLst>
+                                    <p:cond delay="0"/>
+                                  </p:stCondLst>
+                                  <p:childTnLst>
+                                    <p:set>
+                                      <p:cBhvr>
+                                        <p:cTn id="26" dur="1" fill="hold">
+                                          <p:stCondLst>
+                                            <p:cond delay="0"/>
+                                          </p:stCondLst>
+                                        </p:cTn>
+                                        <p:tgtEl>
+                                          <p:spTgt spid="3">
+                                            <p:txEl>
+                                              <p:pRg st="5" end="5"/>
+                                            </p:txEl>
+                                          </p:spTgt>
+                                        </p:tgtEl>
+                                        <p:attrNameLst>
+                                          <p:attrName>style.visibility</p:attrName>
+                                        </p:attrNameLst>
+                                      </p:cBhvr>
+                                      <p:to>
+                                        <p:strVal val="visible"/>
+                                      </p:to>
+                                    </p:set>
+                                    <p:animEffect transition="in" filter="fade">
+                                      <p:cBhvr>
+                                        <p:cTn id="27" dur="500"/>
+                                        <p:tgtEl>
+                                          <p:spTgt spid="3">
+                                            <p:txEl>
+                                              <p:pRg st="5" end="5"/>
+                                            </p:txEl>
+                                          </p:spTgt>
+                                        </p:tgtEl>
+                                      </p:cBhvr>
+                                    </p:animEffect>
+                                  </p:childTnLst>
+                                </p:cTn>
+                              </p:par>
+                            </p:childTnLst>
+                          </p:cTn>
+                        </p:par>
+                      </p:childTnLst>
+                    </p:cTn>
+                  </p:par>
+                </p:childTnLst>
+              </p:cTn>
+              <p:prevCondLst>
+                <p:cond evt="onPrev" delay="0">
+                  <p:tgtEl>
+                    <p:sldTgt/>
+                  </p:tgtEl>
+                </p:cond>
+              </p:prevCondLst>
+              <p:nextCondLst>
+                <p:cond evt="onNext" delay="0">
+                  <p:tgtEl>
+                    <p:sldTgt/>
+                  </p:tgtEl>
+                </p:cond>
+              </p:nextCondLst>
+            </p:seq>
+          </p:childTnLst>
+        </p:cTn>
+      </p:par>
+    </p:tnLst>
+  </p:timing>
 </p:sld>
 </file>
 
@@ -9012,7 +12272,7 @@
           <a:p>
             <a:fld id="{129960F1-83AE-49EB-A506-FF67823A3F11}" type="datetime1">
               <a:rPr lang="sl-SI" smtClean="0"/>
-              <a:t>15. 09. 2018</a:t>
+              <a:t>17. 09. 2018</a:t>
             </a:fld>
             <a:endParaRPr lang="sl-SI" dirty="0"/>
           </a:p>
@@ -9126,7 +12386,7 @@
             </a:r>
             <a:r>
               <a:rPr lang="en-US" dirty="0" err="1"/>
-              <a:t>implementiran</a:t>
+              <a:t>implementirana</a:t>
             </a:r>
             <a:r>
               <a:rPr lang="en-US" dirty="0"/>
@@ -9156,25 +12416,18 @@
           </a:p>
           <a:p>
             <a:r>
-              <a:rPr lang="en-US" dirty="0"/>
-              <a:t>“</a:t>
-            </a:r>
-            <a:r>
-              <a:rPr lang="en-US" dirty="0" err="1"/>
+              <a:rPr lang="en-US" i="1" dirty="0" err="1"/>
               <a:t>Svetovni</a:t>
             </a:r>
             <a:r>
-              <a:rPr lang="en-US" dirty="0"/>
+              <a:rPr lang="en-US" i="1" dirty="0"/>
               <a:t> </a:t>
             </a:r>
             <a:r>
-              <a:rPr lang="en-US" dirty="0" err="1"/>
+              <a:rPr lang="en-US" i="1" dirty="0" err="1"/>
               <a:t>računalnik</a:t>
             </a:r>
-            <a:r>
-              <a:rPr lang="en-US" dirty="0"/>
-              <a:t>”</a:t>
-            </a:r>
+            <a:endParaRPr lang="en-US" i="1" dirty="0"/>
           </a:p>
           <a:p>
             <a:r>
@@ -9198,7 +12451,7 @@
             <a:pPr lvl="1"/>
             <a:r>
               <a:rPr lang="en-US" dirty="0" err="1"/>
-              <a:t>Identiteta</a:t>
+              <a:t>vsakdo</a:t>
             </a:r>
             <a:r>
               <a:rPr lang="en-US" dirty="0"/>
@@ -9206,15 +12459,39 @@
             </a:r>
             <a:r>
               <a:rPr lang="en-US" dirty="0" err="1"/>
-              <a:t>uporabnikov</a:t>
-            </a:r>
-            <a:r>
-              <a:rPr lang="en-US" dirty="0"/>
-              <a:t> je </a:t>
-            </a:r>
-            <a:r>
-              <a:rPr lang="en-US" dirty="0" err="1"/>
-              <a:t>skrita</a:t>
+              <a:t>lahko</a:t>
+            </a:r>
+            <a:r>
+              <a:rPr lang="en-US" dirty="0"/>
+              <a:t> </a:t>
+            </a:r>
+            <a:r>
+              <a:rPr lang="en-US" dirty="0" err="1"/>
+              <a:t>sodeluje</a:t>
+            </a:r>
+            <a:endParaRPr lang="en-US" dirty="0"/>
+          </a:p>
+          <a:p>
+            <a:pPr lvl="1"/>
+            <a:r>
+              <a:rPr lang="en-US" dirty="0" err="1"/>
+              <a:t>Vsi</a:t>
+            </a:r>
+            <a:r>
+              <a:rPr lang="en-US" dirty="0"/>
+              <a:t> </a:t>
+            </a:r>
+            <a:r>
+              <a:rPr lang="en-US" dirty="0" err="1"/>
+              <a:t>vidijo</a:t>
+            </a:r>
+            <a:r>
+              <a:rPr lang="en-US" dirty="0"/>
+              <a:t> </a:t>
+            </a:r>
+            <a:r>
+              <a:rPr lang="en-US" dirty="0" err="1"/>
+              <a:t>vse</a:t>
             </a:r>
             <a:endParaRPr lang="en-US" dirty="0"/>
           </a:p>
@@ -9243,7 +12520,7 @@
           <a:p>
             <a:fld id="{5E65172B-E285-4167-8EB3-D398A2F2CD7A}" type="datetime1">
               <a:rPr lang="sl-SI" smtClean="0"/>
-              <a:t>15. 09. 2018</a:t>
+              <a:t>17. 09. 2018</a:t>
             </a:fld>
             <a:endParaRPr lang="sl-SI" dirty="0"/>
           </a:p>
@@ -9271,6 +12548,360 @@
       </p:transition>
     </mc:Fallback>
   </mc:AlternateContent>
+  <p:timing>
+    <p:tnLst>
+      <p:par>
+        <p:cTn id="1" dur="indefinite" restart="never" nodeType="tmRoot">
+          <p:childTnLst>
+            <p:seq concurrent="1" nextAc="seek">
+              <p:cTn id="2" dur="indefinite" nodeType="mainSeq">
+                <p:childTnLst>
+                  <p:par>
+                    <p:cTn id="3" fill="hold">
+                      <p:stCondLst>
+                        <p:cond delay="indefinite"/>
+                        <p:cond evt="onBegin" delay="0">
+                          <p:tn val="2"/>
+                        </p:cond>
+                      </p:stCondLst>
+                      <p:childTnLst>
+                        <p:par>
+                          <p:cTn id="4" fill="hold">
+                            <p:stCondLst>
+                              <p:cond delay="0"/>
+                            </p:stCondLst>
+                            <p:childTnLst>
+                              <p:par>
+                                <p:cTn id="5" presetID="10" presetClass="entr" presetSubtype="0" fill="hold" nodeType="afterEffect">
+                                  <p:stCondLst>
+                                    <p:cond delay="0"/>
+                                  </p:stCondLst>
+                                  <p:childTnLst>
+                                    <p:set>
+                                      <p:cBhvr>
+                                        <p:cTn id="6" dur="1" fill="hold">
+                                          <p:stCondLst>
+                                            <p:cond delay="0"/>
+                                          </p:stCondLst>
+                                        </p:cTn>
+                                        <p:tgtEl>
+                                          <p:spTgt spid="3">
+                                            <p:txEl>
+                                              <p:pRg st="0" end="0"/>
+                                            </p:txEl>
+                                          </p:spTgt>
+                                        </p:tgtEl>
+                                        <p:attrNameLst>
+                                          <p:attrName>style.visibility</p:attrName>
+                                        </p:attrNameLst>
+                                      </p:cBhvr>
+                                      <p:to>
+                                        <p:strVal val="visible"/>
+                                      </p:to>
+                                    </p:set>
+                                    <p:animEffect transition="in" filter="fade">
+                                      <p:cBhvr>
+                                        <p:cTn id="7" dur="500"/>
+                                        <p:tgtEl>
+                                          <p:spTgt spid="3">
+                                            <p:txEl>
+                                              <p:pRg st="0" end="0"/>
+                                            </p:txEl>
+                                          </p:spTgt>
+                                        </p:tgtEl>
+                                      </p:cBhvr>
+                                    </p:animEffect>
+                                  </p:childTnLst>
+                                </p:cTn>
+                              </p:par>
+                            </p:childTnLst>
+                          </p:cTn>
+                        </p:par>
+                        <p:par>
+                          <p:cTn id="8" fill="hold">
+                            <p:stCondLst>
+                              <p:cond delay="500"/>
+                            </p:stCondLst>
+                            <p:childTnLst>
+                              <p:par>
+                                <p:cTn id="9" presetID="10" presetClass="entr" presetSubtype="0" fill="hold" nodeType="afterEffect">
+                                  <p:stCondLst>
+                                    <p:cond delay="0"/>
+                                  </p:stCondLst>
+                                  <p:childTnLst>
+                                    <p:set>
+                                      <p:cBhvr>
+                                        <p:cTn id="10" dur="1" fill="hold">
+                                          <p:stCondLst>
+                                            <p:cond delay="0"/>
+                                          </p:stCondLst>
+                                        </p:cTn>
+                                        <p:tgtEl>
+                                          <p:spTgt spid="3">
+                                            <p:txEl>
+                                              <p:pRg st="1" end="1"/>
+                                            </p:txEl>
+                                          </p:spTgt>
+                                        </p:tgtEl>
+                                        <p:attrNameLst>
+                                          <p:attrName>style.visibility</p:attrName>
+                                        </p:attrNameLst>
+                                      </p:cBhvr>
+                                      <p:to>
+                                        <p:strVal val="visible"/>
+                                      </p:to>
+                                    </p:set>
+                                    <p:animEffect transition="in" filter="fade">
+                                      <p:cBhvr>
+                                        <p:cTn id="11" dur="500"/>
+                                        <p:tgtEl>
+                                          <p:spTgt spid="3">
+                                            <p:txEl>
+                                              <p:pRg st="1" end="1"/>
+                                            </p:txEl>
+                                          </p:spTgt>
+                                        </p:tgtEl>
+                                      </p:cBhvr>
+                                    </p:animEffect>
+                                  </p:childTnLst>
+                                </p:cTn>
+                              </p:par>
+                            </p:childTnLst>
+                          </p:cTn>
+                        </p:par>
+                        <p:par>
+                          <p:cTn id="12" fill="hold">
+                            <p:stCondLst>
+                              <p:cond delay="1000"/>
+                            </p:stCondLst>
+                            <p:childTnLst>
+                              <p:par>
+                                <p:cTn id="13" presetID="10" presetClass="entr" presetSubtype="0" fill="hold" nodeType="afterEffect">
+                                  <p:stCondLst>
+                                    <p:cond delay="0"/>
+                                  </p:stCondLst>
+                                  <p:childTnLst>
+                                    <p:set>
+                                      <p:cBhvr>
+                                        <p:cTn id="14" dur="1" fill="hold">
+                                          <p:stCondLst>
+                                            <p:cond delay="0"/>
+                                          </p:stCondLst>
+                                        </p:cTn>
+                                        <p:tgtEl>
+                                          <p:spTgt spid="3">
+                                            <p:txEl>
+                                              <p:pRg st="2" end="2"/>
+                                            </p:txEl>
+                                          </p:spTgt>
+                                        </p:tgtEl>
+                                        <p:attrNameLst>
+                                          <p:attrName>style.visibility</p:attrName>
+                                        </p:attrNameLst>
+                                      </p:cBhvr>
+                                      <p:to>
+                                        <p:strVal val="visible"/>
+                                      </p:to>
+                                    </p:set>
+                                    <p:animEffect transition="in" filter="fade">
+                                      <p:cBhvr>
+                                        <p:cTn id="15" dur="500"/>
+                                        <p:tgtEl>
+                                          <p:spTgt spid="3">
+                                            <p:txEl>
+                                              <p:pRg st="2" end="2"/>
+                                            </p:txEl>
+                                          </p:spTgt>
+                                        </p:tgtEl>
+                                      </p:cBhvr>
+                                    </p:animEffect>
+                                  </p:childTnLst>
+                                </p:cTn>
+                              </p:par>
+                            </p:childTnLst>
+                          </p:cTn>
+                        </p:par>
+                        <p:par>
+                          <p:cTn id="16" fill="hold">
+                            <p:stCondLst>
+                              <p:cond delay="1500"/>
+                            </p:stCondLst>
+                            <p:childTnLst>
+                              <p:par>
+                                <p:cTn id="17" presetID="10" presetClass="entr" presetSubtype="0" fill="hold" nodeType="afterEffect">
+                                  <p:stCondLst>
+                                    <p:cond delay="0"/>
+                                  </p:stCondLst>
+                                  <p:childTnLst>
+                                    <p:set>
+                                      <p:cBhvr>
+                                        <p:cTn id="18" dur="1" fill="hold">
+                                          <p:stCondLst>
+                                            <p:cond delay="0"/>
+                                          </p:stCondLst>
+                                        </p:cTn>
+                                        <p:tgtEl>
+                                          <p:spTgt spid="3">
+                                            <p:txEl>
+                                              <p:pRg st="3" end="3"/>
+                                            </p:txEl>
+                                          </p:spTgt>
+                                        </p:tgtEl>
+                                        <p:attrNameLst>
+                                          <p:attrName>style.visibility</p:attrName>
+                                        </p:attrNameLst>
+                                      </p:cBhvr>
+                                      <p:to>
+                                        <p:strVal val="visible"/>
+                                      </p:to>
+                                    </p:set>
+                                    <p:animEffect transition="in" filter="fade">
+                                      <p:cBhvr>
+                                        <p:cTn id="19" dur="500"/>
+                                        <p:tgtEl>
+                                          <p:spTgt spid="3">
+                                            <p:txEl>
+                                              <p:pRg st="3" end="3"/>
+                                            </p:txEl>
+                                          </p:spTgt>
+                                        </p:tgtEl>
+                                      </p:cBhvr>
+                                    </p:animEffect>
+                                  </p:childTnLst>
+                                </p:cTn>
+                              </p:par>
+                            </p:childTnLst>
+                          </p:cTn>
+                        </p:par>
+                        <p:par>
+                          <p:cTn id="20" fill="hold">
+                            <p:stCondLst>
+                              <p:cond delay="2000"/>
+                            </p:stCondLst>
+                            <p:childTnLst>
+                              <p:par>
+                                <p:cTn id="21" presetID="10" presetClass="entr" presetSubtype="0" fill="hold" nodeType="afterEffect">
+                                  <p:stCondLst>
+                                    <p:cond delay="0"/>
+                                  </p:stCondLst>
+                                  <p:childTnLst>
+                                    <p:set>
+                                      <p:cBhvr>
+                                        <p:cTn id="22" dur="1" fill="hold">
+                                          <p:stCondLst>
+                                            <p:cond delay="0"/>
+                                          </p:stCondLst>
+                                        </p:cTn>
+                                        <p:tgtEl>
+                                          <p:spTgt spid="3">
+                                            <p:txEl>
+                                              <p:pRg st="4" end="4"/>
+                                            </p:txEl>
+                                          </p:spTgt>
+                                        </p:tgtEl>
+                                        <p:attrNameLst>
+                                          <p:attrName>style.visibility</p:attrName>
+                                        </p:attrNameLst>
+                                      </p:cBhvr>
+                                      <p:to>
+                                        <p:strVal val="visible"/>
+                                      </p:to>
+                                    </p:set>
+                                    <p:animEffect transition="in" filter="fade">
+                                      <p:cBhvr>
+                                        <p:cTn id="23" dur="500"/>
+                                        <p:tgtEl>
+                                          <p:spTgt spid="3">
+                                            <p:txEl>
+                                              <p:pRg st="4" end="4"/>
+                                            </p:txEl>
+                                          </p:spTgt>
+                                        </p:tgtEl>
+                                      </p:cBhvr>
+                                    </p:animEffect>
+                                  </p:childTnLst>
+                                </p:cTn>
+                              </p:par>
+                            </p:childTnLst>
+                          </p:cTn>
+                        </p:par>
+                        <p:par>
+                          <p:cTn id="24" fill="hold">
+                            <p:stCondLst>
+                              <p:cond delay="2500"/>
+                            </p:stCondLst>
+                            <p:childTnLst>
+                              <p:par>
+                                <p:cTn id="25" presetID="10" presetClass="entr" presetSubtype="0" fill="hold" nodeType="afterEffect">
+                                  <p:stCondLst>
+                                    <p:cond delay="0"/>
+                                  </p:stCondLst>
+                                  <p:childTnLst>
+                                    <p:set>
+                                      <p:cBhvr>
+                                        <p:cTn id="26" dur="1" fill="hold">
+                                          <p:stCondLst>
+                                            <p:cond delay="0"/>
+                                          </p:stCondLst>
+                                        </p:cTn>
+                                        <p:tgtEl>
+                                          <p:spTgt spid="3">
+                                            <p:txEl>
+                                              <p:pRg st="5" end="5"/>
+                                            </p:txEl>
+                                          </p:spTgt>
+                                        </p:tgtEl>
+                                        <p:attrNameLst>
+                                          <p:attrName>style.visibility</p:attrName>
+                                        </p:attrNameLst>
+                                      </p:cBhvr>
+                                      <p:to>
+                                        <p:strVal val="visible"/>
+                                      </p:to>
+                                    </p:set>
+                                    <p:animEffect transition="in" filter="fade">
+                                      <p:cBhvr>
+                                        <p:cTn id="27" dur="500"/>
+                                        <p:tgtEl>
+                                          <p:spTgt spid="3">
+                                            <p:txEl>
+                                              <p:pRg st="5" end="5"/>
+                                            </p:txEl>
+                                          </p:spTgt>
+                                        </p:tgtEl>
+                                      </p:cBhvr>
+                                    </p:animEffect>
+                                  </p:childTnLst>
+                                </p:cTn>
+                              </p:par>
+                            </p:childTnLst>
+                          </p:cTn>
+                        </p:par>
+                      </p:childTnLst>
+                    </p:cTn>
+                  </p:par>
+                </p:childTnLst>
+              </p:cTn>
+              <p:prevCondLst>
+                <p:cond evt="onPrev" delay="0">
+                  <p:tgtEl>
+                    <p:sldTgt/>
+                  </p:tgtEl>
+                </p:cond>
+              </p:prevCondLst>
+              <p:nextCondLst>
+                <p:cond evt="onNext" delay="0">
+                  <p:tgtEl>
+                    <p:sldTgt/>
+                  </p:tgtEl>
+                </p:cond>
+              </p:nextCondLst>
+            </p:seq>
+          </p:childTnLst>
+        </p:cTn>
+      </p:par>
+    </p:tnLst>
+  </p:timing>
 </p:sld>
 </file>
 
@@ -9407,6 +13038,22 @@
             <a:pPr lvl="1"/>
             <a:r>
               <a:rPr lang="en-US" dirty="0" err="1"/>
+              <a:t>Koncept</a:t>
+            </a:r>
+            <a:r>
+              <a:rPr lang="en-US" dirty="0"/>
+              <a:t> </a:t>
+            </a:r>
+            <a:r>
+              <a:rPr lang="en-US" dirty="0" err="1"/>
+              <a:t>kanalov</a:t>
+            </a:r>
+            <a:endParaRPr lang="en-US" dirty="0"/>
+          </a:p>
+          <a:p>
+            <a:pPr lvl="1"/>
+            <a:r>
+              <a:rPr lang="en-US" dirty="0" err="1"/>
               <a:t>Modularnost</a:t>
             </a:r>
             <a:r>
@@ -9503,7 +13150,7 @@
           <a:p>
             <a:fld id="{2EAD6C82-37A6-44FD-9A07-7556872C46D3}" type="datetime1">
               <a:rPr lang="sl-SI" smtClean="0"/>
-              <a:t>15. 09. 2018</a:t>
+              <a:t>17. 09. 2018</a:t>
             </a:fld>
             <a:endParaRPr lang="sl-SI" dirty="0"/>
           </a:p>
@@ -9531,6 +13178,360 @@
       </p:transition>
     </mc:Fallback>
   </mc:AlternateContent>
+  <p:timing>
+    <p:tnLst>
+      <p:par>
+        <p:cTn id="1" dur="indefinite" restart="never" nodeType="tmRoot">
+          <p:childTnLst>
+            <p:seq concurrent="1" nextAc="seek">
+              <p:cTn id="2" dur="indefinite" nodeType="mainSeq">
+                <p:childTnLst>
+                  <p:par>
+                    <p:cTn id="3" fill="hold">
+                      <p:stCondLst>
+                        <p:cond delay="indefinite"/>
+                        <p:cond evt="onBegin" delay="0">
+                          <p:tn val="2"/>
+                        </p:cond>
+                      </p:stCondLst>
+                      <p:childTnLst>
+                        <p:par>
+                          <p:cTn id="4" fill="hold">
+                            <p:stCondLst>
+                              <p:cond delay="0"/>
+                            </p:stCondLst>
+                            <p:childTnLst>
+                              <p:par>
+                                <p:cTn id="5" presetID="10" presetClass="entr" presetSubtype="0" fill="hold" nodeType="afterEffect">
+                                  <p:stCondLst>
+                                    <p:cond delay="0"/>
+                                  </p:stCondLst>
+                                  <p:childTnLst>
+                                    <p:set>
+                                      <p:cBhvr>
+                                        <p:cTn id="6" dur="1" fill="hold">
+                                          <p:stCondLst>
+                                            <p:cond delay="0"/>
+                                          </p:stCondLst>
+                                        </p:cTn>
+                                        <p:tgtEl>
+                                          <p:spTgt spid="3">
+                                            <p:txEl>
+                                              <p:pRg st="0" end="0"/>
+                                            </p:txEl>
+                                          </p:spTgt>
+                                        </p:tgtEl>
+                                        <p:attrNameLst>
+                                          <p:attrName>style.visibility</p:attrName>
+                                        </p:attrNameLst>
+                                      </p:cBhvr>
+                                      <p:to>
+                                        <p:strVal val="visible"/>
+                                      </p:to>
+                                    </p:set>
+                                    <p:animEffect transition="in" filter="fade">
+                                      <p:cBhvr>
+                                        <p:cTn id="7" dur="500"/>
+                                        <p:tgtEl>
+                                          <p:spTgt spid="3">
+                                            <p:txEl>
+                                              <p:pRg st="0" end="0"/>
+                                            </p:txEl>
+                                          </p:spTgt>
+                                        </p:tgtEl>
+                                      </p:cBhvr>
+                                    </p:animEffect>
+                                  </p:childTnLst>
+                                </p:cTn>
+                              </p:par>
+                            </p:childTnLst>
+                          </p:cTn>
+                        </p:par>
+                        <p:par>
+                          <p:cTn id="8" fill="hold">
+                            <p:stCondLst>
+                              <p:cond delay="500"/>
+                            </p:stCondLst>
+                            <p:childTnLst>
+                              <p:par>
+                                <p:cTn id="9" presetID="10" presetClass="entr" presetSubtype="0" fill="hold" nodeType="afterEffect">
+                                  <p:stCondLst>
+                                    <p:cond delay="0"/>
+                                  </p:stCondLst>
+                                  <p:childTnLst>
+                                    <p:set>
+                                      <p:cBhvr>
+                                        <p:cTn id="10" dur="1" fill="hold">
+                                          <p:stCondLst>
+                                            <p:cond delay="0"/>
+                                          </p:stCondLst>
+                                        </p:cTn>
+                                        <p:tgtEl>
+                                          <p:spTgt spid="3">
+                                            <p:txEl>
+                                              <p:pRg st="1" end="1"/>
+                                            </p:txEl>
+                                          </p:spTgt>
+                                        </p:tgtEl>
+                                        <p:attrNameLst>
+                                          <p:attrName>style.visibility</p:attrName>
+                                        </p:attrNameLst>
+                                      </p:cBhvr>
+                                      <p:to>
+                                        <p:strVal val="visible"/>
+                                      </p:to>
+                                    </p:set>
+                                    <p:animEffect transition="in" filter="fade">
+                                      <p:cBhvr>
+                                        <p:cTn id="11" dur="500"/>
+                                        <p:tgtEl>
+                                          <p:spTgt spid="3">
+                                            <p:txEl>
+                                              <p:pRg st="1" end="1"/>
+                                            </p:txEl>
+                                          </p:spTgt>
+                                        </p:tgtEl>
+                                      </p:cBhvr>
+                                    </p:animEffect>
+                                  </p:childTnLst>
+                                </p:cTn>
+                              </p:par>
+                            </p:childTnLst>
+                          </p:cTn>
+                        </p:par>
+                        <p:par>
+                          <p:cTn id="12" fill="hold">
+                            <p:stCondLst>
+                              <p:cond delay="1000"/>
+                            </p:stCondLst>
+                            <p:childTnLst>
+                              <p:par>
+                                <p:cTn id="13" presetID="10" presetClass="entr" presetSubtype="0" fill="hold" nodeType="afterEffect">
+                                  <p:stCondLst>
+                                    <p:cond delay="0"/>
+                                  </p:stCondLst>
+                                  <p:childTnLst>
+                                    <p:set>
+                                      <p:cBhvr>
+                                        <p:cTn id="14" dur="1" fill="hold">
+                                          <p:stCondLst>
+                                            <p:cond delay="0"/>
+                                          </p:stCondLst>
+                                        </p:cTn>
+                                        <p:tgtEl>
+                                          <p:spTgt spid="3">
+                                            <p:txEl>
+                                              <p:pRg st="2" end="2"/>
+                                            </p:txEl>
+                                          </p:spTgt>
+                                        </p:tgtEl>
+                                        <p:attrNameLst>
+                                          <p:attrName>style.visibility</p:attrName>
+                                        </p:attrNameLst>
+                                      </p:cBhvr>
+                                      <p:to>
+                                        <p:strVal val="visible"/>
+                                      </p:to>
+                                    </p:set>
+                                    <p:animEffect transition="in" filter="fade">
+                                      <p:cBhvr>
+                                        <p:cTn id="15" dur="500"/>
+                                        <p:tgtEl>
+                                          <p:spTgt spid="3">
+                                            <p:txEl>
+                                              <p:pRg st="2" end="2"/>
+                                            </p:txEl>
+                                          </p:spTgt>
+                                        </p:tgtEl>
+                                      </p:cBhvr>
+                                    </p:animEffect>
+                                  </p:childTnLst>
+                                </p:cTn>
+                              </p:par>
+                            </p:childTnLst>
+                          </p:cTn>
+                        </p:par>
+                        <p:par>
+                          <p:cTn id="16" fill="hold">
+                            <p:stCondLst>
+                              <p:cond delay="1500"/>
+                            </p:stCondLst>
+                            <p:childTnLst>
+                              <p:par>
+                                <p:cTn id="17" presetID="10" presetClass="entr" presetSubtype="0" fill="hold" nodeType="afterEffect">
+                                  <p:stCondLst>
+                                    <p:cond delay="0"/>
+                                  </p:stCondLst>
+                                  <p:childTnLst>
+                                    <p:set>
+                                      <p:cBhvr>
+                                        <p:cTn id="18" dur="1" fill="hold">
+                                          <p:stCondLst>
+                                            <p:cond delay="0"/>
+                                          </p:stCondLst>
+                                        </p:cTn>
+                                        <p:tgtEl>
+                                          <p:spTgt spid="3">
+                                            <p:txEl>
+                                              <p:pRg st="3" end="3"/>
+                                            </p:txEl>
+                                          </p:spTgt>
+                                        </p:tgtEl>
+                                        <p:attrNameLst>
+                                          <p:attrName>style.visibility</p:attrName>
+                                        </p:attrNameLst>
+                                      </p:cBhvr>
+                                      <p:to>
+                                        <p:strVal val="visible"/>
+                                      </p:to>
+                                    </p:set>
+                                    <p:animEffect transition="in" filter="fade">
+                                      <p:cBhvr>
+                                        <p:cTn id="19" dur="500"/>
+                                        <p:tgtEl>
+                                          <p:spTgt spid="3">
+                                            <p:txEl>
+                                              <p:pRg st="3" end="3"/>
+                                            </p:txEl>
+                                          </p:spTgt>
+                                        </p:tgtEl>
+                                      </p:cBhvr>
+                                    </p:animEffect>
+                                  </p:childTnLst>
+                                </p:cTn>
+                              </p:par>
+                            </p:childTnLst>
+                          </p:cTn>
+                        </p:par>
+                        <p:par>
+                          <p:cTn id="20" fill="hold">
+                            <p:stCondLst>
+                              <p:cond delay="2000"/>
+                            </p:stCondLst>
+                            <p:childTnLst>
+                              <p:par>
+                                <p:cTn id="21" presetID="10" presetClass="entr" presetSubtype="0" fill="hold" nodeType="afterEffect">
+                                  <p:stCondLst>
+                                    <p:cond delay="0"/>
+                                  </p:stCondLst>
+                                  <p:childTnLst>
+                                    <p:set>
+                                      <p:cBhvr>
+                                        <p:cTn id="22" dur="1" fill="hold">
+                                          <p:stCondLst>
+                                            <p:cond delay="0"/>
+                                          </p:stCondLst>
+                                        </p:cTn>
+                                        <p:tgtEl>
+                                          <p:spTgt spid="3">
+                                            <p:txEl>
+                                              <p:pRg st="4" end="4"/>
+                                            </p:txEl>
+                                          </p:spTgt>
+                                        </p:tgtEl>
+                                        <p:attrNameLst>
+                                          <p:attrName>style.visibility</p:attrName>
+                                        </p:attrNameLst>
+                                      </p:cBhvr>
+                                      <p:to>
+                                        <p:strVal val="visible"/>
+                                      </p:to>
+                                    </p:set>
+                                    <p:animEffect transition="in" filter="fade">
+                                      <p:cBhvr>
+                                        <p:cTn id="23" dur="500"/>
+                                        <p:tgtEl>
+                                          <p:spTgt spid="3">
+                                            <p:txEl>
+                                              <p:pRg st="4" end="4"/>
+                                            </p:txEl>
+                                          </p:spTgt>
+                                        </p:tgtEl>
+                                      </p:cBhvr>
+                                    </p:animEffect>
+                                  </p:childTnLst>
+                                </p:cTn>
+                              </p:par>
+                            </p:childTnLst>
+                          </p:cTn>
+                        </p:par>
+                        <p:par>
+                          <p:cTn id="24" fill="hold">
+                            <p:stCondLst>
+                              <p:cond delay="2500"/>
+                            </p:stCondLst>
+                            <p:childTnLst>
+                              <p:par>
+                                <p:cTn id="25" presetID="10" presetClass="entr" presetSubtype="0" fill="hold" nodeType="afterEffect">
+                                  <p:stCondLst>
+                                    <p:cond delay="0"/>
+                                  </p:stCondLst>
+                                  <p:childTnLst>
+                                    <p:set>
+                                      <p:cBhvr>
+                                        <p:cTn id="26" dur="1" fill="hold">
+                                          <p:stCondLst>
+                                            <p:cond delay="0"/>
+                                          </p:stCondLst>
+                                        </p:cTn>
+                                        <p:tgtEl>
+                                          <p:spTgt spid="3">
+                                            <p:txEl>
+                                              <p:pRg st="5" end="5"/>
+                                            </p:txEl>
+                                          </p:spTgt>
+                                        </p:tgtEl>
+                                        <p:attrNameLst>
+                                          <p:attrName>style.visibility</p:attrName>
+                                        </p:attrNameLst>
+                                      </p:cBhvr>
+                                      <p:to>
+                                        <p:strVal val="visible"/>
+                                      </p:to>
+                                    </p:set>
+                                    <p:animEffect transition="in" filter="fade">
+                                      <p:cBhvr>
+                                        <p:cTn id="27" dur="500"/>
+                                        <p:tgtEl>
+                                          <p:spTgt spid="3">
+                                            <p:txEl>
+                                              <p:pRg st="5" end="5"/>
+                                            </p:txEl>
+                                          </p:spTgt>
+                                        </p:tgtEl>
+                                      </p:cBhvr>
+                                    </p:animEffect>
+                                  </p:childTnLst>
+                                </p:cTn>
+                              </p:par>
+                            </p:childTnLst>
+                          </p:cTn>
+                        </p:par>
+                      </p:childTnLst>
+                    </p:cTn>
+                  </p:par>
+                </p:childTnLst>
+              </p:cTn>
+              <p:prevCondLst>
+                <p:cond evt="onPrev" delay="0">
+                  <p:tgtEl>
+                    <p:sldTgt/>
+                  </p:tgtEl>
+                </p:cond>
+              </p:prevCondLst>
+              <p:nextCondLst>
+                <p:cond evt="onNext" delay="0">
+                  <p:tgtEl>
+                    <p:sldTgt/>
+                  </p:tgtEl>
+                </p:cond>
+              </p:nextCondLst>
+            </p:seq>
+          </p:childTnLst>
+        </p:cTn>
+      </p:par>
+    </p:tnLst>
+  </p:timing>
 </p:sld>
 </file>
 
@@ -10485,151 +14486,6 @@
 </file>
 
 <file path=customXml/item1.xml><?xml version="1.0" encoding="utf-8"?>
-<?mso-contentType ?>
-<FormTemplates xmlns="http://schemas.microsoft.com/sharepoint/v3/contenttype/forms">
-  <Display>DocumentLibraryForm</Display>
-  <Edit>AssetEditForm</Edit>
-  <New>DocumentLibraryForm</New>
-</FormTemplates>
-</file>
-
-<file path=customXml/item2.xml><?xml version="1.0" encoding="utf-8"?>
-<p:properties xmlns:p="http://schemas.microsoft.com/office/2006/metadata/properties" xmlns:xsi="http://www.w3.org/2001/XMLSchema-instance" xmlns:pc="http://schemas.microsoft.com/office/infopath/2007/PartnerControls">
-  <documentManagement>
-    <LocPublishedLinkedAssetsLookup xmlns="4873beb7-5857-4685-be1f-d57550cc96cc" xsi:nil="true"/>
-    <ApprovalStatus xmlns="4873beb7-5857-4685-be1f-d57550cc96cc">InProgress</ApprovalStatus>
-    <MarketSpecific xmlns="4873beb7-5857-4685-be1f-d57550cc96cc">false</MarketSpecific>
-    <LocComments xmlns="4873beb7-5857-4685-be1f-d57550cc96cc" xsi:nil="true"/>
-    <LocLastLocAttemptVersionTypeLookup xmlns="4873beb7-5857-4685-be1f-d57550cc96cc" xsi:nil="true"/>
-    <DirectSourceMarket xmlns="4873beb7-5857-4685-be1f-d57550cc96cc" xsi:nil="true"/>
-    <ThumbnailAssetId xmlns="4873beb7-5857-4685-be1f-d57550cc96cc" xsi:nil="true"/>
-    <PrimaryImageGen xmlns="4873beb7-5857-4685-be1f-d57550cc96cc">false</PrimaryImageGen>
-    <LocNewPublishedVersionLookup xmlns="4873beb7-5857-4685-be1f-d57550cc96cc" xsi:nil="true"/>
-    <LegacyData xmlns="4873beb7-5857-4685-be1f-d57550cc96cc" xsi:nil="true"/>
-    <LocRecommendedHandoff xmlns="4873beb7-5857-4685-be1f-d57550cc96cc" xsi:nil="true"/>
-    <BusinessGroup xmlns="4873beb7-5857-4685-be1f-d57550cc96cc" xsi:nil="true"/>
-    <BlockPublish xmlns="4873beb7-5857-4685-be1f-d57550cc96cc">false</BlockPublish>
-    <TPFriendlyName xmlns="4873beb7-5857-4685-be1f-d57550cc96cc" xsi:nil="true"/>
-    <LocOverallPublishStatusLookup xmlns="4873beb7-5857-4685-be1f-d57550cc96cc" xsi:nil="true"/>
-    <NumericId xmlns="4873beb7-5857-4685-be1f-d57550cc96cc" xsi:nil="true"/>
-    <APEditor xmlns="4873beb7-5857-4685-be1f-d57550cc96cc">
-      <UserInfo>
-        <DisplayName/>
-        <AccountId xsi:nil="true"/>
-        <AccountType/>
-      </UserInfo>
-    </APEditor>
-    <SourceTitle xmlns="4873beb7-5857-4685-be1f-d57550cc96cc" xsi:nil="true"/>
-    <OpenTemplate xmlns="4873beb7-5857-4685-be1f-d57550cc96cc">true</OpenTemplate>
-    <LocOverallLocStatusLookup xmlns="4873beb7-5857-4685-be1f-d57550cc96cc" xsi:nil="true"/>
-    <UALocComments xmlns="4873beb7-5857-4685-be1f-d57550cc96cc" xsi:nil="true"/>
-    <ParentAssetId xmlns="4873beb7-5857-4685-be1f-d57550cc96cc" xsi:nil="true"/>
-    <IntlLangReviewDate xmlns="4873beb7-5857-4685-be1f-d57550cc96cc" xsi:nil="true"/>
-    <FeatureTagsTaxHTField0 xmlns="4873beb7-5857-4685-be1f-d57550cc96cc">
-      <Terms xmlns="http://schemas.microsoft.com/office/infopath/2007/PartnerControls"/>
-    </FeatureTagsTaxHTField0>
-    <PublishStatusLookup xmlns="4873beb7-5857-4685-be1f-d57550cc96cc">
-      <Value>1345093</Value>
-    </PublishStatusLookup>
-    <Providers xmlns="4873beb7-5857-4685-be1f-d57550cc96cc" xsi:nil="true"/>
-    <MachineTranslated xmlns="4873beb7-5857-4685-be1f-d57550cc96cc">false</MachineTranslated>
-    <OriginalSourceMarket xmlns="4873beb7-5857-4685-be1f-d57550cc96cc" xsi:nil="true"/>
-    <APDescription xmlns="4873beb7-5857-4685-be1f-d57550cc96cc">This simple template design works for technology and  businesses, but it's versatile enough to use in other contexts.  It features multiple slide layouts designed for widescreen (16x9 resolution) and includes a sample SmartArt list and chart that are easily editable.</APDescription>
-    <ClipArtFilename xmlns="4873beb7-5857-4685-be1f-d57550cc96cc" xsi:nil="true"/>
-    <ContentItem xmlns="4873beb7-5857-4685-be1f-d57550cc96cc" xsi:nil="true"/>
-    <TPInstallLocation xmlns="4873beb7-5857-4685-be1f-d57550cc96cc" xsi:nil="true"/>
-    <PublishTargets xmlns="4873beb7-5857-4685-be1f-d57550cc96cc">OfficeOnlineVNext</PublishTargets>
-    <TimesCloned xmlns="4873beb7-5857-4685-be1f-d57550cc96cc" xsi:nil="true"/>
-    <AssetStart xmlns="4873beb7-5857-4685-be1f-d57550cc96cc">2011-11-26T00:30:00+00:00</AssetStart>
-    <Provider xmlns="4873beb7-5857-4685-be1f-d57550cc96cc" xsi:nil="true"/>
-    <AcquiredFrom xmlns="4873beb7-5857-4685-be1f-d57550cc96cc">Internal MS</AcquiredFrom>
-    <FriendlyTitle xmlns="4873beb7-5857-4685-be1f-d57550cc96cc" xsi:nil="true"/>
-    <LastHandOff xmlns="4873beb7-5857-4685-be1f-d57550cc96cc" xsi:nil="true"/>
-    <TPClientViewer xmlns="4873beb7-5857-4685-be1f-d57550cc96cc" xsi:nil="true"/>
-    <TemplateStatus xmlns="4873beb7-5857-4685-be1f-d57550cc96cc">Complete</TemplateStatus>
-    <Downloads xmlns="4873beb7-5857-4685-be1f-d57550cc96cc">0</Downloads>
-    <OOCacheId xmlns="4873beb7-5857-4685-be1f-d57550cc96cc" xsi:nil="true"/>
-    <IsDeleted xmlns="4873beb7-5857-4685-be1f-d57550cc96cc">false</IsDeleted>
-    <LocPublishedDependentAssetsLookup xmlns="4873beb7-5857-4685-be1f-d57550cc96cc" xsi:nil="true"/>
-    <TPExecutable xmlns="4873beb7-5857-4685-be1f-d57550cc96cc" xsi:nil="true"/>
-    <EditorialTags xmlns="4873beb7-5857-4685-be1f-d57550cc96cc" xsi:nil="true"/>
-    <SubmitterId xmlns="4873beb7-5857-4685-be1f-d57550cc96cc" xsi:nil="true"/>
-    <ApprovalLog xmlns="4873beb7-5857-4685-be1f-d57550cc96cc" xsi:nil="true"/>
-    <AssetType xmlns="4873beb7-5857-4685-be1f-d57550cc96cc">TP</AssetType>
-    <BugNumber xmlns="4873beb7-5857-4685-be1f-d57550cc96cc" xsi:nil="true"/>
-    <CSXSubmissionDate xmlns="4873beb7-5857-4685-be1f-d57550cc96cc" xsi:nil="true"/>
-    <CSXUpdate xmlns="4873beb7-5857-4685-be1f-d57550cc96cc">false</CSXUpdate>
-    <Milestone xmlns="4873beb7-5857-4685-be1f-d57550cc96cc" xsi:nil="true"/>
-    <RecommendationsModifier xmlns="4873beb7-5857-4685-be1f-d57550cc96cc" xsi:nil="true"/>
-    <OriginAsset xmlns="4873beb7-5857-4685-be1f-d57550cc96cc" xsi:nil="true"/>
-    <TPComponent xmlns="4873beb7-5857-4685-be1f-d57550cc96cc" xsi:nil="true"/>
-    <AssetId xmlns="4873beb7-5857-4685-be1f-d57550cc96cc">TP102787989</AssetId>
-    <IntlLocPriority xmlns="4873beb7-5857-4685-be1f-d57550cc96cc" xsi:nil="true"/>
-    <PolicheckWords xmlns="4873beb7-5857-4685-be1f-d57550cc96cc" xsi:nil="true"/>
-    <TPLaunchHelpLink xmlns="4873beb7-5857-4685-be1f-d57550cc96cc" xsi:nil="true"/>
-    <TPApplication xmlns="4873beb7-5857-4685-be1f-d57550cc96cc" xsi:nil="true"/>
-    <CrawlForDependencies xmlns="4873beb7-5857-4685-be1f-d57550cc96cc">false</CrawlForDependencies>
-    <HandoffToMSDN xmlns="4873beb7-5857-4685-be1f-d57550cc96cc" xsi:nil="true"/>
-    <PlannedPubDate xmlns="4873beb7-5857-4685-be1f-d57550cc96cc" xsi:nil="true"/>
-    <IntlLangReviewer xmlns="4873beb7-5857-4685-be1f-d57550cc96cc" xsi:nil="true"/>
-    <TrustLevel xmlns="4873beb7-5857-4685-be1f-d57550cc96cc">1 Microsoft Managed Content</TrustLevel>
-    <LocLastLocAttemptVersionLookup xmlns="4873beb7-5857-4685-be1f-d57550cc96cc">694266</LocLastLocAttemptVersionLookup>
-    <LocProcessedForHandoffsLookup xmlns="4873beb7-5857-4685-be1f-d57550cc96cc" xsi:nil="true"/>
-    <IsSearchable xmlns="4873beb7-5857-4685-be1f-d57550cc96cc">true</IsSearchable>
-    <TemplateTemplateType xmlns="4873beb7-5857-4685-be1f-d57550cc96cc">PowerPoint Presentation Template</TemplateTemplateType>
-    <CampaignTagsTaxHTField0 xmlns="4873beb7-5857-4685-be1f-d57550cc96cc">
-      <Terms xmlns="http://schemas.microsoft.com/office/infopath/2007/PartnerControls"/>
-    </CampaignTagsTaxHTField0>
-    <TPNamespace xmlns="4873beb7-5857-4685-be1f-d57550cc96cc" xsi:nil="true"/>
-    <LocOverallPreviewStatusLookup xmlns="4873beb7-5857-4685-be1f-d57550cc96cc" xsi:nil="true"/>
-    <TaxCatchAll xmlns="4873beb7-5857-4685-be1f-d57550cc96cc"/>
-    <Markets xmlns="4873beb7-5857-4685-be1f-d57550cc96cc"/>
-    <UAProjectedTotalWords xmlns="4873beb7-5857-4685-be1f-d57550cc96cc" xsi:nil="true"/>
-    <IntlLangReview xmlns="4873beb7-5857-4685-be1f-d57550cc96cc" xsi:nil="true"/>
-    <OutputCachingOn xmlns="4873beb7-5857-4685-be1f-d57550cc96cc">false</OutputCachingOn>
-    <AverageRating xmlns="4873beb7-5857-4685-be1f-d57550cc96cc" xsi:nil="true"/>
-    <APAuthor xmlns="4873beb7-5857-4685-be1f-d57550cc96cc">
-      <UserInfo>
-        <DisplayName>REDMOND\kristaa</DisplayName>
-        <AccountId>136</AccountId>
-        <AccountType/>
-      </UserInfo>
-    </APAuthor>
-    <LocManualTestRequired xmlns="4873beb7-5857-4685-be1f-d57550cc96cc">false</LocManualTestRequired>
-    <TPCommandLine xmlns="4873beb7-5857-4685-be1f-d57550cc96cc" xsi:nil="true"/>
-    <TPAppVersion xmlns="4873beb7-5857-4685-be1f-d57550cc96cc" xsi:nil="true"/>
-    <EditorialStatus xmlns="4873beb7-5857-4685-be1f-d57550cc96cc">Complete</EditorialStatus>
-    <LastModifiedDateTime xmlns="4873beb7-5857-4685-be1f-d57550cc96cc" xsi:nil="true"/>
-    <ScenarioTagsTaxHTField0 xmlns="4873beb7-5857-4685-be1f-d57550cc96cc">
-      <Terms xmlns="http://schemas.microsoft.com/office/infopath/2007/PartnerControls"/>
-    </ScenarioTagsTaxHTField0>
-    <LocProcessedForMarketsLookup xmlns="4873beb7-5857-4685-be1f-d57550cc96cc" xsi:nil="true"/>
-    <TPLaunchHelpLinkType xmlns="4873beb7-5857-4685-be1f-d57550cc96cc">Template</TPLaunchHelpLinkType>
-    <OriginalRelease xmlns="4873beb7-5857-4685-be1f-d57550cc96cc">15</OriginalRelease>
-    <LocalizationTagsTaxHTField0 xmlns="4873beb7-5857-4685-be1f-d57550cc96cc">
-      <Terms xmlns="http://schemas.microsoft.com/office/infopath/2007/PartnerControls"/>
-    </LocalizationTagsTaxHTField0>
-    <UACurrentWords xmlns="4873beb7-5857-4685-be1f-d57550cc96cc" xsi:nil="true"/>
-    <ArtSampleDocs xmlns="4873beb7-5857-4685-be1f-d57550cc96cc" xsi:nil="true"/>
-    <UALocRecommendation xmlns="4873beb7-5857-4685-be1f-d57550cc96cc">Localize</UALocRecommendation>
-    <Manager xmlns="4873beb7-5857-4685-be1f-d57550cc96cc" xsi:nil="true"/>
-    <LocOverallHandbackStatusLookup xmlns="4873beb7-5857-4685-be1f-d57550cc96cc" xsi:nil="true"/>
-    <ShowIn xmlns="4873beb7-5857-4685-be1f-d57550cc96cc">Show everywhere</ShowIn>
-    <UANotes xmlns="4873beb7-5857-4685-be1f-d57550cc96cc" xsi:nil="true"/>
-    <InternalTagsTaxHTField0 xmlns="4873beb7-5857-4685-be1f-d57550cc96cc">
-      <Terms xmlns="http://schemas.microsoft.com/office/infopath/2007/PartnerControls"/>
-    </InternalTagsTaxHTField0>
-    <CSXHash xmlns="4873beb7-5857-4685-be1f-d57550cc96cc" xsi:nil="true"/>
-    <VoteCount xmlns="4873beb7-5857-4685-be1f-d57550cc96cc" xsi:nil="true"/>
-    <AssetExpire xmlns="4873beb7-5857-4685-be1f-d57550cc96cc">2029-05-12T07:00:00+00:00</AssetExpire>
-    <DSATActionTaken xmlns="4873beb7-5857-4685-be1f-d57550cc96cc" xsi:nil="true"/>
-    <CSXSubmissionMarket xmlns="4873beb7-5857-4685-be1f-d57550cc96cc" xsi:nil="true"/>
-    <LocMarketGroupTiers2 xmlns="4873beb7-5857-4685-be1f-d57550cc96cc" xsi:nil="true"/>
-  </documentManagement>
-</p:properties>
-</file>
-
-<file path=customXml/item3.xml><?xml version="1.0" encoding="utf-8"?>
 <ct:contentTypeSchema xmlns:ct="http://schemas.microsoft.com/office/2006/metadata/contentType" xmlns:ma="http://schemas.microsoft.com/office/2006/metadata/properties/metaAttributes" ct:_="" ma:_="" ma:contentTypeName="TemplateFile" ma:contentTypeID="0x0101006EDDDB5EE6D98C44930B742096920B300400F5B6D36B3EF94B4E9A635CDF2A18F5B8" ma:contentTypeVersion="72" ma:contentTypeDescription="Create a new document." ma:contentTypeScope="" ma:versionID="a23e56308344d904b51738559c3d67c9">
   <xsd:schema xmlns:xsd="http://www.w3.org/2001/XMLSchema" xmlns:xs="http://www.w3.org/2001/XMLSchema" xmlns:p="http://schemas.microsoft.com/office/2006/metadata/properties" xmlns:ns2="4873beb7-5857-4685-be1f-d57550cc96cc" targetNamespace="http://schemas.microsoft.com/office/2006/metadata/properties" ma:root="true" ma:fieldsID="cd0908cc4600e77bf5da051303e00c8d" ns2:_="">
     <xsd:import namespace="4873beb7-5857-4685-be1f-d57550cc96cc"/>
@@ -11669,10 +15525,165 @@
 </ct:contentTypeSchema>
 </file>
 
+<file path=customXml/item2.xml><?xml version="1.0" encoding="utf-8"?>
+<p:properties xmlns:p="http://schemas.microsoft.com/office/2006/metadata/properties" xmlns:xsi="http://www.w3.org/2001/XMLSchema-instance" xmlns:pc="http://schemas.microsoft.com/office/infopath/2007/PartnerControls">
+  <documentManagement>
+    <LocPublishedLinkedAssetsLookup xmlns="4873beb7-5857-4685-be1f-d57550cc96cc" xsi:nil="true"/>
+    <ApprovalStatus xmlns="4873beb7-5857-4685-be1f-d57550cc96cc">InProgress</ApprovalStatus>
+    <MarketSpecific xmlns="4873beb7-5857-4685-be1f-d57550cc96cc">false</MarketSpecific>
+    <LocComments xmlns="4873beb7-5857-4685-be1f-d57550cc96cc" xsi:nil="true"/>
+    <LocLastLocAttemptVersionTypeLookup xmlns="4873beb7-5857-4685-be1f-d57550cc96cc" xsi:nil="true"/>
+    <DirectSourceMarket xmlns="4873beb7-5857-4685-be1f-d57550cc96cc" xsi:nil="true"/>
+    <ThumbnailAssetId xmlns="4873beb7-5857-4685-be1f-d57550cc96cc" xsi:nil="true"/>
+    <PrimaryImageGen xmlns="4873beb7-5857-4685-be1f-d57550cc96cc">false</PrimaryImageGen>
+    <LocNewPublishedVersionLookup xmlns="4873beb7-5857-4685-be1f-d57550cc96cc" xsi:nil="true"/>
+    <LegacyData xmlns="4873beb7-5857-4685-be1f-d57550cc96cc" xsi:nil="true"/>
+    <LocRecommendedHandoff xmlns="4873beb7-5857-4685-be1f-d57550cc96cc" xsi:nil="true"/>
+    <BusinessGroup xmlns="4873beb7-5857-4685-be1f-d57550cc96cc" xsi:nil="true"/>
+    <BlockPublish xmlns="4873beb7-5857-4685-be1f-d57550cc96cc">false</BlockPublish>
+    <TPFriendlyName xmlns="4873beb7-5857-4685-be1f-d57550cc96cc" xsi:nil="true"/>
+    <LocOverallPublishStatusLookup xmlns="4873beb7-5857-4685-be1f-d57550cc96cc" xsi:nil="true"/>
+    <NumericId xmlns="4873beb7-5857-4685-be1f-d57550cc96cc" xsi:nil="true"/>
+    <APEditor xmlns="4873beb7-5857-4685-be1f-d57550cc96cc">
+      <UserInfo>
+        <DisplayName/>
+        <AccountId xsi:nil="true"/>
+        <AccountType/>
+      </UserInfo>
+    </APEditor>
+    <SourceTitle xmlns="4873beb7-5857-4685-be1f-d57550cc96cc" xsi:nil="true"/>
+    <OpenTemplate xmlns="4873beb7-5857-4685-be1f-d57550cc96cc">true</OpenTemplate>
+    <LocOverallLocStatusLookup xmlns="4873beb7-5857-4685-be1f-d57550cc96cc" xsi:nil="true"/>
+    <UALocComments xmlns="4873beb7-5857-4685-be1f-d57550cc96cc" xsi:nil="true"/>
+    <ParentAssetId xmlns="4873beb7-5857-4685-be1f-d57550cc96cc" xsi:nil="true"/>
+    <IntlLangReviewDate xmlns="4873beb7-5857-4685-be1f-d57550cc96cc" xsi:nil="true"/>
+    <FeatureTagsTaxHTField0 xmlns="4873beb7-5857-4685-be1f-d57550cc96cc">
+      <Terms xmlns="http://schemas.microsoft.com/office/infopath/2007/PartnerControls"/>
+    </FeatureTagsTaxHTField0>
+    <PublishStatusLookup xmlns="4873beb7-5857-4685-be1f-d57550cc96cc">
+      <Value>1345093</Value>
+    </PublishStatusLookup>
+    <Providers xmlns="4873beb7-5857-4685-be1f-d57550cc96cc" xsi:nil="true"/>
+    <MachineTranslated xmlns="4873beb7-5857-4685-be1f-d57550cc96cc">false</MachineTranslated>
+    <OriginalSourceMarket xmlns="4873beb7-5857-4685-be1f-d57550cc96cc" xsi:nil="true"/>
+    <APDescription xmlns="4873beb7-5857-4685-be1f-d57550cc96cc">This simple template design works for technology and  businesses, but it's versatile enough to use in other contexts.  It features multiple slide layouts designed for widescreen (16x9 resolution) and includes a sample SmartArt list and chart that are easily editable.</APDescription>
+    <ClipArtFilename xmlns="4873beb7-5857-4685-be1f-d57550cc96cc" xsi:nil="true"/>
+    <ContentItem xmlns="4873beb7-5857-4685-be1f-d57550cc96cc" xsi:nil="true"/>
+    <TPInstallLocation xmlns="4873beb7-5857-4685-be1f-d57550cc96cc" xsi:nil="true"/>
+    <PublishTargets xmlns="4873beb7-5857-4685-be1f-d57550cc96cc">OfficeOnlineVNext</PublishTargets>
+    <TimesCloned xmlns="4873beb7-5857-4685-be1f-d57550cc96cc" xsi:nil="true"/>
+    <AssetStart xmlns="4873beb7-5857-4685-be1f-d57550cc96cc">2011-11-26T00:30:00+00:00</AssetStart>
+    <Provider xmlns="4873beb7-5857-4685-be1f-d57550cc96cc" xsi:nil="true"/>
+    <AcquiredFrom xmlns="4873beb7-5857-4685-be1f-d57550cc96cc">Internal MS</AcquiredFrom>
+    <FriendlyTitle xmlns="4873beb7-5857-4685-be1f-d57550cc96cc" xsi:nil="true"/>
+    <LastHandOff xmlns="4873beb7-5857-4685-be1f-d57550cc96cc" xsi:nil="true"/>
+    <TPClientViewer xmlns="4873beb7-5857-4685-be1f-d57550cc96cc" xsi:nil="true"/>
+    <TemplateStatus xmlns="4873beb7-5857-4685-be1f-d57550cc96cc">Complete</TemplateStatus>
+    <Downloads xmlns="4873beb7-5857-4685-be1f-d57550cc96cc">0</Downloads>
+    <OOCacheId xmlns="4873beb7-5857-4685-be1f-d57550cc96cc" xsi:nil="true"/>
+    <IsDeleted xmlns="4873beb7-5857-4685-be1f-d57550cc96cc">false</IsDeleted>
+    <LocPublishedDependentAssetsLookup xmlns="4873beb7-5857-4685-be1f-d57550cc96cc" xsi:nil="true"/>
+    <TPExecutable xmlns="4873beb7-5857-4685-be1f-d57550cc96cc" xsi:nil="true"/>
+    <EditorialTags xmlns="4873beb7-5857-4685-be1f-d57550cc96cc" xsi:nil="true"/>
+    <SubmitterId xmlns="4873beb7-5857-4685-be1f-d57550cc96cc" xsi:nil="true"/>
+    <ApprovalLog xmlns="4873beb7-5857-4685-be1f-d57550cc96cc" xsi:nil="true"/>
+    <AssetType xmlns="4873beb7-5857-4685-be1f-d57550cc96cc">TP</AssetType>
+    <BugNumber xmlns="4873beb7-5857-4685-be1f-d57550cc96cc" xsi:nil="true"/>
+    <CSXSubmissionDate xmlns="4873beb7-5857-4685-be1f-d57550cc96cc" xsi:nil="true"/>
+    <CSXUpdate xmlns="4873beb7-5857-4685-be1f-d57550cc96cc">false</CSXUpdate>
+    <Milestone xmlns="4873beb7-5857-4685-be1f-d57550cc96cc" xsi:nil="true"/>
+    <RecommendationsModifier xmlns="4873beb7-5857-4685-be1f-d57550cc96cc" xsi:nil="true"/>
+    <OriginAsset xmlns="4873beb7-5857-4685-be1f-d57550cc96cc" xsi:nil="true"/>
+    <TPComponent xmlns="4873beb7-5857-4685-be1f-d57550cc96cc" xsi:nil="true"/>
+    <AssetId xmlns="4873beb7-5857-4685-be1f-d57550cc96cc">TP102787989</AssetId>
+    <IntlLocPriority xmlns="4873beb7-5857-4685-be1f-d57550cc96cc" xsi:nil="true"/>
+    <PolicheckWords xmlns="4873beb7-5857-4685-be1f-d57550cc96cc" xsi:nil="true"/>
+    <TPLaunchHelpLink xmlns="4873beb7-5857-4685-be1f-d57550cc96cc" xsi:nil="true"/>
+    <TPApplication xmlns="4873beb7-5857-4685-be1f-d57550cc96cc" xsi:nil="true"/>
+    <CrawlForDependencies xmlns="4873beb7-5857-4685-be1f-d57550cc96cc">false</CrawlForDependencies>
+    <HandoffToMSDN xmlns="4873beb7-5857-4685-be1f-d57550cc96cc" xsi:nil="true"/>
+    <PlannedPubDate xmlns="4873beb7-5857-4685-be1f-d57550cc96cc" xsi:nil="true"/>
+    <IntlLangReviewer xmlns="4873beb7-5857-4685-be1f-d57550cc96cc" xsi:nil="true"/>
+    <TrustLevel xmlns="4873beb7-5857-4685-be1f-d57550cc96cc">1 Microsoft Managed Content</TrustLevel>
+    <LocLastLocAttemptVersionLookup xmlns="4873beb7-5857-4685-be1f-d57550cc96cc">694266</LocLastLocAttemptVersionLookup>
+    <LocProcessedForHandoffsLookup xmlns="4873beb7-5857-4685-be1f-d57550cc96cc" xsi:nil="true"/>
+    <IsSearchable xmlns="4873beb7-5857-4685-be1f-d57550cc96cc">true</IsSearchable>
+    <TemplateTemplateType xmlns="4873beb7-5857-4685-be1f-d57550cc96cc">PowerPoint Presentation Template</TemplateTemplateType>
+    <CampaignTagsTaxHTField0 xmlns="4873beb7-5857-4685-be1f-d57550cc96cc">
+      <Terms xmlns="http://schemas.microsoft.com/office/infopath/2007/PartnerControls"/>
+    </CampaignTagsTaxHTField0>
+    <TPNamespace xmlns="4873beb7-5857-4685-be1f-d57550cc96cc" xsi:nil="true"/>
+    <LocOverallPreviewStatusLookup xmlns="4873beb7-5857-4685-be1f-d57550cc96cc" xsi:nil="true"/>
+    <TaxCatchAll xmlns="4873beb7-5857-4685-be1f-d57550cc96cc"/>
+    <Markets xmlns="4873beb7-5857-4685-be1f-d57550cc96cc"/>
+    <UAProjectedTotalWords xmlns="4873beb7-5857-4685-be1f-d57550cc96cc" xsi:nil="true"/>
+    <IntlLangReview xmlns="4873beb7-5857-4685-be1f-d57550cc96cc" xsi:nil="true"/>
+    <OutputCachingOn xmlns="4873beb7-5857-4685-be1f-d57550cc96cc">false</OutputCachingOn>
+    <AverageRating xmlns="4873beb7-5857-4685-be1f-d57550cc96cc" xsi:nil="true"/>
+    <APAuthor xmlns="4873beb7-5857-4685-be1f-d57550cc96cc">
+      <UserInfo>
+        <DisplayName>REDMOND\kristaa</DisplayName>
+        <AccountId>136</AccountId>
+        <AccountType/>
+      </UserInfo>
+    </APAuthor>
+    <LocManualTestRequired xmlns="4873beb7-5857-4685-be1f-d57550cc96cc">false</LocManualTestRequired>
+    <TPCommandLine xmlns="4873beb7-5857-4685-be1f-d57550cc96cc" xsi:nil="true"/>
+    <TPAppVersion xmlns="4873beb7-5857-4685-be1f-d57550cc96cc" xsi:nil="true"/>
+    <EditorialStatus xmlns="4873beb7-5857-4685-be1f-d57550cc96cc">Complete</EditorialStatus>
+    <LastModifiedDateTime xmlns="4873beb7-5857-4685-be1f-d57550cc96cc" xsi:nil="true"/>
+    <ScenarioTagsTaxHTField0 xmlns="4873beb7-5857-4685-be1f-d57550cc96cc">
+      <Terms xmlns="http://schemas.microsoft.com/office/infopath/2007/PartnerControls"/>
+    </ScenarioTagsTaxHTField0>
+    <LocProcessedForMarketsLookup xmlns="4873beb7-5857-4685-be1f-d57550cc96cc" xsi:nil="true"/>
+    <TPLaunchHelpLinkType xmlns="4873beb7-5857-4685-be1f-d57550cc96cc">Template</TPLaunchHelpLinkType>
+    <OriginalRelease xmlns="4873beb7-5857-4685-be1f-d57550cc96cc">15</OriginalRelease>
+    <LocalizationTagsTaxHTField0 xmlns="4873beb7-5857-4685-be1f-d57550cc96cc">
+      <Terms xmlns="http://schemas.microsoft.com/office/infopath/2007/PartnerControls"/>
+    </LocalizationTagsTaxHTField0>
+    <UACurrentWords xmlns="4873beb7-5857-4685-be1f-d57550cc96cc" xsi:nil="true"/>
+    <ArtSampleDocs xmlns="4873beb7-5857-4685-be1f-d57550cc96cc" xsi:nil="true"/>
+    <UALocRecommendation xmlns="4873beb7-5857-4685-be1f-d57550cc96cc">Localize</UALocRecommendation>
+    <Manager xmlns="4873beb7-5857-4685-be1f-d57550cc96cc" xsi:nil="true"/>
+    <LocOverallHandbackStatusLookup xmlns="4873beb7-5857-4685-be1f-d57550cc96cc" xsi:nil="true"/>
+    <ShowIn xmlns="4873beb7-5857-4685-be1f-d57550cc96cc">Show everywhere</ShowIn>
+    <UANotes xmlns="4873beb7-5857-4685-be1f-d57550cc96cc" xsi:nil="true"/>
+    <InternalTagsTaxHTField0 xmlns="4873beb7-5857-4685-be1f-d57550cc96cc">
+      <Terms xmlns="http://schemas.microsoft.com/office/infopath/2007/PartnerControls"/>
+    </InternalTagsTaxHTField0>
+    <CSXHash xmlns="4873beb7-5857-4685-be1f-d57550cc96cc" xsi:nil="true"/>
+    <VoteCount xmlns="4873beb7-5857-4685-be1f-d57550cc96cc" xsi:nil="true"/>
+    <AssetExpire xmlns="4873beb7-5857-4685-be1f-d57550cc96cc">2029-05-12T07:00:00+00:00</AssetExpire>
+    <DSATActionTaken xmlns="4873beb7-5857-4685-be1f-d57550cc96cc" xsi:nil="true"/>
+    <CSXSubmissionMarket xmlns="4873beb7-5857-4685-be1f-d57550cc96cc" xsi:nil="true"/>
+    <LocMarketGroupTiers2 xmlns="4873beb7-5857-4685-be1f-d57550cc96cc" xsi:nil="true"/>
+  </documentManagement>
+</p:properties>
+</file>
+
+<file path=customXml/item3.xml><?xml version="1.0" encoding="utf-8"?>
+<?mso-contentType ?>
+<FormTemplates xmlns="http://schemas.microsoft.com/sharepoint/v3/contenttype/forms">
+  <Display>DocumentLibraryForm</Display>
+  <Edit>AssetEditForm</Edit>
+  <New>DocumentLibraryForm</New>
+</FormTemplates>
+</file>
+
 <file path=customXml/itemProps1.xml><?xml version="1.0" encoding="utf-8"?>
-<ds:datastoreItem xmlns:ds="http://schemas.openxmlformats.org/officeDocument/2006/customXml" ds:itemID="{3836F65B-1B07-41EE-A0E8-BC6EF3855225}">
+<ds:datastoreItem xmlns:ds="http://schemas.openxmlformats.org/officeDocument/2006/customXml" ds:itemID="{A09BF4D4-EF60-4196-BFC3-9462D607978C}">
   <ds:schemaRefs>
-    <ds:schemaRef ds:uri="http://schemas.microsoft.com/sharepoint/v3/contenttype/forms"/>
+    <ds:schemaRef ds:uri="http://schemas.microsoft.com/office/2006/metadata/contentType"/>
+    <ds:schemaRef ds:uri="http://schemas.microsoft.com/office/2006/metadata/properties/metaAttributes"/>
+    <ds:schemaRef ds:uri="http://www.w3.org/2001/XMLSchema"/>
+    <ds:schemaRef ds:uri="http://schemas.microsoft.com/office/2006/metadata/properties"/>
+    <ds:schemaRef ds:uri="4873beb7-5857-4685-be1f-d57550cc96cc"/>
+    <ds:schemaRef ds:uri="http://schemas.microsoft.com/office/2006/documentManagement/types"/>
+    <ds:schemaRef ds:uri="http://schemas.microsoft.com/office/infopath/2007/PartnerControls"/>
+    <ds:schemaRef ds:uri="http://schemas.openxmlformats.org/package/2006/metadata/core-properties"/>
+    <ds:schemaRef ds:uri="http://purl.org/dc/elements/1.1/"/>
+    <ds:schemaRef ds:uri="http://purl.org/dc/terms/"/>
+    <ds:schemaRef ds:uri="http://schemas.microsoft.com/internal/obd"/>
   </ds:schemaRefs>
 </ds:datastoreItem>
 </file>
@@ -11694,19 +15705,9 @@
 </file>
 
 <file path=customXml/itemProps3.xml><?xml version="1.0" encoding="utf-8"?>
-<ds:datastoreItem xmlns:ds="http://schemas.openxmlformats.org/officeDocument/2006/customXml" ds:itemID="{A09BF4D4-EF60-4196-BFC3-9462D607978C}">
+<ds:datastoreItem xmlns:ds="http://schemas.openxmlformats.org/officeDocument/2006/customXml" ds:itemID="{3836F65B-1B07-41EE-A0E8-BC6EF3855225}">
   <ds:schemaRefs>
-    <ds:schemaRef ds:uri="http://schemas.microsoft.com/office/2006/metadata/contentType"/>
-    <ds:schemaRef ds:uri="http://schemas.microsoft.com/office/2006/metadata/properties/metaAttributes"/>
-    <ds:schemaRef ds:uri="http://www.w3.org/2001/XMLSchema"/>
-    <ds:schemaRef ds:uri="http://schemas.microsoft.com/office/2006/metadata/properties"/>
-    <ds:schemaRef ds:uri="4873beb7-5857-4685-be1f-d57550cc96cc"/>
-    <ds:schemaRef ds:uri="http://schemas.microsoft.com/office/2006/documentManagement/types"/>
-    <ds:schemaRef ds:uri="http://schemas.microsoft.com/office/infopath/2007/PartnerControls"/>
-    <ds:schemaRef ds:uri="http://schemas.openxmlformats.org/package/2006/metadata/core-properties"/>
-    <ds:schemaRef ds:uri="http://purl.org/dc/elements/1.1/"/>
-    <ds:schemaRef ds:uri="http://purl.org/dc/terms/"/>
-    <ds:schemaRef ds:uri="http://schemas.microsoft.com/internal/obd"/>
+    <ds:schemaRef ds:uri="http://schemas.microsoft.com/sharepoint/v3/contenttype/forms"/>
   </ds:schemaRefs>
 </ds:datastoreItem>
 </file>